--- a/votes/2000/Predicting 2000 Presidential Election Results.pptx
+++ b/votes/2000/Predicting 2000 Presidential Election Results.pptx
@@ -4,11 +4,14 @@
   <p:sldMasterIdLst>
     <p:sldMasterId id="2147483648" r:id="rId1"/>
   </p:sldMasterIdLst>
+  <p:notesMasterIdLst>
+    <p:notesMasterId r:id="rId41"/>
+  </p:notesMasterIdLst>
   <p:sldIdLst>
     <p:sldId id="256" r:id="rId2"/>
     <p:sldId id="287" r:id="rId3"/>
-    <p:sldId id="289" r:id="rId4"/>
-    <p:sldId id="290" r:id="rId5"/>
+    <p:sldId id="324" r:id="rId4"/>
+    <p:sldId id="323" r:id="rId5"/>
     <p:sldId id="257" r:id="rId6"/>
     <p:sldId id="258" r:id="rId7"/>
     <p:sldId id="259" r:id="rId8"/>
@@ -26,17 +29,24 @@
     <p:sldId id="273" r:id="rId20"/>
     <p:sldId id="303" r:id="rId21"/>
     <p:sldId id="272" r:id="rId22"/>
-    <p:sldId id="305" r:id="rId23"/>
-    <p:sldId id="306" r:id="rId24"/>
-    <p:sldId id="307" r:id="rId25"/>
-    <p:sldId id="309" r:id="rId26"/>
-    <p:sldId id="311" r:id="rId27"/>
-    <p:sldId id="310" r:id="rId28"/>
-    <p:sldId id="312" r:id="rId29"/>
-    <p:sldId id="313" r:id="rId30"/>
-    <p:sldId id="277" r:id="rId31"/>
-    <p:sldId id="285" r:id="rId32"/>
-    <p:sldId id="274" r:id="rId33"/>
+    <p:sldId id="325" r:id="rId23"/>
+    <p:sldId id="305" r:id="rId24"/>
+    <p:sldId id="326" r:id="rId25"/>
+    <p:sldId id="306" r:id="rId26"/>
+    <p:sldId id="307" r:id="rId27"/>
+    <p:sldId id="309" r:id="rId28"/>
+    <p:sldId id="311" r:id="rId29"/>
+    <p:sldId id="310" r:id="rId30"/>
+    <p:sldId id="274" r:id="rId31"/>
+    <p:sldId id="319" r:id="rId32"/>
+    <p:sldId id="320" r:id="rId33"/>
+    <p:sldId id="321" r:id="rId34"/>
+    <p:sldId id="312" r:id="rId35"/>
+    <p:sldId id="313" r:id="rId36"/>
+    <p:sldId id="314" r:id="rId37"/>
+    <p:sldId id="317" r:id="rId38"/>
+    <p:sldId id="318" r:id="rId39"/>
+    <p:sldId id="322" r:id="rId40"/>
   </p:sldIdLst>
   <p:sldSz cx="12192000" cy="6858000"/>
   <p:notesSz cx="6858000" cy="9144000"/>
@@ -136,6 +146,355 @@
     </a:lvl9pPr>
   </p:defaultTextStyle>
 </p:presentation>
+</file>
+
+<file path=ppt/notesMasters/notesMaster1.xml><?xml version="1.0" encoding="utf-8"?>
+<p:notesMaster xmlns:a="http://schemas.openxmlformats.org/drawingml/2006/main" xmlns:r="http://schemas.openxmlformats.org/officeDocument/2006/relationships" xmlns:p="http://schemas.openxmlformats.org/presentationml/2006/main">
+  <p:cSld>
+    <p:bg>
+      <p:bgRef idx="1001">
+        <a:schemeClr val="bg1"/>
+      </p:bgRef>
+    </p:bg>
+    <p:spTree>
+      <p:nvGrpSpPr>
+        <p:cNvPr id="1" name=""/>
+        <p:cNvGrpSpPr/>
+        <p:nvPr/>
+      </p:nvGrpSpPr>
+      <p:grpSpPr>
+        <a:xfrm>
+          <a:off x="0" y="0"/>
+          <a:ext cx="0" cy="0"/>
+          <a:chOff x="0" y="0"/>
+          <a:chExt cx="0" cy="0"/>
+        </a:xfrm>
+      </p:grpSpPr>
+      <p:sp>
+        <p:nvSpPr>
+          <p:cNvPr id="2" name="Header Placeholder 1"/>
+          <p:cNvSpPr>
+            <a:spLocks noGrp="1"/>
+          </p:cNvSpPr>
+          <p:nvPr>
+            <p:ph type="hdr" sz="quarter"/>
+          </p:nvPr>
+        </p:nvSpPr>
+        <p:spPr>
+          <a:xfrm>
+            <a:off x="0" y="0"/>
+            <a:ext cx="2971800" cy="458788"/>
+          </a:xfrm>
+          <a:prstGeom prst="rect">
+            <a:avLst/>
+          </a:prstGeom>
+        </p:spPr>
+        <p:txBody>
+          <a:bodyPr vert="horz" lIns="91440" tIns="45720" rIns="91440" bIns="45720" rtlCol="0"/>
+          <a:lstStyle>
+            <a:lvl1pPr algn="l">
+              <a:defRPr sz="1200"/>
+            </a:lvl1pPr>
+          </a:lstStyle>
+          <a:p>
+            <a:endParaRPr lang="en-US"/>
+          </a:p>
+        </p:txBody>
+      </p:sp>
+      <p:sp>
+        <p:nvSpPr>
+          <p:cNvPr id="3" name="Date Placeholder 2"/>
+          <p:cNvSpPr>
+            <a:spLocks noGrp="1"/>
+          </p:cNvSpPr>
+          <p:nvPr>
+            <p:ph type="dt" idx="1"/>
+          </p:nvPr>
+        </p:nvSpPr>
+        <p:spPr>
+          <a:xfrm>
+            <a:off x="3884613" y="0"/>
+            <a:ext cx="2971800" cy="458788"/>
+          </a:xfrm>
+          <a:prstGeom prst="rect">
+            <a:avLst/>
+          </a:prstGeom>
+        </p:spPr>
+        <p:txBody>
+          <a:bodyPr vert="horz" lIns="91440" tIns="45720" rIns="91440" bIns="45720" rtlCol="0"/>
+          <a:lstStyle>
+            <a:lvl1pPr algn="r">
+              <a:defRPr sz="1200"/>
+            </a:lvl1pPr>
+          </a:lstStyle>
+          <a:p>
+            <a:fld id="{48AC8493-5CCF-47E8-87D2-BB1CDFC1B7EC}" type="datetimeFigureOut">
+              <a:rPr lang="en-US" smtClean="0"/>
+              <a:t>4/3/2018</a:t>
+            </a:fld>
+            <a:endParaRPr lang="en-US"/>
+          </a:p>
+        </p:txBody>
+      </p:sp>
+      <p:sp>
+        <p:nvSpPr>
+          <p:cNvPr id="4" name="Slide Image Placeholder 3"/>
+          <p:cNvSpPr>
+            <a:spLocks noGrp="1" noRot="1" noChangeAspect="1"/>
+          </p:cNvSpPr>
+          <p:nvPr>
+            <p:ph type="sldImg" idx="2"/>
+          </p:nvPr>
+        </p:nvSpPr>
+        <p:spPr>
+          <a:xfrm>
+            <a:off x="685800" y="1143000"/>
+            <a:ext cx="5486400" cy="3086100"/>
+          </a:xfrm>
+          <a:prstGeom prst="rect">
+            <a:avLst/>
+          </a:prstGeom>
+          <a:noFill/>
+          <a:ln w="12700">
+            <a:solidFill>
+              <a:prstClr val="black"/>
+            </a:solidFill>
+          </a:ln>
+        </p:spPr>
+        <p:txBody>
+          <a:bodyPr vert="horz" lIns="91440" tIns="45720" rIns="91440" bIns="45720" rtlCol="0" anchor="ctr"/>
+          <a:lstStyle/>
+          <a:p>
+            <a:endParaRPr lang="en-US"/>
+          </a:p>
+        </p:txBody>
+      </p:sp>
+      <p:sp>
+        <p:nvSpPr>
+          <p:cNvPr id="5" name="Notes Placeholder 4"/>
+          <p:cNvSpPr>
+            <a:spLocks noGrp="1"/>
+          </p:cNvSpPr>
+          <p:nvPr>
+            <p:ph type="body" sz="quarter" idx="3"/>
+          </p:nvPr>
+        </p:nvSpPr>
+        <p:spPr>
+          <a:xfrm>
+            <a:off x="685800" y="4400550"/>
+            <a:ext cx="5486400" cy="3600450"/>
+          </a:xfrm>
+          <a:prstGeom prst="rect">
+            <a:avLst/>
+          </a:prstGeom>
+        </p:spPr>
+        <p:txBody>
+          <a:bodyPr vert="horz" lIns="91440" tIns="45720" rIns="91440" bIns="45720" rtlCol="0"/>
+          <a:lstStyle/>
+          <a:p>
+            <a:pPr lvl="0"/>
+            <a:r>
+              <a:rPr lang="en-US"/>
+              <a:t>Edit Master text styles</a:t>
+            </a:r>
+          </a:p>
+          <a:p>
+            <a:pPr lvl="1"/>
+            <a:r>
+              <a:rPr lang="en-US"/>
+              <a:t>Second level</a:t>
+            </a:r>
+          </a:p>
+          <a:p>
+            <a:pPr lvl="2"/>
+            <a:r>
+              <a:rPr lang="en-US"/>
+              <a:t>Third level</a:t>
+            </a:r>
+          </a:p>
+          <a:p>
+            <a:pPr lvl="3"/>
+            <a:r>
+              <a:rPr lang="en-US"/>
+              <a:t>Fourth level</a:t>
+            </a:r>
+          </a:p>
+          <a:p>
+            <a:pPr lvl="4"/>
+            <a:r>
+              <a:rPr lang="en-US"/>
+              <a:t>Fifth level</a:t>
+            </a:r>
+          </a:p>
+        </p:txBody>
+      </p:sp>
+      <p:sp>
+        <p:nvSpPr>
+          <p:cNvPr id="6" name="Footer Placeholder 5"/>
+          <p:cNvSpPr>
+            <a:spLocks noGrp="1"/>
+          </p:cNvSpPr>
+          <p:nvPr>
+            <p:ph type="ftr" sz="quarter" idx="4"/>
+          </p:nvPr>
+        </p:nvSpPr>
+        <p:spPr>
+          <a:xfrm>
+            <a:off x="0" y="8685213"/>
+            <a:ext cx="2971800" cy="458787"/>
+          </a:xfrm>
+          <a:prstGeom prst="rect">
+            <a:avLst/>
+          </a:prstGeom>
+        </p:spPr>
+        <p:txBody>
+          <a:bodyPr vert="horz" lIns="91440" tIns="45720" rIns="91440" bIns="45720" rtlCol="0" anchor="b"/>
+          <a:lstStyle>
+            <a:lvl1pPr algn="l">
+              <a:defRPr sz="1200"/>
+            </a:lvl1pPr>
+          </a:lstStyle>
+          <a:p>
+            <a:endParaRPr lang="en-US"/>
+          </a:p>
+        </p:txBody>
+      </p:sp>
+      <p:sp>
+        <p:nvSpPr>
+          <p:cNvPr id="7" name="Slide Number Placeholder 6"/>
+          <p:cNvSpPr>
+            <a:spLocks noGrp="1"/>
+          </p:cNvSpPr>
+          <p:nvPr>
+            <p:ph type="sldNum" sz="quarter" idx="5"/>
+          </p:nvPr>
+        </p:nvSpPr>
+        <p:spPr>
+          <a:xfrm>
+            <a:off x="3884613" y="8685213"/>
+            <a:ext cx="2971800" cy="458787"/>
+          </a:xfrm>
+          <a:prstGeom prst="rect">
+            <a:avLst/>
+          </a:prstGeom>
+        </p:spPr>
+        <p:txBody>
+          <a:bodyPr vert="horz" lIns="91440" tIns="45720" rIns="91440" bIns="45720" rtlCol="0" anchor="b"/>
+          <a:lstStyle>
+            <a:lvl1pPr algn="r">
+              <a:defRPr sz="1200"/>
+            </a:lvl1pPr>
+          </a:lstStyle>
+          <a:p>
+            <a:fld id="{9480D788-2E1A-493F-A183-2B3F740BE373}" type="slidenum">
+              <a:rPr lang="en-US" smtClean="0"/>
+              <a:t>‹#›</a:t>
+            </a:fld>
+            <a:endParaRPr lang="en-US"/>
+          </a:p>
+        </p:txBody>
+      </p:sp>
+    </p:spTree>
+    <p:extLst>
+      <p:ext uri="{BB962C8B-B14F-4D97-AF65-F5344CB8AC3E}">
+        <p14:creationId xmlns:p14="http://schemas.microsoft.com/office/powerpoint/2010/main" val="2696446625"/>
+      </p:ext>
+    </p:extLst>
+  </p:cSld>
+  <p:clrMap bg1="lt1" tx1="dk1" bg2="lt2" tx2="dk2" accent1="accent1" accent2="accent2" accent3="accent3" accent4="accent4" accent5="accent5" accent6="accent6" hlink="hlink" folHlink="folHlink"/>
+  <p:notesStyle>
+    <a:lvl1pPr marL="0" algn="l" defTabSz="914400" rtl="0" eaLnBrk="1" latinLnBrk="0" hangingPunct="1">
+      <a:defRPr sz="1200" kern="1200">
+        <a:solidFill>
+          <a:schemeClr val="tx1"/>
+        </a:solidFill>
+        <a:latin typeface="+mn-lt"/>
+        <a:ea typeface="+mn-ea"/>
+        <a:cs typeface="+mn-cs"/>
+      </a:defRPr>
+    </a:lvl1pPr>
+    <a:lvl2pPr marL="457200" algn="l" defTabSz="914400" rtl="0" eaLnBrk="1" latinLnBrk="0" hangingPunct="1">
+      <a:defRPr sz="1200" kern="1200">
+        <a:solidFill>
+          <a:schemeClr val="tx1"/>
+        </a:solidFill>
+        <a:latin typeface="+mn-lt"/>
+        <a:ea typeface="+mn-ea"/>
+        <a:cs typeface="+mn-cs"/>
+      </a:defRPr>
+    </a:lvl2pPr>
+    <a:lvl3pPr marL="914400" algn="l" defTabSz="914400" rtl="0" eaLnBrk="1" latinLnBrk="0" hangingPunct="1">
+      <a:defRPr sz="1200" kern="1200">
+        <a:solidFill>
+          <a:schemeClr val="tx1"/>
+        </a:solidFill>
+        <a:latin typeface="+mn-lt"/>
+        <a:ea typeface="+mn-ea"/>
+        <a:cs typeface="+mn-cs"/>
+      </a:defRPr>
+    </a:lvl3pPr>
+    <a:lvl4pPr marL="1371600" algn="l" defTabSz="914400" rtl="0" eaLnBrk="1" latinLnBrk="0" hangingPunct="1">
+      <a:defRPr sz="1200" kern="1200">
+        <a:solidFill>
+          <a:schemeClr val="tx1"/>
+        </a:solidFill>
+        <a:latin typeface="+mn-lt"/>
+        <a:ea typeface="+mn-ea"/>
+        <a:cs typeface="+mn-cs"/>
+      </a:defRPr>
+    </a:lvl4pPr>
+    <a:lvl5pPr marL="1828800" algn="l" defTabSz="914400" rtl="0" eaLnBrk="1" latinLnBrk="0" hangingPunct="1">
+      <a:defRPr sz="1200" kern="1200">
+        <a:solidFill>
+          <a:schemeClr val="tx1"/>
+        </a:solidFill>
+        <a:latin typeface="+mn-lt"/>
+        <a:ea typeface="+mn-ea"/>
+        <a:cs typeface="+mn-cs"/>
+      </a:defRPr>
+    </a:lvl5pPr>
+    <a:lvl6pPr marL="2286000" algn="l" defTabSz="914400" rtl="0" eaLnBrk="1" latinLnBrk="0" hangingPunct="1">
+      <a:defRPr sz="1200" kern="1200">
+        <a:solidFill>
+          <a:schemeClr val="tx1"/>
+        </a:solidFill>
+        <a:latin typeface="+mn-lt"/>
+        <a:ea typeface="+mn-ea"/>
+        <a:cs typeface="+mn-cs"/>
+      </a:defRPr>
+    </a:lvl6pPr>
+    <a:lvl7pPr marL="2743200" algn="l" defTabSz="914400" rtl="0" eaLnBrk="1" latinLnBrk="0" hangingPunct="1">
+      <a:defRPr sz="1200" kern="1200">
+        <a:solidFill>
+          <a:schemeClr val="tx1"/>
+        </a:solidFill>
+        <a:latin typeface="+mn-lt"/>
+        <a:ea typeface="+mn-ea"/>
+        <a:cs typeface="+mn-cs"/>
+      </a:defRPr>
+    </a:lvl7pPr>
+    <a:lvl8pPr marL="3200400" algn="l" defTabSz="914400" rtl="0" eaLnBrk="1" latinLnBrk="0" hangingPunct="1">
+      <a:defRPr sz="1200" kern="1200">
+        <a:solidFill>
+          <a:schemeClr val="tx1"/>
+        </a:solidFill>
+        <a:latin typeface="+mn-lt"/>
+        <a:ea typeface="+mn-ea"/>
+        <a:cs typeface="+mn-cs"/>
+      </a:defRPr>
+    </a:lvl8pPr>
+    <a:lvl9pPr marL="3657600" algn="l" defTabSz="914400" rtl="0" eaLnBrk="1" latinLnBrk="0" hangingPunct="1">
+      <a:defRPr sz="1200" kern="1200">
+        <a:solidFill>
+          <a:schemeClr val="tx1"/>
+        </a:solidFill>
+        <a:latin typeface="+mn-lt"/>
+        <a:ea typeface="+mn-ea"/>
+        <a:cs typeface="+mn-cs"/>
+      </a:defRPr>
+    </a:lvl9pPr>
+  </p:notesStyle>
+</p:notesMaster>
 </file>
 
 <file path=ppt/slideLayouts/slideLayout1.xml><?xml version="1.0" encoding="utf-8"?>
@@ -3534,14 +3893,14 @@
           <p:nvPr>
             <p:extLst>
               <p:ext uri="{D42A27DB-BD31-4B8C-83A1-F6EECF244321}">
-                <p14:modId xmlns:p14="http://schemas.microsoft.com/office/powerpoint/2010/main" val="820319209"/>
+                <p14:modId xmlns:p14="http://schemas.microsoft.com/office/powerpoint/2010/main" val="757872207"/>
               </p:ext>
             </p:extLst>
           </p:nvPr>
         </p:nvGraphicFramePr>
         <p:xfrm>
           <a:off x="248574" y="248574"/>
-          <a:ext cx="11756996" cy="6352744"/>
+          <a:ext cx="11756996" cy="6428944"/>
         </p:xfrm>
         <a:graphic>
           <a:graphicData uri="http://schemas.openxmlformats.org/drawingml/2006/table">
@@ -3557,21 +3916,21 @@
                     </a:ext>
                   </a:extLst>
                 </a:gridCol>
-                <a:gridCol w="4854041">
+                <a:gridCol w="4603333">
                   <a:extLst>
                     <a:ext uri="{9D8B030D-6E8A-4147-A177-3AD203B41FA5}">
                       <a16:colId xmlns:a16="http://schemas.microsoft.com/office/drawing/2014/main" val="2958733128"/>
                     </a:ext>
                   </a:extLst>
                 </a:gridCol>
-                <a:gridCol w="2088864">
+                <a:gridCol w="2041864">
                   <a:extLst>
                     <a:ext uri="{9D8B030D-6E8A-4147-A177-3AD203B41FA5}">
                       <a16:colId xmlns:a16="http://schemas.microsoft.com/office/drawing/2014/main" val="4114155411"/>
                     </a:ext>
                   </a:extLst>
                 </a:gridCol>
-                <a:gridCol w="3247443">
+                <a:gridCol w="3545151">
                   <a:extLst>
                     <a:ext uri="{9D8B030D-6E8A-4147-A177-3AD203B41FA5}">
                       <a16:colId xmlns:a16="http://schemas.microsoft.com/office/drawing/2014/main" val="3461743944"/>
@@ -3710,7 +4069,7 @@
                           <a:effectLst/>
                           <a:latin typeface="Gill Sans MT" panose="020B0502020104020203" pitchFamily="34" charset="0"/>
                         </a:rPr>
-                        <a:t>% vote for Bush in 2000</a:t>
+                        <a:t>% (of voters in county) that voted for Bush in 2000</a:t>
                       </a:r>
                       <a:endParaRPr lang="en-US" sz="1300" b="1" dirty="0">
                         <a:solidFill>
@@ -3728,18 +4087,9 @@
                     <a:bodyPr/>
                     <a:lstStyle/>
                     <a:p>
-                      <a:pPr algn="l">
-                        <a:lnSpc>
-                          <a:spcPct val="100000"/>
-                        </a:lnSpc>
-                      </a:pPr>
-                      <a:r>
-                        <a:rPr lang="en-US" sz="1300" dirty="0">
-                          <a:effectLst/>
-                          <a:latin typeface="Gill Sans MT" panose="020B0502020104020203" pitchFamily="34" charset="0"/>
-                        </a:rPr>
-                        <a:t>20 age20_34</a:t>
-                      </a:r>
+                      <a:endParaRPr lang="en-US" sz="1300" b="1" dirty="0">
+                        <a:latin typeface="Gill Sans MT" panose="020B0502020104020203" pitchFamily="34" charset="0"/>
+                      </a:endParaRPr>
                     </a:p>
                   </a:txBody>
                   <a:tcPr marL="95898" marR="95898" marT="47949" marB="47949" anchor="ctr"/>
@@ -3749,18 +4099,7 @@
                     <a:bodyPr/>
                     <a:lstStyle/>
                     <a:p>
-                      <a:pPr algn="l">
-                        <a:lnSpc>
-                          <a:spcPct val="100000"/>
-                        </a:lnSpc>
-                      </a:pPr>
-                      <a:r>
-                        <a:rPr lang="en-US" sz="1300" dirty="0">
-                          <a:effectLst/>
-                          <a:latin typeface="Gill Sans MT" panose="020B0502020104020203" pitchFamily="34" charset="0"/>
-                        </a:rPr>
-                        <a:t>% aged 20-34</a:t>
-                      </a:r>
+                      <a:endParaRPr lang="en-US" dirty="0"/>
                     </a:p>
                   </a:txBody>
                   <a:tcPr marL="95898" marR="95898" marT="47949" marB="47949" anchor="ctr"/>
@@ -3819,7 +4158,7 @@
                           <a:effectLst/>
                           <a:latin typeface="Gill Sans MT" panose="020B0502020104020203" pitchFamily="34" charset="0"/>
                         </a:rPr>
-                        <a:t>% of county with HS diploma</a:t>
+                        <a:t>% (of county) with HS diploma</a:t>
                       </a:r>
                     </a:p>
                   </a:txBody>
@@ -3840,7 +4179,7 @@
                           <a:effectLst/>
                           <a:latin typeface="Gill Sans MT" panose="020B0502020104020203" pitchFamily="34" charset="0"/>
                         </a:rPr>
-                        <a:t>21 age35_54</a:t>
+                        <a:t>20 age35_54</a:t>
                       </a:r>
                     </a:p>
                   </a:txBody>
@@ -3942,7 +4281,7 @@
                           <a:effectLst/>
                           <a:latin typeface="Gill Sans MT" panose="020B0502020104020203" pitchFamily="34" charset="0"/>
                         </a:rPr>
-                        <a:t>22 age55_ov</a:t>
+                        <a:t>21 age55_ov</a:t>
                       </a:r>
                     </a:p>
                   </a:txBody>
@@ -4044,7 +4383,7 @@
                           <a:effectLst/>
                           <a:latin typeface="Gill Sans MT" panose="020B0502020104020203" pitchFamily="34" charset="0"/>
                         </a:rPr>
-                        <a:t>23 </a:t>
+                        <a:t>22 </a:t>
                       </a:r>
                       <a:r>
                         <a:rPr lang="en-US" sz="1300" dirty="0" err="1">
@@ -4076,7 +4415,7 @@
                           <a:effectLst/>
                           <a:latin typeface="Gill Sans MT" panose="020B0502020104020203" pitchFamily="34" charset="0"/>
                         </a:rPr>
-                        <a:t># known violent crimes per 1000 population</a:t>
+                        <a:t># known violent crimes per population</a:t>
                       </a:r>
                     </a:p>
                   </a:txBody>
@@ -4146,7 +4485,7 @@
                           <a:effectLst/>
                           <a:latin typeface="Gill Sans MT" panose="020B0502020104020203" pitchFamily="34" charset="0"/>
                         </a:rPr>
-                        <a:t>24 </a:t>
+                        <a:t>23 </a:t>
                       </a:r>
                       <a:r>
                         <a:rPr lang="en-US" sz="1300" dirty="0" err="1">
@@ -4259,7 +4598,7 @@
                           <a:effectLst/>
                           <a:latin typeface="Gill Sans MT" panose="020B0502020104020203" pitchFamily="34" charset="0"/>
                         </a:rPr>
-                        <a:t>25 urban</a:t>
+                        <a:t>24 urban</a:t>
                       </a:r>
                     </a:p>
                   </a:txBody>
@@ -4350,7 +4689,7 @@
                           <a:effectLst/>
                           <a:latin typeface="Gill Sans MT" panose="020B0502020104020203" pitchFamily="34" charset="0"/>
                         </a:rPr>
-                        <a:t>26 farm</a:t>
+                        <a:t>25 farm</a:t>
                       </a:r>
                     </a:p>
                   </a:txBody>
@@ -4441,7 +4780,7 @@
                           <a:effectLst/>
                           <a:latin typeface="Gill Sans MT" panose="020B0502020104020203" pitchFamily="34" charset="0"/>
                         </a:rPr>
-                        <a:t>27 </a:t>
+                        <a:t>26 </a:t>
                       </a:r>
                       <a:r>
                         <a:rPr lang="en-US" sz="1300" dirty="0" err="1">
@@ -4501,7 +4840,7 @@
                           <a:effectLst/>
                           <a:latin typeface="Gill Sans MT" panose="020B0502020104020203" pitchFamily="34" charset="0"/>
                         </a:rPr>
-                        <a:t>8 afam1</a:t>
+                        <a:t>8 asian1</a:t>
                       </a:r>
                     </a:p>
                   </a:txBody>
@@ -4522,7 +4861,7 @@
                           <a:effectLst/>
                           <a:latin typeface="Gill Sans MT" panose="020B0502020104020203" pitchFamily="34" charset="0"/>
                         </a:rPr>
-                        <a:t>% African-American only</a:t>
+                        <a:t>% Asian only</a:t>
                       </a:r>
                     </a:p>
                   </a:txBody>
@@ -4543,7 +4882,7 @@
                           <a:effectLst/>
                           <a:latin typeface="Gill Sans MT" panose="020B0502020104020203" pitchFamily="34" charset="0"/>
                         </a:rPr>
-                        <a:t>28 </a:t>
+                        <a:t>27 </a:t>
                       </a:r>
                       <a:r>
                         <a:rPr lang="en-US" sz="1300" dirty="0" err="1">
@@ -4603,7 +4942,7 @@
                           <a:effectLst/>
                           <a:latin typeface="Gill Sans MT" panose="020B0502020104020203" pitchFamily="34" charset="0"/>
                         </a:rPr>
-                        <a:t>9 asian1</a:t>
+                        <a:t>9 other1</a:t>
                       </a:r>
                     </a:p>
                   </a:txBody>
@@ -4624,7 +4963,7 @@
                           <a:effectLst/>
                           <a:latin typeface="Gill Sans MT" panose="020B0502020104020203" pitchFamily="34" charset="0"/>
                         </a:rPr>
-                        <a:t>% Asian only</a:t>
+                        <a:t>% other race</a:t>
                       </a:r>
                     </a:p>
                   </a:txBody>
@@ -4645,7 +4984,7 @@
                           <a:effectLst/>
                           <a:latin typeface="Gill Sans MT" panose="020B0502020104020203" pitchFamily="34" charset="0"/>
                         </a:rPr>
-                        <a:t>29 </a:t>
+                        <a:t>28 </a:t>
                       </a:r>
                       <a:r>
                         <a:rPr lang="en-US" sz="1300" dirty="0" err="1">
@@ -4705,8 +5044,19 @@
                           <a:effectLst/>
                           <a:latin typeface="Gill Sans MT" panose="020B0502020104020203" pitchFamily="34" charset="0"/>
                         </a:rPr>
-                        <a:t>10 other1</a:t>
-                      </a:r>
+                        <a:t>10 </a:t>
+                      </a:r>
+                      <a:r>
+                        <a:rPr lang="en-US" sz="1300" dirty="0" err="1">
+                          <a:effectLst/>
+                          <a:latin typeface="Gill Sans MT" panose="020B0502020104020203" pitchFamily="34" charset="0"/>
+                        </a:rPr>
+                        <a:t>multirace</a:t>
+                      </a:r>
+                      <a:endParaRPr lang="en-US" sz="1300" dirty="0">
+                        <a:effectLst/>
+                        <a:latin typeface="Gill Sans MT" panose="020B0502020104020203" pitchFamily="34" charset="0"/>
+                      </a:endParaRPr>
                     </a:p>
                   </a:txBody>
                   <a:tcPr marL="95898" marR="95898" marT="47949" marB="47949" anchor="ctr"/>
@@ -4726,7 +5076,7 @@
                           <a:effectLst/>
                           <a:latin typeface="Gill Sans MT" panose="020B0502020104020203" pitchFamily="34" charset="0"/>
                         </a:rPr>
-                        <a:t>% other race</a:t>
+                        <a:t>% multiracial</a:t>
                       </a:r>
                     </a:p>
                   </a:txBody>
@@ -4747,7 +5097,7 @@
                           <a:effectLst/>
                           <a:latin typeface="Gill Sans MT" panose="020B0502020104020203" pitchFamily="34" charset="0"/>
                         </a:rPr>
-                        <a:t>30 </a:t>
+                        <a:t>29 </a:t>
                       </a:r>
                       <a:r>
                         <a:rPr lang="en-US" sz="1300" dirty="0" err="1">
@@ -4814,7 +5164,7 @@
                           <a:effectLst/>
                           <a:latin typeface="Gill Sans MT" panose="020B0502020104020203" pitchFamily="34" charset="0"/>
                         </a:rPr>
-                        <a:t>multirace</a:t>
+                        <a:t>hispanic</a:t>
                       </a:r>
                       <a:endParaRPr lang="en-US" sz="1300" dirty="0">
                         <a:effectLst/>
@@ -4839,7 +5189,7 @@
                           <a:effectLst/>
                           <a:latin typeface="Gill Sans MT" panose="020B0502020104020203" pitchFamily="34" charset="0"/>
                         </a:rPr>
-                        <a:t>% multiracial</a:t>
+                        <a:t>% Hispanic of any race</a:t>
                       </a:r>
                     </a:p>
                   </a:txBody>
@@ -4860,7 +5210,7 @@
                           <a:effectLst/>
                           <a:latin typeface="Gill Sans MT" panose="020B0502020104020203" pitchFamily="34" charset="0"/>
                         </a:rPr>
-                        <a:t>31 </a:t>
+                        <a:t>30 </a:t>
                       </a:r>
                       <a:r>
                         <a:rPr lang="en-US" sz="1300" dirty="0" err="1">
@@ -4920,8 +5270,19 @@
                           <a:effectLst/>
                           <a:latin typeface="Gill Sans MT" panose="020B0502020104020203" pitchFamily="34" charset="0"/>
                         </a:rPr>
-                        <a:t>12 Hispanic</a:t>
-                      </a:r>
+                        <a:t>12 </a:t>
+                      </a:r>
+                      <a:r>
+                        <a:rPr lang="en-US" sz="1300" dirty="0" err="1">
+                          <a:effectLst/>
+                          <a:latin typeface="Gill Sans MT" panose="020B0502020104020203" pitchFamily="34" charset="0"/>
+                        </a:rPr>
+                        <a:t>lat</a:t>
+                      </a:r>
+                      <a:endParaRPr lang="en-US" sz="1300" dirty="0">
+                        <a:effectLst/>
+                        <a:latin typeface="Gill Sans MT" panose="020B0502020104020203" pitchFamily="34" charset="0"/>
+                      </a:endParaRPr>
                     </a:p>
                   </a:txBody>
                   <a:tcPr marL="95898" marR="95898" marT="47949" marB="47949" anchor="ctr"/>
@@ -4941,7 +5302,7 @@
                           <a:effectLst/>
                           <a:latin typeface="Gill Sans MT" panose="020B0502020104020203" pitchFamily="34" charset="0"/>
                         </a:rPr>
-                        <a:t>% Hispanic of any race</a:t>
+                        <a:t>latitude of county centroid</a:t>
                       </a:r>
                     </a:p>
                   </a:txBody>
@@ -4962,7 +5323,7 @@
                           <a:effectLst/>
                           <a:latin typeface="Gill Sans MT" panose="020B0502020104020203" pitchFamily="34" charset="0"/>
                         </a:rPr>
-                        <a:t>32 </a:t>
+                        <a:t>31 </a:t>
                       </a:r>
                       <a:r>
                         <a:rPr lang="en-US" sz="1300" dirty="0" err="1">
@@ -5022,19 +5383,8 @@
                           <a:effectLst/>
                           <a:latin typeface="Gill Sans MT" panose="020B0502020104020203" pitchFamily="34" charset="0"/>
                         </a:rPr>
-                        <a:t>13 </a:t>
-                      </a:r>
-                      <a:r>
-                        <a:rPr lang="en-US" sz="1300" dirty="0" err="1">
-                          <a:effectLst/>
-                          <a:latin typeface="Gill Sans MT" panose="020B0502020104020203" pitchFamily="34" charset="0"/>
-                        </a:rPr>
-                        <a:t>lat</a:t>
-                      </a:r>
-                      <a:endParaRPr lang="en-US" sz="1300" dirty="0">
-                        <a:effectLst/>
-                        <a:latin typeface="Gill Sans MT" panose="020B0502020104020203" pitchFamily="34" charset="0"/>
-                      </a:endParaRPr>
+                        <a:t>13 long</a:t>
+                      </a:r>
                     </a:p>
                   </a:txBody>
                   <a:tcPr marL="95898" marR="95898" marT="47949" marB="47949" anchor="ctr"/>
@@ -5054,7 +5404,7 @@
                           <a:effectLst/>
                           <a:latin typeface="Gill Sans MT" panose="020B0502020104020203" pitchFamily="34" charset="0"/>
                         </a:rPr>
-                        <a:t>latitude of county centroid</a:t>
+                        <a:t>longitude of county centroid</a:t>
                       </a:r>
                     </a:p>
                   </a:txBody>
@@ -5075,7 +5425,7 @@
                           <a:effectLst/>
                           <a:latin typeface="Gill Sans MT" panose="020B0502020104020203" pitchFamily="34" charset="0"/>
                         </a:rPr>
-                        <a:t>33 </a:t>
+                        <a:t>32 </a:t>
                       </a:r>
                       <a:r>
                         <a:rPr lang="en-US" sz="1300" dirty="0" err="1">
@@ -5135,8 +5485,19 @@
                           <a:effectLst/>
                           <a:latin typeface="Gill Sans MT" panose="020B0502020104020203" pitchFamily="34" charset="0"/>
                         </a:rPr>
-                        <a:t>14 long</a:t>
-                      </a:r>
+                        <a:t>14 </a:t>
+                      </a:r>
+                      <a:r>
+                        <a:rPr lang="en-US" sz="1300" dirty="0" err="1">
+                          <a:effectLst/>
+                          <a:latin typeface="Gill Sans MT" panose="020B0502020104020203" pitchFamily="34" charset="0"/>
+                        </a:rPr>
+                        <a:t>nevermarried</a:t>
+                      </a:r>
+                      <a:endParaRPr lang="en-US" sz="1300" dirty="0">
+                        <a:effectLst/>
+                        <a:latin typeface="Gill Sans MT" panose="020B0502020104020203" pitchFamily="34" charset="0"/>
+                      </a:endParaRPr>
                     </a:p>
                   </a:txBody>
                   <a:tcPr marL="95898" marR="95898" marT="47949" marB="47949" anchor="ctr"/>
@@ -5156,7 +5517,7 @@
                           <a:effectLst/>
                           <a:latin typeface="Gill Sans MT" panose="020B0502020104020203" pitchFamily="34" charset="0"/>
                         </a:rPr>
-                        <a:t>longitude of county centroid</a:t>
+                        <a:t>% never married</a:t>
                       </a:r>
                     </a:p>
                   </a:txBody>
@@ -5177,7 +5538,7 @@
                           <a:effectLst/>
                           <a:latin typeface="Gill Sans MT" panose="020B0502020104020203" pitchFamily="34" charset="0"/>
                         </a:rPr>
-                        <a:t>34 </a:t>
+                        <a:t>33 </a:t>
                       </a:r>
                       <a:r>
                         <a:rPr lang="en-US" sz="1300" dirty="0" err="1">
@@ -5237,19 +5598,8 @@
                           <a:effectLst/>
                           <a:latin typeface="Gill Sans MT" panose="020B0502020104020203" pitchFamily="34" charset="0"/>
                         </a:rPr>
-                        <a:t>15 </a:t>
-                      </a:r>
-                      <a:r>
-                        <a:rPr lang="en-US" sz="1300" dirty="0" err="1">
-                          <a:effectLst/>
-                          <a:latin typeface="Gill Sans MT" panose="020B0502020104020203" pitchFamily="34" charset="0"/>
-                        </a:rPr>
-                        <a:t>nevermarried</a:t>
-                      </a:r>
-                      <a:endParaRPr lang="en-US" sz="1300" dirty="0">
-                        <a:effectLst/>
-                        <a:latin typeface="Gill Sans MT" panose="020B0502020104020203" pitchFamily="34" charset="0"/>
-                      </a:endParaRPr>
+                        <a:t>15 married</a:t>
+                      </a:r>
                     </a:p>
                   </a:txBody>
                   <a:tcPr marL="95898" marR="95898" marT="47949" marB="47949" anchor="ctr"/>
@@ -5269,7 +5619,7 @@
                           <a:effectLst/>
                           <a:latin typeface="Gill Sans MT" panose="020B0502020104020203" pitchFamily="34" charset="0"/>
                         </a:rPr>
-                        <a:t>% never married</a:t>
+                        <a:t>% currently married</a:t>
                       </a:r>
                     </a:p>
                   </a:txBody>
@@ -5290,7 +5640,7 @@
                           <a:effectLst/>
                           <a:latin typeface="Gill Sans MT" panose="020B0502020104020203" pitchFamily="34" charset="0"/>
                         </a:rPr>
-                        <a:t>35 </a:t>
+                        <a:t>34 </a:t>
                       </a:r>
                       <a:r>
                         <a:rPr lang="en-US" sz="1300" dirty="0" err="1">
@@ -5350,8 +5700,19 @@
                           <a:effectLst/>
                           <a:latin typeface="Gill Sans MT" panose="020B0502020104020203" pitchFamily="34" charset="0"/>
                         </a:rPr>
-                        <a:t>16 married</a:t>
-                      </a:r>
+                        <a:t>16 </a:t>
+                      </a:r>
+                      <a:r>
+                        <a:rPr lang="en-US" sz="1300" dirty="0" err="1">
+                          <a:effectLst/>
+                          <a:latin typeface="Gill Sans MT" panose="020B0502020104020203" pitchFamily="34" charset="0"/>
+                        </a:rPr>
+                        <a:t>sepdiv</a:t>
+                      </a:r>
+                      <a:endParaRPr lang="en-US" sz="1300" dirty="0">
+                        <a:effectLst/>
+                        <a:latin typeface="Gill Sans MT" panose="020B0502020104020203" pitchFamily="34" charset="0"/>
+                      </a:endParaRPr>
                     </a:p>
                   </a:txBody>
                   <a:tcPr marL="95898" marR="95898" marT="47949" marB="47949" anchor="ctr"/>
@@ -5371,7 +5732,7 @@
                           <a:effectLst/>
                           <a:latin typeface="Gill Sans MT" panose="020B0502020104020203" pitchFamily="34" charset="0"/>
                         </a:rPr>
-                        <a:t>% currently married</a:t>
+                        <a:t>% separated or divorced</a:t>
                       </a:r>
                     </a:p>
                   </a:txBody>
@@ -5392,7 +5753,7 @@
                           <a:effectLst/>
                           <a:latin typeface="Gill Sans MT" panose="020B0502020104020203" pitchFamily="34" charset="0"/>
                         </a:rPr>
-                        <a:t>36 </a:t>
+                        <a:t>35 </a:t>
                       </a:r>
                       <a:r>
                         <a:rPr lang="en-US" sz="1300" dirty="0" err="1">
@@ -5459,7 +5820,7 @@
                           <a:effectLst/>
                           <a:latin typeface="Gill Sans MT" panose="020B0502020104020203" pitchFamily="34" charset="0"/>
                         </a:rPr>
-                        <a:t>sepdiv</a:t>
+                        <a:t>logpop</a:t>
                       </a:r>
                       <a:endParaRPr lang="en-US" sz="1300" dirty="0">
                         <a:effectLst/>
@@ -5484,7 +5845,7 @@
                           <a:effectLst/>
                           <a:latin typeface="Gill Sans MT" panose="020B0502020104020203" pitchFamily="34" charset="0"/>
                         </a:rPr>
-                        <a:t>% separated or divorced</a:t>
+                        <a:t>log(population in 2000)</a:t>
                       </a:r>
                     </a:p>
                   </a:txBody>
@@ -5505,7 +5866,7 @@
                           <a:effectLst/>
                           <a:latin typeface="Gill Sans MT" panose="020B0502020104020203" pitchFamily="34" charset="0"/>
                         </a:rPr>
-                        <a:t>37 </a:t>
+                        <a:t>36 </a:t>
                       </a:r>
                       <a:r>
                         <a:rPr lang="en-US" sz="1300" dirty="0" err="1">
@@ -5572,7 +5933,7 @@
                           <a:effectLst/>
                           <a:latin typeface="Gill Sans MT" panose="020B0502020104020203" pitchFamily="34" charset="0"/>
                         </a:rPr>
-                        <a:t>logpop</a:t>
+                        <a:t>logpoppersqmi</a:t>
                       </a:r>
                       <a:endParaRPr lang="en-US" sz="1300" dirty="0">
                         <a:effectLst/>
@@ -5597,7 +5958,7 @@
                           <a:effectLst/>
                           <a:latin typeface="Gill Sans MT" panose="020B0502020104020203" pitchFamily="34" charset="0"/>
                         </a:rPr>
-                        <a:t>log(population in 2000)</a:t>
+                        <a:t>log(population density in 2000)</a:t>
                       </a:r>
                     </a:p>
                   </a:txBody>
@@ -5618,7 +5979,7 @@
                           <a:effectLst/>
                           <a:latin typeface="Gill Sans MT" panose="020B0502020104020203" pitchFamily="34" charset="0"/>
                         </a:rPr>
-                        <a:t>38 </a:t>
+                        <a:t>37 </a:t>
                       </a:r>
                       <a:r>
                         <a:rPr lang="en-US" sz="1300" dirty="0" err="1">
@@ -5678,19 +6039,8 @@
                           <a:effectLst/>
                           <a:latin typeface="Gill Sans MT" panose="020B0502020104020203" pitchFamily="34" charset="0"/>
                         </a:rPr>
-                        <a:t>19 </a:t>
-                      </a:r>
-                      <a:r>
-                        <a:rPr lang="en-US" sz="1300" dirty="0" err="1">
-                          <a:effectLst/>
-                          <a:latin typeface="Gill Sans MT" panose="020B0502020104020203" pitchFamily="34" charset="0"/>
-                        </a:rPr>
-                        <a:t>logpoppersqmi</a:t>
-                      </a:r>
-                      <a:endParaRPr lang="en-US" sz="1300" dirty="0">
-                        <a:effectLst/>
-                        <a:latin typeface="Gill Sans MT" panose="020B0502020104020203" pitchFamily="34" charset="0"/>
-                      </a:endParaRPr>
+                        <a:t>19 age20_34</a:t>
+                      </a:r>
                     </a:p>
                   </a:txBody>
                   <a:tcPr marL="95898" marR="95898" marT="47949" marB="47949" anchor="ctr"/>
@@ -5710,7 +6060,7 @@
                           <a:effectLst/>
                           <a:latin typeface="Gill Sans MT" panose="020B0502020104020203" pitchFamily="34" charset="0"/>
                         </a:rPr>
-                        <a:t>log(population density in 2000)</a:t>
+                        <a:t>% aged 20-34</a:t>
                       </a:r>
                     </a:p>
                   </a:txBody>
@@ -5731,7 +6081,7 @@
                           <a:effectLst/>
                           <a:latin typeface="Gill Sans MT" panose="020B0502020104020203" pitchFamily="34" charset="0"/>
                         </a:rPr>
-                        <a:t>39 </a:t>
+                        <a:t>38 </a:t>
                       </a:r>
                       <a:r>
                         <a:rPr lang="en-US" sz="1300" dirty="0" err="1">
@@ -6987,7 +7337,7 @@
           <a:lstStyle/>
           <a:p>
             <a:r>
-              <a:rPr lang="en-US" sz="5400" dirty="0">
+              <a:rPr lang="en-US" sz="5400">
                 <a:latin typeface="Gill Sans MT" panose="020B0502020104020203" pitchFamily="34" charset="0"/>
               </a:rPr>
               <a:t>Correlation</a:t>
@@ -6995,20 +7345,23 @@
           </a:p>
           <a:p>
             <a:r>
-              <a:rPr lang="en-US" sz="5400" dirty="0">
+              <a:rPr lang="en-US" sz="5400">
                 <a:latin typeface="Gill Sans MT" panose="020B0502020104020203" pitchFamily="34" charset="0"/>
               </a:rPr>
               <a:t>plot</a:t>
             </a:r>
+            <a:endParaRPr lang="en-US" sz="5400" dirty="0">
+              <a:latin typeface="Gill Sans MT" panose="020B0502020104020203" pitchFamily="34" charset="0"/>
+            </a:endParaRPr>
           </a:p>
         </p:txBody>
       </p:sp>
       <p:pic>
         <p:nvPicPr>
-          <p:cNvPr id="5" name="Picture 4">
-            <a:extLst>
-              <a:ext uri="{FF2B5EF4-FFF2-40B4-BE49-F238E27FC236}">
-                <a16:creationId xmlns:a16="http://schemas.microsoft.com/office/drawing/2014/main" id="{7A290D99-5E05-46A7-B161-C6CD65B8E801}"/>
+          <p:cNvPr id="11" name="Picture 10">
+            <a:extLst>
+              <a:ext uri="{FF2B5EF4-FFF2-40B4-BE49-F238E27FC236}">
+                <a16:creationId xmlns:a16="http://schemas.microsoft.com/office/drawing/2014/main" id="{3A318107-6C80-4543-80B6-65B3E3578E19}"/>
               </a:ext>
             </a:extLst>
           </p:cNvPr>
@@ -7031,8 +7384,8 @@
         </p:blipFill>
         <p:spPr>
           <a:xfrm>
-            <a:off x="3634978" y="0"/>
-            <a:ext cx="7836693" cy="6858000"/>
+            <a:off x="3960644" y="0"/>
+            <a:ext cx="7622142" cy="6931756"/>
           </a:xfrm>
           <a:prstGeom prst="rect">
             <a:avLst/>
@@ -7198,7 +7551,7 @@
               <a:rPr lang="en-US" dirty="0">
                 <a:latin typeface="Gill Sans MT" panose="020B0502020104020203" pitchFamily="34" charset="0"/>
               </a:rPr>
-              <a:t>Problem</a:t>
+              <a:t>Motivation</a:t>
             </a:r>
           </a:p>
         </p:txBody>
@@ -7224,26 +7577,43 @@
           <a:bodyPr/>
           <a:lstStyle/>
           <a:p>
-            <a:endParaRPr lang="en-US" b="1" dirty="0">
+            <a:pPr marL="0" indent="0">
+              <a:buNone/>
+            </a:pPr>
+            <a:r>
+              <a:rPr lang="en-US" i="1" dirty="0">
+                <a:effectLst/>
+                <a:latin typeface="Gill Sans MT" panose="020B0502020104020203" pitchFamily="34" charset="0"/>
+              </a:rPr>
+              <a:t>“One of the big lessons from behavioral economics is that we make decisions as a function of the environment that we're in.”</a:t>
+            </a:r>
+            <a:endParaRPr lang="en-US" i="1" dirty="0">
               <a:latin typeface="Gill Sans MT" panose="020B0502020104020203" pitchFamily="34" charset="0"/>
             </a:endParaRPr>
           </a:p>
           <a:p>
-            <a:r>
-              <a:rPr lang="en-US" b="1" dirty="0">
-                <a:latin typeface="Gill Sans MT" panose="020B0502020104020203" pitchFamily="34" charset="0"/>
-              </a:rPr>
-              <a:t>Question</a:t>
-            </a:r>
+            <a:pPr marL="0" indent="0">
+              <a:buNone/>
+            </a:pPr>
             <a:r>
               <a:rPr lang="en-US" dirty="0">
                 <a:latin typeface="Gill Sans MT" panose="020B0502020104020203" pitchFamily="34" charset="0"/>
               </a:rPr>
-              <a:t>: Can we use 2000 census data to predict county-level results of the 2000 presidential election?</a:t>
-            </a:r>
-          </a:p>
-          <a:p>
-            <a:endParaRPr lang="en-US" dirty="0">
+              <a:t>								--Dan </a:t>
+            </a:r>
+            <a:r>
+              <a:rPr lang="en-US" dirty="0" err="1">
+                <a:latin typeface="Gill Sans MT" panose="020B0502020104020203" pitchFamily="34" charset="0"/>
+              </a:rPr>
+              <a:t>Ariely</a:t>
+            </a:r>
+            <a:r>
+              <a:rPr lang="en-US" dirty="0">
+                <a:latin typeface="Gill Sans MT" panose="020B0502020104020203" pitchFamily="34" charset="0"/>
+              </a:rPr>
+              <a:t> </a:t>
+            </a:r>
+            <a:endParaRPr lang="en-US" b="1" dirty="0">
               <a:latin typeface="Gill Sans MT" panose="020B0502020104020203" pitchFamily="34" charset="0"/>
             </a:endParaRPr>
           </a:p>
@@ -7373,13 +7743,13 @@
               <a:rPr lang="en-US" i="1" dirty="0">
                 <a:latin typeface="Gill Sans MT" panose="020B0502020104020203" pitchFamily="34" charset="0"/>
               </a:rPr>
-              <a:t>		     R²</a:t>
+              <a:t>		     R² </a:t>
             </a:r>
             <a:r>
               <a:rPr lang="en-US" dirty="0">
                 <a:latin typeface="Gill Sans MT" panose="020B0502020104020203" pitchFamily="34" charset="0"/>
               </a:rPr>
-              <a:t>=</a:t>
+              <a:t>= </a:t>
             </a:r>
             <a:r>
               <a:rPr lang="en-US" sz="2200" dirty="0">
@@ -7505,7 +7875,7 @@
         <p:spPr>
           <a:xfrm>
             <a:off x="1032396" y="1834997"/>
-            <a:ext cx="10089104" cy="1323439"/>
+            <a:ext cx="10089104" cy="1015663"/>
           </a:xfrm>
           <a:prstGeom prst="rect">
             <a:avLst/>
@@ -7529,23 +7899,6 @@
             <a:endParaRPr lang="en-US" sz="2000" i="1" dirty="0">
               <a:latin typeface="Gill Sans MT" panose="020B0502020104020203" pitchFamily="34" charset="0"/>
             </a:endParaRPr>
-          </a:p>
-          <a:p>
-            <a:pPr marL="342900" indent="-342900">
-              <a:buAutoNum type="arabicPeriod"/>
-            </a:pPr>
-            <a:r>
-              <a:rPr lang="en-US" sz="2000" dirty="0">
-                <a:latin typeface="Gill Sans MT" panose="020B0502020104020203" pitchFamily="34" charset="0"/>
-              </a:rPr>
-              <a:t>Randomly divide set of all counties into 10 equally sized groups</a:t>
-            </a:r>
-            <a:r>
-              <a:rPr lang="en-US" sz="2000" i="1" dirty="0">
-                <a:latin typeface="Gill Sans MT" panose="020B0502020104020203" pitchFamily="34" charset="0"/>
-              </a:rPr>
-              <a:t>.</a:t>
-            </a:r>
           </a:p>
           <a:p>
             <a:pPr marL="457200" indent="-457200">
@@ -7637,7 +7990,7 @@
         <p:spPr>
           <a:xfrm>
             <a:off x="1032396" y="1834997"/>
-            <a:ext cx="10089104" cy="2862322"/>
+            <a:ext cx="10089104" cy="1323439"/>
           </a:xfrm>
           <a:prstGeom prst="rect">
             <a:avLst/>
@@ -7680,78 +8033,6 @@
             </a:r>
           </a:p>
           <a:p>
-            <a:pPr marL="342900" indent="-342900">
-              <a:buFontTx/>
-              <a:buAutoNum type="arabicPeriod"/>
-            </a:pPr>
-            <a:r>
-              <a:rPr lang="en-US" sz="2000" dirty="0">
-                <a:latin typeface="Gill Sans MT" panose="020B0502020104020203" pitchFamily="34" charset="0"/>
-              </a:rPr>
-              <a:t>For each candidate model </a:t>
-            </a:r>
-            <a:r>
-              <a:rPr lang="en-US" sz="2000" i="1" dirty="0">
-                <a:latin typeface="Gill Sans MT" panose="020B0502020104020203" pitchFamily="34" charset="0"/>
-              </a:rPr>
-              <a:t>m</a:t>
-            </a:r>
-            <a:r>
-              <a:rPr lang="en-US" sz="2000" dirty="0">
-                <a:latin typeface="Gill Sans MT" panose="020B0502020104020203" pitchFamily="34" charset="0"/>
-              </a:rPr>
-              <a:t>, </a:t>
-            </a:r>
-          </a:p>
-          <a:p>
-            <a:pPr marL="914400" lvl="1" indent="-457200">
-              <a:buAutoNum type="alphaLcPeriod"/>
-            </a:pPr>
-            <a:r>
-              <a:rPr lang="en-US" sz="2000" dirty="0">
-                <a:latin typeface="Gill Sans MT" panose="020B0502020104020203" pitchFamily="34" charset="0"/>
-              </a:rPr>
-              <a:t>For each group of counties </a:t>
-            </a:r>
-            <a:r>
-              <a:rPr lang="en-US" sz="2000" i="1" dirty="0">
-                <a:latin typeface="Gill Sans MT" panose="020B0502020104020203" pitchFamily="34" charset="0"/>
-              </a:rPr>
-              <a:t>g</a:t>
-            </a:r>
-            <a:r>
-              <a:rPr lang="en-US" sz="2000" dirty="0">
-                <a:latin typeface="Gill Sans MT" panose="020B0502020104020203" pitchFamily="34" charset="0"/>
-              </a:rPr>
-              <a:t>,</a:t>
-            </a:r>
-          </a:p>
-          <a:p>
-            <a:pPr marL="914400" lvl="1" indent="-457200">
-              <a:buAutoNum type="alphaLcPeriod"/>
-            </a:pPr>
-            <a:endParaRPr lang="en-US" sz="2000" dirty="0">
-              <a:latin typeface="Gill Sans MT" panose="020B0502020104020203" pitchFamily="34" charset="0"/>
-            </a:endParaRPr>
-          </a:p>
-          <a:p>
-            <a:pPr marL="342900" indent="-342900">
-              <a:buFontTx/>
-              <a:buAutoNum type="arabicPeriod"/>
-            </a:pPr>
-            <a:endParaRPr lang="en-US" sz="2000" dirty="0">
-              <a:latin typeface="Gill Sans MT" panose="020B0502020104020203" pitchFamily="34" charset="0"/>
-            </a:endParaRPr>
-          </a:p>
-          <a:p>
-            <a:pPr marL="342900" indent="-342900">
-              <a:buAutoNum type="arabicPeriod"/>
-            </a:pPr>
-            <a:endParaRPr lang="en-US" sz="2000" i="1" dirty="0">
-              <a:latin typeface="Gill Sans MT" panose="020B0502020104020203" pitchFamily="34" charset="0"/>
-            </a:endParaRPr>
-          </a:p>
-          <a:p>
             <a:pPr marL="457200" indent="-457200">
               <a:buAutoNum type="arabicPeriod"/>
             </a:pPr>
@@ -7764,7 +8045,7 @@
     </p:spTree>
     <p:extLst>
       <p:ext uri="{BB962C8B-B14F-4D97-AF65-F5344CB8AC3E}">
-        <p14:creationId xmlns:p14="http://schemas.microsoft.com/office/powerpoint/2010/main" val="3073206380"/>
+        <p14:creationId xmlns:p14="http://schemas.microsoft.com/office/powerpoint/2010/main" val="1519103636"/>
       </p:ext>
     </p:extLst>
   </p:cSld>
@@ -7841,7 +8122,7 @@
         <p:spPr>
           <a:xfrm>
             <a:off x="1032396" y="1834997"/>
-            <a:ext cx="10089104" cy="3785652"/>
+            <a:ext cx="10089104" cy="2554545"/>
           </a:xfrm>
           <a:prstGeom prst="rect">
             <a:avLst/>
@@ -7911,82 +8192,6 @@
             <a:pPr marL="914400" lvl="1" indent="-457200">
               <a:buAutoNum type="alphaLcPeriod"/>
             </a:pPr>
-            <a:r>
-              <a:rPr lang="en-US" sz="2000" dirty="0">
-                <a:latin typeface="Gill Sans MT" panose="020B0502020104020203" pitchFamily="34" charset="0"/>
-              </a:rPr>
-              <a:t>For each group of counties </a:t>
-            </a:r>
-            <a:r>
-              <a:rPr lang="en-US" sz="2000" i="1" dirty="0">
-                <a:latin typeface="Gill Sans MT" panose="020B0502020104020203" pitchFamily="34" charset="0"/>
-              </a:rPr>
-              <a:t>g</a:t>
-            </a:r>
-            <a:r>
-              <a:rPr lang="en-US" sz="2000" dirty="0">
-                <a:latin typeface="Gill Sans MT" panose="020B0502020104020203" pitchFamily="34" charset="0"/>
-              </a:rPr>
-              <a:t>,</a:t>
-            </a:r>
-          </a:p>
-          <a:p>
-            <a:pPr lvl="1"/>
-            <a:r>
-              <a:rPr lang="en-US" sz="2000" dirty="0">
-                <a:latin typeface="Gill Sans MT" panose="020B0502020104020203" pitchFamily="34" charset="0"/>
-              </a:rPr>
-              <a:t>	</a:t>
-            </a:r>
-            <a:r>
-              <a:rPr lang="en-US" sz="2000" dirty="0" err="1">
-                <a:latin typeface="Gill Sans MT" panose="020B0502020104020203" pitchFamily="34" charset="0"/>
-              </a:rPr>
-              <a:t>i</a:t>
-            </a:r>
-            <a:r>
-              <a:rPr lang="en-US" sz="2000" dirty="0">
-                <a:latin typeface="Gill Sans MT" panose="020B0502020104020203" pitchFamily="34" charset="0"/>
-              </a:rPr>
-              <a:t>.      “Train” an instance of </a:t>
-            </a:r>
-            <a:r>
-              <a:rPr lang="en-US" sz="2000" i="1" dirty="0">
-                <a:latin typeface="Gill Sans MT" panose="020B0502020104020203" pitchFamily="34" charset="0"/>
-              </a:rPr>
-              <a:t>m </a:t>
-            </a:r>
-            <a:r>
-              <a:rPr lang="en-US" sz="2000" dirty="0">
-                <a:latin typeface="Gill Sans MT" panose="020B0502020104020203" pitchFamily="34" charset="0"/>
-              </a:rPr>
-              <a:t>by observing relationships between census data and vote split in the other 9 groups, setting</a:t>
-            </a:r>
-            <a:r>
-              <a:rPr lang="en-US" sz="2000" i="1" dirty="0">
-                <a:latin typeface="Gill Sans MT" panose="020B0502020104020203" pitchFamily="34" charset="0"/>
-              </a:rPr>
-              <a:t> g </a:t>
-            </a:r>
-            <a:r>
-              <a:rPr lang="en-US" sz="2000" dirty="0">
-                <a:latin typeface="Gill Sans MT" panose="020B0502020104020203" pitchFamily="34" charset="0"/>
-              </a:rPr>
-              <a:t>aside.</a:t>
-            </a:r>
-          </a:p>
-          <a:p>
-            <a:pPr marL="914400" lvl="1" indent="-457200">
-              <a:buAutoNum type="alphaLcPeriod"/>
-            </a:pPr>
-            <a:endParaRPr lang="en-US" sz="2000" dirty="0">
-              <a:latin typeface="Gill Sans MT" panose="020B0502020104020203" pitchFamily="34" charset="0"/>
-            </a:endParaRPr>
-          </a:p>
-          <a:p>
-            <a:pPr marL="914400" lvl="1" indent="-457200">
-              <a:buAutoNum type="alphaLcPeriod"/>
-            </a:pPr>
             <a:endParaRPr lang="en-US" sz="2000" dirty="0">
               <a:latin typeface="Gill Sans MT" panose="020B0502020104020203" pitchFamily="34" charset="0"/>
             </a:endParaRPr>
@@ -8021,7 +8226,7 @@
     </p:spTree>
     <p:extLst>
       <p:ext uri="{BB962C8B-B14F-4D97-AF65-F5344CB8AC3E}">
-        <p14:creationId xmlns:p14="http://schemas.microsoft.com/office/powerpoint/2010/main" val="3791912680"/>
+        <p14:creationId xmlns:p14="http://schemas.microsoft.com/office/powerpoint/2010/main" val="3073206380"/>
       </p:ext>
     </p:extLst>
   </p:cSld>
@@ -8098,7 +8303,7 @@
         <p:spPr>
           <a:xfrm>
             <a:off x="1032396" y="1834997"/>
-            <a:ext cx="10089104" cy="4401205"/>
+            <a:ext cx="10089104" cy="2862322"/>
           </a:xfrm>
           <a:prstGeom prst="rect">
             <a:avLst/>
@@ -8188,92 +8393,6 @@
             </a:r>
           </a:p>
           <a:p>
-            <a:pPr lvl="1"/>
-            <a:r>
-              <a:rPr lang="en-US" sz="2000" dirty="0">
-                <a:latin typeface="Gill Sans MT" panose="020B0502020104020203" pitchFamily="34" charset="0"/>
-              </a:rPr>
-              <a:t>	</a:t>
-            </a:r>
-            <a:r>
-              <a:rPr lang="en-US" sz="2000" dirty="0" err="1">
-                <a:latin typeface="Gill Sans MT" panose="020B0502020104020203" pitchFamily="34" charset="0"/>
-              </a:rPr>
-              <a:t>i</a:t>
-            </a:r>
-            <a:r>
-              <a:rPr lang="en-US" sz="2000" dirty="0">
-                <a:latin typeface="Gill Sans MT" panose="020B0502020104020203" pitchFamily="34" charset="0"/>
-              </a:rPr>
-              <a:t>.      “Train” an instance of </a:t>
-            </a:r>
-            <a:r>
-              <a:rPr lang="en-US" sz="2000" i="1" dirty="0">
-                <a:latin typeface="Gill Sans MT" panose="020B0502020104020203" pitchFamily="34" charset="0"/>
-              </a:rPr>
-              <a:t>m </a:t>
-            </a:r>
-            <a:r>
-              <a:rPr lang="en-US" sz="2000" dirty="0">
-                <a:latin typeface="Gill Sans MT" panose="020B0502020104020203" pitchFamily="34" charset="0"/>
-              </a:rPr>
-              <a:t>by observing relationships between census data and vote split in the other 9 groups, setting</a:t>
-            </a:r>
-            <a:r>
-              <a:rPr lang="en-US" sz="2000" i="1" dirty="0">
-                <a:latin typeface="Gill Sans MT" panose="020B0502020104020203" pitchFamily="34" charset="0"/>
-              </a:rPr>
-              <a:t> g </a:t>
-            </a:r>
-            <a:r>
-              <a:rPr lang="en-US" sz="2000" dirty="0">
-                <a:latin typeface="Gill Sans MT" panose="020B0502020104020203" pitchFamily="34" charset="0"/>
-              </a:rPr>
-              <a:t>aside.</a:t>
-            </a:r>
-          </a:p>
-          <a:p>
-            <a:pPr lvl="1"/>
-            <a:r>
-              <a:rPr lang="en-US" sz="2000" dirty="0">
-                <a:latin typeface="Gill Sans MT" panose="020B0502020104020203" pitchFamily="34" charset="0"/>
-              </a:rPr>
-              <a:t>	ii.     Use this trained instance of </a:t>
-            </a:r>
-            <a:r>
-              <a:rPr lang="en-US" sz="2000" i="1" dirty="0">
-                <a:latin typeface="Gill Sans MT" panose="020B0502020104020203" pitchFamily="34" charset="0"/>
-              </a:rPr>
-              <a:t>m </a:t>
-            </a:r>
-            <a:r>
-              <a:rPr lang="en-US" sz="2000" dirty="0">
-                <a:latin typeface="Gill Sans MT" panose="020B0502020104020203" pitchFamily="34" charset="0"/>
-              </a:rPr>
-              <a:t>to predict county vote for each county in group </a:t>
-            </a:r>
-            <a:r>
-              <a:rPr lang="en-US" sz="2000" i="1" dirty="0">
-                <a:latin typeface="Gill Sans MT" panose="020B0502020104020203" pitchFamily="34" charset="0"/>
-              </a:rPr>
-              <a:t>g.</a:t>
-            </a:r>
-          </a:p>
-          <a:p>
-            <a:pPr lvl="1"/>
-            <a:endParaRPr lang="en-US" sz="2000" dirty="0">
-              <a:latin typeface="Gill Sans MT" panose="020B0502020104020203" pitchFamily="34" charset="0"/>
-            </a:endParaRPr>
-          </a:p>
-          <a:p>
-            <a:pPr marL="914400" lvl="1" indent="-457200">
-              <a:buAutoNum type="alphaLcPeriod"/>
-            </a:pPr>
-            <a:endParaRPr lang="en-US" sz="2000" dirty="0">
-              <a:latin typeface="Gill Sans MT" panose="020B0502020104020203" pitchFamily="34" charset="0"/>
-            </a:endParaRPr>
-          </a:p>
-          <a:p>
             <a:pPr marL="914400" lvl="1" indent="-457200">
               <a:buAutoNum type="alphaLcPeriod"/>
             </a:pPr>
@@ -8311,7 +8430,7 @@
     </p:spTree>
     <p:extLst>
       <p:ext uri="{BB962C8B-B14F-4D97-AF65-F5344CB8AC3E}">
-        <p14:creationId xmlns:p14="http://schemas.microsoft.com/office/powerpoint/2010/main" val="3458626707"/>
+        <p14:creationId xmlns:p14="http://schemas.microsoft.com/office/powerpoint/2010/main" val="4036163877"/>
       </p:ext>
     </p:extLst>
   </p:cSld>
@@ -8388,7 +8507,7 @@
         <p:spPr>
           <a:xfrm>
             <a:off x="1032396" y="1834997"/>
-            <a:ext cx="10089104" cy="5016758"/>
+            <a:ext cx="10089104" cy="3785652"/>
           </a:xfrm>
           <a:prstGeom prst="rect">
             <a:avLst/>
@@ -8523,78 +8642,6 @@
             </a:r>
           </a:p>
           <a:p>
-            <a:pPr lvl="1"/>
-            <a:r>
-              <a:rPr lang="en-US" sz="2000" dirty="0">
-                <a:latin typeface="Gill Sans MT" panose="020B0502020104020203" pitchFamily="34" charset="0"/>
-              </a:rPr>
-              <a:t>	ii.     Use this trained instance of </a:t>
-            </a:r>
-            <a:r>
-              <a:rPr lang="en-US" sz="2000" i="1" dirty="0">
-                <a:latin typeface="Gill Sans MT" panose="020B0502020104020203" pitchFamily="34" charset="0"/>
-              </a:rPr>
-              <a:t>m </a:t>
-            </a:r>
-            <a:r>
-              <a:rPr lang="en-US" sz="2000" dirty="0">
-                <a:latin typeface="Gill Sans MT" panose="020B0502020104020203" pitchFamily="34" charset="0"/>
-              </a:rPr>
-              <a:t>to predict county vote for each county in group </a:t>
-            </a:r>
-            <a:r>
-              <a:rPr lang="en-US" sz="2000" i="1" dirty="0">
-                <a:latin typeface="Gill Sans MT" panose="020B0502020104020203" pitchFamily="34" charset="0"/>
-              </a:rPr>
-              <a:t>g.</a:t>
-            </a:r>
-          </a:p>
-          <a:p>
-            <a:pPr lvl="1"/>
-            <a:r>
-              <a:rPr lang="en-US" sz="2000" dirty="0">
-                <a:latin typeface="Gill Sans MT" panose="020B0502020104020203" pitchFamily="34" charset="0"/>
-              </a:rPr>
-              <a:t>	iii.    Record the goodness of fit of candidate model </a:t>
-            </a:r>
-            <a:r>
-              <a:rPr lang="en-US" sz="2000" i="1" dirty="0">
-                <a:latin typeface="Gill Sans MT" panose="020B0502020104020203" pitchFamily="34" charset="0"/>
-              </a:rPr>
-              <a:t>m</a:t>
-            </a:r>
-            <a:r>
-              <a:rPr lang="en-US" sz="2000" dirty="0">
-                <a:latin typeface="Gill Sans MT" panose="020B0502020104020203" pitchFamily="34" charset="0"/>
-              </a:rPr>
-              <a:t> on the counties in </a:t>
-            </a:r>
-            <a:r>
-              <a:rPr lang="en-US" sz="2000" i="1" dirty="0">
-                <a:latin typeface="Gill Sans MT" panose="020B0502020104020203" pitchFamily="34" charset="0"/>
-              </a:rPr>
-              <a:t>g</a:t>
-            </a:r>
-            <a:r>
-              <a:rPr lang="en-US" sz="2000" dirty="0">
-                <a:latin typeface="Gill Sans MT" panose="020B0502020104020203" pitchFamily="34" charset="0"/>
-              </a:rPr>
-              <a:t>.</a:t>
-            </a:r>
-          </a:p>
-          <a:p>
-            <a:pPr lvl="1"/>
-            <a:endParaRPr lang="en-US" sz="2000" i="1" dirty="0">
-              <a:latin typeface="Gill Sans MT" panose="020B0502020104020203" pitchFamily="34" charset="0"/>
-            </a:endParaRPr>
-          </a:p>
-          <a:p>
-            <a:pPr lvl="1"/>
-            <a:endParaRPr lang="en-US" sz="2000" dirty="0">
-              <a:latin typeface="Gill Sans MT" panose="020B0502020104020203" pitchFamily="34" charset="0"/>
-            </a:endParaRPr>
-          </a:p>
-          <a:p>
             <a:pPr marL="914400" lvl="1" indent="-457200">
               <a:buAutoNum type="alphaLcPeriod"/>
             </a:pPr>
@@ -8640,7 +8687,7 @@
     </p:spTree>
     <p:extLst>
       <p:ext uri="{BB962C8B-B14F-4D97-AF65-F5344CB8AC3E}">
-        <p14:creationId xmlns:p14="http://schemas.microsoft.com/office/powerpoint/2010/main" val="1777767053"/>
+        <p14:creationId xmlns:p14="http://schemas.microsoft.com/office/powerpoint/2010/main" val="3791912680"/>
       </p:ext>
     </p:extLst>
   </p:cSld>
@@ -8717,7 +8764,7 @@
         <p:spPr>
           <a:xfrm>
             <a:off x="1032396" y="1834997"/>
-            <a:ext cx="10089104" cy="3170099"/>
+            <a:ext cx="10089104" cy="4401205"/>
           </a:xfrm>
           <a:prstGeom prst="rect">
             <a:avLst/>
@@ -8880,76 +8927,57 @@
           </a:p>
           <a:p>
             <a:pPr lvl="1"/>
-            <a:r>
-              <a:rPr lang="en-US" sz="2000" dirty="0">
-                <a:latin typeface="Gill Sans MT" panose="020B0502020104020203" pitchFamily="34" charset="0"/>
-              </a:rPr>
-              <a:t>	iii.    Record the goodness of fit of candidate model </a:t>
-            </a:r>
-            <a:r>
-              <a:rPr lang="en-US" sz="2000" i="1" dirty="0">
-                <a:latin typeface="Gill Sans MT" panose="020B0502020104020203" pitchFamily="34" charset="0"/>
-              </a:rPr>
-              <a:t>m</a:t>
-            </a:r>
-            <a:r>
-              <a:rPr lang="en-US" sz="2000" dirty="0">
-                <a:latin typeface="Gill Sans MT" panose="020B0502020104020203" pitchFamily="34" charset="0"/>
-              </a:rPr>
-              <a:t> on the counties in </a:t>
-            </a:r>
-            <a:r>
-              <a:rPr lang="en-US" sz="2000" i="1" dirty="0">
-                <a:latin typeface="Gill Sans MT" panose="020B0502020104020203" pitchFamily="34" charset="0"/>
-              </a:rPr>
-              <a:t>g</a:t>
-            </a:r>
-            <a:r>
-              <a:rPr lang="en-US" sz="2000" dirty="0">
-                <a:latin typeface="Gill Sans MT" panose="020B0502020104020203" pitchFamily="34" charset="0"/>
-              </a:rPr>
-              <a:t>.</a:t>
-            </a:r>
-          </a:p>
-          <a:p>
-            <a:pPr lvl="1"/>
-            <a:r>
-              <a:rPr lang="en-US" sz="2000" dirty="0">
-                <a:latin typeface="Gill Sans MT" panose="020B0502020104020203" pitchFamily="34" charset="0"/>
-              </a:rPr>
-              <a:t>b. 	Take the average goodness of fit of the candidate model </a:t>
-            </a:r>
-            <a:r>
-              <a:rPr lang="en-US" sz="2000" i="1" dirty="0">
-                <a:latin typeface="Gill Sans MT" panose="020B0502020104020203" pitchFamily="34" charset="0"/>
-              </a:rPr>
-              <a:t>m </a:t>
-            </a:r>
-            <a:r>
-              <a:rPr lang="en-US" sz="2000" dirty="0">
-                <a:latin typeface="Gill Sans MT" panose="020B0502020104020203" pitchFamily="34" charset="0"/>
-              </a:rPr>
-              <a:t>across all groups </a:t>
-            </a:r>
-            <a:r>
-              <a:rPr lang="en-US" sz="2000" i="1" dirty="0">
-                <a:latin typeface="Gill Sans MT" panose="020B0502020104020203" pitchFamily="34" charset="0"/>
-              </a:rPr>
-              <a:t>g</a:t>
-            </a:r>
-            <a:r>
-              <a:rPr lang="en-US" sz="2000" dirty="0">
-                <a:latin typeface="Gill Sans MT" panose="020B0502020104020203" pitchFamily="34" charset="0"/>
-              </a:rPr>
-              <a:t>.</a:t>
-            </a:r>
+            <a:endParaRPr lang="en-US" sz="2000" dirty="0">
+              <a:latin typeface="Gill Sans MT" panose="020B0502020104020203" pitchFamily="34" charset="0"/>
+            </a:endParaRPr>
+          </a:p>
+          <a:p>
+            <a:pPr marL="914400" lvl="1" indent="-457200">
+              <a:buAutoNum type="alphaLcPeriod"/>
+            </a:pPr>
+            <a:endParaRPr lang="en-US" sz="2000" dirty="0">
+              <a:latin typeface="Gill Sans MT" panose="020B0502020104020203" pitchFamily="34" charset="0"/>
+            </a:endParaRPr>
+          </a:p>
+          <a:p>
+            <a:pPr marL="914400" lvl="1" indent="-457200">
+              <a:buAutoNum type="alphaLcPeriod"/>
+            </a:pPr>
+            <a:endParaRPr lang="en-US" sz="2000" dirty="0">
+              <a:latin typeface="Gill Sans MT" panose="020B0502020104020203" pitchFamily="34" charset="0"/>
+            </a:endParaRPr>
+          </a:p>
+          <a:p>
+            <a:pPr marL="342900" indent="-342900">
+              <a:buFontTx/>
+              <a:buAutoNum type="arabicPeriod"/>
+            </a:pPr>
+            <a:endParaRPr lang="en-US" sz="2000" dirty="0">
+              <a:latin typeface="Gill Sans MT" panose="020B0502020104020203" pitchFamily="34" charset="0"/>
+            </a:endParaRPr>
+          </a:p>
+          <a:p>
+            <a:pPr marL="342900" indent="-342900">
+              <a:buAutoNum type="arabicPeriod"/>
+            </a:pPr>
+            <a:endParaRPr lang="en-US" sz="2000" i="1" dirty="0">
+              <a:latin typeface="Gill Sans MT" panose="020B0502020104020203" pitchFamily="34" charset="0"/>
+            </a:endParaRPr>
+          </a:p>
+          <a:p>
+            <a:pPr marL="457200" indent="-457200">
+              <a:buAutoNum type="arabicPeriod"/>
+            </a:pPr>
+            <a:endParaRPr lang="en-US" sz="2000" dirty="0">
+              <a:latin typeface="Gill Sans MT" panose="020B0502020104020203" pitchFamily="34" charset="0"/>
+            </a:endParaRPr>
           </a:p>
         </p:txBody>
       </p:sp>
     </p:spTree>
     <p:extLst>
       <p:ext uri="{BB962C8B-B14F-4D97-AF65-F5344CB8AC3E}">
-        <p14:creationId xmlns:p14="http://schemas.microsoft.com/office/powerpoint/2010/main" val="2891610988"/>
+        <p14:creationId xmlns:p14="http://schemas.microsoft.com/office/powerpoint/2010/main" val="3458626707"/>
       </p:ext>
     </p:extLst>
   </p:cSld>
@@ -9026,7 +9054,7 @@
         <p:spPr>
           <a:xfrm>
             <a:off x="1032396" y="1834997"/>
-            <a:ext cx="10089104" cy="3477875"/>
+            <a:ext cx="10089104" cy="5016758"/>
           </a:xfrm>
           <a:prstGeom prst="rect">
             <a:avLst/>
@@ -9221,58 +9249,64 @@
             </a:r>
           </a:p>
           <a:p>
+            <a:pPr lvl="1"/>
+            <a:endParaRPr lang="en-US" sz="2000" i="1" dirty="0">
+              <a:latin typeface="Gill Sans MT" panose="020B0502020104020203" pitchFamily="34" charset="0"/>
+            </a:endParaRPr>
+          </a:p>
+          <a:p>
+            <a:pPr lvl="1"/>
+            <a:endParaRPr lang="en-US" sz="2000" dirty="0">
+              <a:latin typeface="Gill Sans MT" panose="020B0502020104020203" pitchFamily="34" charset="0"/>
+            </a:endParaRPr>
+          </a:p>
+          <a:p>
             <a:pPr marL="914400" lvl="1" indent="-457200">
-              <a:buAutoNum type="alphaLcPeriod" startAt="2"/>
+              <a:buAutoNum type="alphaLcPeriod"/>
             </a:pPr>
-            <a:r>
-              <a:rPr lang="en-US" sz="2000" dirty="0">
-                <a:latin typeface="Gill Sans MT" panose="020B0502020104020203" pitchFamily="34" charset="0"/>
-              </a:rPr>
-              <a:t>Take the average goodness of fit of the candidate model </a:t>
-            </a:r>
-            <a:r>
-              <a:rPr lang="en-US" sz="2000" i="1" dirty="0">
-                <a:latin typeface="Gill Sans MT" panose="020B0502020104020203" pitchFamily="34" charset="0"/>
-              </a:rPr>
-              <a:t>m </a:t>
-            </a:r>
-            <a:r>
-              <a:rPr lang="en-US" sz="2000" dirty="0">
-                <a:latin typeface="Gill Sans MT" panose="020B0502020104020203" pitchFamily="34" charset="0"/>
-              </a:rPr>
-              <a:t>across all groups </a:t>
-            </a:r>
-            <a:r>
-              <a:rPr lang="en-US" sz="2000" i="1" dirty="0">
-                <a:latin typeface="Gill Sans MT" panose="020B0502020104020203" pitchFamily="34" charset="0"/>
-              </a:rPr>
-              <a:t>g</a:t>
-            </a:r>
-            <a:r>
-              <a:rPr lang="en-US" sz="2000" dirty="0">
-                <a:latin typeface="Gill Sans MT" panose="020B0502020104020203" pitchFamily="34" charset="0"/>
-              </a:rPr>
-              <a:t>.</a:t>
-            </a:r>
-          </a:p>
-          <a:p>
-            <a:pPr marL="457200" indent="-457200">
+            <a:endParaRPr lang="en-US" sz="2000" dirty="0">
+              <a:latin typeface="Gill Sans MT" panose="020B0502020104020203" pitchFamily="34" charset="0"/>
+            </a:endParaRPr>
+          </a:p>
+          <a:p>
+            <a:pPr marL="914400" lvl="1" indent="-457200">
+              <a:buAutoNum type="alphaLcPeriod"/>
+            </a:pPr>
+            <a:endParaRPr lang="en-US" sz="2000" dirty="0">
+              <a:latin typeface="Gill Sans MT" panose="020B0502020104020203" pitchFamily="34" charset="0"/>
+            </a:endParaRPr>
+          </a:p>
+          <a:p>
+            <a:pPr marL="342900" indent="-342900">
               <a:buFontTx/>
               <a:buAutoNum type="arabicPeriod"/>
             </a:pPr>
-            <a:r>
-              <a:rPr lang="en-US" sz="2000" dirty="0">
-                <a:latin typeface="Gill Sans MT" panose="020B0502020104020203" pitchFamily="34" charset="0"/>
-              </a:rPr>
-              <a:t>Choose the best-performing candidate model.</a:t>
-            </a:r>
+            <a:endParaRPr lang="en-US" sz="2000" dirty="0">
+              <a:latin typeface="Gill Sans MT" panose="020B0502020104020203" pitchFamily="34" charset="0"/>
+            </a:endParaRPr>
+          </a:p>
+          <a:p>
+            <a:pPr marL="342900" indent="-342900">
+              <a:buAutoNum type="arabicPeriod"/>
+            </a:pPr>
+            <a:endParaRPr lang="en-US" sz="2000" i="1" dirty="0">
+              <a:latin typeface="Gill Sans MT" panose="020B0502020104020203" pitchFamily="34" charset="0"/>
+            </a:endParaRPr>
+          </a:p>
+          <a:p>
+            <a:pPr marL="457200" indent="-457200">
+              <a:buAutoNum type="arabicPeriod"/>
+            </a:pPr>
+            <a:endParaRPr lang="en-US" sz="2000" dirty="0">
+              <a:latin typeface="Gill Sans MT" panose="020B0502020104020203" pitchFamily="34" charset="0"/>
+            </a:endParaRPr>
           </a:p>
         </p:txBody>
       </p:sp>
     </p:spTree>
     <p:extLst>
       <p:ext uri="{BB962C8B-B14F-4D97-AF65-F5344CB8AC3E}">
-        <p14:creationId xmlns:p14="http://schemas.microsoft.com/office/powerpoint/2010/main" val="548956867"/>
+        <p14:creationId xmlns:p14="http://schemas.microsoft.com/office/powerpoint/2010/main" val="1777767053"/>
       </p:ext>
     </p:extLst>
   </p:cSld>
@@ -9285,14 +9319,6 @@
 <file path=ppt/slides/slide28.xml><?xml version="1.0" encoding="utf-8"?>
 <p:sld xmlns:a="http://schemas.openxmlformats.org/drawingml/2006/main" xmlns:r="http://schemas.openxmlformats.org/officeDocument/2006/relationships" xmlns:p="http://schemas.openxmlformats.org/presentationml/2006/main">
   <p:cSld>
-    <p:bg>
-      <p:bgPr>
-        <a:solidFill>
-          <a:schemeClr val="bg1"/>
-        </a:solidFill>
-        <a:effectLst/>
-      </p:bgPr>
-    </p:bg>
     <p:spTree>
       <p:nvGrpSpPr>
         <p:cNvPr id="1" name=""/>
@@ -9307,47 +9333,47 @@
           <a:chExt cx="0" cy="0"/>
         </a:xfrm>
       </p:grpSpPr>
-      <p:pic>
-        <p:nvPicPr>
-          <p:cNvPr id="14" name="Picture 13">
-            <a:extLst>
-              <a:ext uri="{FF2B5EF4-FFF2-40B4-BE49-F238E27FC236}">
-                <a16:creationId xmlns:a16="http://schemas.microsoft.com/office/drawing/2014/main" id="{EEA05C12-C3BC-45CE-94AB-E0F49AF8D309}"/>
-              </a:ext>
-            </a:extLst>
-          </p:cNvPr>
-          <p:cNvPicPr>
-            <a:picLocks noChangeAspect="1"/>
-          </p:cNvPicPr>
-          <p:nvPr/>
-        </p:nvPicPr>
-        <p:blipFill rotWithShape="1">
-          <a:blip r:embed="rId2">
-            <a:extLst>
-              <a:ext uri="{28A0092B-C50C-407E-A947-70E740481C1C}">
-                <a14:useLocalDpi xmlns:a14="http://schemas.microsoft.com/office/drawing/2010/main" val="0"/>
-              </a:ext>
-            </a:extLst>
-          </a:blip>
-          <a:srcRect/>
-          <a:stretch/>
-        </p:blipFill>
+      <p:sp>
+        <p:nvSpPr>
+          <p:cNvPr id="2" name="Title 1">
+            <a:extLst>
+              <a:ext uri="{FF2B5EF4-FFF2-40B4-BE49-F238E27FC236}">
+                <a16:creationId xmlns:a16="http://schemas.microsoft.com/office/drawing/2014/main" id="{7FCCC659-94D9-4DA4-A45B-7F1250CD4907}"/>
+              </a:ext>
+            </a:extLst>
+          </p:cNvPr>
+          <p:cNvSpPr>
+            <a:spLocks noGrp="1"/>
+          </p:cNvSpPr>
+          <p:nvPr>
+            <p:ph type="title"/>
+          </p:nvPr>
+        </p:nvSpPr>
         <p:spPr>
           <a:xfrm>
-            <a:off x="0" y="0"/>
-            <a:ext cx="12192000" cy="6858000"/>
+            <a:off x="847724" y="498476"/>
+            <a:ext cx="10458449" cy="1044574"/>
           </a:xfrm>
-          <a:prstGeom prst="rect">
-            <a:avLst/>
-          </a:prstGeom>
         </p:spPr>
-      </p:pic>
+        <p:txBody>
+          <a:bodyPr/>
+          <a:lstStyle/>
+          <a:p>
+            <a:r>
+              <a:rPr lang="en-US" dirty="0">
+                <a:latin typeface="Gill Sans MT" panose="020B0502020104020203" pitchFamily="34" charset="0"/>
+              </a:rPr>
+              <a:t>Predicting election results: Model selection</a:t>
+            </a:r>
+          </a:p>
+        </p:txBody>
+      </p:sp>
       <p:sp>
         <p:nvSpPr>
-          <p:cNvPr id="16" name="TextBox 15">
-            <a:extLst>
-              <a:ext uri="{FF2B5EF4-FFF2-40B4-BE49-F238E27FC236}">
-                <a16:creationId xmlns:a16="http://schemas.microsoft.com/office/drawing/2014/main" id="{18B40FAE-3A20-479C-994E-769EE2A3669B}"/>
+          <p:cNvPr id="10" name="TextBox 9">
+            <a:extLst>
+              <a:ext uri="{FF2B5EF4-FFF2-40B4-BE49-F238E27FC236}">
+                <a16:creationId xmlns:a16="http://schemas.microsoft.com/office/drawing/2014/main" id="{F4702C9B-096C-4AF3-B21F-14C319B3E3D5}"/>
               </a:ext>
             </a:extLst>
           </p:cNvPr>
@@ -9356,8 +9382,8 @@
         </p:nvSpPr>
         <p:spPr>
           <a:xfrm>
-            <a:off x="9436963" y="4776186"/>
-            <a:ext cx="2388093" cy="369332"/>
+            <a:off x="1032396" y="1834997"/>
+            <a:ext cx="10089104" cy="3170099"/>
           </a:xfrm>
           <a:prstGeom prst="rect">
             <a:avLst/>
@@ -9371,10 +9397,217 @@
           <a:lstStyle/>
           <a:p>
             <a:r>
-              <a:rPr lang="en-US" dirty="0">
-                <a:latin typeface="Gill Sans MT" panose="020B0502020104020203" pitchFamily="34" charset="0"/>
-              </a:rPr>
-              <a:t>Goodness of fit = 0.77</a:t>
+              <a:rPr lang="en-US" sz="2000" b="1" i="1" dirty="0">
+                <a:latin typeface="Gill Sans MT" panose="020B0502020104020203" pitchFamily="34" charset="0"/>
+              </a:rPr>
+              <a:t>10-fold cross validation</a:t>
+            </a:r>
+          </a:p>
+          <a:p>
+            <a:endParaRPr lang="en-US" sz="2000" i="1" dirty="0">
+              <a:latin typeface="Gill Sans MT" panose="020B0502020104020203" pitchFamily="34" charset="0"/>
+            </a:endParaRPr>
+          </a:p>
+          <a:p>
+            <a:pPr marL="342900" indent="-342900">
+              <a:buAutoNum type="arabicPeriod"/>
+            </a:pPr>
+            <a:r>
+              <a:rPr lang="en-US" sz="2000" dirty="0">
+                <a:latin typeface="Gill Sans MT" panose="020B0502020104020203" pitchFamily="34" charset="0"/>
+              </a:rPr>
+              <a:t>Randomly divide set of all counties into 10 equally sized groups</a:t>
+            </a:r>
+            <a:r>
+              <a:rPr lang="en-US" sz="2000" i="1" dirty="0">
+                <a:latin typeface="Gill Sans MT" panose="020B0502020104020203" pitchFamily="34" charset="0"/>
+              </a:rPr>
+              <a:t>.</a:t>
+            </a:r>
+          </a:p>
+          <a:p>
+            <a:pPr marL="342900" indent="-342900">
+              <a:buFontTx/>
+              <a:buAutoNum type="arabicPeriod"/>
+            </a:pPr>
+            <a:r>
+              <a:rPr lang="en-US" sz="2000" dirty="0">
+                <a:latin typeface="Gill Sans MT" panose="020B0502020104020203" pitchFamily="34" charset="0"/>
+              </a:rPr>
+              <a:t>For each candidate model </a:t>
+            </a:r>
+            <a:r>
+              <a:rPr lang="en-US" sz="2000" i="1" dirty="0">
+                <a:latin typeface="Gill Sans MT" panose="020B0502020104020203" pitchFamily="34" charset="0"/>
+              </a:rPr>
+              <a:t>m</a:t>
+            </a:r>
+            <a:r>
+              <a:rPr lang="en-US" sz="2000" dirty="0">
+                <a:latin typeface="Gill Sans MT" panose="020B0502020104020203" pitchFamily="34" charset="0"/>
+              </a:rPr>
+              <a:t>, </a:t>
+            </a:r>
+          </a:p>
+          <a:p>
+            <a:pPr marL="914400" lvl="1" indent="-457200">
+              <a:buAutoNum type="alphaLcPeriod"/>
+            </a:pPr>
+            <a:r>
+              <a:rPr lang="en-US" sz="2000" dirty="0">
+                <a:latin typeface="Gill Sans MT" panose="020B0502020104020203" pitchFamily="34" charset="0"/>
+              </a:rPr>
+              <a:t>For each group of counties </a:t>
+            </a:r>
+            <a:r>
+              <a:rPr lang="en-US" sz="2000" i="1" dirty="0">
+                <a:latin typeface="Gill Sans MT" panose="020B0502020104020203" pitchFamily="34" charset="0"/>
+              </a:rPr>
+              <a:t>g</a:t>
+            </a:r>
+            <a:r>
+              <a:rPr lang="en-US" sz="2000" dirty="0">
+                <a:latin typeface="Gill Sans MT" panose="020B0502020104020203" pitchFamily="34" charset="0"/>
+              </a:rPr>
+              <a:t>,</a:t>
+            </a:r>
+          </a:p>
+          <a:p>
+            <a:pPr lvl="1"/>
+            <a:r>
+              <a:rPr lang="en-US" sz="2000" dirty="0">
+                <a:latin typeface="Gill Sans MT" panose="020B0502020104020203" pitchFamily="34" charset="0"/>
+              </a:rPr>
+              <a:t>	</a:t>
+            </a:r>
+            <a:r>
+              <a:rPr lang="en-US" sz="2000" dirty="0" err="1">
+                <a:latin typeface="Gill Sans MT" panose="020B0502020104020203" pitchFamily="34" charset="0"/>
+              </a:rPr>
+              <a:t>i</a:t>
+            </a:r>
+            <a:r>
+              <a:rPr lang="en-US" sz="2000" dirty="0">
+                <a:latin typeface="Gill Sans MT" panose="020B0502020104020203" pitchFamily="34" charset="0"/>
+              </a:rPr>
+              <a:t>.      “Train” an instance of </a:t>
+            </a:r>
+            <a:r>
+              <a:rPr lang="en-US" sz="2000" i="1" dirty="0">
+                <a:latin typeface="Gill Sans MT" panose="020B0502020104020203" pitchFamily="34" charset="0"/>
+              </a:rPr>
+              <a:t>m </a:t>
+            </a:r>
+            <a:r>
+              <a:rPr lang="en-US" sz="2000" dirty="0">
+                <a:latin typeface="Gill Sans MT" panose="020B0502020104020203" pitchFamily="34" charset="0"/>
+              </a:rPr>
+              <a:t>by observing relationships between census data and vote split in the other 9 groups, setting</a:t>
+            </a:r>
+            <a:r>
+              <a:rPr lang="en-US" sz="2000" i="1" dirty="0">
+                <a:latin typeface="Gill Sans MT" panose="020B0502020104020203" pitchFamily="34" charset="0"/>
+              </a:rPr>
+              <a:t> g </a:t>
+            </a:r>
+            <a:r>
+              <a:rPr lang="en-US" sz="2000" dirty="0">
+                <a:latin typeface="Gill Sans MT" panose="020B0502020104020203" pitchFamily="34" charset="0"/>
+              </a:rPr>
+              <a:t>aside.</a:t>
+            </a:r>
+          </a:p>
+          <a:p>
+            <a:pPr lvl="1"/>
+            <a:r>
+              <a:rPr lang="en-US" sz="2000" dirty="0">
+                <a:latin typeface="Gill Sans MT" panose="020B0502020104020203" pitchFamily="34" charset="0"/>
+              </a:rPr>
+              <a:t>	ii.     Use this trained instance of </a:t>
+            </a:r>
+            <a:r>
+              <a:rPr lang="en-US" sz="2000" i="1" dirty="0">
+                <a:latin typeface="Gill Sans MT" panose="020B0502020104020203" pitchFamily="34" charset="0"/>
+              </a:rPr>
+              <a:t>m </a:t>
+            </a:r>
+            <a:r>
+              <a:rPr lang="en-US" sz="2000" dirty="0">
+                <a:latin typeface="Gill Sans MT" panose="020B0502020104020203" pitchFamily="34" charset="0"/>
+              </a:rPr>
+              <a:t>to predict county vote for each county in group </a:t>
+            </a:r>
+            <a:r>
+              <a:rPr lang="en-US" sz="2000" i="1" dirty="0">
+                <a:latin typeface="Gill Sans MT" panose="020B0502020104020203" pitchFamily="34" charset="0"/>
+              </a:rPr>
+              <a:t>g.</a:t>
+            </a:r>
+          </a:p>
+          <a:p>
+            <a:pPr lvl="1"/>
+            <a:r>
+              <a:rPr lang="en-US" sz="2000" dirty="0">
+                <a:latin typeface="Gill Sans MT" panose="020B0502020104020203" pitchFamily="34" charset="0"/>
+              </a:rPr>
+              <a:t>	iii.    Record the goodness of fit of candidate model </a:t>
+            </a:r>
+            <a:r>
+              <a:rPr lang="en-US" sz="2000" i="1" dirty="0">
+                <a:latin typeface="Gill Sans MT" panose="020B0502020104020203" pitchFamily="34" charset="0"/>
+              </a:rPr>
+              <a:t>m</a:t>
+            </a:r>
+            <a:r>
+              <a:rPr lang="en-US" sz="2000" dirty="0">
+                <a:latin typeface="Gill Sans MT" panose="020B0502020104020203" pitchFamily="34" charset="0"/>
+              </a:rPr>
+              <a:t> on the counties in </a:t>
+            </a:r>
+            <a:r>
+              <a:rPr lang="en-US" sz="2000" i="1" dirty="0">
+                <a:latin typeface="Gill Sans MT" panose="020B0502020104020203" pitchFamily="34" charset="0"/>
+              </a:rPr>
+              <a:t>g</a:t>
+            </a:r>
+            <a:r>
+              <a:rPr lang="en-US" sz="2000" dirty="0">
+                <a:latin typeface="Gill Sans MT" panose="020B0502020104020203" pitchFamily="34" charset="0"/>
+              </a:rPr>
+              <a:t>.</a:t>
+            </a:r>
+          </a:p>
+          <a:p>
+            <a:pPr lvl="1"/>
+            <a:r>
+              <a:rPr lang="en-US" sz="2000" dirty="0">
+                <a:latin typeface="Gill Sans MT" panose="020B0502020104020203" pitchFamily="34" charset="0"/>
+              </a:rPr>
+              <a:t>b. 	Take the average goodness of fit of the candidate model </a:t>
+            </a:r>
+            <a:r>
+              <a:rPr lang="en-US" sz="2000" i="1" dirty="0">
+                <a:latin typeface="Gill Sans MT" panose="020B0502020104020203" pitchFamily="34" charset="0"/>
+              </a:rPr>
+              <a:t>m </a:t>
+            </a:r>
+            <a:r>
+              <a:rPr lang="en-US" sz="2000" dirty="0">
+                <a:latin typeface="Gill Sans MT" panose="020B0502020104020203" pitchFamily="34" charset="0"/>
+              </a:rPr>
+              <a:t>across all groups </a:t>
+            </a:r>
+            <a:r>
+              <a:rPr lang="en-US" sz="2000" i="1" dirty="0">
+                <a:latin typeface="Gill Sans MT" panose="020B0502020104020203" pitchFamily="34" charset="0"/>
+              </a:rPr>
+              <a:t>g</a:t>
+            </a:r>
+            <a:r>
+              <a:rPr lang="en-US" sz="2000" dirty="0">
+                <a:latin typeface="Gill Sans MT" panose="020B0502020104020203" pitchFamily="34" charset="0"/>
+              </a:rPr>
+              <a:t>.</a:t>
             </a:r>
           </a:p>
         </p:txBody>
@@ -9382,7 +9615,7 @@
     </p:spTree>
     <p:extLst>
       <p:ext uri="{BB962C8B-B14F-4D97-AF65-F5344CB8AC3E}">
-        <p14:creationId xmlns:p14="http://schemas.microsoft.com/office/powerpoint/2010/main" val="3155053372"/>
+        <p14:creationId xmlns:p14="http://schemas.microsoft.com/office/powerpoint/2010/main" val="2891610988"/>
       </p:ext>
     </p:extLst>
   </p:cSld>
@@ -9395,14 +9628,6 @@
 <file path=ppt/slides/slide29.xml><?xml version="1.0" encoding="utf-8"?>
 <p:sld xmlns:a="http://schemas.openxmlformats.org/drawingml/2006/main" xmlns:r="http://schemas.openxmlformats.org/officeDocument/2006/relationships" xmlns:p="http://schemas.openxmlformats.org/presentationml/2006/main">
   <p:cSld>
-    <p:bg>
-      <p:bgPr>
-        <a:solidFill>
-          <a:schemeClr val="bg1"/>
-        </a:solidFill>
-        <a:effectLst/>
-      </p:bgPr>
-    </p:bg>
     <p:spTree>
       <p:nvGrpSpPr>
         <p:cNvPr id="1" name=""/>
@@ -9417,47 +9642,47 @@
           <a:chExt cx="0" cy="0"/>
         </a:xfrm>
       </p:grpSpPr>
-      <p:pic>
-        <p:nvPicPr>
-          <p:cNvPr id="3" name="Picture 2">
-            <a:extLst>
-              <a:ext uri="{FF2B5EF4-FFF2-40B4-BE49-F238E27FC236}">
-                <a16:creationId xmlns:a16="http://schemas.microsoft.com/office/drawing/2014/main" id="{16B07BFA-01F6-4222-AD26-526343997A4F}"/>
-              </a:ext>
-            </a:extLst>
-          </p:cNvPr>
-          <p:cNvPicPr>
-            <a:picLocks noChangeAspect="1"/>
-          </p:cNvPicPr>
-          <p:nvPr/>
-        </p:nvPicPr>
-        <p:blipFill rotWithShape="1">
-          <a:blip r:embed="rId2">
-            <a:extLst>
-              <a:ext uri="{28A0092B-C50C-407E-A947-70E740481C1C}">
-                <a14:useLocalDpi xmlns:a14="http://schemas.microsoft.com/office/drawing/2010/main" val="0"/>
-              </a:ext>
-            </a:extLst>
-          </a:blip>
-          <a:srcRect/>
-          <a:stretch/>
-        </p:blipFill>
+      <p:sp>
+        <p:nvSpPr>
+          <p:cNvPr id="2" name="Title 1">
+            <a:extLst>
+              <a:ext uri="{FF2B5EF4-FFF2-40B4-BE49-F238E27FC236}">
+                <a16:creationId xmlns:a16="http://schemas.microsoft.com/office/drawing/2014/main" id="{7FCCC659-94D9-4DA4-A45B-7F1250CD4907}"/>
+              </a:ext>
+            </a:extLst>
+          </p:cNvPr>
+          <p:cNvSpPr>
+            <a:spLocks noGrp="1"/>
+          </p:cNvSpPr>
+          <p:nvPr>
+            <p:ph type="title"/>
+          </p:nvPr>
+        </p:nvSpPr>
         <p:spPr>
           <a:xfrm>
-            <a:off x="17756" y="24967"/>
-            <a:ext cx="12147612" cy="6833033"/>
+            <a:off x="847724" y="498476"/>
+            <a:ext cx="10458449" cy="1044574"/>
           </a:xfrm>
-          <a:prstGeom prst="rect">
-            <a:avLst/>
-          </a:prstGeom>
         </p:spPr>
-      </p:pic>
+        <p:txBody>
+          <a:bodyPr/>
+          <a:lstStyle/>
+          <a:p>
+            <a:r>
+              <a:rPr lang="en-US" dirty="0">
+                <a:latin typeface="Gill Sans MT" panose="020B0502020104020203" pitchFamily="34" charset="0"/>
+              </a:rPr>
+              <a:t>Predicting election results: Model selection</a:t>
+            </a:r>
+          </a:p>
+        </p:txBody>
+      </p:sp>
       <p:sp>
         <p:nvSpPr>
-          <p:cNvPr id="5" name="TextBox 4">
-            <a:extLst>
-              <a:ext uri="{FF2B5EF4-FFF2-40B4-BE49-F238E27FC236}">
-                <a16:creationId xmlns:a16="http://schemas.microsoft.com/office/drawing/2014/main" id="{F8280FA4-AFCF-4D0F-A8C3-CF73C6625D03}"/>
+          <p:cNvPr id="10" name="TextBox 9">
+            <a:extLst>
+              <a:ext uri="{FF2B5EF4-FFF2-40B4-BE49-F238E27FC236}">
+                <a16:creationId xmlns:a16="http://schemas.microsoft.com/office/drawing/2014/main" id="{F4702C9B-096C-4AF3-B21F-14C319B3E3D5}"/>
               </a:ext>
             </a:extLst>
           </p:cNvPr>
@@ -9466,8 +9691,8 @@
         </p:nvSpPr>
         <p:spPr>
           <a:xfrm>
-            <a:off x="9436963" y="4776186"/>
-            <a:ext cx="2388093" cy="369332"/>
+            <a:off x="1032396" y="1834997"/>
+            <a:ext cx="10089104" cy="3477875"/>
           </a:xfrm>
           <a:prstGeom prst="rect">
             <a:avLst/>
@@ -9481,10 +9706,231 @@
           <a:lstStyle/>
           <a:p>
             <a:r>
-              <a:rPr lang="en-US" dirty="0">
-                <a:latin typeface="Gill Sans MT" panose="020B0502020104020203" pitchFamily="34" charset="0"/>
-              </a:rPr>
-              <a:t>Goodness of fit = 0.77</a:t>
+              <a:rPr lang="en-US" sz="2000" b="1" i="1" dirty="0">
+                <a:latin typeface="Gill Sans MT" panose="020B0502020104020203" pitchFamily="34" charset="0"/>
+              </a:rPr>
+              <a:t>10-fold cross validation</a:t>
+            </a:r>
+          </a:p>
+          <a:p>
+            <a:endParaRPr lang="en-US" sz="2000" i="1" dirty="0">
+              <a:latin typeface="Gill Sans MT" panose="020B0502020104020203" pitchFamily="34" charset="0"/>
+            </a:endParaRPr>
+          </a:p>
+          <a:p>
+            <a:pPr marL="342900" indent="-342900">
+              <a:buAutoNum type="arabicPeriod"/>
+            </a:pPr>
+            <a:r>
+              <a:rPr lang="en-US" sz="2000" dirty="0">
+                <a:latin typeface="Gill Sans MT" panose="020B0502020104020203" pitchFamily="34" charset="0"/>
+              </a:rPr>
+              <a:t>Randomly divide set of all counties into 10 equally sized groups</a:t>
+            </a:r>
+            <a:r>
+              <a:rPr lang="en-US" sz="2000" i="1" dirty="0">
+                <a:latin typeface="Gill Sans MT" panose="020B0502020104020203" pitchFamily="34" charset="0"/>
+              </a:rPr>
+              <a:t>.</a:t>
+            </a:r>
+          </a:p>
+          <a:p>
+            <a:pPr marL="342900" indent="-342900">
+              <a:buFontTx/>
+              <a:buAutoNum type="arabicPeriod"/>
+            </a:pPr>
+            <a:r>
+              <a:rPr lang="en-US" sz="2000" dirty="0">
+                <a:latin typeface="Gill Sans MT" panose="020B0502020104020203" pitchFamily="34" charset="0"/>
+              </a:rPr>
+              <a:t>For each candidate model </a:t>
+            </a:r>
+            <a:r>
+              <a:rPr lang="en-US" sz="2000" i="1" dirty="0">
+                <a:latin typeface="Gill Sans MT" panose="020B0502020104020203" pitchFamily="34" charset="0"/>
+              </a:rPr>
+              <a:t>m</a:t>
+            </a:r>
+            <a:r>
+              <a:rPr lang="en-US" sz="2000" dirty="0">
+                <a:latin typeface="Gill Sans MT" panose="020B0502020104020203" pitchFamily="34" charset="0"/>
+              </a:rPr>
+              <a:t>, </a:t>
+            </a:r>
+          </a:p>
+          <a:p>
+            <a:pPr marL="914400" lvl="1" indent="-457200">
+              <a:buAutoNum type="alphaLcPeriod"/>
+            </a:pPr>
+            <a:r>
+              <a:rPr lang="en-US" sz="2000" dirty="0">
+                <a:latin typeface="Gill Sans MT" panose="020B0502020104020203" pitchFamily="34" charset="0"/>
+              </a:rPr>
+              <a:t>For each group of counties </a:t>
+            </a:r>
+            <a:r>
+              <a:rPr lang="en-US" sz="2000" i="1" dirty="0">
+                <a:latin typeface="Gill Sans MT" panose="020B0502020104020203" pitchFamily="34" charset="0"/>
+              </a:rPr>
+              <a:t>g</a:t>
+            </a:r>
+            <a:r>
+              <a:rPr lang="en-US" sz="2000" dirty="0">
+                <a:latin typeface="Gill Sans MT" panose="020B0502020104020203" pitchFamily="34" charset="0"/>
+              </a:rPr>
+              <a:t>,</a:t>
+            </a:r>
+          </a:p>
+          <a:p>
+            <a:pPr lvl="1"/>
+            <a:r>
+              <a:rPr lang="en-US" sz="2000" dirty="0">
+                <a:latin typeface="Gill Sans MT" panose="020B0502020104020203" pitchFamily="34" charset="0"/>
+              </a:rPr>
+              <a:t>	</a:t>
+            </a:r>
+            <a:r>
+              <a:rPr lang="en-US" sz="2000" dirty="0" err="1">
+                <a:latin typeface="Gill Sans MT" panose="020B0502020104020203" pitchFamily="34" charset="0"/>
+              </a:rPr>
+              <a:t>i</a:t>
+            </a:r>
+            <a:r>
+              <a:rPr lang="en-US" sz="2000" dirty="0">
+                <a:latin typeface="Gill Sans MT" panose="020B0502020104020203" pitchFamily="34" charset="0"/>
+              </a:rPr>
+              <a:t>.      “Train” an instance of </a:t>
+            </a:r>
+            <a:r>
+              <a:rPr lang="en-US" sz="2000" i="1" dirty="0">
+                <a:latin typeface="Gill Sans MT" panose="020B0502020104020203" pitchFamily="34" charset="0"/>
+              </a:rPr>
+              <a:t>m </a:t>
+            </a:r>
+            <a:r>
+              <a:rPr lang="en-US" sz="2000" dirty="0">
+                <a:latin typeface="Gill Sans MT" panose="020B0502020104020203" pitchFamily="34" charset="0"/>
+              </a:rPr>
+              <a:t>by observing relationships between census data and vote split in the other 9 groups, setting</a:t>
+            </a:r>
+            <a:r>
+              <a:rPr lang="en-US" sz="2000" i="1" dirty="0">
+                <a:latin typeface="Gill Sans MT" panose="020B0502020104020203" pitchFamily="34" charset="0"/>
+              </a:rPr>
+              <a:t> g </a:t>
+            </a:r>
+            <a:r>
+              <a:rPr lang="en-US" sz="2000" dirty="0">
+                <a:latin typeface="Gill Sans MT" panose="020B0502020104020203" pitchFamily="34" charset="0"/>
+              </a:rPr>
+              <a:t>aside.</a:t>
+            </a:r>
+          </a:p>
+          <a:p>
+            <a:pPr lvl="1"/>
+            <a:r>
+              <a:rPr lang="en-US" sz="2000" dirty="0">
+                <a:latin typeface="Gill Sans MT" panose="020B0502020104020203" pitchFamily="34" charset="0"/>
+              </a:rPr>
+              <a:t>	ii.     Use this trained instance of </a:t>
+            </a:r>
+            <a:r>
+              <a:rPr lang="en-US" sz="2000" i="1" dirty="0">
+                <a:latin typeface="Gill Sans MT" panose="020B0502020104020203" pitchFamily="34" charset="0"/>
+              </a:rPr>
+              <a:t>m </a:t>
+            </a:r>
+            <a:r>
+              <a:rPr lang="en-US" sz="2000" dirty="0">
+                <a:latin typeface="Gill Sans MT" panose="020B0502020104020203" pitchFamily="34" charset="0"/>
+              </a:rPr>
+              <a:t>to predict county vote for each county in group </a:t>
+            </a:r>
+            <a:r>
+              <a:rPr lang="en-US" sz="2000" i="1" dirty="0">
+                <a:latin typeface="Gill Sans MT" panose="020B0502020104020203" pitchFamily="34" charset="0"/>
+              </a:rPr>
+              <a:t>g.</a:t>
+            </a:r>
+          </a:p>
+          <a:p>
+            <a:pPr lvl="1"/>
+            <a:r>
+              <a:rPr lang="en-US" sz="2000" dirty="0">
+                <a:latin typeface="Gill Sans MT" panose="020B0502020104020203" pitchFamily="34" charset="0"/>
+              </a:rPr>
+              <a:t>	iii.    Record the goodness of fit of candidate model </a:t>
+            </a:r>
+            <a:r>
+              <a:rPr lang="en-US" sz="2000" i="1" dirty="0">
+                <a:latin typeface="Gill Sans MT" panose="020B0502020104020203" pitchFamily="34" charset="0"/>
+              </a:rPr>
+              <a:t>m</a:t>
+            </a:r>
+            <a:r>
+              <a:rPr lang="en-US" sz="2000" dirty="0">
+                <a:latin typeface="Gill Sans MT" panose="020B0502020104020203" pitchFamily="34" charset="0"/>
+              </a:rPr>
+              <a:t> on the counties in </a:t>
+            </a:r>
+            <a:r>
+              <a:rPr lang="en-US" sz="2000" i="1" dirty="0">
+                <a:latin typeface="Gill Sans MT" panose="020B0502020104020203" pitchFamily="34" charset="0"/>
+              </a:rPr>
+              <a:t>g</a:t>
+            </a:r>
+            <a:r>
+              <a:rPr lang="en-US" sz="2000" dirty="0">
+                <a:latin typeface="Gill Sans MT" panose="020B0502020104020203" pitchFamily="34" charset="0"/>
+              </a:rPr>
+              <a:t>.</a:t>
+            </a:r>
+          </a:p>
+          <a:p>
+            <a:pPr marL="914400" lvl="1" indent="-457200">
+              <a:buAutoNum type="alphaLcPeriod" startAt="2"/>
+            </a:pPr>
+            <a:r>
+              <a:rPr lang="en-US" sz="2000" dirty="0">
+                <a:latin typeface="Gill Sans MT" panose="020B0502020104020203" pitchFamily="34" charset="0"/>
+              </a:rPr>
+              <a:t>Take the average goodness of fit of the candidate model </a:t>
+            </a:r>
+            <a:r>
+              <a:rPr lang="en-US" sz="2000" i="1" dirty="0">
+                <a:latin typeface="Gill Sans MT" panose="020B0502020104020203" pitchFamily="34" charset="0"/>
+              </a:rPr>
+              <a:t>m </a:t>
+            </a:r>
+            <a:r>
+              <a:rPr lang="en-US" sz="2000" dirty="0">
+                <a:latin typeface="Gill Sans MT" panose="020B0502020104020203" pitchFamily="34" charset="0"/>
+              </a:rPr>
+              <a:t>across all groups </a:t>
+            </a:r>
+            <a:r>
+              <a:rPr lang="en-US" sz="2000" i="1" dirty="0">
+                <a:latin typeface="Gill Sans MT" panose="020B0502020104020203" pitchFamily="34" charset="0"/>
+              </a:rPr>
+              <a:t>g</a:t>
+            </a:r>
+            <a:r>
+              <a:rPr lang="en-US" sz="2000" dirty="0">
+                <a:latin typeface="Gill Sans MT" panose="020B0502020104020203" pitchFamily="34" charset="0"/>
+              </a:rPr>
+              <a:t>.</a:t>
+            </a:r>
+          </a:p>
+          <a:p>
+            <a:pPr marL="457200" indent="-457200">
+              <a:buFontTx/>
+              <a:buAutoNum type="arabicPeriod"/>
+            </a:pPr>
+            <a:r>
+              <a:rPr lang="en-US" sz="2000" dirty="0">
+                <a:latin typeface="Gill Sans MT" panose="020B0502020104020203" pitchFamily="34" charset="0"/>
+              </a:rPr>
+              <a:t>Choose the best-performing candidate model.</a:t>
             </a:r>
           </a:p>
         </p:txBody>
@@ -9492,7 +9938,7 @@
     </p:spTree>
     <p:extLst>
       <p:ext uri="{BB962C8B-B14F-4D97-AF65-F5344CB8AC3E}">
-        <p14:creationId xmlns:p14="http://schemas.microsoft.com/office/powerpoint/2010/main" val="3646269011"/>
+        <p14:creationId xmlns:p14="http://schemas.microsoft.com/office/powerpoint/2010/main" val="548956867"/>
       </p:ext>
     </p:extLst>
   </p:cSld>
@@ -9544,7 +9990,7 @@
               <a:rPr lang="en-US" dirty="0">
                 <a:latin typeface="Gill Sans MT" panose="020B0502020104020203" pitchFamily="34" charset="0"/>
               </a:rPr>
-              <a:t>Problem</a:t>
+              <a:t>Motivation</a:t>
             </a:r>
           </a:p>
         </p:txBody>
@@ -9573,26 +10019,45 @@
             <a:pPr marL="0" indent="0">
               <a:buNone/>
             </a:pPr>
+            <a:r>
+              <a:rPr lang="en-US" i="1" dirty="0">
+                <a:effectLst/>
+                <a:latin typeface="Gill Sans MT" panose="020B0502020104020203" pitchFamily="34" charset="0"/>
+              </a:rPr>
+              <a:t>“One of the big lessons from behavioral economics is that we make decisions as a function of the environment that we're in.”</a:t>
+            </a:r>
+            <a:endParaRPr lang="en-US" i="1" dirty="0">
+              <a:latin typeface="Gill Sans MT" panose="020B0502020104020203" pitchFamily="34" charset="0"/>
+            </a:endParaRPr>
+          </a:p>
+          <a:p>
+            <a:pPr marL="0" indent="0">
+              <a:buNone/>
+            </a:pPr>
+            <a:r>
+              <a:rPr lang="en-US" dirty="0">
+                <a:latin typeface="Gill Sans MT" panose="020B0502020104020203" pitchFamily="34" charset="0"/>
+              </a:rPr>
+              <a:t>								--Dan </a:t>
+            </a:r>
+            <a:r>
+              <a:rPr lang="en-US" dirty="0" err="1">
+                <a:latin typeface="Gill Sans MT" panose="020B0502020104020203" pitchFamily="34" charset="0"/>
+              </a:rPr>
+              <a:t>Ariely</a:t>
+            </a:r>
+            <a:r>
+              <a:rPr lang="en-US" dirty="0">
+                <a:latin typeface="Gill Sans MT" panose="020B0502020104020203" pitchFamily="34" charset="0"/>
+              </a:rPr>
+              <a:t> </a:t>
+            </a:r>
             <a:endParaRPr lang="en-US" b="1" dirty="0">
               <a:latin typeface="Gill Sans MT" panose="020B0502020104020203" pitchFamily="34" charset="0"/>
             </a:endParaRPr>
           </a:p>
           <a:p>
-            <a:r>
-              <a:rPr lang="en-US" b="1" dirty="0">
-                <a:latin typeface="Gill Sans MT" panose="020B0502020104020203" pitchFamily="34" charset="0"/>
-              </a:rPr>
-              <a:t>Question</a:t>
-            </a:r>
-            <a:r>
-              <a:rPr lang="en-US" dirty="0">
-                <a:latin typeface="Gill Sans MT" panose="020B0502020104020203" pitchFamily="34" charset="0"/>
-              </a:rPr>
-              <a:t>: Can we use 2000 census data to predict county-level results of the 2000 presidential election?</a:t>
-            </a:r>
-          </a:p>
-          <a:p>
-            <a:endParaRPr lang="en-US" dirty="0">
+            <a:endParaRPr lang="en-US" b="1" dirty="0">
               <a:latin typeface="Gill Sans MT" panose="020B0502020104020203" pitchFamily="34" charset="0"/>
             </a:endParaRPr>
           </a:p>
@@ -9601,22 +10066,14 @@
               <a:rPr lang="en-US" b="1" dirty="0">
                 <a:latin typeface="Gill Sans MT" panose="020B0502020104020203" pitchFamily="34" charset="0"/>
               </a:rPr>
-              <a:t>Bonus question:</a:t>
+              <a:t>Question</a:t>
             </a:r>
             <a:r>
               <a:rPr lang="en-US" dirty="0">
                 <a:latin typeface="Gill Sans MT" panose="020B0502020104020203" pitchFamily="34" charset="0"/>
               </a:rPr>
-              <a:t> How well do our models generalize to the 2004 and 2008 elections?</a:t>
-            </a:r>
-          </a:p>
-          <a:p>
-            <a:pPr marL="0" indent="0">
-              <a:buNone/>
-            </a:pPr>
-            <a:endParaRPr lang="en-US" dirty="0">
-              <a:latin typeface="Gill Sans MT" panose="020B0502020104020203" pitchFamily="34" charset="0"/>
-            </a:endParaRPr>
+              <a:t>: Can we use 2000 census data to predict county-level results of the 2000 presidential election?</a:t>
+            </a:r>
           </a:p>
           <a:p>
             <a:endParaRPr lang="en-US" dirty="0">
@@ -9628,7 +10085,7 @@
     </p:spTree>
     <p:extLst>
       <p:ext uri="{BB962C8B-B14F-4D97-AF65-F5344CB8AC3E}">
-        <p14:creationId xmlns:p14="http://schemas.microsoft.com/office/powerpoint/2010/main" val="2971390738"/>
+        <p14:creationId xmlns:p14="http://schemas.microsoft.com/office/powerpoint/2010/main" val="579070794"/>
       </p:ext>
     </p:extLst>
   </p:cSld>
@@ -9639,6 +10096,2152 @@
 </file>
 
 <file path=ppt/slides/slide30.xml><?xml version="1.0" encoding="utf-8"?>
+<p:sld xmlns:a="http://schemas.openxmlformats.org/drawingml/2006/main" xmlns:r="http://schemas.openxmlformats.org/officeDocument/2006/relationships" xmlns:p="http://schemas.openxmlformats.org/presentationml/2006/main">
+  <p:cSld>
+    <p:spTree>
+      <p:nvGrpSpPr>
+        <p:cNvPr id="1" name=""/>
+        <p:cNvGrpSpPr/>
+        <p:nvPr/>
+      </p:nvGrpSpPr>
+      <p:grpSpPr>
+        <a:xfrm>
+          <a:off x="0" y="0"/>
+          <a:ext cx="0" cy="0"/>
+          <a:chOff x="0" y="0"/>
+          <a:chExt cx="0" cy="0"/>
+        </a:xfrm>
+      </p:grpSpPr>
+      <p:sp>
+        <p:nvSpPr>
+          <p:cNvPr id="2" name="Title 1">
+            <a:extLst>
+              <a:ext uri="{FF2B5EF4-FFF2-40B4-BE49-F238E27FC236}">
+                <a16:creationId xmlns:a16="http://schemas.microsoft.com/office/drawing/2014/main" id="{C099A040-0ED6-4CB9-94FF-0815BF475F02}"/>
+              </a:ext>
+            </a:extLst>
+          </p:cNvPr>
+          <p:cNvSpPr>
+            <a:spLocks noGrp="1"/>
+          </p:cNvSpPr>
+          <p:nvPr>
+            <p:ph type="title"/>
+          </p:nvPr>
+        </p:nvSpPr>
+        <p:spPr/>
+        <p:txBody>
+          <a:bodyPr/>
+          <a:lstStyle/>
+          <a:p>
+            <a:r>
+              <a:rPr lang="en-US" dirty="0">
+                <a:latin typeface="Gill Sans MT" panose="020B0502020104020203" pitchFamily="34" charset="0"/>
+              </a:rPr>
+              <a:t>Most predictive variables</a:t>
+            </a:r>
+          </a:p>
+        </p:txBody>
+      </p:sp>
+      <p:graphicFrame>
+        <p:nvGraphicFramePr>
+          <p:cNvPr id="4" name="Table 3">
+            <a:extLst>
+              <a:ext uri="{FF2B5EF4-FFF2-40B4-BE49-F238E27FC236}">
+                <a16:creationId xmlns:a16="http://schemas.microsoft.com/office/drawing/2014/main" id="{DAC20F89-340C-44A6-8BF4-3821B6D6B743}"/>
+              </a:ext>
+            </a:extLst>
+          </p:cNvPr>
+          <p:cNvGraphicFramePr>
+            <a:graphicFrameLocks noGrp="1"/>
+          </p:cNvGraphicFramePr>
+          <p:nvPr>
+            <p:extLst>
+              <p:ext uri="{D42A27DB-BD31-4B8C-83A1-F6EECF244321}">
+                <p14:modId xmlns:p14="http://schemas.microsoft.com/office/powerpoint/2010/main" val="1353779396"/>
+              </p:ext>
+            </p:extLst>
+          </p:nvPr>
+        </p:nvGraphicFramePr>
+        <p:xfrm>
+          <a:off x="1176106" y="1783302"/>
+          <a:ext cx="9401175" cy="3545799"/>
+        </p:xfrm>
+        <a:graphic>
+          <a:graphicData uri="http://schemas.openxmlformats.org/drawingml/2006/table">
+            <a:tbl>
+              <a:tblPr firstRow="1" bandRow="1">
+                <a:tableStyleId>{073A0DAA-6AF3-43AB-8588-CEC1D06C72B9}</a:tableStyleId>
+              </a:tblPr>
+              <a:tblGrid>
+                <a:gridCol w="2277307">
+                  <a:extLst>
+                    <a:ext uri="{9D8B030D-6E8A-4147-A177-3AD203B41FA5}">
+                      <a16:colId xmlns:a16="http://schemas.microsoft.com/office/drawing/2014/main" val="3347781496"/>
+                    </a:ext>
+                  </a:extLst>
+                </a:gridCol>
+                <a:gridCol w="2068498">
+                  <a:extLst>
+                    <a:ext uri="{9D8B030D-6E8A-4147-A177-3AD203B41FA5}">
+                      <a16:colId xmlns:a16="http://schemas.microsoft.com/office/drawing/2014/main" val="392291638"/>
+                    </a:ext>
+                  </a:extLst>
+                </a:gridCol>
+                <a:gridCol w="2672178">
+                  <a:extLst>
+                    <a:ext uri="{9D8B030D-6E8A-4147-A177-3AD203B41FA5}">
+                      <a16:colId xmlns:a16="http://schemas.microsoft.com/office/drawing/2014/main" val="899575352"/>
+                    </a:ext>
+                  </a:extLst>
+                </a:gridCol>
+                <a:gridCol w="2383192">
+                  <a:extLst>
+                    <a:ext uri="{9D8B030D-6E8A-4147-A177-3AD203B41FA5}">
+                      <a16:colId xmlns:a16="http://schemas.microsoft.com/office/drawing/2014/main" val="847904471"/>
+                    </a:ext>
+                  </a:extLst>
+                </a:gridCol>
+              </a:tblGrid>
+              <a:tr h="388652">
+                <a:tc>
+                  <a:txBody>
+                    <a:bodyPr/>
+                    <a:lstStyle/>
+                    <a:p>
+                      <a:pPr algn="ctr"/>
+                      <a:r>
+                        <a:rPr lang="en-US" i="1" u="none" dirty="0">
+                          <a:latin typeface="Gill Sans MT" panose="020B0502020104020203" pitchFamily="34" charset="0"/>
+                        </a:rPr>
+                        <a:t>Metric   \    Model</a:t>
+                      </a:r>
+                    </a:p>
+                  </a:txBody>
+                  <a:tcPr/>
+                </a:tc>
+                <a:tc>
+                  <a:txBody>
+                    <a:bodyPr/>
+                    <a:lstStyle/>
+                    <a:p>
+                      <a:pPr algn="ctr"/>
+                      <a:r>
+                        <a:rPr lang="en-US" i="1" dirty="0">
+                          <a:latin typeface="Gill Sans MT" panose="020B0502020104020203" pitchFamily="34" charset="0"/>
+                        </a:rPr>
+                        <a:t>Generalized linear</a:t>
+                      </a:r>
+                    </a:p>
+                  </a:txBody>
+                  <a:tcPr/>
+                </a:tc>
+                <a:tc>
+                  <a:txBody>
+                    <a:bodyPr/>
+                    <a:lstStyle/>
+                    <a:p>
+                      <a:pPr algn="ctr"/>
+                      <a:r>
+                        <a:rPr lang="en-US" i="1" dirty="0">
+                          <a:latin typeface="Gill Sans MT" panose="020B0502020104020203" pitchFamily="34" charset="0"/>
+                        </a:rPr>
+                        <a:t>Stochastic gradient boosting (best fit model)</a:t>
+                      </a:r>
+                    </a:p>
+                  </a:txBody>
+                  <a:tcPr/>
+                </a:tc>
+                <a:tc>
+                  <a:txBody>
+                    <a:bodyPr/>
+                    <a:lstStyle/>
+                    <a:p>
+                      <a:pPr algn="ctr"/>
+                      <a:r>
+                        <a:rPr lang="en-US" i="1" dirty="0">
+                          <a:latin typeface="Gill Sans MT" panose="020B0502020104020203" pitchFamily="34" charset="0"/>
+                        </a:rPr>
+                        <a:t>Classification models</a:t>
+                      </a:r>
+                    </a:p>
+                    <a:p>
+                      <a:pPr algn="ctr"/>
+                      <a:r>
+                        <a:rPr lang="en-US" i="1" dirty="0">
+                          <a:latin typeface="Gill Sans MT" panose="020B0502020104020203" pitchFamily="34" charset="0"/>
+                        </a:rPr>
+                        <a:t>(i.e. winner-take-all)</a:t>
+                      </a:r>
+                    </a:p>
+                  </a:txBody>
+                  <a:tcPr/>
+                </a:tc>
+                <a:extLst>
+                  <a:ext uri="{0D108BD9-81ED-4DB2-BD59-A6C34878D82A}">
+                    <a16:rowId xmlns:a16="http://schemas.microsoft.com/office/drawing/2014/main" val="2738229843"/>
+                  </a:ext>
+                </a:extLst>
+              </a:tr>
+              <a:tr h="446959">
+                <a:tc>
+                  <a:txBody>
+                    <a:bodyPr/>
+                    <a:lstStyle/>
+                    <a:p>
+                      <a:pPr algn="ctr"/>
+                      <a:r>
+                        <a:rPr lang="en-US" dirty="0">
+                          <a:latin typeface="Gill Sans MT" panose="020B0502020104020203" pitchFamily="34" charset="0"/>
+                        </a:rPr>
+                        <a:t>Goodness of fit</a:t>
+                      </a:r>
+                    </a:p>
+                  </a:txBody>
+                  <a:tcPr/>
+                </a:tc>
+                <a:tc>
+                  <a:txBody>
+                    <a:bodyPr/>
+                    <a:lstStyle/>
+                    <a:p>
+                      <a:endParaRPr lang="en-US"/>
+                    </a:p>
+                  </a:txBody>
+                  <a:tcPr/>
+                </a:tc>
+                <a:tc>
+                  <a:txBody>
+                    <a:bodyPr/>
+                    <a:lstStyle/>
+                    <a:p>
+                      <a:endParaRPr lang="en-US"/>
+                    </a:p>
+                  </a:txBody>
+                  <a:tcPr/>
+                </a:tc>
+                <a:tc>
+                  <a:txBody>
+                    <a:bodyPr/>
+                    <a:lstStyle/>
+                    <a:p>
+                      <a:endParaRPr lang="en-US"/>
+                    </a:p>
+                  </a:txBody>
+                  <a:tcPr/>
+                </a:tc>
+                <a:extLst>
+                  <a:ext uri="{0D108BD9-81ED-4DB2-BD59-A6C34878D82A}">
+                    <a16:rowId xmlns:a16="http://schemas.microsoft.com/office/drawing/2014/main" val="3675872715"/>
+                  </a:ext>
+                </a:extLst>
+              </a:tr>
+              <a:tr h="2458760">
+                <a:tc>
+                  <a:txBody>
+                    <a:bodyPr/>
+                    <a:lstStyle/>
+                    <a:p>
+                      <a:pPr algn="ctr"/>
+                      <a:r>
+                        <a:rPr lang="en-US" dirty="0">
+                          <a:latin typeface="Gill Sans MT" panose="020B0502020104020203" pitchFamily="34" charset="0"/>
+                        </a:rPr>
+                        <a:t>Most predictive/</a:t>
+                      </a:r>
+                    </a:p>
+                    <a:p>
+                      <a:pPr algn="ctr"/>
+                      <a:r>
+                        <a:rPr lang="en-US" dirty="0">
+                          <a:latin typeface="Gill Sans MT" panose="020B0502020104020203" pitchFamily="34" charset="0"/>
+                        </a:rPr>
+                        <a:t>important variables, in descending order of importance</a:t>
+                      </a:r>
+                    </a:p>
+                    <a:p>
+                      <a:pPr algn="ctr"/>
+                      <a:r>
+                        <a:rPr lang="en-US" dirty="0">
+                          <a:latin typeface="Gill Sans MT" panose="020B0502020104020203" pitchFamily="34" charset="0"/>
+                        </a:rPr>
+                        <a:t>(model-dependent)</a:t>
+                      </a:r>
+                    </a:p>
+                  </a:txBody>
+                  <a:tcPr/>
+                </a:tc>
+                <a:tc>
+                  <a:txBody>
+                    <a:bodyPr/>
+                    <a:lstStyle/>
+                    <a:p>
+                      <a:endParaRPr lang="en-US"/>
+                    </a:p>
+                  </a:txBody>
+                  <a:tcPr/>
+                </a:tc>
+                <a:tc>
+                  <a:txBody>
+                    <a:bodyPr/>
+                    <a:lstStyle/>
+                    <a:p>
+                      <a:endParaRPr lang="en-US"/>
+                    </a:p>
+                  </a:txBody>
+                  <a:tcPr/>
+                </a:tc>
+                <a:tc>
+                  <a:txBody>
+                    <a:bodyPr/>
+                    <a:lstStyle/>
+                    <a:p>
+                      <a:endParaRPr lang="en-US" dirty="0"/>
+                    </a:p>
+                  </a:txBody>
+                  <a:tcPr/>
+                </a:tc>
+                <a:extLst>
+                  <a:ext uri="{0D108BD9-81ED-4DB2-BD59-A6C34878D82A}">
+                    <a16:rowId xmlns:a16="http://schemas.microsoft.com/office/drawing/2014/main" val="4176736732"/>
+                  </a:ext>
+                </a:extLst>
+              </a:tr>
+            </a:tbl>
+          </a:graphicData>
+        </a:graphic>
+      </p:graphicFrame>
+    </p:spTree>
+    <p:extLst>
+      <p:ext uri="{BB962C8B-B14F-4D97-AF65-F5344CB8AC3E}">
+        <p14:creationId xmlns:p14="http://schemas.microsoft.com/office/powerpoint/2010/main" val="1498697810"/>
+      </p:ext>
+    </p:extLst>
+  </p:cSld>
+  <p:clrMapOvr>
+    <a:masterClrMapping/>
+  </p:clrMapOvr>
+</p:sld>
+</file>
+
+<file path=ppt/slides/slide31.xml><?xml version="1.0" encoding="utf-8"?>
+<p:sld xmlns:a="http://schemas.openxmlformats.org/drawingml/2006/main" xmlns:r="http://schemas.openxmlformats.org/officeDocument/2006/relationships" xmlns:p="http://schemas.openxmlformats.org/presentationml/2006/main">
+  <p:cSld>
+    <p:spTree>
+      <p:nvGrpSpPr>
+        <p:cNvPr id="1" name=""/>
+        <p:cNvGrpSpPr/>
+        <p:nvPr/>
+      </p:nvGrpSpPr>
+      <p:grpSpPr>
+        <a:xfrm>
+          <a:off x="0" y="0"/>
+          <a:ext cx="0" cy="0"/>
+          <a:chOff x="0" y="0"/>
+          <a:chExt cx="0" cy="0"/>
+        </a:xfrm>
+      </p:grpSpPr>
+      <p:sp>
+        <p:nvSpPr>
+          <p:cNvPr id="2" name="Title 1">
+            <a:extLst>
+              <a:ext uri="{FF2B5EF4-FFF2-40B4-BE49-F238E27FC236}">
+                <a16:creationId xmlns:a16="http://schemas.microsoft.com/office/drawing/2014/main" id="{C099A040-0ED6-4CB9-94FF-0815BF475F02}"/>
+              </a:ext>
+            </a:extLst>
+          </p:cNvPr>
+          <p:cNvSpPr>
+            <a:spLocks noGrp="1"/>
+          </p:cNvSpPr>
+          <p:nvPr>
+            <p:ph type="title"/>
+          </p:nvPr>
+        </p:nvSpPr>
+        <p:spPr/>
+        <p:txBody>
+          <a:bodyPr/>
+          <a:lstStyle/>
+          <a:p>
+            <a:r>
+              <a:rPr lang="en-US" dirty="0">
+                <a:latin typeface="Gill Sans MT" panose="020B0502020104020203" pitchFamily="34" charset="0"/>
+              </a:rPr>
+              <a:t>Most predictive variables</a:t>
+            </a:r>
+          </a:p>
+        </p:txBody>
+      </p:sp>
+      <p:graphicFrame>
+        <p:nvGraphicFramePr>
+          <p:cNvPr id="4" name="Table 3">
+            <a:extLst>
+              <a:ext uri="{FF2B5EF4-FFF2-40B4-BE49-F238E27FC236}">
+                <a16:creationId xmlns:a16="http://schemas.microsoft.com/office/drawing/2014/main" id="{DAC20F89-340C-44A6-8BF4-3821B6D6B743}"/>
+              </a:ext>
+            </a:extLst>
+          </p:cNvPr>
+          <p:cNvGraphicFramePr>
+            <a:graphicFrameLocks noGrp="1"/>
+          </p:cNvGraphicFramePr>
+          <p:nvPr>
+            <p:extLst>
+              <p:ext uri="{D42A27DB-BD31-4B8C-83A1-F6EECF244321}">
+                <p14:modId xmlns:p14="http://schemas.microsoft.com/office/powerpoint/2010/main" val="351298695"/>
+              </p:ext>
+            </p:extLst>
+          </p:nvPr>
+        </p:nvGraphicFramePr>
+        <p:xfrm>
+          <a:off x="1176106" y="1783302"/>
+          <a:ext cx="9401175" cy="3545799"/>
+        </p:xfrm>
+        <a:graphic>
+          <a:graphicData uri="http://schemas.openxmlformats.org/drawingml/2006/table">
+            <a:tbl>
+              <a:tblPr firstRow="1" bandRow="1">
+                <a:tableStyleId>{073A0DAA-6AF3-43AB-8588-CEC1D06C72B9}</a:tableStyleId>
+              </a:tblPr>
+              <a:tblGrid>
+                <a:gridCol w="2277307">
+                  <a:extLst>
+                    <a:ext uri="{9D8B030D-6E8A-4147-A177-3AD203B41FA5}">
+                      <a16:colId xmlns:a16="http://schemas.microsoft.com/office/drawing/2014/main" val="3347781496"/>
+                    </a:ext>
+                  </a:extLst>
+                </a:gridCol>
+                <a:gridCol w="2068498">
+                  <a:extLst>
+                    <a:ext uri="{9D8B030D-6E8A-4147-A177-3AD203B41FA5}">
+                      <a16:colId xmlns:a16="http://schemas.microsoft.com/office/drawing/2014/main" val="392291638"/>
+                    </a:ext>
+                  </a:extLst>
+                </a:gridCol>
+                <a:gridCol w="2672178">
+                  <a:extLst>
+                    <a:ext uri="{9D8B030D-6E8A-4147-A177-3AD203B41FA5}">
+                      <a16:colId xmlns:a16="http://schemas.microsoft.com/office/drawing/2014/main" val="899575352"/>
+                    </a:ext>
+                  </a:extLst>
+                </a:gridCol>
+                <a:gridCol w="2383192">
+                  <a:extLst>
+                    <a:ext uri="{9D8B030D-6E8A-4147-A177-3AD203B41FA5}">
+                      <a16:colId xmlns:a16="http://schemas.microsoft.com/office/drawing/2014/main" val="847904471"/>
+                    </a:ext>
+                  </a:extLst>
+                </a:gridCol>
+              </a:tblGrid>
+              <a:tr h="388652">
+                <a:tc>
+                  <a:txBody>
+                    <a:bodyPr/>
+                    <a:lstStyle/>
+                    <a:p>
+                      <a:pPr algn="ctr"/>
+                      <a:r>
+                        <a:rPr lang="en-US" i="1" u="none" dirty="0">
+                          <a:latin typeface="Gill Sans MT" panose="020B0502020104020203" pitchFamily="34" charset="0"/>
+                        </a:rPr>
+                        <a:t>Metric   \    Model</a:t>
+                      </a:r>
+                    </a:p>
+                  </a:txBody>
+                  <a:tcPr/>
+                </a:tc>
+                <a:tc>
+                  <a:txBody>
+                    <a:bodyPr/>
+                    <a:lstStyle/>
+                    <a:p>
+                      <a:pPr algn="ctr"/>
+                      <a:r>
+                        <a:rPr lang="en-US" i="1" dirty="0">
+                          <a:latin typeface="Gill Sans MT" panose="020B0502020104020203" pitchFamily="34" charset="0"/>
+                        </a:rPr>
+                        <a:t>Generalized linear</a:t>
+                      </a:r>
+                    </a:p>
+                  </a:txBody>
+                  <a:tcPr/>
+                </a:tc>
+                <a:tc>
+                  <a:txBody>
+                    <a:bodyPr/>
+                    <a:lstStyle/>
+                    <a:p>
+                      <a:pPr algn="ctr"/>
+                      <a:r>
+                        <a:rPr lang="en-US" i="1" dirty="0">
+                          <a:latin typeface="Gill Sans MT" panose="020B0502020104020203" pitchFamily="34" charset="0"/>
+                        </a:rPr>
+                        <a:t>Stochastic gradient boosting (best fit model)</a:t>
+                      </a:r>
+                    </a:p>
+                  </a:txBody>
+                  <a:tcPr/>
+                </a:tc>
+                <a:tc>
+                  <a:txBody>
+                    <a:bodyPr/>
+                    <a:lstStyle/>
+                    <a:p>
+                      <a:pPr algn="ctr"/>
+                      <a:r>
+                        <a:rPr lang="en-US" i="1" dirty="0">
+                          <a:latin typeface="Gill Sans MT" panose="020B0502020104020203" pitchFamily="34" charset="0"/>
+                        </a:rPr>
+                        <a:t>Classification models</a:t>
+                      </a:r>
+                    </a:p>
+                    <a:p>
+                      <a:pPr algn="ctr"/>
+                      <a:r>
+                        <a:rPr lang="en-US" i="1" dirty="0">
+                          <a:latin typeface="Gill Sans MT" panose="020B0502020104020203" pitchFamily="34" charset="0"/>
+                        </a:rPr>
+                        <a:t>(i.e. winner-take-all)</a:t>
+                      </a:r>
+                    </a:p>
+                  </a:txBody>
+                  <a:tcPr/>
+                </a:tc>
+                <a:extLst>
+                  <a:ext uri="{0D108BD9-81ED-4DB2-BD59-A6C34878D82A}">
+                    <a16:rowId xmlns:a16="http://schemas.microsoft.com/office/drawing/2014/main" val="2738229843"/>
+                  </a:ext>
+                </a:extLst>
+              </a:tr>
+              <a:tr h="446959">
+                <a:tc>
+                  <a:txBody>
+                    <a:bodyPr/>
+                    <a:lstStyle/>
+                    <a:p>
+                      <a:pPr algn="ctr"/>
+                      <a:r>
+                        <a:rPr lang="en-US" dirty="0">
+                          <a:latin typeface="Gill Sans MT" panose="020B0502020104020203" pitchFamily="34" charset="0"/>
+                        </a:rPr>
+                        <a:t>Goodness of fit</a:t>
+                      </a:r>
+                    </a:p>
+                  </a:txBody>
+                  <a:tcPr/>
+                </a:tc>
+                <a:tc>
+                  <a:txBody>
+                    <a:bodyPr/>
+                    <a:lstStyle/>
+                    <a:p>
+                      <a:pPr algn="ctr"/>
+                      <a:r>
+                        <a:rPr lang="en-US" dirty="0">
+                          <a:effectLst/>
+                        </a:rPr>
+                        <a:t>0.631</a:t>
+                      </a:r>
+                      <a:endParaRPr lang="en-US" dirty="0">
+                        <a:latin typeface="Gill Sans MT" panose="020B0502020104020203" pitchFamily="34" charset="0"/>
+                      </a:endParaRPr>
+                    </a:p>
+                  </a:txBody>
+                  <a:tcPr/>
+                </a:tc>
+                <a:tc>
+                  <a:txBody>
+                    <a:bodyPr/>
+                    <a:lstStyle/>
+                    <a:p>
+                      <a:endParaRPr lang="en-US"/>
+                    </a:p>
+                  </a:txBody>
+                  <a:tcPr/>
+                </a:tc>
+                <a:tc>
+                  <a:txBody>
+                    <a:bodyPr/>
+                    <a:lstStyle/>
+                    <a:p>
+                      <a:endParaRPr lang="en-US"/>
+                    </a:p>
+                  </a:txBody>
+                  <a:tcPr/>
+                </a:tc>
+                <a:extLst>
+                  <a:ext uri="{0D108BD9-81ED-4DB2-BD59-A6C34878D82A}">
+                    <a16:rowId xmlns:a16="http://schemas.microsoft.com/office/drawing/2014/main" val="3675872715"/>
+                  </a:ext>
+                </a:extLst>
+              </a:tr>
+              <a:tr h="2458760">
+                <a:tc>
+                  <a:txBody>
+                    <a:bodyPr/>
+                    <a:lstStyle/>
+                    <a:p>
+                      <a:pPr algn="ctr"/>
+                      <a:r>
+                        <a:rPr lang="en-US" dirty="0">
+                          <a:latin typeface="Gill Sans MT" panose="020B0502020104020203" pitchFamily="34" charset="0"/>
+                        </a:rPr>
+                        <a:t>Most predictive/</a:t>
+                      </a:r>
+                    </a:p>
+                    <a:p>
+                      <a:pPr algn="ctr"/>
+                      <a:r>
+                        <a:rPr lang="en-US" dirty="0">
+                          <a:latin typeface="Gill Sans MT" panose="020B0502020104020203" pitchFamily="34" charset="0"/>
+                        </a:rPr>
+                        <a:t>important variables, in descending order of importance</a:t>
+                      </a:r>
+                    </a:p>
+                    <a:p>
+                      <a:pPr algn="ctr"/>
+                      <a:r>
+                        <a:rPr lang="en-US" dirty="0">
+                          <a:latin typeface="Gill Sans MT" panose="020B0502020104020203" pitchFamily="34" charset="0"/>
+                        </a:rPr>
+                        <a:t>(model-dependent)</a:t>
+                      </a:r>
+                    </a:p>
+                  </a:txBody>
+                  <a:tcPr/>
+                </a:tc>
+                <a:tc>
+                  <a:txBody>
+                    <a:bodyPr/>
+                    <a:lstStyle/>
+                    <a:p>
+                      <a:pPr algn="ctr"/>
+                      <a:r>
+                        <a:rPr lang="en-US" dirty="0">
+                          <a:solidFill>
+                            <a:srgbClr val="C00000"/>
+                          </a:solidFill>
+                          <a:effectLst/>
+                          <a:latin typeface="Gill Sans MT" panose="020B0502020104020203" pitchFamily="34" charset="0"/>
+                        </a:rPr>
+                        <a:t>white1nh</a:t>
+                      </a:r>
+                    </a:p>
+                    <a:p>
+                      <a:pPr algn="ctr"/>
+                      <a:r>
+                        <a:rPr lang="en-US" dirty="0" err="1">
+                          <a:solidFill>
+                            <a:srgbClr val="C00000"/>
+                          </a:solidFill>
+                          <a:effectLst/>
+                          <a:latin typeface="Gill Sans MT" panose="020B0502020104020203" pitchFamily="34" charset="0"/>
+                        </a:rPr>
+                        <a:t>vehperhouse</a:t>
+                      </a:r>
+                      <a:endParaRPr lang="en-US" dirty="0">
+                        <a:solidFill>
+                          <a:srgbClr val="C00000"/>
+                        </a:solidFill>
+                        <a:effectLst/>
+                        <a:latin typeface="Gill Sans MT" panose="020B0502020104020203" pitchFamily="34" charset="0"/>
+                      </a:endParaRPr>
+                    </a:p>
+                    <a:p>
+                      <a:pPr algn="ctr"/>
+                      <a:r>
+                        <a:rPr lang="en-US" dirty="0" err="1">
+                          <a:solidFill>
+                            <a:srgbClr val="0070C0"/>
+                          </a:solidFill>
+                          <a:effectLst/>
+                          <a:latin typeface="Gill Sans MT" panose="020B0502020104020203" pitchFamily="34" charset="0"/>
+                        </a:rPr>
+                        <a:t>lat</a:t>
+                      </a:r>
+                      <a:endParaRPr lang="en-US" dirty="0">
+                        <a:solidFill>
+                          <a:srgbClr val="0070C0"/>
+                        </a:solidFill>
+                        <a:effectLst/>
+                        <a:latin typeface="Gill Sans MT" panose="020B0502020104020203" pitchFamily="34" charset="0"/>
+                      </a:endParaRPr>
+                    </a:p>
+                    <a:p>
+                      <a:pPr algn="ctr"/>
+                      <a:r>
+                        <a:rPr lang="en-US" dirty="0" err="1">
+                          <a:solidFill>
+                            <a:srgbClr val="C00000"/>
+                          </a:solidFill>
+                          <a:effectLst/>
+                          <a:latin typeface="Gill Sans MT" panose="020B0502020104020203" pitchFamily="34" charset="0"/>
+                        </a:rPr>
+                        <a:t>nohealthinsurance</a:t>
+                      </a:r>
+                      <a:endParaRPr lang="en-US" dirty="0">
+                        <a:solidFill>
+                          <a:srgbClr val="C00000"/>
+                        </a:solidFill>
+                        <a:effectLst/>
+                        <a:latin typeface="Gill Sans MT" panose="020B0502020104020203" pitchFamily="34" charset="0"/>
+                      </a:endParaRPr>
+                    </a:p>
+                    <a:p>
+                      <a:pPr algn="ctr"/>
+                      <a:r>
+                        <a:rPr lang="en-US" dirty="0">
+                          <a:solidFill>
+                            <a:srgbClr val="C00000"/>
+                          </a:solidFill>
+                          <a:effectLst/>
+                          <a:latin typeface="Gill Sans MT" panose="020B0502020104020203" pitchFamily="34" charset="0"/>
+                        </a:rPr>
+                        <a:t>married</a:t>
+                      </a:r>
+                      <a:endParaRPr lang="en-US" dirty="0">
+                        <a:solidFill>
+                          <a:srgbClr val="0070C0"/>
+                        </a:solidFill>
+                        <a:effectLst/>
+                        <a:latin typeface="Gill Sans MT" panose="020B0502020104020203" pitchFamily="34" charset="0"/>
+                      </a:endParaRPr>
+                    </a:p>
+                    <a:p>
+                      <a:pPr marL="0" marR="0" lvl="0" indent="0" algn="ctr" defTabSz="914400" rtl="0" eaLnBrk="1" fontAlgn="auto" latinLnBrk="0" hangingPunct="1">
+                        <a:lnSpc>
+                          <a:spcPct val="100000"/>
+                        </a:lnSpc>
+                        <a:spcBef>
+                          <a:spcPts val="0"/>
+                        </a:spcBef>
+                        <a:spcAft>
+                          <a:spcPts val="0"/>
+                        </a:spcAft>
+                        <a:buClrTx/>
+                        <a:buSzTx/>
+                        <a:buFontTx/>
+                        <a:buNone/>
+                        <a:tabLst/>
+                        <a:defRPr/>
+                      </a:pPr>
+                      <a:r>
+                        <a:rPr lang="en-US" dirty="0">
+                          <a:solidFill>
+                            <a:schemeClr val="accent1"/>
+                          </a:solidFill>
+                          <a:effectLst/>
+                          <a:latin typeface="Gill Sans MT" panose="020B0502020104020203" pitchFamily="34" charset="0"/>
+                        </a:rPr>
+                        <a:t>age55_ov</a:t>
+                      </a:r>
+                      <a:endParaRPr lang="en-US" dirty="0">
+                        <a:solidFill>
+                          <a:srgbClr val="0070C0"/>
+                        </a:solidFill>
+                        <a:effectLst/>
+                        <a:latin typeface="Gill Sans MT" panose="020B0502020104020203" pitchFamily="34" charset="0"/>
+                      </a:endParaRPr>
+                    </a:p>
+                    <a:p>
+                      <a:pPr algn="ctr"/>
+                      <a:r>
+                        <a:rPr lang="en-US" dirty="0" err="1">
+                          <a:solidFill>
+                            <a:srgbClr val="C00000"/>
+                          </a:solidFill>
+                          <a:effectLst/>
+                          <a:latin typeface="Gill Sans MT" panose="020B0502020104020203" pitchFamily="34" charset="0"/>
+                        </a:rPr>
+                        <a:t>logba</a:t>
+                      </a:r>
+                      <a:endParaRPr lang="en-US" dirty="0">
+                        <a:solidFill>
+                          <a:srgbClr val="C00000"/>
+                        </a:solidFill>
+                        <a:effectLst/>
+                        <a:latin typeface="Gill Sans MT" panose="020B0502020104020203" pitchFamily="34" charset="0"/>
+                      </a:endParaRPr>
+                    </a:p>
+                    <a:p>
+                      <a:pPr algn="ctr"/>
+                      <a:r>
+                        <a:rPr lang="en-US" dirty="0" err="1">
+                          <a:solidFill>
+                            <a:schemeClr val="accent1"/>
+                          </a:solidFill>
+                          <a:effectLst/>
+                          <a:latin typeface="Gill Sans MT" panose="020B0502020104020203" pitchFamily="34" charset="0"/>
+                        </a:rPr>
+                        <a:t>logpoppersqmi</a:t>
+                      </a:r>
+                      <a:endParaRPr lang="en-US" dirty="0">
+                        <a:solidFill>
+                          <a:schemeClr val="accent1"/>
+                        </a:solidFill>
+                        <a:effectLst/>
+                        <a:latin typeface="Gill Sans MT" panose="020B0502020104020203" pitchFamily="34" charset="0"/>
+                      </a:endParaRPr>
+                    </a:p>
+                  </a:txBody>
+                  <a:tcPr/>
+                </a:tc>
+                <a:tc>
+                  <a:txBody>
+                    <a:bodyPr/>
+                    <a:lstStyle/>
+                    <a:p>
+                      <a:endParaRPr lang="en-US"/>
+                    </a:p>
+                  </a:txBody>
+                  <a:tcPr/>
+                </a:tc>
+                <a:tc>
+                  <a:txBody>
+                    <a:bodyPr/>
+                    <a:lstStyle/>
+                    <a:p>
+                      <a:endParaRPr lang="en-US" dirty="0"/>
+                    </a:p>
+                  </a:txBody>
+                  <a:tcPr/>
+                </a:tc>
+                <a:extLst>
+                  <a:ext uri="{0D108BD9-81ED-4DB2-BD59-A6C34878D82A}">
+                    <a16:rowId xmlns:a16="http://schemas.microsoft.com/office/drawing/2014/main" val="4176736732"/>
+                  </a:ext>
+                </a:extLst>
+              </a:tr>
+            </a:tbl>
+          </a:graphicData>
+        </a:graphic>
+      </p:graphicFrame>
+    </p:spTree>
+    <p:extLst>
+      <p:ext uri="{BB962C8B-B14F-4D97-AF65-F5344CB8AC3E}">
+        <p14:creationId xmlns:p14="http://schemas.microsoft.com/office/powerpoint/2010/main" val="3117514021"/>
+      </p:ext>
+    </p:extLst>
+  </p:cSld>
+  <p:clrMapOvr>
+    <a:masterClrMapping/>
+  </p:clrMapOvr>
+</p:sld>
+</file>
+
+<file path=ppt/slides/slide32.xml><?xml version="1.0" encoding="utf-8"?>
+<p:sld xmlns:a="http://schemas.openxmlformats.org/drawingml/2006/main" xmlns:r="http://schemas.openxmlformats.org/officeDocument/2006/relationships" xmlns:p="http://schemas.openxmlformats.org/presentationml/2006/main">
+  <p:cSld>
+    <p:spTree>
+      <p:nvGrpSpPr>
+        <p:cNvPr id="1" name=""/>
+        <p:cNvGrpSpPr/>
+        <p:nvPr/>
+      </p:nvGrpSpPr>
+      <p:grpSpPr>
+        <a:xfrm>
+          <a:off x="0" y="0"/>
+          <a:ext cx="0" cy="0"/>
+          <a:chOff x="0" y="0"/>
+          <a:chExt cx="0" cy="0"/>
+        </a:xfrm>
+      </p:grpSpPr>
+      <p:sp>
+        <p:nvSpPr>
+          <p:cNvPr id="2" name="Title 1">
+            <a:extLst>
+              <a:ext uri="{FF2B5EF4-FFF2-40B4-BE49-F238E27FC236}">
+                <a16:creationId xmlns:a16="http://schemas.microsoft.com/office/drawing/2014/main" id="{C099A040-0ED6-4CB9-94FF-0815BF475F02}"/>
+              </a:ext>
+            </a:extLst>
+          </p:cNvPr>
+          <p:cNvSpPr>
+            <a:spLocks noGrp="1"/>
+          </p:cNvSpPr>
+          <p:nvPr>
+            <p:ph type="title"/>
+          </p:nvPr>
+        </p:nvSpPr>
+        <p:spPr/>
+        <p:txBody>
+          <a:bodyPr/>
+          <a:lstStyle/>
+          <a:p>
+            <a:r>
+              <a:rPr lang="en-US" dirty="0">
+                <a:latin typeface="Gill Sans MT" panose="020B0502020104020203" pitchFamily="34" charset="0"/>
+              </a:rPr>
+              <a:t>Most predictive variables</a:t>
+            </a:r>
+          </a:p>
+        </p:txBody>
+      </p:sp>
+      <p:graphicFrame>
+        <p:nvGraphicFramePr>
+          <p:cNvPr id="4" name="Table 3">
+            <a:extLst>
+              <a:ext uri="{FF2B5EF4-FFF2-40B4-BE49-F238E27FC236}">
+                <a16:creationId xmlns:a16="http://schemas.microsoft.com/office/drawing/2014/main" id="{DAC20F89-340C-44A6-8BF4-3821B6D6B743}"/>
+              </a:ext>
+            </a:extLst>
+          </p:cNvPr>
+          <p:cNvGraphicFramePr>
+            <a:graphicFrameLocks noGrp="1"/>
+          </p:cNvGraphicFramePr>
+          <p:nvPr>
+            <p:extLst>
+              <p:ext uri="{D42A27DB-BD31-4B8C-83A1-F6EECF244321}">
+                <p14:modId xmlns:p14="http://schemas.microsoft.com/office/powerpoint/2010/main" val="3040321284"/>
+              </p:ext>
+            </p:extLst>
+          </p:nvPr>
+        </p:nvGraphicFramePr>
+        <p:xfrm>
+          <a:off x="1176106" y="1783302"/>
+          <a:ext cx="9401175" cy="3545799"/>
+        </p:xfrm>
+        <a:graphic>
+          <a:graphicData uri="http://schemas.openxmlformats.org/drawingml/2006/table">
+            <a:tbl>
+              <a:tblPr firstRow="1" bandRow="1">
+                <a:tableStyleId>{073A0DAA-6AF3-43AB-8588-CEC1D06C72B9}</a:tableStyleId>
+              </a:tblPr>
+              <a:tblGrid>
+                <a:gridCol w="2277307">
+                  <a:extLst>
+                    <a:ext uri="{9D8B030D-6E8A-4147-A177-3AD203B41FA5}">
+                      <a16:colId xmlns:a16="http://schemas.microsoft.com/office/drawing/2014/main" val="3347781496"/>
+                    </a:ext>
+                  </a:extLst>
+                </a:gridCol>
+                <a:gridCol w="2068498">
+                  <a:extLst>
+                    <a:ext uri="{9D8B030D-6E8A-4147-A177-3AD203B41FA5}">
+                      <a16:colId xmlns:a16="http://schemas.microsoft.com/office/drawing/2014/main" val="392291638"/>
+                    </a:ext>
+                  </a:extLst>
+                </a:gridCol>
+                <a:gridCol w="2672178">
+                  <a:extLst>
+                    <a:ext uri="{9D8B030D-6E8A-4147-A177-3AD203B41FA5}">
+                      <a16:colId xmlns:a16="http://schemas.microsoft.com/office/drawing/2014/main" val="899575352"/>
+                    </a:ext>
+                  </a:extLst>
+                </a:gridCol>
+                <a:gridCol w="2383192">
+                  <a:extLst>
+                    <a:ext uri="{9D8B030D-6E8A-4147-A177-3AD203B41FA5}">
+                      <a16:colId xmlns:a16="http://schemas.microsoft.com/office/drawing/2014/main" val="847904471"/>
+                    </a:ext>
+                  </a:extLst>
+                </a:gridCol>
+              </a:tblGrid>
+              <a:tr h="388652">
+                <a:tc>
+                  <a:txBody>
+                    <a:bodyPr/>
+                    <a:lstStyle/>
+                    <a:p>
+                      <a:pPr algn="ctr"/>
+                      <a:r>
+                        <a:rPr lang="en-US" i="1" u="none" dirty="0">
+                          <a:latin typeface="Gill Sans MT" panose="020B0502020104020203" pitchFamily="34" charset="0"/>
+                        </a:rPr>
+                        <a:t>Metric   \    Model</a:t>
+                      </a:r>
+                    </a:p>
+                  </a:txBody>
+                  <a:tcPr/>
+                </a:tc>
+                <a:tc>
+                  <a:txBody>
+                    <a:bodyPr/>
+                    <a:lstStyle/>
+                    <a:p>
+                      <a:pPr algn="ctr"/>
+                      <a:r>
+                        <a:rPr lang="en-US" i="1" dirty="0">
+                          <a:latin typeface="Gill Sans MT" panose="020B0502020104020203" pitchFamily="34" charset="0"/>
+                        </a:rPr>
+                        <a:t>Generalized linear</a:t>
+                      </a:r>
+                    </a:p>
+                  </a:txBody>
+                  <a:tcPr/>
+                </a:tc>
+                <a:tc>
+                  <a:txBody>
+                    <a:bodyPr/>
+                    <a:lstStyle/>
+                    <a:p>
+                      <a:pPr algn="ctr"/>
+                      <a:r>
+                        <a:rPr lang="en-US" i="1" dirty="0">
+                          <a:latin typeface="Gill Sans MT" panose="020B0502020104020203" pitchFamily="34" charset="0"/>
+                        </a:rPr>
+                        <a:t>Stochastic gradient boosting (best fit model)</a:t>
+                      </a:r>
+                    </a:p>
+                  </a:txBody>
+                  <a:tcPr/>
+                </a:tc>
+                <a:tc>
+                  <a:txBody>
+                    <a:bodyPr/>
+                    <a:lstStyle/>
+                    <a:p>
+                      <a:pPr algn="ctr"/>
+                      <a:r>
+                        <a:rPr lang="en-US" i="1" dirty="0">
+                          <a:latin typeface="Gill Sans MT" panose="020B0502020104020203" pitchFamily="34" charset="0"/>
+                        </a:rPr>
+                        <a:t>Classification models</a:t>
+                      </a:r>
+                    </a:p>
+                    <a:p>
+                      <a:pPr algn="ctr"/>
+                      <a:r>
+                        <a:rPr lang="en-US" i="1" dirty="0">
+                          <a:latin typeface="Gill Sans MT" panose="020B0502020104020203" pitchFamily="34" charset="0"/>
+                        </a:rPr>
+                        <a:t>(i.e. winner-take-all)</a:t>
+                      </a:r>
+                    </a:p>
+                  </a:txBody>
+                  <a:tcPr/>
+                </a:tc>
+                <a:extLst>
+                  <a:ext uri="{0D108BD9-81ED-4DB2-BD59-A6C34878D82A}">
+                    <a16:rowId xmlns:a16="http://schemas.microsoft.com/office/drawing/2014/main" val="2738229843"/>
+                  </a:ext>
+                </a:extLst>
+              </a:tr>
+              <a:tr h="446959">
+                <a:tc>
+                  <a:txBody>
+                    <a:bodyPr/>
+                    <a:lstStyle/>
+                    <a:p>
+                      <a:pPr algn="ctr"/>
+                      <a:r>
+                        <a:rPr lang="en-US" dirty="0">
+                          <a:latin typeface="Gill Sans MT" panose="020B0502020104020203" pitchFamily="34" charset="0"/>
+                        </a:rPr>
+                        <a:t>Goodness of fit</a:t>
+                      </a:r>
+                    </a:p>
+                  </a:txBody>
+                  <a:tcPr/>
+                </a:tc>
+                <a:tc>
+                  <a:txBody>
+                    <a:bodyPr/>
+                    <a:lstStyle/>
+                    <a:p>
+                      <a:pPr algn="ctr"/>
+                      <a:r>
+                        <a:rPr lang="en-US" dirty="0">
+                          <a:effectLst/>
+                        </a:rPr>
+                        <a:t>0.631</a:t>
+                      </a:r>
+                      <a:endParaRPr lang="en-US" dirty="0">
+                        <a:latin typeface="Gill Sans MT" panose="020B0502020104020203" pitchFamily="34" charset="0"/>
+                      </a:endParaRPr>
+                    </a:p>
+                  </a:txBody>
+                  <a:tcPr/>
+                </a:tc>
+                <a:tc>
+                  <a:txBody>
+                    <a:bodyPr/>
+                    <a:lstStyle/>
+                    <a:p>
+                      <a:pPr algn="ctr"/>
+                      <a:r>
+                        <a:rPr lang="en-US" dirty="0">
+                          <a:effectLst/>
+                          <a:latin typeface="Gill Sans MT" panose="020B0502020104020203" pitchFamily="34" charset="0"/>
+                        </a:rPr>
+                        <a:t>0.772</a:t>
+                      </a:r>
+                      <a:endParaRPr lang="en-US" dirty="0">
+                        <a:latin typeface="Gill Sans MT" panose="020B0502020104020203" pitchFamily="34" charset="0"/>
+                      </a:endParaRPr>
+                    </a:p>
+                  </a:txBody>
+                  <a:tcPr/>
+                </a:tc>
+                <a:tc>
+                  <a:txBody>
+                    <a:bodyPr/>
+                    <a:lstStyle/>
+                    <a:p>
+                      <a:endParaRPr lang="en-US"/>
+                    </a:p>
+                  </a:txBody>
+                  <a:tcPr/>
+                </a:tc>
+                <a:extLst>
+                  <a:ext uri="{0D108BD9-81ED-4DB2-BD59-A6C34878D82A}">
+                    <a16:rowId xmlns:a16="http://schemas.microsoft.com/office/drawing/2014/main" val="3675872715"/>
+                  </a:ext>
+                </a:extLst>
+              </a:tr>
+              <a:tr h="2458760">
+                <a:tc>
+                  <a:txBody>
+                    <a:bodyPr/>
+                    <a:lstStyle/>
+                    <a:p>
+                      <a:pPr algn="ctr"/>
+                      <a:r>
+                        <a:rPr lang="en-US" dirty="0">
+                          <a:latin typeface="Gill Sans MT" panose="020B0502020104020203" pitchFamily="34" charset="0"/>
+                        </a:rPr>
+                        <a:t>Most predictive/</a:t>
+                      </a:r>
+                    </a:p>
+                    <a:p>
+                      <a:pPr algn="ctr"/>
+                      <a:r>
+                        <a:rPr lang="en-US" dirty="0">
+                          <a:latin typeface="Gill Sans MT" panose="020B0502020104020203" pitchFamily="34" charset="0"/>
+                        </a:rPr>
+                        <a:t>important variables, in descending order of importance</a:t>
+                      </a:r>
+                    </a:p>
+                    <a:p>
+                      <a:pPr algn="ctr"/>
+                      <a:r>
+                        <a:rPr lang="en-US" dirty="0">
+                          <a:latin typeface="Gill Sans MT" panose="020B0502020104020203" pitchFamily="34" charset="0"/>
+                        </a:rPr>
+                        <a:t>(model-dependent)</a:t>
+                      </a:r>
+                    </a:p>
+                  </a:txBody>
+                  <a:tcPr/>
+                </a:tc>
+                <a:tc>
+                  <a:txBody>
+                    <a:bodyPr/>
+                    <a:lstStyle/>
+                    <a:p>
+                      <a:pPr algn="ctr"/>
+                      <a:r>
+                        <a:rPr lang="en-US" dirty="0">
+                          <a:solidFill>
+                            <a:srgbClr val="C00000"/>
+                          </a:solidFill>
+                          <a:effectLst/>
+                          <a:latin typeface="Gill Sans MT" panose="020B0502020104020203" pitchFamily="34" charset="0"/>
+                        </a:rPr>
+                        <a:t>white1nh</a:t>
+                      </a:r>
+                    </a:p>
+                    <a:p>
+                      <a:pPr algn="ctr"/>
+                      <a:r>
+                        <a:rPr lang="en-US" dirty="0" err="1">
+                          <a:solidFill>
+                            <a:srgbClr val="C00000"/>
+                          </a:solidFill>
+                          <a:effectLst/>
+                          <a:latin typeface="Gill Sans MT" panose="020B0502020104020203" pitchFamily="34" charset="0"/>
+                        </a:rPr>
+                        <a:t>vehperhouse</a:t>
+                      </a:r>
+                      <a:endParaRPr lang="en-US" dirty="0">
+                        <a:solidFill>
+                          <a:srgbClr val="C00000"/>
+                        </a:solidFill>
+                        <a:effectLst/>
+                        <a:latin typeface="Gill Sans MT" panose="020B0502020104020203" pitchFamily="34" charset="0"/>
+                      </a:endParaRPr>
+                    </a:p>
+                    <a:p>
+                      <a:pPr algn="ctr"/>
+                      <a:r>
+                        <a:rPr lang="en-US" dirty="0" err="1">
+                          <a:solidFill>
+                            <a:srgbClr val="0070C0"/>
+                          </a:solidFill>
+                          <a:effectLst/>
+                          <a:latin typeface="Gill Sans MT" panose="020B0502020104020203" pitchFamily="34" charset="0"/>
+                        </a:rPr>
+                        <a:t>lat</a:t>
+                      </a:r>
+                      <a:endParaRPr lang="en-US" dirty="0">
+                        <a:solidFill>
+                          <a:srgbClr val="0070C0"/>
+                        </a:solidFill>
+                        <a:effectLst/>
+                        <a:latin typeface="Gill Sans MT" panose="020B0502020104020203" pitchFamily="34" charset="0"/>
+                      </a:endParaRPr>
+                    </a:p>
+                    <a:p>
+                      <a:pPr algn="ctr"/>
+                      <a:r>
+                        <a:rPr lang="en-US" dirty="0" err="1">
+                          <a:solidFill>
+                            <a:srgbClr val="C00000"/>
+                          </a:solidFill>
+                          <a:effectLst/>
+                          <a:latin typeface="Gill Sans MT" panose="020B0502020104020203" pitchFamily="34" charset="0"/>
+                        </a:rPr>
+                        <a:t>nohealthinsurance</a:t>
+                      </a:r>
+                      <a:endParaRPr lang="en-US" dirty="0">
+                        <a:solidFill>
+                          <a:srgbClr val="C00000"/>
+                        </a:solidFill>
+                        <a:effectLst/>
+                        <a:latin typeface="Gill Sans MT" panose="020B0502020104020203" pitchFamily="34" charset="0"/>
+                      </a:endParaRPr>
+                    </a:p>
+                    <a:p>
+                      <a:pPr algn="ctr"/>
+                      <a:r>
+                        <a:rPr lang="en-US" dirty="0">
+                          <a:solidFill>
+                            <a:srgbClr val="C00000"/>
+                          </a:solidFill>
+                          <a:effectLst/>
+                          <a:latin typeface="Gill Sans MT" panose="020B0502020104020203" pitchFamily="34" charset="0"/>
+                        </a:rPr>
+                        <a:t>married</a:t>
+                      </a:r>
+                      <a:endParaRPr lang="en-US" dirty="0">
+                        <a:solidFill>
+                          <a:srgbClr val="0070C0"/>
+                        </a:solidFill>
+                        <a:effectLst/>
+                        <a:latin typeface="Gill Sans MT" panose="020B0502020104020203" pitchFamily="34" charset="0"/>
+                      </a:endParaRPr>
+                    </a:p>
+                    <a:p>
+                      <a:pPr marL="0" marR="0" lvl="0" indent="0" algn="ctr" defTabSz="914400" rtl="0" eaLnBrk="1" fontAlgn="auto" latinLnBrk="0" hangingPunct="1">
+                        <a:lnSpc>
+                          <a:spcPct val="100000"/>
+                        </a:lnSpc>
+                        <a:spcBef>
+                          <a:spcPts val="0"/>
+                        </a:spcBef>
+                        <a:spcAft>
+                          <a:spcPts val="0"/>
+                        </a:spcAft>
+                        <a:buClrTx/>
+                        <a:buSzTx/>
+                        <a:buFontTx/>
+                        <a:buNone/>
+                        <a:tabLst/>
+                        <a:defRPr/>
+                      </a:pPr>
+                      <a:r>
+                        <a:rPr lang="en-US" dirty="0">
+                          <a:solidFill>
+                            <a:schemeClr val="accent1"/>
+                          </a:solidFill>
+                          <a:effectLst/>
+                          <a:latin typeface="Gill Sans MT" panose="020B0502020104020203" pitchFamily="34" charset="0"/>
+                        </a:rPr>
+                        <a:t>age55_ov</a:t>
+                      </a:r>
+                      <a:endParaRPr lang="en-US" dirty="0">
+                        <a:solidFill>
+                          <a:srgbClr val="0070C0"/>
+                        </a:solidFill>
+                        <a:effectLst/>
+                        <a:latin typeface="Gill Sans MT" panose="020B0502020104020203" pitchFamily="34" charset="0"/>
+                      </a:endParaRPr>
+                    </a:p>
+                    <a:p>
+                      <a:pPr algn="ctr"/>
+                      <a:r>
+                        <a:rPr lang="en-US" dirty="0" err="1">
+                          <a:solidFill>
+                            <a:srgbClr val="C00000"/>
+                          </a:solidFill>
+                          <a:effectLst/>
+                          <a:latin typeface="Gill Sans MT" panose="020B0502020104020203" pitchFamily="34" charset="0"/>
+                        </a:rPr>
+                        <a:t>logba</a:t>
+                      </a:r>
+                      <a:endParaRPr lang="en-US" dirty="0">
+                        <a:solidFill>
+                          <a:srgbClr val="C00000"/>
+                        </a:solidFill>
+                        <a:effectLst/>
+                        <a:latin typeface="Gill Sans MT" panose="020B0502020104020203" pitchFamily="34" charset="0"/>
+                      </a:endParaRPr>
+                    </a:p>
+                    <a:p>
+                      <a:pPr algn="ctr"/>
+                      <a:r>
+                        <a:rPr lang="en-US" dirty="0" err="1">
+                          <a:solidFill>
+                            <a:schemeClr val="accent1"/>
+                          </a:solidFill>
+                          <a:effectLst/>
+                          <a:latin typeface="Gill Sans MT" panose="020B0502020104020203" pitchFamily="34" charset="0"/>
+                        </a:rPr>
+                        <a:t>logpoppersqmi</a:t>
+                      </a:r>
+                      <a:endParaRPr lang="en-US" dirty="0">
+                        <a:solidFill>
+                          <a:schemeClr val="accent1"/>
+                        </a:solidFill>
+                        <a:effectLst/>
+                        <a:latin typeface="Gill Sans MT" panose="020B0502020104020203" pitchFamily="34" charset="0"/>
+                      </a:endParaRPr>
+                    </a:p>
+                  </a:txBody>
+                  <a:tcPr/>
+                </a:tc>
+                <a:tc>
+                  <a:txBody>
+                    <a:bodyPr/>
+                    <a:lstStyle/>
+                    <a:p>
+                      <a:pPr algn="ctr"/>
+                      <a:r>
+                        <a:rPr lang="en-US" dirty="0" err="1">
+                          <a:effectLst/>
+                          <a:latin typeface="Gill Sans MT" panose="020B0502020104020203" pitchFamily="34" charset="0"/>
+                        </a:rPr>
+                        <a:t>nevermarried</a:t>
+                      </a:r>
+                      <a:r>
+                        <a:rPr lang="en-US" dirty="0">
+                          <a:effectLst/>
+                          <a:latin typeface="Gill Sans MT" panose="020B0502020104020203" pitchFamily="34" charset="0"/>
+                        </a:rPr>
+                        <a:t> </a:t>
+                      </a:r>
+                    </a:p>
+                    <a:p>
+                      <a:pPr algn="ctr"/>
+                      <a:r>
+                        <a:rPr lang="en-US" dirty="0">
+                          <a:effectLst/>
+                          <a:latin typeface="Gill Sans MT" panose="020B0502020104020203" pitchFamily="34" charset="0"/>
+                        </a:rPr>
+                        <a:t>long</a:t>
+                      </a:r>
+                    </a:p>
+                    <a:p>
+                      <a:pPr algn="ctr"/>
+                      <a:r>
+                        <a:rPr lang="en-US" dirty="0">
+                          <a:effectLst/>
+                          <a:latin typeface="Gill Sans MT" panose="020B0502020104020203" pitchFamily="34" charset="0"/>
+                        </a:rPr>
+                        <a:t>white1nh</a:t>
+                      </a:r>
+                    </a:p>
+                    <a:p>
+                      <a:pPr algn="ctr"/>
+                      <a:r>
+                        <a:rPr lang="en-US" dirty="0" err="1">
+                          <a:effectLst/>
+                          <a:latin typeface="Gill Sans MT" panose="020B0502020104020203" pitchFamily="34" charset="0"/>
+                        </a:rPr>
+                        <a:t>vehperhouse</a:t>
+                      </a:r>
+                      <a:endParaRPr lang="en-US" dirty="0">
+                        <a:effectLst/>
+                        <a:latin typeface="Gill Sans MT" panose="020B0502020104020203" pitchFamily="34" charset="0"/>
+                      </a:endParaRPr>
+                    </a:p>
+                    <a:p>
+                      <a:pPr algn="ctr"/>
+                      <a:r>
+                        <a:rPr lang="en-US" dirty="0" err="1">
+                          <a:effectLst/>
+                          <a:latin typeface="Gill Sans MT" panose="020B0502020104020203" pitchFamily="34" charset="0"/>
+                        </a:rPr>
+                        <a:t>lat</a:t>
+                      </a:r>
+                      <a:endParaRPr lang="en-US" dirty="0">
+                        <a:effectLst/>
+                        <a:latin typeface="Gill Sans MT" panose="020B0502020104020203" pitchFamily="34" charset="0"/>
+                      </a:endParaRPr>
+                    </a:p>
+                    <a:p>
+                      <a:pPr algn="ctr"/>
+                      <a:r>
+                        <a:rPr lang="en-US" dirty="0" err="1">
+                          <a:effectLst/>
+                          <a:latin typeface="Gill Sans MT" panose="020B0502020104020203" pitchFamily="34" charset="0"/>
+                        </a:rPr>
+                        <a:t>logpoppersqmi</a:t>
+                      </a:r>
+                      <a:endParaRPr lang="en-US" dirty="0">
+                        <a:effectLst/>
+                        <a:latin typeface="Gill Sans MT" panose="020B0502020104020203" pitchFamily="34" charset="0"/>
+                      </a:endParaRPr>
+                    </a:p>
+                    <a:p>
+                      <a:pPr algn="ctr"/>
+                      <a:r>
+                        <a:rPr lang="en-US" dirty="0">
+                          <a:effectLst/>
+                          <a:latin typeface="Gill Sans MT" panose="020B0502020104020203" pitchFamily="34" charset="0"/>
+                        </a:rPr>
+                        <a:t>married</a:t>
+                      </a:r>
+                    </a:p>
+                    <a:p>
+                      <a:pPr algn="ctr"/>
+                      <a:r>
+                        <a:rPr lang="en-US" dirty="0" err="1">
+                          <a:latin typeface="Gill Sans MT" panose="020B0502020104020203" pitchFamily="34" charset="0"/>
+                        </a:rPr>
+                        <a:t>sepdiv</a:t>
+                      </a:r>
+                      <a:endParaRPr lang="en-US" dirty="0">
+                        <a:latin typeface="Gill Sans MT" panose="020B0502020104020203" pitchFamily="34" charset="0"/>
+                      </a:endParaRPr>
+                    </a:p>
+                  </a:txBody>
+                  <a:tcPr/>
+                </a:tc>
+                <a:tc>
+                  <a:txBody>
+                    <a:bodyPr/>
+                    <a:lstStyle/>
+                    <a:p>
+                      <a:endParaRPr lang="en-US" dirty="0"/>
+                    </a:p>
+                  </a:txBody>
+                  <a:tcPr/>
+                </a:tc>
+                <a:extLst>
+                  <a:ext uri="{0D108BD9-81ED-4DB2-BD59-A6C34878D82A}">
+                    <a16:rowId xmlns:a16="http://schemas.microsoft.com/office/drawing/2014/main" val="4176736732"/>
+                  </a:ext>
+                </a:extLst>
+              </a:tr>
+            </a:tbl>
+          </a:graphicData>
+        </a:graphic>
+      </p:graphicFrame>
+    </p:spTree>
+    <p:extLst>
+      <p:ext uri="{BB962C8B-B14F-4D97-AF65-F5344CB8AC3E}">
+        <p14:creationId xmlns:p14="http://schemas.microsoft.com/office/powerpoint/2010/main" val="3703213079"/>
+      </p:ext>
+    </p:extLst>
+  </p:cSld>
+  <p:clrMapOvr>
+    <a:masterClrMapping/>
+  </p:clrMapOvr>
+</p:sld>
+</file>
+
+<file path=ppt/slides/slide33.xml><?xml version="1.0" encoding="utf-8"?>
+<p:sld xmlns:a="http://schemas.openxmlformats.org/drawingml/2006/main" xmlns:r="http://schemas.openxmlformats.org/officeDocument/2006/relationships" xmlns:p="http://schemas.openxmlformats.org/presentationml/2006/main">
+  <p:cSld>
+    <p:spTree>
+      <p:nvGrpSpPr>
+        <p:cNvPr id="1" name=""/>
+        <p:cNvGrpSpPr/>
+        <p:nvPr/>
+      </p:nvGrpSpPr>
+      <p:grpSpPr>
+        <a:xfrm>
+          <a:off x="0" y="0"/>
+          <a:ext cx="0" cy="0"/>
+          <a:chOff x="0" y="0"/>
+          <a:chExt cx="0" cy="0"/>
+        </a:xfrm>
+      </p:grpSpPr>
+      <p:sp>
+        <p:nvSpPr>
+          <p:cNvPr id="2" name="Title 1">
+            <a:extLst>
+              <a:ext uri="{FF2B5EF4-FFF2-40B4-BE49-F238E27FC236}">
+                <a16:creationId xmlns:a16="http://schemas.microsoft.com/office/drawing/2014/main" id="{C099A040-0ED6-4CB9-94FF-0815BF475F02}"/>
+              </a:ext>
+            </a:extLst>
+          </p:cNvPr>
+          <p:cNvSpPr>
+            <a:spLocks noGrp="1"/>
+          </p:cNvSpPr>
+          <p:nvPr>
+            <p:ph type="title"/>
+          </p:nvPr>
+        </p:nvSpPr>
+        <p:spPr/>
+        <p:txBody>
+          <a:bodyPr/>
+          <a:lstStyle/>
+          <a:p>
+            <a:r>
+              <a:rPr lang="en-US" dirty="0">
+                <a:latin typeface="Gill Sans MT" panose="020B0502020104020203" pitchFamily="34" charset="0"/>
+              </a:rPr>
+              <a:t>Most predictive variables</a:t>
+            </a:r>
+          </a:p>
+        </p:txBody>
+      </p:sp>
+      <p:graphicFrame>
+        <p:nvGraphicFramePr>
+          <p:cNvPr id="4" name="Table 3">
+            <a:extLst>
+              <a:ext uri="{FF2B5EF4-FFF2-40B4-BE49-F238E27FC236}">
+                <a16:creationId xmlns:a16="http://schemas.microsoft.com/office/drawing/2014/main" id="{DAC20F89-340C-44A6-8BF4-3821B6D6B743}"/>
+              </a:ext>
+            </a:extLst>
+          </p:cNvPr>
+          <p:cNvGraphicFramePr>
+            <a:graphicFrameLocks noGrp="1"/>
+          </p:cNvGraphicFramePr>
+          <p:nvPr>
+            <p:extLst>
+              <p:ext uri="{D42A27DB-BD31-4B8C-83A1-F6EECF244321}">
+                <p14:modId xmlns:p14="http://schemas.microsoft.com/office/powerpoint/2010/main" val="3734887003"/>
+              </p:ext>
+            </p:extLst>
+          </p:nvPr>
+        </p:nvGraphicFramePr>
+        <p:xfrm>
+          <a:off x="1176106" y="1783302"/>
+          <a:ext cx="9401175" cy="3545799"/>
+        </p:xfrm>
+        <a:graphic>
+          <a:graphicData uri="http://schemas.openxmlformats.org/drawingml/2006/table">
+            <a:tbl>
+              <a:tblPr firstRow="1" bandRow="1">
+                <a:tableStyleId>{073A0DAA-6AF3-43AB-8588-CEC1D06C72B9}</a:tableStyleId>
+              </a:tblPr>
+              <a:tblGrid>
+                <a:gridCol w="2277307">
+                  <a:extLst>
+                    <a:ext uri="{9D8B030D-6E8A-4147-A177-3AD203B41FA5}">
+                      <a16:colId xmlns:a16="http://schemas.microsoft.com/office/drawing/2014/main" val="3347781496"/>
+                    </a:ext>
+                  </a:extLst>
+                </a:gridCol>
+                <a:gridCol w="2068498">
+                  <a:extLst>
+                    <a:ext uri="{9D8B030D-6E8A-4147-A177-3AD203B41FA5}">
+                      <a16:colId xmlns:a16="http://schemas.microsoft.com/office/drawing/2014/main" val="392291638"/>
+                    </a:ext>
+                  </a:extLst>
+                </a:gridCol>
+                <a:gridCol w="2672178">
+                  <a:extLst>
+                    <a:ext uri="{9D8B030D-6E8A-4147-A177-3AD203B41FA5}">
+                      <a16:colId xmlns:a16="http://schemas.microsoft.com/office/drawing/2014/main" val="899575352"/>
+                    </a:ext>
+                  </a:extLst>
+                </a:gridCol>
+                <a:gridCol w="2383192">
+                  <a:extLst>
+                    <a:ext uri="{9D8B030D-6E8A-4147-A177-3AD203B41FA5}">
+                      <a16:colId xmlns:a16="http://schemas.microsoft.com/office/drawing/2014/main" val="847904471"/>
+                    </a:ext>
+                  </a:extLst>
+                </a:gridCol>
+              </a:tblGrid>
+              <a:tr h="388652">
+                <a:tc>
+                  <a:txBody>
+                    <a:bodyPr/>
+                    <a:lstStyle/>
+                    <a:p>
+                      <a:pPr algn="ctr"/>
+                      <a:r>
+                        <a:rPr lang="en-US" i="1" u="none" dirty="0">
+                          <a:latin typeface="Gill Sans MT" panose="020B0502020104020203" pitchFamily="34" charset="0"/>
+                        </a:rPr>
+                        <a:t>Metric   \    Model</a:t>
+                      </a:r>
+                    </a:p>
+                  </a:txBody>
+                  <a:tcPr/>
+                </a:tc>
+                <a:tc>
+                  <a:txBody>
+                    <a:bodyPr/>
+                    <a:lstStyle/>
+                    <a:p>
+                      <a:pPr algn="ctr"/>
+                      <a:r>
+                        <a:rPr lang="en-US" i="1" dirty="0">
+                          <a:latin typeface="Gill Sans MT" panose="020B0502020104020203" pitchFamily="34" charset="0"/>
+                        </a:rPr>
+                        <a:t>Generalized linear</a:t>
+                      </a:r>
+                    </a:p>
+                  </a:txBody>
+                  <a:tcPr/>
+                </a:tc>
+                <a:tc>
+                  <a:txBody>
+                    <a:bodyPr/>
+                    <a:lstStyle/>
+                    <a:p>
+                      <a:pPr algn="ctr"/>
+                      <a:r>
+                        <a:rPr lang="en-US" i="1" dirty="0">
+                          <a:latin typeface="Gill Sans MT" panose="020B0502020104020203" pitchFamily="34" charset="0"/>
+                        </a:rPr>
+                        <a:t>Stochastic gradient boosting (best fit model)</a:t>
+                      </a:r>
+                    </a:p>
+                  </a:txBody>
+                  <a:tcPr/>
+                </a:tc>
+                <a:tc>
+                  <a:txBody>
+                    <a:bodyPr/>
+                    <a:lstStyle/>
+                    <a:p>
+                      <a:pPr algn="ctr"/>
+                      <a:r>
+                        <a:rPr lang="en-US" i="1" dirty="0">
+                          <a:latin typeface="Gill Sans MT" panose="020B0502020104020203" pitchFamily="34" charset="0"/>
+                        </a:rPr>
+                        <a:t>Classification models</a:t>
+                      </a:r>
+                    </a:p>
+                    <a:p>
+                      <a:pPr algn="ctr"/>
+                      <a:r>
+                        <a:rPr lang="en-US" i="1" dirty="0">
+                          <a:latin typeface="Gill Sans MT" panose="020B0502020104020203" pitchFamily="34" charset="0"/>
+                        </a:rPr>
+                        <a:t>(i.e. winner-take-all)</a:t>
+                      </a:r>
+                    </a:p>
+                  </a:txBody>
+                  <a:tcPr/>
+                </a:tc>
+                <a:extLst>
+                  <a:ext uri="{0D108BD9-81ED-4DB2-BD59-A6C34878D82A}">
+                    <a16:rowId xmlns:a16="http://schemas.microsoft.com/office/drawing/2014/main" val="2738229843"/>
+                  </a:ext>
+                </a:extLst>
+              </a:tr>
+              <a:tr h="446959">
+                <a:tc>
+                  <a:txBody>
+                    <a:bodyPr/>
+                    <a:lstStyle/>
+                    <a:p>
+                      <a:pPr algn="ctr"/>
+                      <a:r>
+                        <a:rPr lang="en-US" dirty="0">
+                          <a:latin typeface="Gill Sans MT" panose="020B0502020104020203" pitchFamily="34" charset="0"/>
+                        </a:rPr>
+                        <a:t>Goodness of fit</a:t>
+                      </a:r>
+                    </a:p>
+                  </a:txBody>
+                  <a:tcPr/>
+                </a:tc>
+                <a:tc>
+                  <a:txBody>
+                    <a:bodyPr/>
+                    <a:lstStyle/>
+                    <a:p>
+                      <a:pPr algn="ctr"/>
+                      <a:r>
+                        <a:rPr lang="en-US" dirty="0">
+                          <a:effectLst/>
+                        </a:rPr>
+                        <a:t>0.631</a:t>
+                      </a:r>
+                      <a:endParaRPr lang="en-US" dirty="0">
+                        <a:latin typeface="Gill Sans MT" panose="020B0502020104020203" pitchFamily="34" charset="0"/>
+                      </a:endParaRPr>
+                    </a:p>
+                  </a:txBody>
+                  <a:tcPr/>
+                </a:tc>
+                <a:tc>
+                  <a:txBody>
+                    <a:bodyPr/>
+                    <a:lstStyle/>
+                    <a:p>
+                      <a:pPr algn="ctr"/>
+                      <a:r>
+                        <a:rPr lang="en-US" dirty="0">
+                          <a:effectLst/>
+                          <a:latin typeface="Gill Sans MT" panose="020B0502020104020203" pitchFamily="34" charset="0"/>
+                        </a:rPr>
+                        <a:t>0.772</a:t>
+                      </a:r>
+                      <a:endParaRPr lang="en-US" dirty="0">
+                        <a:latin typeface="Gill Sans MT" panose="020B0502020104020203" pitchFamily="34" charset="0"/>
+                      </a:endParaRPr>
+                    </a:p>
+                  </a:txBody>
+                  <a:tcPr/>
+                </a:tc>
+                <a:tc>
+                  <a:txBody>
+                    <a:bodyPr/>
+                    <a:lstStyle/>
+                    <a:p>
+                      <a:pPr algn="ctr"/>
+                      <a:r>
+                        <a:rPr lang="en-US" dirty="0">
+                          <a:latin typeface="Gill Sans MT" panose="020B0502020104020203" pitchFamily="34" charset="0"/>
+                        </a:rPr>
+                        <a:t>~0.80</a:t>
+                      </a:r>
+                    </a:p>
+                  </a:txBody>
+                  <a:tcPr/>
+                </a:tc>
+                <a:extLst>
+                  <a:ext uri="{0D108BD9-81ED-4DB2-BD59-A6C34878D82A}">
+                    <a16:rowId xmlns:a16="http://schemas.microsoft.com/office/drawing/2014/main" val="3675872715"/>
+                  </a:ext>
+                </a:extLst>
+              </a:tr>
+              <a:tr h="2458760">
+                <a:tc>
+                  <a:txBody>
+                    <a:bodyPr/>
+                    <a:lstStyle/>
+                    <a:p>
+                      <a:pPr algn="ctr"/>
+                      <a:r>
+                        <a:rPr lang="en-US" dirty="0">
+                          <a:latin typeface="Gill Sans MT" panose="020B0502020104020203" pitchFamily="34" charset="0"/>
+                        </a:rPr>
+                        <a:t>Most predictive/</a:t>
+                      </a:r>
+                    </a:p>
+                    <a:p>
+                      <a:pPr algn="ctr"/>
+                      <a:r>
+                        <a:rPr lang="en-US" dirty="0">
+                          <a:latin typeface="Gill Sans MT" panose="020B0502020104020203" pitchFamily="34" charset="0"/>
+                        </a:rPr>
+                        <a:t>important variables, in descending order of importance</a:t>
+                      </a:r>
+                    </a:p>
+                    <a:p>
+                      <a:pPr algn="ctr"/>
+                      <a:r>
+                        <a:rPr lang="en-US" dirty="0">
+                          <a:latin typeface="Gill Sans MT" panose="020B0502020104020203" pitchFamily="34" charset="0"/>
+                        </a:rPr>
+                        <a:t>(model-dependent)</a:t>
+                      </a:r>
+                    </a:p>
+                  </a:txBody>
+                  <a:tcPr/>
+                </a:tc>
+                <a:tc>
+                  <a:txBody>
+                    <a:bodyPr/>
+                    <a:lstStyle/>
+                    <a:p>
+                      <a:pPr algn="ctr"/>
+                      <a:r>
+                        <a:rPr lang="en-US" dirty="0">
+                          <a:solidFill>
+                            <a:srgbClr val="C00000"/>
+                          </a:solidFill>
+                          <a:effectLst/>
+                          <a:latin typeface="Gill Sans MT" panose="020B0502020104020203" pitchFamily="34" charset="0"/>
+                        </a:rPr>
+                        <a:t>white1nh</a:t>
+                      </a:r>
+                    </a:p>
+                    <a:p>
+                      <a:pPr algn="ctr"/>
+                      <a:r>
+                        <a:rPr lang="en-US" dirty="0" err="1">
+                          <a:solidFill>
+                            <a:srgbClr val="C00000"/>
+                          </a:solidFill>
+                          <a:effectLst/>
+                          <a:latin typeface="Gill Sans MT" panose="020B0502020104020203" pitchFamily="34" charset="0"/>
+                        </a:rPr>
+                        <a:t>vehperhouse</a:t>
+                      </a:r>
+                      <a:endParaRPr lang="en-US" dirty="0">
+                        <a:solidFill>
+                          <a:srgbClr val="C00000"/>
+                        </a:solidFill>
+                        <a:effectLst/>
+                        <a:latin typeface="Gill Sans MT" panose="020B0502020104020203" pitchFamily="34" charset="0"/>
+                      </a:endParaRPr>
+                    </a:p>
+                    <a:p>
+                      <a:pPr algn="ctr"/>
+                      <a:r>
+                        <a:rPr lang="en-US" dirty="0" err="1">
+                          <a:solidFill>
+                            <a:srgbClr val="0070C0"/>
+                          </a:solidFill>
+                          <a:effectLst/>
+                          <a:latin typeface="Gill Sans MT" panose="020B0502020104020203" pitchFamily="34" charset="0"/>
+                        </a:rPr>
+                        <a:t>lat</a:t>
+                      </a:r>
+                      <a:endParaRPr lang="en-US" dirty="0">
+                        <a:solidFill>
+                          <a:srgbClr val="0070C0"/>
+                        </a:solidFill>
+                        <a:effectLst/>
+                        <a:latin typeface="Gill Sans MT" panose="020B0502020104020203" pitchFamily="34" charset="0"/>
+                      </a:endParaRPr>
+                    </a:p>
+                    <a:p>
+                      <a:pPr algn="ctr"/>
+                      <a:r>
+                        <a:rPr lang="en-US" dirty="0" err="1">
+                          <a:solidFill>
+                            <a:srgbClr val="C00000"/>
+                          </a:solidFill>
+                          <a:effectLst/>
+                          <a:latin typeface="Gill Sans MT" panose="020B0502020104020203" pitchFamily="34" charset="0"/>
+                        </a:rPr>
+                        <a:t>nohealthinsurance</a:t>
+                      </a:r>
+                      <a:endParaRPr lang="en-US" dirty="0">
+                        <a:solidFill>
+                          <a:srgbClr val="C00000"/>
+                        </a:solidFill>
+                        <a:effectLst/>
+                        <a:latin typeface="Gill Sans MT" panose="020B0502020104020203" pitchFamily="34" charset="0"/>
+                      </a:endParaRPr>
+                    </a:p>
+                    <a:p>
+                      <a:pPr algn="ctr"/>
+                      <a:r>
+                        <a:rPr lang="en-US" dirty="0">
+                          <a:solidFill>
+                            <a:srgbClr val="C00000"/>
+                          </a:solidFill>
+                          <a:effectLst/>
+                          <a:latin typeface="Gill Sans MT" panose="020B0502020104020203" pitchFamily="34" charset="0"/>
+                        </a:rPr>
+                        <a:t>married</a:t>
+                      </a:r>
+                      <a:endParaRPr lang="en-US" dirty="0">
+                        <a:solidFill>
+                          <a:srgbClr val="0070C0"/>
+                        </a:solidFill>
+                        <a:effectLst/>
+                        <a:latin typeface="Gill Sans MT" panose="020B0502020104020203" pitchFamily="34" charset="0"/>
+                      </a:endParaRPr>
+                    </a:p>
+                    <a:p>
+                      <a:pPr marL="0" marR="0" lvl="0" indent="0" algn="ctr" defTabSz="914400" rtl="0" eaLnBrk="1" fontAlgn="auto" latinLnBrk="0" hangingPunct="1">
+                        <a:lnSpc>
+                          <a:spcPct val="100000"/>
+                        </a:lnSpc>
+                        <a:spcBef>
+                          <a:spcPts val="0"/>
+                        </a:spcBef>
+                        <a:spcAft>
+                          <a:spcPts val="0"/>
+                        </a:spcAft>
+                        <a:buClrTx/>
+                        <a:buSzTx/>
+                        <a:buFontTx/>
+                        <a:buNone/>
+                        <a:tabLst/>
+                        <a:defRPr/>
+                      </a:pPr>
+                      <a:r>
+                        <a:rPr lang="en-US" dirty="0">
+                          <a:solidFill>
+                            <a:schemeClr val="accent1"/>
+                          </a:solidFill>
+                          <a:effectLst/>
+                          <a:latin typeface="Gill Sans MT" panose="020B0502020104020203" pitchFamily="34" charset="0"/>
+                        </a:rPr>
+                        <a:t>age55_ov</a:t>
+                      </a:r>
+                      <a:endParaRPr lang="en-US" dirty="0">
+                        <a:solidFill>
+                          <a:srgbClr val="0070C0"/>
+                        </a:solidFill>
+                        <a:effectLst/>
+                        <a:latin typeface="Gill Sans MT" panose="020B0502020104020203" pitchFamily="34" charset="0"/>
+                      </a:endParaRPr>
+                    </a:p>
+                    <a:p>
+                      <a:pPr algn="ctr"/>
+                      <a:r>
+                        <a:rPr lang="en-US" dirty="0" err="1">
+                          <a:solidFill>
+                            <a:srgbClr val="C00000"/>
+                          </a:solidFill>
+                          <a:effectLst/>
+                          <a:latin typeface="Gill Sans MT" panose="020B0502020104020203" pitchFamily="34" charset="0"/>
+                        </a:rPr>
+                        <a:t>logba</a:t>
+                      </a:r>
+                      <a:endParaRPr lang="en-US" dirty="0">
+                        <a:solidFill>
+                          <a:srgbClr val="C00000"/>
+                        </a:solidFill>
+                        <a:effectLst/>
+                        <a:latin typeface="Gill Sans MT" panose="020B0502020104020203" pitchFamily="34" charset="0"/>
+                      </a:endParaRPr>
+                    </a:p>
+                    <a:p>
+                      <a:pPr algn="ctr"/>
+                      <a:r>
+                        <a:rPr lang="en-US" dirty="0" err="1">
+                          <a:solidFill>
+                            <a:schemeClr val="accent1"/>
+                          </a:solidFill>
+                          <a:effectLst/>
+                          <a:latin typeface="Gill Sans MT" panose="020B0502020104020203" pitchFamily="34" charset="0"/>
+                        </a:rPr>
+                        <a:t>logpoppersqmi</a:t>
+                      </a:r>
+                      <a:endParaRPr lang="en-US" dirty="0">
+                        <a:solidFill>
+                          <a:schemeClr val="accent1"/>
+                        </a:solidFill>
+                        <a:effectLst/>
+                        <a:latin typeface="Gill Sans MT" panose="020B0502020104020203" pitchFamily="34" charset="0"/>
+                      </a:endParaRPr>
+                    </a:p>
+                  </a:txBody>
+                  <a:tcPr/>
+                </a:tc>
+                <a:tc>
+                  <a:txBody>
+                    <a:bodyPr/>
+                    <a:lstStyle/>
+                    <a:p>
+                      <a:pPr algn="ctr"/>
+                      <a:r>
+                        <a:rPr lang="en-US" dirty="0" err="1">
+                          <a:effectLst/>
+                          <a:latin typeface="Gill Sans MT" panose="020B0502020104020203" pitchFamily="34" charset="0"/>
+                        </a:rPr>
+                        <a:t>nevermarried</a:t>
+                      </a:r>
+                      <a:r>
+                        <a:rPr lang="en-US" dirty="0">
+                          <a:effectLst/>
+                          <a:latin typeface="Gill Sans MT" panose="020B0502020104020203" pitchFamily="34" charset="0"/>
+                        </a:rPr>
+                        <a:t> </a:t>
+                      </a:r>
+                    </a:p>
+                    <a:p>
+                      <a:pPr algn="ctr"/>
+                      <a:r>
+                        <a:rPr lang="en-US" dirty="0">
+                          <a:effectLst/>
+                          <a:latin typeface="Gill Sans MT" panose="020B0502020104020203" pitchFamily="34" charset="0"/>
+                        </a:rPr>
+                        <a:t>long</a:t>
+                      </a:r>
+                    </a:p>
+                    <a:p>
+                      <a:pPr algn="ctr"/>
+                      <a:r>
+                        <a:rPr lang="en-US" dirty="0">
+                          <a:effectLst/>
+                          <a:latin typeface="Gill Sans MT" panose="020B0502020104020203" pitchFamily="34" charset="0"/>
+                        </a:rPr>
+                        <a:t>white1nh</a:t>
+                      </a:r>
+                    </a:p>
+                    <a:p>
+                      <a:pPr algn="ctr"/>
+                      <a:r>
+                        <a:rPr lang="en-US" dirty="0" err="1">
+                          <a:effectLst/>
+                          <a:latin typeface="Gill Sans MT" panose="020B0502020104020203" pitchFamily="34" charset="0"/>
+                        </a:rPr>
+                        <a:t>vehperhouse</a:t>
+                      </a:r>
+                      <a:endParaRPr lang="en-US" dirty="0">
+                        <a:effectLst/>
+                        <a:latin typeface="Gill Sans MT" panose="020B0502020104020203" pitchFamily="34" charset="0"/>
+                      </a:endParaRPr>
+                    </a:p>
+                    <a:p>
+                      <a:pPr algn="ctr"/>
+                      <a:r>
+                        <a:rPr lang="en-US" dirty="0" err="1">
+                          <a:effectLst/>
+                          <a:latin typeface="Gill Sans MT" panose="020B0502020104020203" pitchFamily="34" charset="0"/>
+                        </a:rPr>
+                        <a:t>lat</a:t>
+                      </a:r>
+                      <a:endParaRPr lang="en-US" dirty="0">
+                        <a:effectLst/>
+                        <a:latin typeface="Gill Sans MT" panose="020B0502020104020203" pitchFamily="34" charset="0"/>
+                      </a:endParaRPr>
+                    </a:p>
+                    <a:p>
+                      <a:pPr algn="ctr"/>
+                      <a:r>
+                        <a:rPr lang="en-US" dirty="0" err="1">
+                          <a:effectLst/>
+                          <a:latin typeface="Gill Sans MT" panose="020B0502020104020203" pitchFamily="34" charset="0"/>
+                        </a:rPr>
+                        <a:t>logpoppersqmi</a:t>
+                      </a:r>
+                      <a:endParaRPr lang="en-US" dirty="0">
+                        <a:effectLst/>
+                        <a:latin typeface="Gill Sans MT" panose="020B0502020104020203" pitchFamily="34" charset="0"/>
+                      </a:endParaRPr>
+                    </a:p>
+                    <a:p>
+                      <a:pPr algn="ctr"/>
+                      <a:r>
+                        <a:rPr lang="en-US" dirty="0">
+                          <a:effectLst/>
+                          <a:latin typeface="Gill Sans MT" panose="020B0502020104020203" pitchFamily="34" charset="0"/>
+                        </a:rPr>
+                        <a:t>married</a:t>
+                      </a:r>
+                    </a:p>
+                    <a:p>
+                      <a:pPr algn="ctr"/>
+                      <a:r>
+                        <a:rPr lang="en-US" dirty="0" err="1">
+                          <a:latin typeface="Gill Sans MT" panose="020B0502020104020203" pitchFamily="34" charset="0"/>
+                        </a:rPr>
+                        <a:t>sepdiv</a:t>
+                      </a:r>
+                      <a:endParaRPr lang="en-US" dirty="0">
+                        <a:latin typeface="Gill Sans MT" panose="020B0502020104020203" pitchFamily="34" charset="0"/>
+                      </a:endParaRPr>
+                    </a:p>
+                  </a:txBody>
+                  <a:tcPr/>
+                </a:tc>
+                <a:tc>
+                  <a:txBody>
+                    <a:bodyPr/>
+                    <a:lstStyle/>
+                    <a:p>
+                      <a:pPr algn="ctr"/>
+                      <a:r>
+                        <a:rPr lang="en-US" dirty="0" err="1">
+                          <a:latin typeface="Gill Sans MT" panose="020B0502020104020203" pitchFamily="34" charset="0"/>
+                        </a:rPr>
+                        <a:t>nevermarried</a:t>
+                      </a:r>
+                      <a:endParaRPr lang="en-US" dirty="0">
+                        <a:latin typeface="Gill Sans MT" panose="020B0502020104020203" pitchFamily="34" charset="0"/>
+                      </a:endParaRPr>
+                    </a:p>
+                    <a:p>
+                      <a:pPr algn="ctr"/>
+                      <a:r>
+                        <a:rPr lang="en-US" dirty="0">
+                          <a:latin typeface="Gill Sans MT" panose="020B0502020104020203" pitchFamily="34" charset="0"/>
+                        </a:rPr>
+                        <a:t>married</a:t>
+                      </a:r>
+                    </a:p>
+                    <a:p>
+                      <a:pPr algn="ctr"/>
+                      <a:r>
+                        <a:rPr lang="en-US" dirty="0" err="1">
+                          <a:latin typeface="Gill Sans MT" panose="020B0502020104020203" pitchFamily="34" charset="0"/>
+                        </a:rPr>
+                        <a:t>vehperhouse</a:t>
+                      </a:r>
+                      <a:endParaRPr lang="en-US" dirty="0">
+                        <a:latin typeface="Gill Sans MT" panose="020B0502020104020203" pitchFamily="34" charset="0"/>
+                      </a:endParaRPr>
+                    </a:p>
+                    <a:p>
+                      <a:pPr algn="ctr"/>
+                      <a:r>
+                        <a:rPr lang="en-US" dirty="0">
+                          <a:latin typeface="Gill Sans MT" panose="020B0502020104020203" pitchFamily="34" charset="0"/>
+                        </a:rPr>
+                        <a:t>farm</a:t>
+                      </a:r>
+                    </a:p>
+                    <a:p>
+                      <a:pPr algn="ctr"/>
+                      <a:r>
+                        <a:rPr lang="en-US" dirty="0" err="1">
+                          <a:latin typeface="Gill Sans MT" panose="020B0502020104020203" pitchFamily="34" charset="0"/>
+                        </a:rPr>
+                        <a:t>logpctmultiunitdwelling</a:t>
+                      </a:r>
+                      <a:endParaRPr lang="en-US" dirty="0">
+                        <a:latin typeface="Gill Sans MT" panose="020B0502020104020203" pitchFamily="34" charset="0"/>
+                      </a:endParaRPr>
+                    </a:p>
+                    <a:p>
+                      <a:pPr algn="ctr"/>
+                      <a:r>
+                        <a:rPr lang="en-US" dirty="0" err="1">
+                          <a:latin typeface="Gill Sans MT" panose="020B0502020104020203" pitchFamily="34" charset="0"/>
+                        </a:rPr>
+                        <a:t>logincollege</a:t>
+                      </a:r>
+                      <a:endParaRPr lang="en-US" dirty="0">
+                        <a:latin typeface="Gill Sans MT" panose="020B0502020104020203" pitchFamily="34" charset="0"/>
+                      </a:endParaRPr>
+                    </a:p>
+                    <a:p>
+                      <a:pPr algn="ctr"/>
+                      <a:r>
+                        <a:rPr lang="en-US" dirty="0" err="1">
+                          <a:latin typeface="Gill Sans MT" panose="020B0502020104020203" pitchFamily="34" charset="0"/>
+                        </a:rPr>
+                        <a:t>logunemployed</a:t>
+                      </a:r>
+                      <a:endParaRPr lang="en-US" dirty="0">
+                        <a:latin typeface="Gill Sans MT" panose="020B0502020104020203" pitchFamily="34" charset="0"/>
+                      </a:endParaRPr>
+                    </a:p>
+                    <a:p>
+                      <a:pPr algn="ctr"/>
+                      <a:r>
+                        <a:rPr lang="en-US" dirty="0" err="1">
+                          <a:latin typeface="Gill Sans MT" panose="020B0502020104020203" pitchFamily="34" charset="0"/>
+                        </a:rPr>
+                        <a:t>logpoppersqmi</a:t>
+                      </a:r>
+                      <a:endParaRPr lang="en-US" dirty="0">
+                        <a:latin typeface="Gill Sans MT" panose="020B0502020104020203" pitchFamily="34" charset="0"/>
+                      </a:endParaRPr>
+                    </a:p>
+                  </a:txBody>
+                  <a:tcPr/>
+                </a:tc>
+                <a:extLst>
+                  <a:ext uri="{0D108BD9-81ED-4DB2-BD59-A6C34878D82A}">
+                    <a16:rowId xmlns:a16="http://schemas.microsoft.com/office/drawing/2014/main" val="4176736732"/>
+                  </a:ext>
+                </a:extLst>
+              </a:tr>
+            </a:tbl>
+          </a:graphicData>
+        </a:graphic>
+      </p:graphicFrame>
+    </p:spTree>
+    <p:extLst>
+      <p:ext uri="{BB962C8B-B14F-4D97-AF65-F5344CB8AC3E}">
+        <p14:creationId xmlns:p14="http://schemas.microsoft.com/office/powerpoint/2010/main" val="1541347070"/>
+      </p:ext>
+    </p:extLst>
+  </p:cSld>
+  <p:clrMapOvr>
+    <a:masterClrMapping/>
+  </p:clrMapOvr>
+</p:sld>
+</file>
+
+<file path=ppt/slides/slide34.xml><?xml version="1.0" encoding="utf-8"?>
 <p:sld xmlns:a="http://schemas.openxmlformats.org/drawingml/2006/main" xmlns:r="http://schemas.openxmlformats.org/officeDocument/2006/relationships" xmlns:p="http://schemas.openxmlformats.org/presentationml/2006/main">
   <p:cSld>
     <p:bg>
@@ -9663,123 +12266,12 @@
           <a:chExt cx="0" cy="0"/>
         </a:xfrm>
       </p:grpSpPr>
-      <p:sp>
-        <p:nvSpPr>
-          <p:cNvPr id="28" name="Rectangle 27">
-            <a:extLst>
-              <a:ext uri="{FF2B5EF4-FFF2-40B4-BE49-F238E27FC236}">
-                <a16:creationId xmlns:a16="http://schemas.microsoft.com/office/drawing/2014/main" id="{F0618178-4B5C-46A4-9E68-052C31FA6E9A}"/>
-              </a:ext>
-            </a:extLst>
-          </p:cNvPr>
-          <p:cNvSpPr>
-            <a:spLocks noGrp="1" noRot="1" noChangeAspect="1" noMove="1" noResize="1" noEditPoints="1" noAdjustHandles="1" noChangeArrowheads="1" noChangeShapeType="1" noTextEdit="1"/>
-          </p:cNvSpPr>
-          <p:nvPr>
-            <p:extLst>
-              <p:ext uri="{386F3935-93C4-4BCD-93E2-E3B085C9AB24}">
-                <p16:designElem xmlns:p16="http://schemas.microsoft.com/office/powerpoint/2015/main" val="1"/>
-              </p:ext>
-            </p:extLst>
-          </p:nvPr>
-        </p:nvSpPr>
-        <p:spPr bwMode="ltGray">
-          <a:xfrm>
-            <a:off x="4708357" y="3509963"/>
-            <a:ext cx="7092215" cy="2967839"/>
-          </a:xfrm>
-          <a:prstGeom prst="rect">
-            <a:avLst/>
-          </a:prstGeom>
-          <a:solidFill>
-            <a:srgbClr val="404040"/>
-          </a:solidFill>
-          <a:ln w="127000" cap="sq" cmpd="thinThick">
-            <a:solidFill>
-              <a:srgbClr val="404040"/>
-            </a:solidFill>
-          </a:ln>
-        </p:spPr>
-        <p:style>
-          <a:lnRef idx="2">
-            <a:schemeClr val="accent1">
-              <a:shade val="50000"/>
-            </a:schemeClr>
-          </a:lnRef>
-          <a:fillRef idx="1">
-            <a:schemeClr val="accent1"/>
-          </a:fillRef>
-          <a:effectRef idx="0">
-            <a:schemeClr val="accent1"/>
-          </a:effectRef>
-          <a:fontRef idx="minor">
-            <a:schemeClr val="lt1"/>
-          </a:fontRef>
-        </p:style>
-        <p:txBody>
-          <a:bodyPr rtlCol="0" anchor="ctr"/>
-          <a:lstStyle/>
-          <a:p>
-            <a:pPr algn="ctr"/>
-            <a:endParaRPr lang="en-US" dirty="0"/>
-          </a:p>
-        </p:txBody>
-      </p:sp>
-      <p:cxnSp>
-        <p:nvCxnSpPr>
-          <p:cNvPr id="30" name="Straight Connector 29">
-            <a:extLst>
-              <a:ext uri="{FF2B5EF4-FFF2-40B4-BE49-F238E27FC236}">
-                <a16:creationId xmlns:a16="http://schemas.microsoft.com/office/drawing/2014/main" id="{936FD40B-09C1-46D7-9E32-CC9BD7629FD2}"/>
-              </a:ext>
-            </a:extLst>
-          </p:cNvPr>
-          <p:cNvCxnSpPr>
-            <a:cxnSpLocks noGrp="1" noRot="1" noChangeAspect="1" noMove="1" noResize="1" noEditPoints="1" noAdjustHandles="1" noChangeArrowheads="1" noChangeShapeType="1"/>
-          </p:cNvCxnSpPr>
-          <p:nvPr>
-            <p:extLst>
-              <p:ext uri="{386F3935-93C4-4BCD-93E2-E3B085C9AB24}">
-                <p16:designElem xmlns:p16="http://schemas.microsoft.com/office/powerpoint/2015/main" val="1"/>
-              </p:ext>
-            </p:extLst>
-          </p:nvPr>
-        </p:nvCxnSpPr>
-        <p:spPr>
-          <a:xfrm>
-            <a:off x="5138287" y="5443086"/>
-            <a:ext cx="6400800" cy="0"/>
-          </a:xfrm>
-          <a:prstGeom prst="line">
-            <a:avLst/>
-          </a:prstGeom>
-          <a:ln w="22225">
-            <a:solidFill>
-              <a:srgbClr val="D9D9D9"/>
-            </a:solidFill>
-          </a:ln>
-        </p:spPr>
-        <p:style>
-          <a:lnRef idx="1">
-            <a:schemeClr val="accent1"/>
-          </a:lnRef>
-          <a:fillRef idx="0">
-            <a:schemeClr val="accent1"/>
-          </a:fillRef>
-          <a:effectRef idx="0">
-            <a:schemeClr val="accent1"/>
-          </a:effectRef>
-          <a:fontRef idx="minor">
-            <a:schemeClr val="tx1"/>
-          </a:fontRef>
-        </p:style>
-      </p:cxnSp>
       <p:pic>
         <p:nvPicPr>
-          <p:cNvPr id="9" name="Picture 8">
-            <a:extLst>
-              <a:ext uri="{FF2B5EF4-FFF2-40B4-BE49-F238E27FC236}">
-                <a16:creationId xmlns:a16="http://schemas.microsoft.com/office/drawing/2014/main" id="{25093074-7B93-44D6-BC77-61915AFF35E7}"/>
+          <p:cNvPr id="14" name="Picture 13">
+            <a:extLst>
+              <a:ext uri="{FF2B5EF4-FFF2-40B4-BE49-F238E27FC236}">
+                <a16:creationId xmlns:a16="http://schemas.microsoft.com/office/drawing/2014/main" id="{EEA05C12-C3BC-45CE-94AB-E0F49AF8D309}"/>
               </a:ext>
             </a:extLst>
           </p:cNvPr>
@@ -9788,7 +12280,7 @@
           </p:cNvPicPr>
           <p:nvPr/>
         </p:nvPicPr>
-        <p:blipFill>
+        <p:blipFill rotWithShape="1">
           <a:blip r:embed="rId2">
             <a:extLst>
               <a:ext uri="{28A0092B-C50C-407E-A947-70E740481C1C}">
@@ -9796,138 +12288,28 @@
               </a:ext>
             </a:extLst>
           </a:blip>
-          <a:stretch>
-            <a:fillRect/>
-          </a:stretch>
+          <a:srcRect/>
+          <a:stretch/>
         </p:blipFill>
         <p:spPr>
           <a:xfrm>
-            <a:off x="7954788" y="299363"/>
-            <a:ext cx="3548721" cy="3008188"/>
+            <a:off x="0" y="0"/>
+            <a:ext cx="12192000" cy="6858000"/>
           </a:xfrm>
           <a:prstGeom prst="rect">
             <a:avLst/>
           </a:prstGeom>
-        </p:spPr>
-      </p:pic>
-      <p:pic>
-        <p:nvPicPr>
-          <p:cNvPr id="10" name="Picture 9">
-            <a:extLst>
-              <a:ext uri="{FF2B5EF4-FFF2-40B4-BE49-F238E27FC236}">
-                <a16:creationId xmlns:a16="http://schemas.microsoft.com/office/drawing/2014/main" id="{145D5236-66CB-465C-9110-688D4819D4AD}"/>
-              </a:ext>
-            </a:extLst>
-          </p:cNvPr>
-          <p:cNvPicPr>
-            <a:picLocks noChangeAspect="1"/>
-          </p:cNvPicPr>
-          <p:nvPr/>
-        </p:nvPicPr>
-        <p:blipFill>
-          <a:blip r:embed="rId3">
-            <a:extLst>
-              <a:ext uri="{28A0092B-C50C-407E-A947-70E740481C1C}">
-                <a14:useLocalDpi xmlns:a14="http://schemas.microsoft.com/office/drawing/2010/main" val="0"/>
-              </a:ext>
-            </a:extLst>
-          </a:blip>
-          <a:stretch>
-            <a:fillRect/>
-          </a:stretch>
-        </p:blipFill>
-        <p:spPr>
-          <a:xfrm>
-            <a:off x="562799" y="127977"/>
-            <a:ext cx="3560345" cy="3271484"/>
-          </a:xfrm>
-          <a:prstGeom prst="rect">
-            <a:avLst/>
-          </a:prstGeom>
-        </p:spPr>
-      </p:pic>
-      <p:pic>
-        <p:nvPicPr>
-          <p:cNvPr id="8" name="Picture 7">
-            <a:extLst>
-              <a:ext uri="{FF2B5EF4-FFF2-40B4-BE49-F238E27FC236}">
-                <a16:creationId xmlns:a16="http://schemas.microsoft.com/office/drawing/2014/main" id="{7DED71FA-EE90-47C9-A004-46900BD26ADE}"/>
-              </a:ext>
-            </a:extLst>
-          </p:cNvPr>
-          <p:cNvPicPr>
-            <a:picLocks noChangeAspect="1"/>
-          </p:cNvPicPr>
-          <p:nvPr/>
-        </p:nvPicPr>
-        <p:blipFill>
-          <a:blip r:embed="rId4">
-            <a:extLst>
-              <a:ext uri="{28A0092B-C50C-407E-A947-70E740481C1C}">
-                <a14:useLocalDpi xmlns:a14="http://schemas.microsoft.com/office/drawing/2010/main" val="0"/>
-              </a:ext>
-            </a:extLst>
-          </a:blip>
-          <a:stretch>
-            <a:fillRect/>
-          </a:stretch>
-        </p:blipFill>
-        <p:spPr>
-          <a:xfrm>
-            <a:off x="4400479" y="291132"/>
-            <a:ext cx="3499696" cy="2966630"/>
-          </a:xfrm>
-          <a:prstGeom prst="rect">
-            <a:avLst/>
-          </a:prstGeom>
+          <a:ln>
+            <a:noFill/>
+          </a:ln>
         </p:spPr>
       </p:pic>
       <p:sp>
         <p:nvSpPr>
-          <p:cNvPr id="2" name="Title 1">
-            <a:extLst>
-              <a:ext uri="{FF2B5EF4-FFF2-40B4-BE49-F238E27FC236}">
-                <a16:creationId xmlns:a16="http://schemas.microsoft.com/office/drawing/2014/main" id="{F3086100-90BA-4936-B2AD-92AA63E05119}"/>
-              </a:ext>
-            </a:extLst>
-          </p:cNvPr>
-          <p:cNvSpPr>
-            <a:spLocks noGrp="1"/>
-          </p:cNvSpPr>
-          <p:nvPr>
-            <p:ph type="title"/>
-          </p:nvPr>
-        </p:nvSpPr>
-        <p:spPr>
-          <a:xfrm>
-            <a:off x="5021821" y="4408370"/>
-            <a:ext cx="6465287" cy="920597"/>
-          </a:xfrm>
-        </p:spPr>
-        <p:txBody>
-          <a:bodyPr vert="horz" lIns="91440" tIns="45720" rIns="91440" bIns="45720" rtlCol="0" anchor="b">
-            <a:normAutofit/>
-          </a:bodyPr>
-          <a:lstStyle/>
-          <a:p>
-            <a:r>
-              <a:rPr lang="en-US" sz="4800" dirty="0">
-                <a:solidFill>
-                  <a:srgbClr val="FFFFFF"/>
-                </a:solidFill>
-                <a:latin typeface="Gill Sans MT" panose="020B0502020104020203" pitchFamily="34" charset="0"/>
-              </a:rPr>
-              <a:t>Predictions: Florida, 2000</a:t>
-            </a:r>
-          </a:p>
-        </p:txBody>
-      </p:sp>
-      <p:sp>
-        <p:nvSpPr>
-          <p:cNvPr id="12" name="Rectangle 11">
-            <a:extLst>
-              <a:ext uri="{FF2B5EF4-FFF2-40B4-BE49-F238E27FC236}">
-                <a16:creationId xmlns:a16="http://schemas.microsoft.com/office/drawing/2014/main" id="{B39385C9-B7B7-4582-BC9C-3CB0C78A78F3}"/>
+          <p:cNvPr id="22" name="Rectangle 21">
+            <a:extLst>
+              <a:ext uri="{FF2B5EF4-FFF2-40B4-BE49-F238E27FC236}">
+                <a16:creationId xmlns:a16="http://schemas.microsoft.com/office/drawing/2014/main" id="{09E0F905-AF08-4A87-9867-A605E3E13018}"/>
               </a:ext>
             </a:extLst>
           </p:cNvPr>
@@ -9936,8 +12318,8 @@
         </p:nvSpPr>
         <p:spPr>
           <a:xfrm>
-            <a:off x="4952090" y="2029578"/>
-            <a:ext cx="916284" cy="1100831"/>
+            <a:off x="79899" y="0"/>
+            <a:ext cx="1491449" cy="257452"/>
           </a:xfrm>
           <a:prstGeom prst="rect">
             <a:avLst/>
@@ -9976,10 +12358,382 @@
       </p:sp>
       <p:sp>
         <p:nvSpPr>
-          <p:cNvPr id="13" name="Rectangle 12">
-            <a:extLst>
-              <a:ext uri="{FF2B5EF4-FFF2-40B4-BE49-F238E27FC236}">
-                <a16:creationId xmlns:a16="http://schemas.microsoft.com/office/drawing/2014/main" id="{EE6241C4-8A9A-42FB-B807-15162A456F2E}"/>
+          <p:cNvPr id="23" name="TextBox 22">
+            <a:extLst>
+              <a:ext uri="{FF2B5EF4-FFF2-40B4-BE49-F238E27FC236}">
+                <a16:creationId xmlns:a16="http://schemas.microsoft.com/office/drawing/2014/main" id="{58C156C2-63E0-4088-971A-A88B032DBB40}"/>
+              </a:ext>
+            </a:extLst>
+          </p:cNvPr>
+          <p:cNvSpPr txBox="1"/>
+          <p:nvPr/>
+        </p:nvSpPr>
+        <p:spPr>
+          <a:xfrm>
+            <a:off x="8234038" y="541538"/>
+            <a:ext cx="2396971" cy="461665"/>
+          </a:xfrm>
+          <a:prstGeom prst="rect">
+            <a:avLst/>
+          </a:prstGeom>
+          <a:noFill/>
+        </p:spPr>
+        <p:txBody>
+          <a:bodyPr wrap="square" rtlCol="0">
+            <a:spAutoFit/>
+          </a:bodyPr>
+          <a:lstStyle/>
+          <a:p>
+            <a:r>
+              <a:rPr lang="en-US" sz="2400" dirty="0">
+                <a:latin typeface="Gill Sans MT" panose="020B0502020104020203" pitchFamily="34" charset="0"/>
+              </a:rPr>
+              <a:t>Actual vote, 2000</a:t>
+            </a:r>
+          </a:p>
+        </p:txBody>
+      </p:sp>
+    </p:spTree>
+    <p:extLst>
+      <p:ext uri="{BB962C8B-B14F-4D97-AF65-F5344CB8AC3E}">
+        <p14:creationId xmlns:p14="http://schemas.microsoft.com/office/powerpoint/2010/main" val="3155053372"/>
+      </p:ext>
+    </p:extLst>
+  </p:cSld>
+  <p:clrMapOvr>
+    <a:masterClrMapping/>
+  </p:clrMapOvr>
+</p:sld>
+</file>
+
+<file path=ppt/slides/slide35.xml><?xml version="1.0" encoding="utf-8"?>
+<p:sld xmlns:a="http://schemas.openxmlformats.org/drawingml/2006/main" xmlns:r="http://schemas.openxmlformats.org/officeDocument/2006/relationships" xmlns:p="http://schemas.openxmlformats.org/presentationml/2006/main">
+  <p:cSld>
+    <p:bg>
+      <p:bgPr>
+        <a:solidFill>
+          <a:schemeClr val="bg1"/>
+        </a:solidFill>
+        <a:effectLst/>
+      </p:bgPr>
+    </p:bg>
+    <p:spTree>
+      <p:nvGrpSpPr>
+        <p:cNvPr id="1" name=""/>
+        <p:cNvGrpSpPr/>
+        <p:nvPr/>
+      </p:nvGrpSpPr>
+      <p:grpSpPr>
+        <a:xfrm>
+          <a:off x="0" y="0"/>
+          <a:ext cx="0" cy="0"/>
+          <a:chOff x="0" y="0"/>
+          <a:chExt cx="0" cy="0"/>
+        </a:xfrm>
+      </p:grpSpPr>
+      <p:pic>
+        <p:nvPicPr>
+          <p:cNvPr id="3" name="Picture 2">
+            <a:extLst>
+              <a:ext uri="{FF2B5EF4-FFF2-40B4-BE49-F238E27FC236}">
+                <a16:creationId xmlns:a16="http://schemas.microsoft.com/office/drawing/2014/main" id="{16B07BFA-01F6-4222-AD26-526343997A4F}"/>
+              </a:ext>
+            </a:extLst>
+          </p:cNvPr>
+          <p:cNvPicPr>
+            <a:picLocks noChangeAspect="1"/>
+          </p:cNvPicPr>
+          <p:nvPr/>
+        </p:nvPicPr>
+        <p:blipFill rotWithShape="1">
+          <a:blip r:embed="rId2">
+            <a:extLst>
+              <a:ext uri="{28A0092B-C50C-407E-A947-70E740481C1C}">
+                <a14:useLocalDpi xmlns:a14="http://schemas.microsoft.com/office/drawing/2010/main" val="0"/>
+              </a:ext>
+            </a:extLst>
+          </a:blip>
+          <a:srcRect/>
+          <a:stretch/>
+        </p:blipFill>
+        <p:spPr>
+          <a:xfrm>
+            <a:off x="17756" y="24967"/>
+            <a:ext cx="12147612" cy="6833033"/>
+          </a:xfrm>
+          <a:prstGeom prst="rect">
+            <a:avLst/>
+          </a:prstGeom>
+        </p:spPr>
+      </p:pic>
+      <p:sp>
+        <p:nvSpPr>
+          <p:cNvPr id="6" name="TextBox 5">
+            <a:extLst>
+              <a:ext uri="{FF2B5EF4-FFF2-40B4-BE49-F238E27FC236}">
+                <a16:creationId xmlns:a16="http://schemas.microsoft.com/office/drawing/2014/main" id="{644FF5A6-7411-4DEE-84A4-AC0802EF6995}"/>
+              </a:ext>
+            </a:extLst>
+          </p:cNvPr>
+          <p:cNvSpPr txBox="1"/>
+          <p:nvPr/>
+        </p:nvSpPr>
+        <p:spPr>
+          <a:xfrm>
+            <a:off x="8234038" y="541538"/>
+            <a:ext cx="2738762" cy="461665"/>
+          </a:xfrm>
+          <a:prstGeom prst="rect">
+            <a:avLst/>
+          </a:prstGeom>
+          <a:noFill/>
+        </p:spPr>
+        <p:txBody>
+          <a:bodyPr wrap="square" rtlCol="0">
+            <a:spAutoFit/>
+          </a:bodyPr>
+          <a:lstStyle/>
+          <a:p>
+            <a:r>
+              <a:rPr lang="en-US" sz="2400" dirty="0">
+                <a:latin typeface="Gill Sans MT" panose="020B0502020104020203" pitchFamily="34" charset="0"/>
+              </a:rPr>
+              <a:t>Predicted vote, 2000</a:t>
+            </a:r>
+          </a:p>
+        </p:txBody>
+      </p:sp>
+      <p:sp>
+        <p:nvSpPr>
+          <p:cNvPr id="7" name="TextBox 6">
+            <a:extLst>
+              <a:ext uri="{FF2B5EF4-FFF2-40B4-BE49-F238E27FC236}">
+                <a16:creationId xmlns:a16="http://schemas.microsoft.com/office/drawing/2014/main" id="{3FA90980-C94E-4FE8-AF5F-A48967A50B4A}"/>
+              </a:ext>
+            </a:extLst>
+          </p:cNvPr>
+          <p:cNvSpPr txBox="1"/>
+          <p:nvPr/>
+        </p:nvSpPr>
+        <p:spPr>
+          <a:xfrm>
+            <a:off x="6726315" y="5708341"/>
+            <a:ext cx="1192567" cy="369332"/>
+          </a:xfrm>
+          <a:prstGeom prst="rect">
+            <a:avLst/>
+          </a:prstGeom>
+          <a:noFill/>
+        </p:spPr>
+        <p:txBody>
+          <a:bodyPr wrap="square" rtlCol="0">
+            <a:spAutoFit/>
+          </a:bodyPr>
+          <a:lstStyle/>
+          <a:p>
+            <a:r>
+              <a:rPr lang="en-US" i="1" dirty="0">
+                <a:latin typeface="Gill Sans MT" panose="020B0502020104020203" pitchFamily="34" charset="0"/>
+              </a:rPr>
+              <a:t>R²</a:t>
+            </a:r>
+            <a:r>
+              <a:rPr lang="en-US" dirty="0">
+                <a:latin typeface="Gill Sans MT" panose="020B0502020104020203" pitchFamily="34" charset="0"/>
+              </a:rPr>
+              <a:t> = 0.772</a:t>
+            </a:r>
+          </a:p>
+        </p:txBody>
+      </p:sp>
+    </p:spTree>
+    <p:extLst>
+      <p:ext uri="{BB962C8B-B14F-4D97-AF65-F5344CB8AC3E}">
+        <p14:creationId xmlns:p14="http://schemas.microsoft.com/office/powerpoint/2010/main" val="3646269011"/>
+      </p:ext>
+    </p:extLst>
+  </p:cSld>
+  <p:clrMapOvr>
+    <a:masterClrMapping/>
+  </p:clrMapOvr>
+</p:sld>
+</file>
+
+<file path=ppt/slides/slide36.xml><?xml version="1.0" encoding="utf-8"?>
+<p:sld xmlns:a="http://schemas.openxmlformats.org/drawingml/2006/main" xmlns:r="http://schemas.openxmlformats.org/officeDocument/2006/relationships" xmlns:p="http://schemas.openxmlformats.org/presentationml/2006/main">
+  <p:cSld>
+    <p:bg>
+      <p:bgPr>
+        <a:solidFill>
+          <a:schemeClr val="bg1"/>
+        </a:solidFill>
+        <a:effectLst/>
+      </p:bgPr>
+    </p:bg>
+    <p:spTree>
+      <p:nvGrpSpPr>
+        <p:cNvPr id="1" name=""/>
+        <p:cNvGrpSpPr/>
+        <p:nvPr/>
+      </p:nvGrpSpPr>
+      <p:grpSpPr>
+        <a:xfrm>
+          <a:off x="0" y="0"/>
+          <a:ext cx="0" cy="0"/>
+          <a:chOff x="0" y="0"/>
+          <a:chExt cx="0" cy="0"/>
+        </a:xfrm>
+      </p:grpSpPr>
+      <p:pic>
+        <p:nvPicPr>
+          <p:cNvPr id="8" name="Picture 7">
+            <a:extLst>
+              <a:ext uri="{FF2B5EF4-FFF2-40B4-BE49-F238E27FC236}">
+                <a16:creationId xmlns:a16="http://schemas.microsoft.com/office/drawing/2014/main" id="{CA644D3E-0C64-4F4E-A8D2-B9DDA8A1A779}"/>
+              </a:ext>
+            </a:extLst>
+          </p:cNvPr>
+          <p:cNvPicPr>
+            <a:picLocks noChangeAspect="1"/>
+          </p:cNvPicPr>
+          <p:nvPr/>
+        </p:nvPicPr>
+        <p:blipFill rotWithShape="1">
+          <a:blip r:embed="rId2">
+            <a:extLst>
+              <a:ext uri="{28A0092B-C50C-407E-A947-70E740481C1C}">
+                <a14:useLocalDpi xmlns:a14="http://schemas.microsoft.com/office/drawing/2010/main" val="0"/>
+              </a:ext>
+            </a:extLst>
+          </a:blip>
+          <a:srcRect r="3577" b="5"/>
+          <a:stretch/>
+        </p:blipFill>
+        <p:spPr>
+          <a:xfrm>
+            <a:off x="527408" y="643467"/>
+            <a:ext cx="5372099" cy="5571066"/>
+          </a:xfrm>
+          <a:prstGeom prst="rect">
+            <a:avLst/>
+          </a:prstGeom>
+        </p:spPr>
+      </p:pic>
+      <p:pic>
+        <p:nvPicPr>
+          <p:cNvPr id="10" name="Picture 9">
+            <a:extLst>
+              <a:ext uri="{FF2B5EF4-FFF2-40B4-BE49-F238E27FC236}">
+                <a16:creationId xmlns:a16="http://schemas.microsoft.com/office/drawing/2014/main" id="{EBF42AED-15C7-4464-A1DD-35B98F51D6F8}"/>
+              </a:ext>
+            </a:extLst>
+          </p:cNvPr>
+          <p:cNvPicPr>
+            <a:picLocks noChangeAspect="1"/>
+          </p:cNvPicPr>
+          <p:nvPr/>
+        </p:nvPicPr>
+        <p:blipFill rotWithShape="1">
+          <a:blip r:embed="rId3">
+            <a:extLst>
+              <a:ext uri="{28A0092B-C50C-407E-A947-70E740481C1C}">
+                <a14:useLocalDpi xmlns:a14="http://schemas.microsoft.com/office/drawing/2010/main" val="0"/>
+              </a:ext>
+            </a:extLst>
+          </a:blip>
+          <a:srcRect r="3577" b="5"/>
+          <a:stretch/>
+        </p:blipFill>
+        <p:spPr>
+          <a:xfrm>
+            <a:off x="6078775" y="643467"/>
+            <a:ext cx="5372099" cy="5571066"/>
+          </a:xfrm>
+          <a:prstGeom prst="rect">
+            <a:avLst/>
+          </a:prstGeom>
+        </p:spPr>
+      </p:pic>
+      <p:sp>
+        <p:nvSpPr>
+          <p:cNvPr id="11" name="TextBox 10">
+            <a:extLst>
+              <a:ext uri="{FF2B5EF4-FFF2-40B4-BE49-F238E27FC236}">
+                <a16:creationId xmlns:a16="http://schemas.microsoft.com/office/drawing/2014/main" id="{883A8BB4-C936-4821-821A-AD80F63C5DD1}"/>
+              </a:ext>
+            </a:extLst>
+          </p:cNvPr>
+          <p:cNvSpPr txBox="1"/>
+          <p:nvPr/>
+        </p:nvSpPr>
+        <p:spPr>
+          <a:xfrm>
+            <a:off x="1020932" y="281940"/>
+            <a:ext cx="4124325" cy="369332"/>
+          </a:xfrm>
+          <a:prstGeom prst="rect">
+            <a:avLst/>
+          </a:prstGeom>
+          <a:noFill/>
+        </p:spPr>
+        <p:txBody>
+          <a:bodyPr wrap="square" rtlCol="0">
+            <a:spAutoFit/>
+          </a:bodyPr>
+          <a:lstStyle/>
+          <a:p>
+            <a:r>
+              <a:rPr lang="en-US" dirty="0">
+                <a:latin typeface="Gill Sans MT" panose="020B0502020104020203" pitchFamily="34" charset="0"/>
+              </a:rPr>
+              <a:t>Actual vote, 2000</a:t>
+            </a:r>
+          </a:p>
+        </p:txBody>
+      </p:sp>
+      <p:sp>
+        <p:nvSpPr>
+          <p:cNvPr id="16" name="TextBox 15">
+            <a:extLst>
+              <a:ext uri="{FF2B5EF4-FFF2-40B4-BE49-F238E27FC236}">
+                <a16:creationId xmlns:a16="http://schemas.microsoft.com/office/drawing/2014/main" id="{D411D79F-58A7-4B30-9CB3-10DD10D00E11}"/>
+              </a:ext>
+            </a:extLst>
+          </p:cNvPr>
+          <p:cNvSpPr txBox="1"/>
+          <p:nvPr/>
+        </p:nvSpPr>
+        <p:spPr>
+          <a:xfrm>
+            <a:off x="6541066" y="281940"/>
+            <a:ext cx="5650934" cy="369332"/>
+          </a:xfrm>
+          <a:prstGeom prst="rect">
+            <a:avLst/>
+          </a:prstGeom>
+          <a:noFill/>
+        </p:spPr>
+        <p:txBody>
+          <a:bodyPr wrap="square" rtlCol="0">
+            <a:spAutoFit/>
+          </a:bodyPr>
+          <a:lstStyle/>
+          <a:p>
+            <a:r>
+              <a:rPr lang="en-US" dirty="0">
+                <a:latin typeface="Gill Sans MT" panose="020B0502020104020203" pitchFamily="34" charset="0"/>
+              </a:rPr>
+              <a:t>Vote predicted from non-California county patterns, 2000</a:t>
+            </a:r>
+          </a:p>
+        </p:txBody>
+      </p:sp>
+      <p:sp>
+        <p:nvSpPr>
+          <p:cNvPr id="12" name="Rectangle 11">
+            <a:extLst>
+              <a:ext uri="{FF2B5EF4-FFF2-40B4-BE49-F238E27FC236}">
+                <a16:creationId xmlns:a16="http://schemas.microsoft.com/office/drawing/2014/main" id="{8FA403DC-338A-4480-9B7B-8911302BF580}"/>
               </a:ext>
             </a:extLst>
           </p:cNvPr>
@@ -9988,8 +12742,8 @@
         </p:nvSpPr>
         <p:spPr>
           <a:xfrm>
-            <a:off x="8442664" y="2015231"/>
-            <a:ext cx="878889" cy="1180730"/>
+            <a:off x="1020932" y="643467"/>
+            <a:ext cx="1198485" cy="208789"/>
           </a:xfrm>
           <a:prstGeom prst="rect">
             <a:avLst/>
@@ -10028,10 +12782,10 @@
       </p:sp>
       <p:sp>
         <p:nvSpPr>
-          <p:cNvPr id="14" name="Rectangle 13">
-            <a:extLst>
-              <a:ext uri="{FF2B5EF4-FFF2-40B4-BE49-F238E27FC236}">
-                <a16:creationId xmlns:a16="http://schemas.microsoft.com/office/drawing/2014/main" id="{5601AF3E-A8E7-4F87-851D-0BB32187409C}"/>
+          <p:cNvPr id="18" name="Rectangle 17">
+            <a:extLst>
+              <a:ext uri="{FF2B5EF4-FFF2-40B4-BE49-F238E27FC236}">
+                <a16:creationId xmlns:a16="http://schemas.microsoft.com/office/drawing/2014/main" id="{2997F566-4055-4039-9583-320806A8C83D}"/>
               </a:ext>
             </a:extLst>
           </p:cNvPr>
@@ -10040,8 +12794,8 @@
         </p:nvSpPr>
         <p:spPr>
           <a:xfrm>
-            <a:off x="1109709" y="5328968"/>
-            <a:ext cx="976543" cy="1071832"/>
+            <a:off x="6541066" y="643467"/>
+            <a:ext cx="1198485" cy="208789"/>
           </a:xfrm>
           <a:prstGeom prst="rect">
             <a:avLst/>
@@ -10080,98 +12834,10 @@
       </p:sp>
       <p:sp>
         <p:nvSpPr>
-          <p:cNvPr id="16" name="Rectangle 15">
-            <a:extLst>
-              <a:ext uri="{FF2B5EF4-FFF2-40B4-BE49-F238E27FC236}">
-                <a16:creationId xmlns:a16="http://schemas.microsoft.com/office/drawing/2014/main" id="{4D22D7C4-CA8F-4A13-9DF2-045CE66892A4}"/>
-              </a:ext>
-            </a:extLst>
-          </p:cNvPr>
-          <p:cNvSpPr/>
-          <p:nvPr/>
-        </p:nvSpPr>
-        <p:spPr>
-          <a:xfrm>
-            <a:off x="1029513" y="2066752"/>
-            <a:ext cx="970096" cy="1191010"/>
-          </a:xfrm>
-          <a:prstGeom prst="rect">
-            <a:avLst/>
-          </a:prstGeom>
-          <a:solidFill>
-            <a:schemeClr val="bg1"/>
-          </a:solidFill>
-          <a:ln>
-            <a:noFill/>
-          </a:ln>
-        </p:spPr>
-        <p:style>
-          <a:lnRef idx="2">
-            <a:schemeClr val="accent1">
-              <a:shade val="50000"/>
-            </a:schemeClr>
-          </a:lnRef>
-          <a:fillRef idx="1">
-            <a:schemeClr val="accent1"/>
-          </a:fillRef>
-          <a:effectRef idx="0">
-            <a:schemeClr val="accent1"/>
-          </a:effectRef>
-          <a:fontRef idx="minor">
-            <a:schemeClr val="lt1"/>
-          </a:fontRef>
-        </p:style>
-        <p:txBody>
-          <a:bodyPr rtlCol="0" anchor="ctr"/>
-          <a:lstStyle/>
-          <a:p>
-            <a:pPr algn="ctr"/>
-            <a:endParaRPr lang="en-US"/>
-          </a:p>
-        </p:txBody>
-      </p:sp>
-      <p:pic>
-        <p:nvPicPr>
-          <p:cNvPr id="20" name="Picture 19">
-            <a:extLst>
-              <a:ext uri="{FF2B5EF4-FFF2-40B4-BE49-F238E27FC236}">
-                <a16:creationId xmlns:a16="http://schemas.microsoft.com/office/drawing/2014/main" id="{B0156D02-DA01-40F3-B195-31B35327847E}"/>
-              </a:ext>
-            </a:extLst>
-          </p:cNvPr>
-          <p:cNvPicPr>
-            <a:picLocks noChangeAspect="1"/>
-          </p:cNvPicPr>
-          <p:nvPr/>
-        </p:nvPicPr>
-        <p:blipFill>
-          <a:blip r:embed="rId5">
-            <a:extLst>
-              <a:ext uri="{28A0092B-C50C-407E-A947-70E740481C1C}">
-                <a14:useLocalDpi xmlns:a14="http://schemas.microsoft.com/office/drawing/2010/main" val="0"/>
-              </a:ext>
-            </a:extLst>
-          </a:blip>
-          <a:stretch>
-            <a:fillRect/>
-          </a:stretch>
-        </p:blipFill>
-        <p:spPr>
-          <a:xfrm>
-            <a:off x="481286" y="3509963"/>
-            <a:ext cx="3653977" cy="3097411"/>
-          </a:xfrm>
-          <a:prstGeom prst="rect">
-            <a:avLst/>
-          </a:prstGeom>
-        </p:spPr>
-      </p:pic>
-      <p:sp>
-        <p:nvSpPr>
-          <p:cNvPr id="22" name="TextBox 21">
-            <a:extLst>
-              <a:ext uri="{FF2B5EF4-FFF2-40B4-BE49-F238E27FC236}">
-                <a16:creationId xmlns:a16="http://schemas.microsoft.com/office/drawing/2014/main" id="{5C782F69-1394-4086-B89D-82F467156B69}"/>
+          <p:cNvPr id="13" name="TextBox 12">
+            <a:extLst>
+              <a:ext uri="{FF2B5EF4-FFF2-40B4-BE49-F238E27FC236}">
+                <a16:creationId xmlns:a16="http://schemas.microsoft.com/office/drawing/2014/main" id="{7B942821-FC38-4044-B7F5-0BF4F5A88078}"/>
               </a:ext>
             </a:extLst>
           </p:cNvPr>
@@ -10180,8 +12846,8 @@
         </p:nvSpPr>
         <p:spPr>
           <a:xfrm>
-            <a:off x="5066443" y="5645499"/>
-            <a:ext cx="4255109" cy="369332"/>
+            <a:off x="9268286" y="1890944"/>
+            <a:ext cx="1207365" cy="369332"/>
           </a:xfrm>
           <a:prstGeom prst="rect">
             <a:avLst/>
@@ -10195,12 +12861,16 @@
           <a:lstStyle/>
           <a:p>
             <a:r>
+              <a:rPr lang="en-US" i="1" dirty="0">
+                <a:latin typeface="Gill Sans MT" panose="020B0502020104020203" pitchFamily="34" charset="0"/>
+              </a:rPr>
+              <a:t>R²</a:t>
+            </a:r>
+            <a:r>
               <a:rPr lang="en-US" dirty="0">
-                <a:solidFill>
-                  <a:schemeClr val="bg1"/>
-                </a:solidFill>
-              </a:rPr>
-              <a:t>Models trained on all non-Florida counties</a:t>
+                <a:latin typeface="Gill Sans MT" panose="020B0502020104020203" pitchFamily="34" charset="0"/>
+              </a:rPr>
+              <a:t> = 0.707</a:t>
             </a:r>
           </a:p>
         </p:txBody>
@@ -10208,7 +12878,7 @@
     </p:spTree>
     <p:extLst>
       <p:ext uri="{BB962C8B-B14F-4D97-AF65-F5344CB8AC3E}">
-        <p14:creationId xmlns:p14="http://schemas.microsoft.com/office/powerpoint/2010/main" val="2330896007"/>
+        <p14:creationId xmlns:p14="http://schemas.microsoft.com/office/powerpoint/2010/main" val="944886375"/>
       </p:ext>
     </p:extLst>
   </p:cSld>
@@ -10218,13 +12888,13 @@
 </p:sld>
 </file>
 
-<file path=ppt/slides/slide31.xml><?xml version="1.0" encoding="utf-8"?>
+<file path=ppt/slides/slide37.xml><?xml version="1.0" encoding="utf-8"?>
 <p:sld xmlns:a="http://schemas.openxmlformats.org/drawingml/2006/main" xmlns:r="http://schemas.openxmlformats.org/officeDocument/2006/relationships" xmlns:p="http://schemas.openxmlformats.org/presentationml/2006/main">
   <p:cSld>
     <p:bg>
       <p:bgPr>
         <a:solidFill>
-          <a:srgbClr val="4E4E4E"/>
+          <a:schemeClr val="bg1"/>
         </a:solidFill>
         <a:effectLst/>
       </p:bgPr>
@@ -10243,312 +12913,12 @@
           <a:chExt cx="0" cy="0"/>
         </a:xfrm>
       </p:grpSpPr>
-      <p:sp>
-        <p:nvSpPr>
-          <p:cNvPr id="58" name="Rectangle 57">
-            <a:extLst>
-              <a:ext uri="{FF2B5EF4-FFF2-40B4-BE49-F238E27FC236}">
-                <a16:creationId xmlns:a16="http://schemas.microsoft.com/office/drawing/2014/main" id="{E1750109-3B91-4506-B997-0CD8E35A1488}"/>
-              </a:ext>
-            </a:extLst>
-          </p:cNvPr>
-          <p:cNvSpPr>
-            <a:spLocks noGrp="1" noRot="1" noChangeAspect="1" noMove="1" noResize="1" noEditPoints="1" noAdjustHandles="1" noChangeArrowheads="1" noChangeShapeType="1" noTextEdit="1"/>
-          </p:cNvSpPr>
-          <p:nvPr>
-            <p:extLst>
-              <p:ext uri="{386F3935-93C4-4BCD-93E2-E3B085C9AB24}">
-                <p16:designElem xmlns:p16="http://schemas.microsoft.com/office/powerpoint/2015/main" val="1"/>
-              </p:ext>
-            </p:extLst>
-          </p:nvPr>
-        </p:nvSpPr>
-        <p:spPr>
-          <a:xfrm>
-            <a:off x="0" y="0"/>
-            <a:ext cx="12192000" cy="6858000"/>
-          </a:xfrm>
-          <a:prstGeom prst="rect">
-            <a:avLst/>
-          </a:prstGeom>
-          <a:solidFill>
-            <a:srgbClr val="4E4E4E"/>
-          </a:solidFill>
-          <a:ln>
-            <a:noFill/>
-          </a:ln>
-        </p:spPr>
-        <p:style>
-          <a:lnRef idx="2">
-            <a:schemeClr val="accent1">
-              <a:shade val="50000"/>
-            </a:schemeClr>
-          </a:lnRef>
-          <a:fillRef idx="1">
-            <a:schemeClr val="accent1"/>
-          </a:fillRef>
-          <a:effectRef idx="0">
-            <a:schemeClr val="accent1"/>
-          </a:effectRef>
-          <a:fontRef idx="minor">
-            <a:schemeClr val="lt1"/>
-          </a:fontRef>
-        </p:style>
-        <p:txBody>
-          <a:bodyPr rtlCol="0" anchor="ctr"/>
-          <a:lstStyle/>
-          <a:p>
-            <a:pPr algn="ctr"/>
-            <a:endParaRPr lang="en-US"/>
-          </a:p>
-        </p:txBody>
-      </p:sp>
-      <p:sp>
-        <p:nvSpPr>
-          <p:cNvPr id="60" name="Rectangle 59">
-            <a:extLst>
-              <a:ext uri="{FF2B5EF4-FFF2-40B4-BE49-F238E27FC236}">
-                <a16:creationId xmlns:a16="http://schemas.microsoft.com/office/drawing/2014/main" id="{8FC8C21F-9484-4A71-ABFA-6C10682FAC3E}"/>
-              </a:ext>
-            </a:extLst>
-          </p:cNvPr>
-          <p:cNvSpPr>
-            <a:spLocks noGrp="1" noRot="1" noChangeAspect="1" noMove="1" noResize="1" noEditPoints="1" noAdjustHandles="1" noChangeArrowheads="1" noChangeShapeType="1" noTextEdit="1"/>
-          </p:cNvSpPr>
-          <p:nvPr>
-            <p:extLst>
-              <p:ext uri="{386F3935-93C4-4BCD-93E2-E3B085C9AB24}">
-                <p16:designElem xmlns:p16="http://schemas.microsoft.com/office/powerpoint/2015/main" val="1"/>
-              </p:ext>
-            </p:extLst>
-          </p:nvPr>
-        </p:nvSpPr>
-        <p:spPr>
-          <a:xfrm>
-            <a:off x="461331" y="3603670"/>
-            <a:ext cx="3442553" cy="2788074"/>
-          </a:xfrm>
-          <a:prstGeom prst="rect">
-            <a:avLst/>
-          </a:prstGeom>
-          <a:solidFill>
-            <a:schemeClr val="bg1"/>
-          </a:solidFill>
-          <a:ln w="19050">
-            <a:noFill/>
-          </a:ln>
-        </p:spPr>
-        <p:style>
-          <a:lnRef idx="2">
-            <a:schemeClr val="accent1">
-              <a:shade val="50000"/>
-            </a:schemeClr>
-          </a:lnRef>
-          <a:fillRef idx="1">
-            <a:schemeClr val="accent1"/>
-          </a:fillRef>
-          <a:effectRef idx="0">
-            <a:schemeClr val="accent1"/>
-          </a:effectRef>
-          <a:fontRef idx="minor">
-            <a:schemeClr val="lt1"/>
-          </a:fontRef>
-        </p:style>
-        <p:txBody>
-          <a:bodyPr rtlCol="0" anchor="ctr"/>
-          <a:lstStyle/>
-          <a:p>
-            <a:pPr algn="ctr"/>
-            <a:endParaRPr lang="en-US"/>
-          </a:p>
-        </p:txBody>
-      </p:sp>
-      <p:sp>
-        <p:nvSpPr>
-          <p:cNvPr id="62" name="Rectangle 61">
-            <a:extLst>
-              <a:ext uri="{FF2B5EF4-FFF2-40B4-BE49-F238E27FC236}">
-                <a16:creationId xmlns:a16="http://schemas.microsoft.com/office/drawing/2014/main" id="{2C444748-5A8D-4B53-89FE-42B455DFA2D1}"/>
-              </a:ext>
-            </a:extLst>
-          </p:cNvPr>
-          <p:cNvSpPr>
-            <a:spLocks noGrp="1" noRot="1" noChangeAspect="1" noMove="1" noResize="1" noEditPoints="1" noAdjustHandles="1" noChangeArrowheads="1" noChangeShapeType="1" noTextEdit="1"/>
-          </p:cNvSpPr>
-          <p:nvPr>
-            <p:extLst>
-              <p:ext uri="{386F3935-93C4-4BCD-93E2-E3B085C9AB24}">
-                <p16:designElem xmlns:p16="http://schemas.microsoft.com/office/powerpoint/2015/main" val="1"/>
-              </p:ext>
-            </p:extLst>
-          </p:nvPr>
-        </p:nvSpPr>
-        <p:spPr>
-          <a:xfrm>
-            <a:off x="4225618" y="487090"/>
-            <a:ext cx="3588171" cy="5897880"/>
-          </a:xfrm>
-          <a:prstGeom prst="rect">
-            <a:avLst/>
-          </a:prstGeom>
-          <a:solidFill>
-            <a:schemeClr val="bg1"/>
-          </a:solidFill>
-          <a:ln w="19050">
-            <a:noFill/>
-          </a:ln>
-        </p:spPr>
-        <p:style>
-          <a:lnRef idx="2">
-            <a:schemeClr val="accent1">
-              <a:shade val="50000"/>
-            </a:schemeClr>
-          </a:lnRef>
-          <a:fillRef idx="1">
-            <a:schemeClr val="accent1"/>
-          </a:fillRef>
-          <a:effectRef idx="0">
-            <a:schemeClr val="accent1"/>
-          </a:effectRef>
-          <a:fontRef idx="minor">
-            <a:schemeClr val="lt1"/>
-          </a:fontRef>
-        </p:style>
-        <p:txBody>
-          <a:bodyPr rtlCol="0" anchor="ctr"/>
-          <a:lstStyle/>
-          <a:p>
-            <a:pPr algn="ctr"/>
-            <a:endParaRPr lang="en-US"/>
-          </a:p>
-        </p:txBody>
-      </p:sp>
-      <p:sp>
-        <p:nvSpPr>
-          <p:cNvPr id="64" name="Rectangle 63">
-            <a:extLst>
-              <a:ext uri="{FF2B5EF4-FFF2-40B4-BE49-F238E27FC236}">
-                <a16:creationId xmlns:a16="http://schemas.microsoft.com/office/drawing/2014/main" id="{E72D8D1B-59F6-4FF3-8547-9BBB6129F2FA}"/>
-              </a:ext>
-            </a:extLst>
-          </p:cNvPr>
-          <p:cNvSpPr>
-            <a:spLocks noGrp="1" noRot="1" noChangeAspect="1" noMove="1" noResize="1" noEditPoints="1" noAdjustHandles="1" noChangeArrowheads="1" noChangeShapeType="1" noTextEdit="1"/>
-          </p:cNvSpPr>
-          <p:nvPr>
-            <p:extLst>
-              <p:ext uri="{386F3935-93C4-4BCD-93E2-E3B085C9AB24}">
-                <p16:designElem xmlns:p16="http://schemas.microsoft.com/office/powerpoint/2015/main" val="1"/>
-              </p:ext>
-            </p:extLst>
-          </p:nvPr>
-        </p:nvSpPr>
-        <p:spPr>
-          <a:xfrm>
-            <a:off x="461331" y="480060"/>
-            <a:ext cx="3442553" cy="2788074"/>
-          </a:xfrm>
-          <a:prstGeom prst="rect">
-            <a:avLst/>
-          </a:prstGeom>
-          <a:solidFill>
-            <a:schemeClr val="bg1"/>
-          </a:solidFill>
-          <a:ln w="19050">
-            <a:noFill/>
-          </a:ln>
-        </p:spPr>
-        <p:style>
-          <a:lnRef idx="2">
-            <a:schemeClr val="accent1">
-              <a:shade val="50000"/>
-            </a:schemeClr>
-          </a:lnRef>
-          <a:fillRef idx="1">
-            <a:schemeClr val="accent1"/>
-          </a:fillRef>
-          <a:effectRef idx="0">
-            <a:schemeClr val="accent1"/>
-          </a:effectRef>
-          <a:fontRef idx="minor">
-            <a:schemeClr val="lt1"/>
-          </a:fontRef>
-        </p:style>
-        <p:txBody>
-          <a:bodyPr rtlCol="0" anchor="ctr"/>
-          <a:lstStyle/>
-          <a:p>
-            <a:pPr algn="ctr"/>
-            <a:endParaRPr lang="en-US"/>
-          </a:p>
-        </p:txBody>
-      </p:sp>
-      <p:sp>
-        <p:nvSpPr>
-          <p:cNvPr id="66" name="Rectangle 65">
-            <a:extLst>
-              <a:ext uri="{FF2B5EF4-FFF2-40B4-BE49-F238E27FC236}">
-                <a16:creationId xmlns:a16="http://schemas.microsoft.com/office/drawing/2014/main" id="{14044C96-7CFD-44DB-A579-D77B0D37C681}"/>
-              </a:ext>
-            </a:extLst>
-          </p:cNvPr>
-          <p:cNvSpPr>
-            <a:spLocks noGrp="1" noRot="1" noChangeAspect="1" noMove="1" noResize="1" noEditPoints="1" noAdjustHandles="1" noChangeArrowheads="1" noChangeShapeType="1" noTextEdit="1"/>
-          </p:cNvSpPr>
-          <p:nvPr>
-            <p:extLst>
-              <p:ext uri="{386F3935-93C4-4BCD-93E2-E3B085C9AB24}">
-                <p16:designElem xmlns:p16="http://schemas.microsoft.com/office/powerpoint/2015/main" val="1"/>
-              </p:ext>
-            </p:extLst>
-          </p:nvPr>
-        </p:nvSpPr>
-        <p:spPr>
-          <a:xfrm>
-            <a:off x="8135524" y="487090"/>
-            <a:ext cx="3588174" cy="5897880"/>
-          </a:xfrm>
-          <a:prstGeom prst="rect">
-            <a:avLst/>
-          </a:prstGeom>
-          <a:solidFill>
-            <a:schemeClr val="bg1"/>
-          </a:solidFill>
-          <a:ln w="19050">
-            <a:noFill/>
-          </a:ln>
-        </p:spPr>
-        <p:style>
-          <a:lnRef idx="2">
-            <a:schemeClr val="accent1">
-              <a:shade val="50000"/>
-            </a:schemeClr>
-          </a:lnRef>
-          <a:fillRef idx="1">
-            <a:schemeClr val="accent1"/>
-          </a:fillRef>
-          <a:effectRef idx="0">
-            <a:schemeClr val="accent1"/>
-          </a:effectRef>
-          <a:fontRef idx="minor">
-            <a:schemeClr val="lt1"/>
-          </a:fontRef>
-        </p:style>
-        <p:txBody>
-          <a:bodyPr rtlCol="0" anchor="ctr"/>
-          <a:lstStyle/>
-          <a:p>
-            <a:pPr algn="ctr"/>
-            <a:endParaRPr lang="en-US"/>
-          </a:p>
-        </p:txBody>
-      </p:sp>
       <p:pic>
         <p:nvPicPr>
-          <p:cNvPr id="7" name="Picture 6">
-            <a:extLst>
-              <a:ext uri="{FF2B5EF4-FFF2-40B4-BE49-F238E27FC236}">
-                <a16:creationId xmlns:a16="http://schemas.microsoft.com/office/drawing/2014/main" id="{4A2E77B4-779E-41D3-AAE6-B1A6ED1B4BE8}"/>
+          <p:cNvPr id="9" name="Picture 8">
+            <a:extLst>
+              <a:ext uri="{FF2B5EF4-FFF2-40B4-BE49-F238E27FC236}">
+                <a16:creationId xmlns:a16="http://schemas.microsoft.com/office/drawing/2014/main" id="{ECC216AB-64E3-4B24-8B07-04B241ED32F3}"/>
               </a:ext>
             </a:extLst>
           </p:cNvPr>
@@ -10557,7 +12927,7 @@
           </p:cNvPicPr>
           <p:nvPr/>
         </p:nvPicPr>
-        <p:blipFill rotWithShape="1">
+        <p:blipFill>
           <a:blip r:embed="rId2">
             <a:extLst>
               <a:ext uri="{28A0092B-C50C-407E-A947-70E740481C1C}">
@@ -10565,13 +12935,14 @@
               </a:ext>
             </a:extLst>
           </a:blip>
-          <a:srcRect/>
-          <a:stretch/>
+          <a:stretch>
+            <a:fillRect/>
+          </a:stretch>
         </p:blipFill>
         <p:spPr>
           <a:xfrm>
-            <a:off x="4381676" y="1658487"/>
-            <a:ext cx="3252903" cy="3555085"/>
+            <a:off x="6215592" y="773641"/>
+            <a:ext cx="5291666" cy="5291666"/>
           </a:xfrm>
           <a:prstGeom prst="rect">
             <a:avLst/>
@@ -10580,10 +12951,10 @@
       </p:pic>
       <p:pic>
         <p:nvPicPr>
-          <p:cNvPr id="5" name="Picture 4">
-            <a:extLst>
-              <a:ext uri="{FF2B5EF4-FFF2-40B4-BE49-F238E27FC236}">
-                <a16:creationId xmlns:a16="http://schemas.microsoft.com/office/drawing/2014/main" id="{5325905D-10BE-4B4E-8675-2CC35B753B29}"/>
+          <p:cNvPr id="7" name="Picture 6">
+            <a:extLst>
+              <a:ext uri="{FF2B5EF4-FFF2-40B4-BE49-F238E27FC236}">
+                <a16:creationId xmlns:a16="http://schemas.microsoft.com/office/drawing/2014/main" id="{EA2EA76F-A406-418B-8162-8DE3D86BFDCA}"/>
               </a:ext>
             </a:extLst>
           </p:cNvPr>
@@ -10592,7 +12963,7 @@
           </p:cNvPicPr>
           <p:nvPr/>
         </p:nvPicPr>
-        <p:blipFill rotWithShape="1">
+        <p:blipFill>
           <a:blip r:embed="rId3">
             <a:extLst>
               <a:ext uri="{28A0092B-C50C-407E-A947-70E740481C1C}">
@@ -10600,83 +12971,14 @@
               </a:ext>
             </a:extLst>
           </a:blip>
-          <a:srcRect/>
-          <a:stretch/>
+          <a:stretch>
+            <a:fillRect/>
+          </a:stretch>
         </p:blipFill>
         <p:spPr>
           <a:xfrm>
-            <a:off x="8200729" y="1676246"/>
-            <a:ext cx="3457763" cy="3555085"/>
-          </a:xfrm>
-          <a:prstGeom prst="rect">
-            <a:avLst/>
-          </a:prstGeom>
-        </p:spPr>
-      </p:pic>
-      <p:pic>
-        <p:nvPicPr>
-          <p:cNvPr id="4" name="Picture 3">
-            <a:extLst>
-              <a:ext uri="{FF2B5EF4-FFF2-40B4-BE49-F238E27FC236}">
-                <a16:creationId xmlns:a16="http://schemas.microsoft.com/office/drawing/2014/main" id="{ADF8AEED-C25D-435E-8889-086122E7E355}"/>
-              </a:ext>
-            </a:extLst>
-          </p:cNvPr>
-          <p:cNvPicPr>
-            <a:picLocks noChangeAspect="1"/>
-          </p:cNvPicPr>
-          <p:nvPr/>
-        </p:nvPicPr>
-        <p:blipFill rotWithShape="1">
-          <a:blip r:embed="rId4">
-            <a:extLst>
-              <a:ext uri="{28A0092B-C50C-407E-A947-70E740481C1C}">
-                <a14:useLocalDpi xmlns:a14="http://schemas.microsoft.com/office/drawing/2010/main" val="0"/>
-              </a:ext>
-            </a:extLst>
-          </a:blip>
-          <a:srcRect/>
-          <a:stretch/>
-        </p:blipFill>
-        <p:spPr>
-          <a:xfrm>
-            <a:off x="979680" y="3696507"/>
-            <a:ext cx="2531159" cy="2602400"/>
-          </a:xfrm>
-          <a:prstGeom prst="rect">
-            <a:avLst/>
-          </a:prstGeom>
-        </p:spPr>
-      </p:pic>
-      <p:pic>
-        <p:nvPicPr>
-          <p:cNvPr id="6" name="Picture 5">
-            <a:extLst>
-              <a:ext uri="{FF2B5EF4-FFF2-40B4-BE49-F238E27FC236}">
-                <a16:creationId xmlns:a16="http://schemas.microsoft.com/office/drawing/2014/main" id="{67ECB9FD-02DB-4500-A567-E0D173690F03}"/>
-              </a:ext>
-            </a:extLst>
-          </p:cNvPr>
-          <p:cNvPicPr>
-            <a:picLocks noChangeAspect="1"/>
-          </p:cNvPicPr>
-          <p:nvPr/>
-        </p:nvPicPr>
-        <p:blipFill rotWithShape="1">
-          <a:blip r:embed="rId5">
-            <a:extLst>
-              <a:ext uri="{28A0092B-C50C-407E-A947-70E740481C1C}">
-                <a14:useLocalDpi xmlns:a14="http://schemas.microsoft.com/office/drawing/2010/main" val="0"/>
-              </a:ext>
-            </a:extLst>
-          </a:blip>
-          <a:srcRect/>
-          <a:stretch/>
-        </p:blipFill>
-        <p:spPr>
-          <a:xfrm>
-            <a:off x="979680" y="643467"/>
-            <a:ext cx="2407881" cy="2475653"/>
+            <a:off x="694265" y="773641"/>
+            <a:ext cx="5291667" cy="5291667"/>
           </a:xfrm>
           <a:prstGeom prst="rect">
             <a:avLst/>
@@ -10685,10 +12987,10 @@
       </p:pic>
       <p:sp>
         <p:nvSpPr>
-          <p:cNvPr id="10" name="TextBox 9">
-            <a:extLst>
-              <a:ext uri="{FF2B5EF4-FFF2-40B4-BE49-F238E27FC236}">
-                <a16:creationId xmlns:a16="http://schemas.microsoft.com/office/drawing/2014/main" id="{08860FD8-0E60-4D19-9C0E-7B1C348691CA}"/>
+          <p:cNvPr id="13" name="TextBox 12">
+            <a:extLst>
+              <a:ext uri="{FF2B5EF4-FFF2-40B4-BE49-F238E27FC236}">
+                <a16:creationId xmlns:a16="http://schemas.microsoft.com/office/drawing/2014/main" id="{A18D3E7E-D4BF-47CE-AA2D-2D7FCA203384}"/>
               </a:ext>
             </a:extLst>
           </p:cNvPr>
@@ -10697,15 +12999,13 @@
         </p:nvSpPr>
         <p:spPr>
           <a:xfrm>
-            <a:off x="7800938" y="487089"/>
-            <a:ext cx="4253603" cy="553998"/>
+            <a:off x="727971" y="281940"/>
+            <a:ext cx="4124325" cy="369332"/>
           </a:xfrm>
           <a:prstGeom prst="rect">
             <a:avLst/>
           </a:prstGeom>
-          <a:solidFill>
-            <a:srgbClr val="4E4E4E"/>
-          </a:solidFill>
+          <a:noFill/>
         </p:spPr>
         <p:txBody>
           <a:bodyPr wrap="square" rtlCol="0">
@@ -10713,25 +13013,21 @@
           </a:bodyPr>
           <a:lstStyle/>
           <a:p>
-            <a:pPr algn="ctr"/>
-            <a:r>
-              <a:rPr lang="en-US" sz="3000" dirty="0">
-                <a:solidFill>
-                  <a:schemeClr val="bg1"/>
-                </a:solidFill>
-                <a:latin typeface="Gill Sans MT" panose="020B0502020104020203" pitchFamily="34" charset="0"/>
-              </a:rPr>
-              <a:t>California</a:t>
+            <a:r>
+              <a:rPr lang="en-US" dirty="0">
+                <a:latin typeface="Gill Sans MT" panose="020B0502020104020203" pitchFamily="34" charset="0"/>
+              </a:rPr>
+              <a:t>Actual vote, 2000</a:t>
             </a:r>
           </a:p>
         </p:txBody>
       </p:sp>
       <p:sp>
         <p:nvSpPr>
-          <p:cNvPr id="41" name="TextBox 40">
-            <a:extLst>
-              <a:ext uri="{FF2B5EF4-FFF2-40B4-BE49-F238E27FC236}">
-                <a16:creationId xmlns:a16="http://schemas.microsoft.com/office/drawing/2014/main" id="{8CD43180-9806-44BF-8684-F65594584349}"/>
+          <p:cNvPr id="15" name="TextBox 14">
+            <a:extLst>
+              <a:ext uri="{FF2B5EF4-FFF2-40B4-BE49-F238E27FC236}">
+                <a16:creationId xmlns:a16="http://schemas.microsoft.com/office/drawing/2014/main" id="{A87C0BD6-9631-422C-8EC6-3E5121D37005}"/>
               </a:ext>
             </a:extLst>
           </p:cNvPr>
@@ -10740,15 +13036,13 @@
         </p:nvSpPr>
         <p:spPr>
           <a:xfrm>
-            <a:off x="3902163" y="487089"/>
-            <a:ext cx="4211927" cy="553998"/>
+            <a:off x="6248105" y="281940"/>
+            <a:ext cx="5650934" cy="369332"/>
           </a:xfrm>
           <a:prstGeom prst="rect">
             <a:avLst/>
           </a:prstGeom>
-          <a:solidFill>
-            <a:srgbClr val="4E4E4E"/>
-          </a:solidFill>
+          <a:noFill/>
         </p:spPr>
         <p:txBody>
           <a:bodyPr wrap="square" rtlCol="0">
@@ -10756,15 +13050,11 @@
           </a:bodyPr>
           <a:lstStyle/>
           <a:p>
-            <a:pPr algn="ctr"/>
-            <a:r>
-              <a:rPr lang="en-US" sz="3000" dirty="0">
-                <a:solidFill>
-                  <a:schemeClr val="bg1"/>
-                </a:solidFill>
-                <a:latin typeface="Gill Sans MT" panose="020B0502020104020203" pitchFamily="34" charset="0"/>
-              </a:rPr>
-              <a:t>Predictions:</a:t>
+            <a:r>
+              <a:rPr lang="en-US" dirty="0">
+                <a:latin typeface="Gill Sans MT" panose="020B0502020104020203" pitchFamily="34" charset="0"/>
+              </a:rPr>
+              <a:t>Vote predicted from non-Florida county patterns, 2000</a:t>
             </a:r>
           </a:p>
         </p:txBody>
@@ -10772,7 +13062,7 @@
     </p:spTree>
     <p:extLst>
       <p:ext uri="{BB962C8B-B14F-4D97-AF65-F5344CB8AC3E}">
-        <p14:creationId xmlns:p14="http://schemas.microsoft.com/office/powerpoint/2010/main" val="2892521733"/>
+        <p14:creationId xmlns:p14="http://schemas.microsoft.com/office/powerpoint/2010/main" val="1015787481"/>
       </p:ext>
     </p:extLst>
   </p:cSld>
@@ -10782,9 +13072,17 @@
 </p:sld>
 </file>
 
-<file path=ppt/slides/slide32.xml><?xml version="1.0" encoding="utf-8"?>
+<file path=ppt/slides/slide38.xml><?xml version="1.0" encoding="utf-8"?>
 <p:sld xmlns:a="http://schemas.openxmlformats.org/drawingml/2006/main" xmlns:r="http://schemas.openxmlformats.org/officeDocument/2006/relationships" xmlns:p="http://schemas.openxmlformats.org/presentationml/2006/main">
   <p:cSld>
+    <p:bg>
+      <p:bgPr>
+        <a:solidFill>
+          <a:schemeClr val="bg1"/>
+        </a:solidFill>
+        <a:effectLst/>
+      </p:bgPr>
+    </p:bg>
     <p:spTree>
       <p:nvGrpSpPr>
         <p:cNvPr id="1" name=""/>
@@ -10799,696 +13097,334 @@
           <a:chExt cx="0" cy="0"/>
         </a:xfrm>
       </p:grpSpPr>
+      <p:pic>
+        <p:nvPicPr>
+          <p:cNvPr id="9" name="Picture 8">
+            <a:extLst>
+              <a:ext uri="{FF2B5EF4-FFF2-40B4-BE49-F238E27FC236}">
+                <a16:creationId xmlns:a16="http://schemas.microsoft.com/office/drawing/2014/main" id="{ECC216AB-64E3-4B24-8B07-04B241ED32F3}"/>
+              </a:ext>
+            </a:extLst>
+          </p:cNvPr>
+          <p:cNvPicPr>
+            <a:picLocks noChangeAspect="1"/>
+          </p:cNvPicPr>
+          <p:nvPr/>
+        </p:nvPicPr>
+        <p:blipFill>
+          <a:blip r:embed="rId2">
+            <a:extLst>
+              <a:ext uri="{28A0092B-C50C-407E-A947-70E740481C1C}">
+                <a14:useLocalDpi xmlns:a14="http://schemas.microsoft.com/office/drawing/2010/main" val="0"/>
+              </a:ext>
+            </a:extLst>
+          </a:blip>
+          <a:stretch>
+            <a:fillRect/>
+          </a:stretch>
+        </p:blipFill>
+        <p:spPr>
+          <a:xfrm>
+            <a:off x="6215592" y="773641"/>
+            <a:ext cx="5291666" cy="5291666"/>
+          </a:xfrm>
+          <a:prstGeom prst="rect">
+            <a:avLst/>
+          </a:prstGeom>
+        </p:spPr>
+      </p:pic>
+      <p:pic>
+        <p:nvPicPr>
+          <p:cNvPr id="7" name="Picture 6">
+            <a:extLst>
+              <a:ext uri="{FF2B5EF4-FFF2-40B4-BE49-F238E27FC236}">
+                <a16:creationId xmlns:a16="http://schemas.microsoft.com/office/drawing/2014/main" id="{EA2EA76F-A406-418B-8162-8DE3D86BFDCA}"/>
+              </a:ext>
+            </a:extLst>
+          </p:cNvPr>
+          <p:cNvPicPr>
+            <a:picLocks noChangeAspect="1"/>
+          </p:cNvPicPr>
+          <p:nvPr/>
+        </p:nvPicPr>
+        <p:blipFill>
+          <a:blip r:embed="rId3">
+            <a:extLst>
+              <a:ext uri="{28A0092B-C50C-407E-A947-70E740481C1C}">
+                <a14:useLocalDpi xmlns:a14="http://schemas.microsoft.com/office/drawing/2010/main" val="0"/>
+              </a:ext>
+            </a:extLst>
+          </a:blip>
+          <a:stretch>
+            <a:fillRect/>
+          </a:stretch>
+        </p:blipFill>
+        <p:spPr>
+          <a:xfrm>
+            <a:off x="694265" y="773641"/>
+            <a:ext cx="5291667" cy="5291667"/>
+          </a:xfrm>
+          <a:prstGeom prst="rect">
+            <a:avLst/>
+          </a:prstGeom>
+        </p:spPr>
+      </p:pic>
       <p:sp>
         <p:nvSpPr>
-          <p:cNvPr id="2" name="Title 1">
-            <a:extLst>
-              <a:ext uri="{FF2B5EF4-FFF2-40B4-BE49-F238E27FC236}">
-                <a16:creationId xmlns:a16="http://schemas.microsoft.com/office/drawing/2014/main" id="{C099A040-0ED6-4CB9-94FF-0815BF475F02}"/>
-              </a:ext>
-            </a:extLst>
-          </p:cNvPr>
-          <p:cNvSpPr>
-            <a:spLocks noGrp="1"/>
-          </p:cNvSpPr>
-          <p:nvPr>
-            <p:ph type="title"/>
-          </p:nvPr>
+          <p:cNvPr id="13" name="TextBox 12">
+            <a:extLst>
+              <a:ext uri="{FF2B5EF4-FFF2-40B4-BE49-F238E27FC236}">
+                <a16:creationId xmlns:a16="http://schemas.microsoft.com/office/drawing/2014/main" id="{A18D3E7E-D4BF-47CE-AA2D-2D7FCA203384}"/>
+              </a:ext>
+            </a:extLst>
+          </p:cNvPr>
+          <p:cNvSpPr txBox="1"/>
+          <p:nvPr/>
         </p:nvSpPr>
-        <p:spPr/>
+        <p:spPr>
+          <a:xfrm>
+            <a:off x="727971" y="281940"/>
+            <a:ext cx="4124325" cy="369332"/>
+          </a:xfrm>
+          <a:prstGeom prst="rect">
+            <a:avLst/>
+          </a:prstGeom>
+          <a:noFill/>
+        </p:spPr>
         <p:txBody>
-          <a:bodyPr/>
+          <a:bodyPr wrap="square" rtlCol="0">
+            <a:spAutoFit/>
+          </a:bodyPr>
           <a:lstStyle/>
           <a:p>
             <a:r>
               <a:rPr lang="en-US" dirty="0">
                 <a:latin typeface="Gill Sans MT" panose="020B0502020104020203" pitchFamily="34" charset="0"/>
               </a:rPr>
-              <a:t>Results</a:t>
+              <a:t>Actual vote, 2000</a:t>
             </a:r>
           </a:p>
         </p:txBody>
       </p:sp>
-      <p:graphicFrame>
-        <p:nvGraphicFramePr>
-          <p:cNvPr id="4" name="Table 3">
-            <a:extLst>
-              <a:ext uri="{FF2B5EF4-FFF2-40B4-BE49-F238E27FC236}">
-                <a16:creationId xmlns:a16="http://schemas.microsoft.com/office/drawing/2014/main" id="{DAC20F89-340C-44A6-8BF4-3821B6D6B743}"/>
-              </a:ext>
-            </a:extLst>
-          </p:cNvPr>
-          <p:cNvGraphicFramePr>
-            <a:graphicFrameLocks noGrp="1"/>
-          </p:cNvGraphicFramePr>
-          <p:nvPr>
-            <p:extLst>
-              <p:ext uri="{D42A27DB-BD31-4B8C-83A1-F6EECF244321}">
-                <p14:modId xmlns:p14="http://schemas.microsoft.com/office/powerpoint/2010/main" val="3352152455"/>
-              </p:ext>
-            </p:extLst>
-          </p:nvPr>
-        </p:nvGraphicFramePr>
-        <p:xfrm>
-          <a:off x="1176106" y="1783302"/>
-          <a:ext cx="9401175" cy="3294371"/>
-        </p:xfrm>
-        <a:graphic>
-          <a:graphicData uri="http://schemas.openxmlformats.org/drawingml/2006/table">
-            <a:tbl>
-              <a:tblPr firstRow="1" bandRow="1">
-                <a:tableStyleId>{073A0DAA-6AF3-43AB-8588-CEC1D06C72B9}</a:tableStyleId>
-              </a:tblPr>
-              <a:tblGrid>
-                <a:gridCol w="2277307">
-                  <a:extLst>
-                    <a:ext uri="{9D8B030D-6E8A-4147-A177-3AD203B41FA5}">
-                      <a16:colId xmlns:a16="http://schemas.microsoft.com/office/drawing/2014/main" val="3347781496"/>
-                    </a:ext>
-                  </a:extLst>
-                </a:gridCol>
-                <a:gridCol w="2068498">
-                  <a:extLst>
-                    <a:ext uri="{9D8B030D-6E8A-4147-A177-3AD203B41FA5}">
-                      <a16:colId xmlns:a16="http://schemas.microsoft.com/office/drawing/2014/main" val="392291638"/>
-                    </a:ext>
-                  </a:extLst>
-                </a:gridCol>
-                <a:gridCol w="1899821">
-                  <a:extLst>
-                    <a:ext uri="{9D8B030D-6E8A-4147-A177-3AD203B41FA5}">
-                      <a16:colId xmlns:a16="http://schemas.microsoft.com/office/drawing/2014/main" val="899575352"/>
-                    </a:ext>
-                  </a:extLst>
-                </a:gridCol>
-                <a:gridCol w="3155549">
-                  <a:extLst>
-                    <a:ext uri="{9D8B030D-6E8A-4147-A177-3AD203B41FA5}">
-                      <a16:colId xmlns:a16="http://schemas.microsoft.com/office/drawing/2014/main" val="847904471"/>
-                    </a:ext>
-                  </a:extLst>
-                </a:gridCol>
-              </a:tblGrid>
-              <a:tr h="388652">
-                <a:tc>
-                  <a:txBody>
-                    <a:bodyPr/>
-                    <a:lstStyle/>
-                    <a:p>
-                      <a:pPr algn="ctr"/>
-                      <a:r>
-                        <a:rPr lang="en-US" i="1" u="none" dirty="0">
-                          <a:latin typeface="Gill Sans MT" panose="020B0502020104020203" pitchFamily="34" charset="0"/>
-                        </a:rPr>
-                        <a:t>Metric   \    Model</a:t>
-                      </a:r>
-                    </a:p>
-                  </a:txBody>
-                  <a:tcPr/>
-                </a:tc>
-                <a:tc>
-                  <a:txBody>
-                    <a:bodyPr/>
-                    <a:lstStyle/>
-                    <a:p>
-                      <a:pPr algn="ctr"/>
-                      <a:r>
-                        <a:rPr lang="en-US" i="1" dirty="0">
-                          <a:latin typeface="Gill Sans MT" panose="020B0502020104020203" pitchFamily="34" charset="0"/>
-                        </a:rPr>
-                        <a:t>Generalized linear</a:t>
-                      </a:r>
-                    </a:p>
-                  </a:txBody>
-                  <a:tcPr/>
-                </a:tc>
-                <a:tc>
-                  <a:txBody>
-                    <a:bodyPr/>
-                    <a:lstStyle/>
-                    <a:p>
-                      <a:pPr algn="ctr"/>
-                      <a:r>
-                        <a:rPr lang="en-US" i="1" dirty="0">
-                          <a:latin typeface="Gill Sans MT" panose="020B0502020104020203" pitchFamily="34" charset="0"/>
-                        </a:rPr>
-                        <a:t>Random forest</a:t>
-                      </a:r>
-                    </a:p>
-                  </a:txBody>
-                  <a:tcPr/>
-                </a:tc>
-                <a:tc>
-                  <a:txBody>
-                    <a:bodyPr/>
-                    <a:lstStyle/>
-                    <a:p>
-                      <a:pPr algn="ctr"/>
-                      <a:r>
-                        <a:rPr lang="en-US" i="1" dirty="0">
-                          <a:latin typeface="Gill Sans MT" panose="020B0502020104020203" pitchFamily="34" charset="0"/>
-                        </a:rPr>
-                        <a:t>Stochastic gradient boosting</a:t>
-                      </a:r>
-                    </a:p>
-                  </a:txBody>
-                  <a:tcPr/>
-                </a:tc>
-                <a:extLst>
-                  <a:ext uri="{0D108BD9-81ED-4DB2-BD59-A6C34878D82A}">
-                    <a16:rowId xmlns:a16="http://schemas.microsoft.com/office/drawing/2014/main" val="2738229843"/>
-                  </a:ext>
-                </a:extLst>
-              </a:tr>
-              <a:tr h="446959">
-                <a:tc>
-                  <a:txBody>
-                    <a:bodyPr/>
-                    <a:lstStyle/>
-                    <a:p>
-                      <a:pPr algn="ctr"/>
-                      <a:r>
-                        <a:rPr lang="en-US" dirty="0">
-                          <a:latin typeface="Gill Sans MT" panose="020B0502020104020203" pitchFamily="34" charset="0"/>
-                        </a:rPr>
-                        <a:t>Goodness of fit</a:t>
-                      </a:r>
-                    </a:p>
-                  </a:txBody>
-                  <a:tcPr/>
-                </a:tc>
-                <a:tc>
-                  <a:txBody>
-                    <a:bodyPr/>
-                    <a:lstStyle/>
-                    <a:p>
-                      <a:pPr algn="ctr"/>
-                      <a:r>
-                        <a:rPr lang="en-US" dirty="0">
-                          <a:effectLst/>
-                        </a:rPr>
-                        <a:t>0.631</a:t>
-                      </a:r>
-                      <a:endParaRPr lang="en-US" dirty="0">
-                        <a:latin typeface="Gill Sans MT" panose="020B0502020104020203" pitchFamily="34" charset="0"/>
-                      </a:endParaRPr>
-                    </a:p>
-                  </a:txBody>
-                  <a:tcPr/>
-                </a:tc>
-                <a:tc>
-                  <a:txBody>
-                    <a:bodyPr/>
-                    <a:lstStyle/>
-                    <a:p>
-                      <a:pPr algn="ctr"/>
-                      <a:r>
-                        <a:rPr lang="en-US" dirty="0">
-                          <a:effectLst/>
-                          <a:latin typeface="Gill Sans MT" panose="020B0502020104020203" pitchFamily="34" charset="0"/>
-                        </a:rPr>
-                        <a:t>0.744</a:t>
-                      </a:r>
-                      <a:endParaRPr lang="en-US" dirty="0">
-                        <a:latin typeface="Gill Sans MT" panose="020B0502020104020203" pitchFamily="34" charset="0"/>
-                      </a:endParaRPr>
-                    </a:p>
-                  </a:txBody>
-                  <a:tcPr/>
-                </a:tc>
-                <a:tc>
-                  <a:txBody>
-                    <a:bodyPr/>
-                    <a:lstStyle/>
-                    <a:p>
-                      <a:pPr algn="ctr"/>
-                      <a:r>
-                        <a:rPr lang="en-US" dirty="0">
-                          <a:effectLst/>
-                          <a:latin typeface="Gill Sans MT" panose="020B0502020104020203" pitchFamily="34" charset="0"/>
-                        </a:rPr>
-                        <a:t>0.772</a:t>
-                      </a:r>
-                      <a:endParaRPr lang="en-US" dirty="0">
-                        <a:latin typeface="Gill Sans MT" panose="020B0502020104020203" pitchFamily="34" charset="0"/>
-                      </a:endParaRPr>
-                    </a:p>
-                  </a:txBody>
-                  <a:tcPr/>
-                </a:tc>
-                <a:extLst>
-                  <a:ext uri="{0D108BD9-81ED-4DB2-BD59-A6C34878D82A}">
-                    <a16:rowId xmlns:a16="http://schemas.microsoft.com/office/drawing/2014/main" val="3675872715"/>
-                  </a:ext>
-                </a:extLst>
-              </a:tr>
-              <a:tr h="2458760">
-                <a:tc>
-                  <a:txBody>
-                    <a:bodyPr/>
-                    <a:lstStyle/>
-                    <a:p>
-                      <a:pPr algn="ctr"/>
-                      <a:r>
-                        <a:rPr lang="en-US" dirty="0">
-                          <a:latin typeface="Gill Sans MT" panose="020B0502020104020203" pitchFamily="34" charset="0"/>
-                        </a:rPr>
-                        <a:t>Most predictive/</a:t>
-                      </a:r>
-                    </a:p>
-                    <a:p>
-                      <a:pPr algn="ctr"/>
-                      <a:r>
-                        <a:rPr lang="en-US" dirty="0">
-                          <a:latin typeface="Gill Sans MT" panose="020B0502020104020203" pitchFamily="34" charset="0"/>
-                        </a:rPr>
-                        <a:t>important variables, in descending order of importance</a:t>
-                      </a:r>
-                    </a:p>
-                    <a:p>
-                      <a:pPr algn="ctr"/>
-                      <a:r>
-                        <a:rPr lang="en-US" dirty="0">
-                          <a:latin typeface="Gill Sans MT" panose="020B0502020104020203" pitchFamily="34" charset="0"/>
-                        </a:rPr>
-                        <a:t>(model-dependent)</a:t>
-                      </a:r>
-                    </a:p>
-                  </a:txBody>
-                  <a:tcPr/>
-                </a:tc>
-                <a:tc>
-                  <a:txBody>
-                    <a:bodyPr/>
-                    <a:lstStyle/>
-                    <a:p>
-                      <a:pPr algn="ctr"/>
-                      <a:r>
-                        <a:rPr lang="en-US" dirty="0">
-                          <a:solidFill>
-                            <a:srgbClr val="C00000"/>
-                          </a:solidFill>
-                          <a:effectLst/>
-                          <a:latin typeface="Gill Sans MT" panose="020B0502020104020203" pitchFamily="34" charset="0"/>
-                        </a:rPr>
-                        <a:t>white1nh</a:t>
-                      </a:r>
-                    </a:p>
-                    <a:p>
-                      <a:pPr algn="ctr"/>
-                      <a:r>
-                        <a:rPr lang="en-US" dirty="0" err="1">
-                          <a:solidFill>
-                            <a:srgbClr val="C00000"/>
-                          </a:solidFill>
-                          <a:effectLst/>
-                          <a:latin typeface="Gill Sans MT" panose="020B0502020104020203" pitchFamily="34" charset="0"/>
-                        </a:rPr>
-                        <a:t>vehperhouse</a:t>
-                      </a:r>
-                      <a:endParaRPr lang="en-US" dirty="0">
-                        <a:solidFill>
-                          <a:srgbClr val="C00000"/>
-                        </a:solidFill>
-                        <a:effectLst/>
-                        <a:latin typeface="Gill Sans MT" panose="020B0502020104020203" pitchFamily="34" charset="0"/>
-                      </a:endParaRPr>
-                    </a:p>
-                    <a:p>
-                      <a:pPr algn="ctr"/>
-                      <a:r>
-                        <a:rPr lang="en-US" dirty="0" err="1">
-                          <a:solidFill>
-                            <a:srgbClr val="0070C0"/>
-                          </a:solidFill>
-                          <a:effectLst/>
-                          <a:latin typeface="Gill Sans MT" panose="020B0502020104020203" pitchFamily="34" charset="0"/>
-                        </a:rPr>
-                        <a:t>lat</a:t>
-                      </a:r>
-                      <a:endParaRPr lang="en-US" dirty="0">
-                        <a:solidFill>
-                          <a:srgbClr val="0070C0"/>
-                        </a:solidFill>
-                        <a:effectLst/>
-                        <a:latin typeface="Gill Sans MT" panose="020B0502020104020203" pitchFamily="34" charset="0"/>
-                      </a:endParaRPr>
-                    </a:p>
-                    <a:p>
-                      <a:pPr algn="ctr"/>
-                      <a:r>
-                        <a:rPr lang="en-US" dirty="0" err="1">
-                          <a:solidFill>
-                            <a:srgbClr val="C00000"/>
-                          </a:solidFill>
-                          <a:effectLst/>
-                          <a:latin typeface="Gill Sans MT" panose="020B0502020104020203" pitchFamily="34" charset="0"/>
-                        </a:rPr>
-                        <a:t>nohealthinsurance</a:t>
-                      </a:r>
-                      <a:endParaRPr lang="en-US" dirty="0">
-                        <a:solidFill>
-                          <a:srgbClr val="C00000"/>
-                        </a:solidFill>
-                        <a:effectLst/>
-                        <a:latin typeface="Gill Sans MT" panose="020B0502020104020203" pitchFamily="34" charset="0"/>
-                      </a:endParaRPr>
-                    </a:p>
-                    <a:p>
-                      <a:pPr algn="ctr"/>
-                      <a:r>
-                        <a:rPr lang="en-US" dirty="0">
-                          <a:solidFill>
-                            <a:srgbClr val="C00000"/>
-                          </a:solidFill>
-                          <a:effectLst/>
-                          <a:latin typeface="Gill Sans MT" panose="020B0502020104020203" pitchFamily="34" charset="0"/>
-                        </a:rPr>
-                        <a:t>married</a:t>
-                      </a:r>
-                      <a:endParaRPr lang="en-US" dirty="0">
-                        <a:solidFill>
-                          <a:srgbClr val="0070C0"/>
-                        </a:solidFill>
-                        <a:effectLst/>
-                        <a:latin typeface="Gill Sans MT" panose="020B0502020104020203" pitchFamily="34" charset="0"/>
-                      </a:endParaRPr>
-                    </a:p>
-                    <a:p>
-                      <a:pPr marL="0" marR="0" lvl="0" indent="0" algn="ctr" defTabSz="914400" rtl="0" eaLnBrk="1" fontAlgn="auto" latinLnBrk="0" hangingPunct="1">
-                        <a:lnSpc>
-                          <a:spcPct val="100000"/>
-                        </a:lnSpc>
-                        <a:spcBef>
-                          <a:spcPts val="0"/>
-                        </a:spcBef>
-                        <a:spcAft>
-                          <a:spcPts val="0"/>
-                        </a:spcAft>
-                        <a:buClrTx/>
-                        <a:buSzTx/>
-                        <a:buFontTx/>
-                        <a:buNone/>
-                        <a:tabLst/>
-                        <a:defRPr/>
-                      </a:pPr>
-                      <a:r>
-                        <a:rPr lang="en-US" dirty="0">
-                          <a:solidFill>
-                            <a:schemeClr val="accent1"/>
-                          </a:solidFill>
-                          <a:effectLst/>
-                          <a:latin typeface="Gill Sans MT" panose="020B0502020104020203" pitchFamily="34" charset="0"/>
-                        </a:rPr>
-                        <a:t>age55_ov</a:t>
-                      </a:r>
-                      <a:endParaRPr lang="en-US" dirty="0">
-                        <a:solidFill>
-                          <a:srgbClr val="0070C0"/>
-                        </a:solidFill>
-                        <a:effectLst/>
-                        <a:latin typeface="Gill Sans MT" panose="020B0502020104020203" pitchFamily="34" charset="0"/>
-                      </a:endParaRPr>
-                    </a:p>
-                    <a:p>
-                      <a:pPr algn="ctr"/>
-                      <a:r>
-                        <a:rPr lang="en-US" dirty="0" err="1">
-                          <a:solidFill>
-                            <a:srgbClr val="C00000"/>
-                          </a:solidFill>
-                          <a:effectLst/>
-                          <a:latin typeface="Gill Sans MT" panose="020B0502020104020203" pitchFamily="34" charset="0"/>
-                        </a:rPr>
-                        <a:t>logba</a:t>
-                      </a:r>
-                      <a:endParaRPr lang="en-US" dirty="0">
-                        <a:solidFill>
-                          <a:srgbClr val="C00000"/>
-                        </a:solidFill>
-                        <a:effectLst/>
-                        <a:latin typeface="Gill Sans MT" panose="020B0502020104020203" pitchFamily="34" charset="0"/>
-                      </a:endParaRPr>
-                    </a:p>
-                    <a:p>
-                      <a:pPr algn="ctr"/>
-                      <a:r>
-                        <a:rPr lang="en-US" dirty="0" err="1">
-                          <a:solidFill>
-                            <a:schemeClr val="accent1"/>
-                          </a:solidFill>
-                          <a:effectLst/>
-                          <a:latin typeface="Gill Sans MT" panose="020B0502020104020203" pitchFamily="34" charset="0"/>
-                        </a:rPr>
-                        <a:t>logpoppersqmi</a:t>
-                      </a:r>
-                      <a:endParaRPr lang="en-US" dirty="0">
-                        <a:solidFill>
-                          <a:schemeClr val="accent1"/>
-                        </a:solidFill>
-                        <a:effectLst/>
-                        <a:latin typeface="Gill Sans MT" panose="020B0502020104020203" pitchFamily="34" charset="0"/>
-                      </a:endParaRPr>
-                    </a:p>
-                  </a:txBody>
-                  <a:tcPr/>
-                </a:tc>
-                <a:tc>
-                  <a:txBody>
-                    <a:bodyPr/>
-                    <a:lstStyle/>
-                    <a:p>
-                      <a:pPr algn="ctr"/>
-                      <a:r>
-                        <a:rPr lang="en-US" dirty="0">
-                          <a:effectLst/>
-                          <a:latin typeface="Gill Sans MT" panose="020B0502020104020203" pitchFamily="34" charset="0"/>
-                        </a:rPr>
-                        <a:t>long </a:t>
-                      </a:r>
-                    </a:p>
-                    <a:p>
-                      <a:pPr algn="ctr"/>
-                      <a:r>
-                        <a:rPr lang="en-US" dirty="0" err="1">
-                          <a:effectLst/>
-                          <a:latin typeface="Gill Sans MT" panose="020B0502020104020203" pitchFamily="34" charset="0"/>
-                        </a:rPr>
-                        <a:t>lat</a:t>
-                      </a:r>
-                      <a:endParaRPr lang="en-US" dirty="0">
-                        <a:effectLst/>
-                        <a:latin typeface="Gill Sans MT" panose="020B0502020104020203" pitchFamily="34" charset="0"/>
-                      </a:endParaRPr>
-                    </a:p>
-                    <a:p>
-                      <a:pPr algn="ctr"/>
-                      <a:r>
-                        <a:rPr lang="en-US" dirty="0">
-                          <a:effectLst/>
-                          <a:latin typeface="Gill Sans MT" panose="020B0502020104020203" pitchFamily="34" charset="0"/>
-                        </a:rPr>
-                        <a:t>white1nh</a:t>
-                      </a:r>
-                    </a:p>
-                    <a:p>
-                      <a:pPr algn="ctr"/>
-                      <a:r>
-                        <a:rPr lang="en-US" dirty="0" err="1">
-                          <a:effectLst/>
-                          <a:latin typeface="Gill Sans MT" panose="020B0502020104020203" pitchFamily="34" charset="0"/>
-                        </a:rPr>
-                        <a:t>nevermarried</a:t>
-                      </a:r>
-                      <a:endParaRPr lang="en-US" dirty="0">
-                        <a:effectLst/>
-                        <a:latin typeface="Gill Sans MT" panose="020B0502020104020203" pitchFamily="34" charset="0"/>
-                      </a:endParaRPr>
-                    </a:p>
-                    <a:p>
-                      <a:pPr algn="ctr"/>
-                      <a:r>
-                        <a:rPr lang="en-US" dirty="0" err="1">
-                          <a:effectLst/>
-                          <a:latin typeface="Gill Sans MT" panose="020B0502020104020203" pitchFamily="34" charset="0"/>
-                        </a:rPr>
-                        <a:t>voterparticip</a:t>
-                      </a:r>
-                      <a:endParaRPr lang="en-US" dirty="0">
-                        <a:effectLst/>
-                        <a:latin typeface="Gill Sans MT" panose="020B0502020104020203" pitchFamily="34" charset="0"/>
-                      </a:endParaRPr>
-                    </a:p>
-                    <a:p>
-                      <a:pPr algn="ctr"/>
-                      <a:r>
-                        <a:rPr lang="en-US" dirty="0" err="1">
-                          <a:effectLst/>
-                          <a:latin typeface="Gill Sans MT" panose="020B0502020104020203" pitchFamily="34" charset="0"/>
-                        </a:rPr>
-                        <a:t>sepdiv</a:t>
-                      </a:r>
-                      <a:r>
-                        <a:rPr lang="en-US" dirty="0">
-                          <a:effectLst/>
-                          <a:latin typeface="Gill Sans MT" panose="020B0502020104020203" pitchFamily="34" charset="0"/>
-                        </a:rPr>
-                        <a:t> </a:t>
-                      </a:r>
-                    </a:p>
-                    <a:p>
-                      <a:pPr algn="ctr"/>
-                      <a:r>
-                        <a:rPr lang="en-US" dirty="0" err="1">
-                          <a:effectLst/>
-                          <a:latin typeface="Gill Sans MT" panose="020B0502020104020203" pitchFamily="34" charset="0"/>
-                        </a:rPr>
-                        <a:t>vehperhouse</a:t>
-                      </a:r>
-                      <a:endParaRPr lang="en-US" dirty="0">
-                        <a:effectLst/>
-                        <a:latin typeface="Gill Sans MT" panose="020B0502020104020203" pitchFamily="34" charset="0"/>
-                      </a:endParaRPr>
-                    </a:p>
-                    <a:p>
-                      <a:pPr algn="ctr"/>
-                      <a:r>
-                        <a:rPr lang="en-US" dirty="0" err="1">
-                          <a:effectLst/>
-                          <a:latin typeface="Gill Sans MT" panose="020B0502020104020203" pitchFamily="34" charset="0"/>
-                        </a:rPr>
-                        <a:t>medianhvalue</a:t>
-                      </a:r>
-                      <a:endParaRPr lang="en-US" dirty="0">
-                        <a:effectLst/>
-                        <a:latin typeface="Gill Sans MT" panose="020B0502020104020203" pitchFamily="34" charset="0"/>
-                      </a:endParaRPr>
-                    </a:p>
-                  </a:txBody>
-                  <a:tcPr/>
-                </a:tc>
-                <a:tc>
-                  <a:txBody>
-                    <a:bodyPr/>
-                    <a:lstStyle/>
-                    <a:p>
-                      <a:pPr algn="ctr"/>
-                      <a:r>
-                        <a:rPr lang="en-US" dirty="0" err="1">
-                          <a:effectLst/>
-                          <a:latin typeface="Gill Sans MT" panose="020B0502020104020203" pitchFamily="34" charset="0"/>
-                        </a:rPr>
-                        <a:t>nevermarried</a:t>
-                      </a:r>
-                      <a:r>
-                        <a:rPr lang="en-US" dirty="0">
-                          <a:effectLst/>
-                          <a:latin typeface="Gill Sans MT" panose="020B0502020104020203" pitchFamily="34" charset="0"/>
-                        </a:rPr>
-                        <a:t> </a:t>
-                      </a:r>
-                    </a:p>
-                    <a:p>
-                      <a:pPr algn="ctr"/>
-                      <a:r>
-                        <a:rPr lang="en-US" dirty="0">
-                          <a:effectLst/>
-                          <a:latin typeface="Gill Sans MT" panose="020B0502020104020203" pitchFamily="34" charset="0"/>
-                        </a:rPr>
-                        <a:t>long</a:t>
-                      </a:r>
-                    </a:p>
-                    <a:p>
-                      <a:pPr algn="ctr"/>
-                      <a:r>
-                        <a:rPr lang="en-US" dirty="0">
-                          <a:effectLst/>
-                          <a:latin typeface="Gill Sans MT" panose="020B0502020104020203" pitchFamily="34" charset="0"/>
-                        </a:rPr>
-                        <a:t>white1nh</a:t>
-                      </a:r>
-                    </a:p>
-                    <a:p>
-                      <a:pPr algn="ctr"/>
-                      <a:r>
-                        <a:rPr lang="en-US" dirty="0" err="1">
-                          <a:effectLst/>
-                          <a:latin typeface="Gill Sans MT" panose="020B0502020104020203" pitchFamily="34" charset="0"/>
-                        </a:rPr>
-                        <a:t>vehperhouse</a:t>
-                      </a:r>
-                      <a:endParaRPr lang="en-US" dirty="0">
-                        <a:effectLst/>
-                        <a:latin typeface="Gill Sans MT" panose="020B0502020104020203" pitchFamily="34" charset="0"/>
-                      </a:endParaRPr>
-                    </a:p>
-                    <a:p>
-                      <a:pPr algn="ctr"/>
-                      <a:r>
-                        <a:rPr lang="en-US" dirty="0" err="1">
-                          <a:effectLst/>
-                          <a:latin typeface="Gill Sans MT" panose="020B0502020104020203" pitchFamily="34" charset="0"/>
-                        </a:rPr>
-                        <a:t>lat</a:t>
-                      </a:r>
-                      <a:endParaRPr lang="en-US" dirty="0">
-                        <a:effectLst/>
-                        <a:latin typeface="Gill Sans MT" panose="020B0502020104020203" pitchFamily="34" charset="0"/>
-                      </a:endParaRPr>
-                    </a:p>
-                    <a:p>
-                      <a:pPr algn="ctr"/>
-                      <a:r>
-                        <a:rPr lang="en-US" dirty="0" err="1">
-                          <a:effectLst/>
-                          <a:latin typeface="Gill Sans MT" panose="020B0502020104020203" pitchFamily="34" charset="0"/>
-                        </a:rPr>
-                        <a:t>logpoppersqmi</a:t>
-                      </a:r>
-                      <a:endParaRPr lang="en-US" dirty="0">
-                        <a:effectLst/>
-                        <a:latin typeface="Gill Sans MT" panose="020B0502020104020203" pitchFamily="34" charset="0"/>
-                      </a:endParaRPr>
-                    </a:p>
-                    <a:p>
-                      <a:pPr algn="ctr"/>
-                      <a:r>
-                        <a:rPr lang="en-US" dirty="0">
-                          <a:effectLst/>
-                          <a:latin typeface="Gill Sans MT" panose="020B0502020104020203" pitchFamily="34" charset="0"/>
-                        </a:rPr>
-                        <a:t>married</a:t>
-                      </a:r>
-                    </a:p>
-                    <a:p>
-                      <a:pPr algn="ctr"/>
-                      <a:r>
-                        <a:rPr lang="en-US" dirty="0" err="1">
-                          <a:latin typeface="Gill Sans MT" panose="020B0502020104020203" pitchFamily="34" charset="0"/>
-                        </a:rPr>
-                        <a:t>sepdiv</a:t>
-                      </a:r>
-                      <a:endParaRPr lang="en-US" dirty="0">
-                        <a:latin typeface="Gill Sans MT" panose="020B0502020104020203" pitchFamily="34" charset="0"/>
-                      </a:endParaRPr>
-                    </a:p>
-                  </a:txBody>
-                  <a:tcPr/>
-                </a:tc>
-                <a:extLst>
-                  <a:ext uri="{0D108BD9-81ED-4DB2-BD59-A6C34878D82A}">
-                    <a16:rowId xmlns:a16="http://schemas.microsoft.com/office/drawing/2014/main" val="4176736732"/>
-                  </a:ext>
-                </a:extLst>
-              </a:tr>
-            </a:tbl>
-          </a:graphicData>
-        </a:graphic>
-      </p:graphicFrame>
+      <p:sp>
+        <p:nvSpPr>
+          <p:cNvPr id="15" name="TextBox 14">
+            <a:extLst>
+              <a:ext uri="{FF2B5EF4-FFF2-40B4-BE49-F238E27FC236}">
+                <a16:creationId xmlns:a16="http://schemas.microsoft.com/office/drawing/2014/main" id="{A87C0BD6-9631-422C-8EC6-3E5121D37005}"/>
+              </a:ext>
+            </a:extLst>
+          </p:cNvPr>
+          <p:cNvSpPr txBox="1"/>
+          <p:nvPr/>
+        </p:nvSpPr>
+        <p:spPr>
+          <a:xfrm>
+            <a:off x="6248105" y="281940"/>
+            <a:ext cx="5650934" cy="369332"/>
+          </a:xfrm>
+          <a:prstGeom prst="rect">
+            <a:avLst/>
+          </a:prstGeom>
+          <a:noFill/>
+        </p:spPr>
+        <p:txBody>
+          <a:bodyPr wrap="square" rtlCol="0">
+            <a:spAutoFit/>
+          </a:bodyPr>
+          <a:lstStyle/>
+          <a:p>
+            <a:r>
+              <a:rPr lang="en-US" dirty="0">
+                <a:latin typeface="Gill Sans MT" panose="020B0502020104020203" pitchFamily="34" charset="0"/>
+              </a:rPr>
+              <a:t>Vote predicted from non-Florida county patterns, 2000</a:t>
+            </a:r>
+          </a:p>
+        </p:txBody>
+      </p:sp>
+      <p:sp>
+        <p:nvSpPr>
+          <p:cNvPr id="6" name="TextBox 5">
+            <a:extLst>
+              <a:ext uri="{FF2B5EF4-FFF2-40B4-BE49-F238E27FC236}">
+                <a16:creationId xmlns:a16="http://schemas.microsoft.com/office/drawing/2014/main" id="{C0A6582B-08E8-4B6C-B00D-5D47D8EF1F29}"/>
+              </a:ext>
+            </a:extLst>
+          </p:cNvPr>
+          <p:cNvSpPr txBox="1"/>
+          <p:nvPr/>
+        </p:nvSpPr>
+        <p:spPr>
+          <a:xfrm>
+            <a:off x="7137646" y="4172504"/>
+            <a:ext cx="1171854" cy="369332"/>
+          </a:xfrm>
+          <a:prstGeom prst="rect">
+            <a:avLst/>
+          </a:prstGeom>
+          <a:noFill/>
+        </p:spPr>
+        <p:txBody>
+          <a:bodyPr wrap="square" rtlCol="0">
+            <a:spAutoFit/>
+          </a:bodyPr>
+          <a:lstStyle/>
+          <a:p>
+            <a:r>
+              <a:rPr lang="en-US" i="1" dirty="0">
+                <a:latin typeface="Gill Sans MT" panose="020B0502020104020203" pitchFamily="34" charset="0"/>
+              </a:rPr>
+              <a:t>R²</a:t>
+            </a:r>
+            <a:r>
+              <a:rPr lang="en-US" dirty="0">
+                <a:latin typeface="Gill Sans MT" panose="020B0502020104020203" pitchFamily="34" charset="0"/>
+              </a:rPr>
+              <a:t> = 0.196</a:t>
+            </a:r>
+          </a:p>
+        </p:txBody>
+      </p:sp>
     </p:spTree>
     <p:extLst>
       <p:ext uri="{BB962C8B-B14F-4D97-AF65-F5344CB8AC3E}">
-        <p14:creationId xmlns:p14="http://schemas.microsoft.com/office/powerpoint/2010/main" val="1498697810"/>
+        <p14:creationId xmlns:p14="http://schemas.microsoft.com/office/powerpoint/2010/main" val="1403423724"/>
+      </p:ext>
+    </p:extLst>
+  </p:cSld>
+  <p:clrMapOvr>
+    <a:masterClrMapping/>
+  </p:clrMapOvr>
+</p:sld>
+</file>
+
+<file path=ppt/slides/slide39.xml><?xml version="1.0" encoding="utf-8"?>
+<p:sld xmlns:a="http://schemas.openxmlformats.org/drawingml/2006/main" xmlns:r="http://schemas.openxmlformats.org/officeDocument/2006/relationships" xmlns:p="http://schemas.openxmlformats.org/presentationml/2006/main">
+  <p:cSld>
+    <p:bg>
+      <p:bgPr>
+        <a:solidFill>
+          <a:schemeClr val="bg1"/>
+        </a:solidFill>
+        <a:effectLst/>
+      </p:bgPr>
+    </p:bg>
+    <p:spTree>
+      <p:nvGrpSpPr>
+        <p:cNvPr id="1" name=""/>
+        <p:cNvGrpSpPr/>
+        <p:nvPr/>
+      </p:nvGrpSpPr>
+      <p:grpSpPr>
+        <a:xfrm>
+          <a:off x="0" y="0"/>
+          <a:ext cx="0" cy="0"/>
+          <a:chOff x="0" y="0"/>
+          <a:chExt cx="0" cy="0"/>
+        </a:xfrm>
+      </p:grpSpPr>
+      <p:pic>
+        <p:nvPicPr>
+          <p:cNvPr id="11" name="Picture 10">
+            <a:extLst>
+              <a:ext uri="{FF2B5EF4-FFF2-40B4-BE49-F238E27FC236}">
+                <a16:creationId xmlns:a16="http://schemas.microsoft.com/office/drawing/2014/main" id="{4040C1A2-671E-494C-884B-39035A73419D}"/>
+              </a:ext>
+            </a:extLst>
+          </p:cNvPr>
+          <p:cNvPicPr>
+            <a:picLocks noChangeAspect="1"/>
+          </p:cNvPicPr>
+          <p:nvPr/>
+        </p:nvPicPr>
+        <p:blipFill rotWithShape="1">
+          <a:blip r:embed="rId2">
+            <a:extLst>
+              <a:ext uri="{28A0092B-C50C-407E-A947-70E740481C1C}">
+                <a14:useLocalDpi xmlns:a14="http://schemas.microsoft.com/office/drawing/2010/main" val="0"/>
+              </a:ext>
+            </a:extLst>
+          </a:blip>
+          <a:srcRect t="10000"/>
+          <a:stretch/>
+        </p:blipFill>
+        <p:spPr>
+          <a:xfrm>
+            <a:off x="20" y="10"/>
+            <a:ext cx="12191980" cy="6857990"/>
+          </a:xfrm>
+          <a:prstGeom prst="rect">
+            <a:avLst/>
+          </a:prstGeom>
+        </p:spPr>
+      </p:pic>
+      <p:sp>
+        <p:nvSpPr>
+          <p:cNvPr id="12" name="TextBox 11">
+            <a:extLst>
+              <a:ext uri="{FF2B5EF4-FFF2-40B4-BE49-F238E27FC236}">
+                <a16:creationId xmlns:a16="http://schemas.microsoft.com/office/drawing/2014/main" id="{11F9AF47-A00D-4BFD-BBE3-308D836A5DCA}"/>
+              </a:ext>
+            </a:extLst>
+          </p:cNvPr>
+          <p:cNvSpPr txBox="1"/>
+          <p:nvPr/>
+        </p:nvSpPr>
+        <p:spPr>
+          <a:xfrm>
+            <a:off x="144780" y="4248150"/>
+            <a:ext cx="2425290" cy="2387330"/>
+          </a:xfrm>
+          <a:prstGeom prst="ellipse">
+            <a:avLst/>
+          </a:prstGeom>
+          <a:solidFill>
+            <a:srgbClr val="FFFFFF">
+              <a:alpha val="75000"/>
+            </a:srgbClr>
+          </a:solidFill>
+          <a:ln w="174625" cmpd="thinThick">
+            <a:solidFill>
+              <a:srgbClr val="FFFFFF"/>
+            </a:solidFill>
+          </a:ln>
+        </p:spPr>
+        <p:txBody>
+          <a:bodyPr vert="horz" lIns="91440" tIns="45720" rIns="91440" bIns="45720" rtlCol="0" anchor="ctr">
+            <a:normAutofit/>
+          </a:bodyPr>
+          <a:lstStyle/>
+          <a:p>
+            <a:pPr algn="ctr">
+              <a:lnSpc>
+                <a:spcPct val="90000"/>
+              </a:lnSpc>
+              <a:spcBef>
+                <a:spcPct val="0"/>
+              </a:spcBef>
+              <a:spcAft>
+                <a:spcPts val="600"/>
+              </a:spcAft>
+            </a:pPr>
+            <a:r>
+              <a:rPr lang="en-US" sz="2800" dirty="0">
+                <a:solidFill>
+                  <a:srgbClr val="262626"/>
+                </a:solidFill>
+                <a:latin typeface="Gill Sans MT" panose="020B0502020104020203" pitchFamily="34" charset="0"/>
+                <a:ea typeface="+mj-ea"/>
+                <a:cs typeface="+mj-cs"/>
+              </a:rPr>
+              <a:t>Thank you for listening!</a:t>
+            </a:r>
+          </a:p>
+        </p:txBody>
+      </p:sp>
+    </p:spTree>
+    <p:extLst>
+      <p:ext uri="{BB962C8B-B14F-4D97-AF65-F5344CB8AC3E}">
+        <p14:creationId xmlns:p14="http://schemas.microsoft.com/office/powerpoint/2010/main" val="539297342"/>
       </p:ext>
     </p:extLst>
   </p:cSld>
@@ -11540,7 +13476,7 @@
               <a:rPr lang="en-US" dirty="0">
                 <a:latin typeface="Gill Sans MT" panose="020B0502020104020203" pitchFamily="34" charset="0"/>
               </a:rPr>
-              <a:t>Problem</a:t>
+              <a:t>Motivation</a:t>
             </a:r>
           </a:p>
         </p:txBody>
@@ -11564,18 +13500,56 @@
         <p:spPr/>
         <p:txBody>
           <a:bodyPr>
-            <a:normAutofit lnSpcReduction="10000"/>
+            <a:normAutofit/>
           </a:bodyPr>
           <a:lstStyle/>
           <a:p>
             <a:pPr marL="0" indent="0">
               <a:buNone/>
             </a:pPr>
+            <a:r>
+              <a:rPr lang="en-US" i="1" dirty="0">
+                <a:effectLst/>
+                <a:latin typeface="Gill Sans MT" panose="020B0502020104020203" pitchFamily="34" charset="0"/>
+              </a:rPr>
+              <a:t>“One of the big lessons from behavioral economics is that we make decisions as a function of the environment that we're in.”</a:t>
+            </a:r>
+            <a:endParaRPr lang="en-US" i="1" dirty="0">
+              <a:latin typeface="Gill Sans MT" panose="020B0502020104020203" pitchFamily="34" charset="0"/>
+            </a:endParaRPr>
+          </a:p>
+          <a:p>
+            <a:pPr marL="0" indent="0">
+              <a:buNone/>
+            </a:pPr>
+            <a:r>
+              <a:rPr lang="en-US" dirty="0">
+                <a:latin typeface="Gill Sans MT" panose="020B0502020104020203" pitchFamily="34" charset="0"/>
+              </a:rPr>
+              <a:t>								--Dan </a:t>
+            </a:r>
+            <a:r>
+              <a:rPr lang="en-US" dirty="0" err="1">
+                <a:latin typeface="Gill Sans MT" panose="020B0502020104020203" pitchFamily="34" charset="0"/>
+              </a:rPr>
+              <a:t>Ariely</a:t>
+            </a:r>
+            <a:r>
+              <a:rPr lang="en-US" dirty="0">
+                <a:latin typeface="Gill Sans MT" panose="020B0502020104020203" pitchFamily="34" charset="0"/>
+              </a:rPr>
+              <a:t> </a:t>
+            </a:r>
             <a:endParaRPr lang="en-US" b="1" dirty="0">
               <a:latin typeface="Gill Sans MT" panose="020B0502020104020203" pitchFamily="34" charset="0"/>
             </a:endParaRPr>
           </a:p>
           <a:p>
+            <a:endParaRPr lang="en-US" b="1" dirty="0">
+              <a:latin typeface="Gill Sans MT" panose="020B0502020104020203" pitchFamily="34" charset="0"/>
+            </a:endParaRPr>
+          </a:p>
+          <a:p>
             <a:r>
               <a:rPr lang="en-US" b="1" dirty="0">
                 <a:latin typeface="Gill Sans MT" panose="020B0502020104020203" pitchFamily="34" charset="0"/>
@@ -11599,56 +13573,26 @@
               <a:rPr lang="en-US" b="1" dirty="0">
                 <a:latin typeface="Gill Sans MT" panose="020B0502020104020203" pitchFamily="34" charset="0"/>
               </a:rPr>
-              <a:t>Bonus question:</a:t>
+              <a:t>Bonus question</a:t>
             </a:r>
             <a:r>
               <a:rPr lang="en-US" dirty="0">
                 <a:latin typeface="Gill Sans MT" panose="020B0502020104020203" pitchFamily="34" charset="0"/>
               </a:rPr>
-              <a:t> How well do our models generalize to the 2004 and 2008 elections?</a:t>
-            </a:r>
-          </a:p>
-          <a:p>
-            <a:endParaRPr lang="en-US" dirty="0">
-              <a:latin typeface="Gill Sans MT" panose="020B0502020104020203" pitchFamily="34" charset="0"/>
-            </a:endParaRPr>
-          </a:p>
-          <a:p>
-            <a:r>
-              <a:rPr lang="en-US" b="1" dirty="0">
-                <a:latin typeface="Gill Sans MT" panose="020B0502020104020203" pitchFamily="34" charset="0"/>
-              </a:rPr>
-              <a:t>Even more interesting bonus question</a:t>
+              <a:t>:  Which variables collected by the census are </a:t>
+            </a:r>
+            <a:r>
+              <a:rPr lang="en-US" i="1" dirty="0">
+                <a:latin typeface="Gill Sans MT" panose="020B0502020104020203" pitchFamily="34" charset="0"/>
+              </a:rPr>
+              <a:t>most predictive </a:t>
             </a:r>
             <a:r>
               <a:rPr lang="en-US" dirty="0">
                 <a:latin typeface="Gill Sans MT" panose="020B0502020104020203" pitchFamily="34" charset="0"/>
               </a:rPr>
-              <a:t>:  Which variables collected by the census are </a:t>
-            </a:r>
-            <a:r>
-              <a:rPr lang="en-US" i="1" dirty="0">
-                <a:latin typeface="Gill Sans MT" panose="020B0502020104020203" pitchFamily="34" charset="0"/>
-              </a:rPr>
-              <a:t>most predictive </a:t>
-            </a:r>
-            <a:r>
-              <a:rPr lang="en-US" dirty="0">
-                <a:latin typeface="Gill Sans MT" panose="020B0502020104020203" pitchFamily="34" charset="0"/>
-              </a:rPr>
-              <a:t>of the presidential election vote in a given county?</a:t>
-            </a:r>
-          </a:p>
-          <a:p>
-            <a:endParaRPr lang="en-US" dirty="0"/>
-          </a:p>
-          <a:p>
-            <a:pPr marL="0" indent="0">
-              <a:buNone/>
-            </a:pPr>
-            <a:endParaRPr lang="en-US" dirty="0">
-              <a:latin typeface="Gill Sans MT" panose="020B0502020104020203" pitchFamily="34" charset="0"/>
-            </a:endParaRPr>
+              <a:t>of the way counties voted in the presidential election?</a:t>
+            </a:r>
           </a:p>
           <a:p>
             <a:endParaRPr lang="en-US" dirty="0">
@@ -11660,7 +13604,7 @@
     </p:spTree>
     <p:extLst>
       <p:ext uri="{BB962C8B-B14F-4D97-AF65-F5344CB8AC3E}">
-        <p14:creationId xmlns:p14="http://schemas.microsoft.com/office/powerpoint/2010/main" val="3860010813"/>
+        <p14:creationId xmlns:p14="http://schemas.microsoft.com/office/powerpoint/2010/main" val="159331708"/>
       </p:ext>
     </p:extLst>
   </p:cSld>
@@ -11807,10 +13751,10 @@
       </p:grpSpPr>
       <p:pic>
         <p:nvPicPr>
-          <p:cNvPr id="5" name="Picture 4">
-            <a:extLst>
-              <a:ext uri="{FF2B5EF4-FFF2-40B4-BE49-F238E27FC236}">
-                <a16:creationId xmlns:a16="http://schemas.microsoft.com/office/drawing/2014/main" id="{C9E44147-80DF-4E9B-9A00-1B432EAE05CB}"/>
+          <p:cNvPr id="9" name="Picture 8">
+            <a:extLst>
+              <a:ext uri="{FF2B5EF4-FFF2-40B4-BE49-F238E27FC236}">
+                <a16:creationId xmlns:a16="http://schemas.microsoft.com/office/drawing/2014/main" id="{F9B88961-1DF5-4021-B51A-26E444F3ADF1}"/>
               </a:ext>
             </a:extLst>
           </p:cNvPr>
@@ -11821,42 +13765,6 @@
         </p:nvPicPr>
         <p:blipFill>
           <a:blip r:embed="rId2">
-            <a:extLst>
-              <a:ext uri="{28A0092B-C50C-407E-A947-70E740481C1C}">
-                <a14:useLocalDpi xmlns:a14="http://schemas.microsoft.com/office/drawing/2010/main" val="0"/>
-              </a:ext>
-            </a:extLst>
-          </a:blip>
-          <a:stretch>
-            <a:fillRect/>
-          </a:stretch>
-        </p:blipFill>
-        <p:spPr>
-          <a:xfrm>
-            <a:off x="6133747" y="1137914"/>
-            <a:ext cx="5048955" cy="4639322"/>
-          </a:xfrm>
-          <a:prstGeom prst="rect">
-            <a:avLst/>
-          </a:prstGeom>
-        </p:spPr>
-      </p:pic>
-      <p:pic>
-        <p:nvPicPr>
-          <p:cNvPr id="9" name="Picture 8">
-            <a:extLst>
-              <a:ext uri="{FF2B5EF4-FFF2-40B4-BE49-F238E27FC236}">
-                <a16:creationId xmlns:a16="http://schemas.microsoft.com/office/drawing/2014/main" id="{F9B88961-1DF5-4021-B51A-26E444F3ADF1}"/>
-              </a:ext>
-            </a:extLst>
-          </p:cNvPr>
-          <p:cNvPicPr>
-            <a:picLocks noChangeAspect="1"/>
-          </p:cNvPicPr>
-          <p:nvPr/>
-        </p:nvPicPr>
-        <p:blipFill>
-          <a:blip r:embed="rId3">
             <a:extLst>
               <a:ext uri="{28A0092B-C50C-407E-A947-70E740481C1C}">
                 <a14:useLocalDpi xmlns:a14="http://schemas.microsoft.com/office/drawing/2010/main" val="0"/>
@@ -11929,6 +13837,94 @@
           </a:p>
         </p:txBody>
       </p:sp>
+      <p:sp>
+        <p:nvSpPr>
+          <p:cNvPr id="12" name="Rectangle 11">
+            <a:extLst>
+              <a:ext uri="{FF2B5EF4-FFF2-40B4-BE49-F238E27FC236}">
+                <a16:creationId xmlns:a16="http://schemas.microsoft.com/office/drawing/2014/main" id="{071FEE54-F289-4DD5-9668-9670D3A10D11}"/>
+              </a:ext>
+            </a:extLst>
+          </p:cNvPr>
+          <p:cNvSpPr/>
+          <p:nvPr/>
+        </p:nvSpPr>
+        <p:spPr>
+          <a:xfrm>
+            <a:off x="1638300" y="4314825"/>
+            <a:ext cx="933450" cy="1352550"/>
+          </a:xfrm>
+          <a:prstGeom prst="rect">
+            <a:avLst/>
+          </a:prstGeom>
+          <a:solidFill>
+            <a:schemeClr val="bg1"/>
+          </a:solidFill>
+          <a:ln>
+            <a:noFill/>
+          </a:ln>
+        </p:spPr>
+        <p:style>
+          <a:lnRef idx="2">
+            <a:schemeClr val="accent1">
+              <a:shade val="50000"/>
+            </a:schemeClr>
+          </a:lnRef>
+          <a:fillRef idx="1">
+            <a:schemeClr val="accent1"/>
+          </a:fillRef>
+          <a:effectRef idx="0">
+            <a:schemeClr val="accent1"/>
+          </a:effectRef>
+          <a:fontRef idx="minor">
+            <a:schemeClr val="lt1"/>
+          </a:fontRef>
+        </p:style>
+        <p:txBody>
+          <a:bodyPr rtlCol="0" anchor="ctr"/>
+          <a:lstStyle/>
+          <a:p>
+            <a:pPr algn="ctr"/>
+            <a:endParaRPr lang="en-US"/>
+          </a:p>
+        </p:txBody>
+      </p:sp>
+      <p:pic>
+        <p:nvPicPr>
+          <p:cNvPr id="16" name="Picture 15">
+            <a:extLst>
+              <a:ext uri="{FF2B5EF4-FFF2-40B4-BE49-F238E27FC236}">
+                <a16:creationId xmlns:a16="http://schemas.microsoft.com/office/drawing/2014/main" id="{B8B52342-869A-4DF0-A6D0-26294C73FAA5}"/>
+              </a:ext>
+            </a:extLst>
+          </p:cNvPr>
+          <p:cNvPicPr>
+            <a:picLocks noChangeAspect="1"/>
+          </p:cNvPicPr>
+          <p:nvPr/>
+        </p:nvPicPr>
+        <p:blipFill>
+          <a:blip r:embed="rId3">
+            <a:extLst>
+              <a:ext uri="{28A0092B-C50C-407E-A947-70E740481C1C}">
+                <a14:useLocalDpi xmlns:a14="http://schemas.microsoft.com/office/drawing/2010/main" val="0"/>
+              </a:ext>
+            </a:extLst>
+          </a:blip>
+          <a:stretch>
+            <a:fillRect/>
+          </a:stretch>
+        </p:blipFill>
+        <p:spPr>
+          <a:xfrm>
+            <a:off x="5981700" y="919856"/>
+            <a:ext cx="5153023" cy="5153023"/>
+          </a:xfrm>
+          <a:prstGeom prst="rect">
+            <a:avLst/>
+          </a:prstGeom>
+        </p:spPr>
+      </p:pic>
     </p:spTree>
     <p:extLst>
       <p:ext uri="{BB962C8B-B14F-4D97-AF65-F5344CB8AC3E}">
@@ -12171,7 +14167,7 @@
               <a:rPr lang="en-US" sz="2400" b="1" dirty="0">
                 <a:latin typeface="Gill Sans MT" panose="020B0502020104020203" pitchFamily="34" charset="0"/>
               </a:rPr>
-              <a:t>39</a:t>
+              <a:t>38</a:t>
             </a:r>
             <a:r>
               <a:rPr lang="en-US" sz="2400" dirty="0">
@@ -12325,7 +14321,7 @@
               <a:rPr lang="en-US" sz="2400" b="1" dirty="0">
                 <a:latin typeface="Gill Sans MT" panose="020B0502020104020203" pitchFamily="34" charset="0"/>
               </a:rPr>
-              <a:t>39</a:t>
+              <a:t>38</a:t>
             </a:r>
             <a:r>
               <a:rPr lang="en-US" sz="2400" dirty="0">
@@ -12682,4 +14678,299 @@
     </a:ext>
   </a:extLst>
 </a:theme>
+</file>
+
+<file path=ppt/theme/theme2.xml><?xml version="1.0" encoding="utf-8"?>
+<a:theme xmlns:a="http://schemas.openxmlformats.org/drawingml/2006/main" name="Office Theme">
+  <a:themeElements>
+    <a:clrScheme name="Office">
+      <a:dk1>
+        <a:sysClr val="windowText" lastClr="000000"/>
+      </a:dk1>
+      <a:lt1>
+        <a:sysClr val="window" lastClr="FFFFFF"/>
+      </a:lt1>
+      <a:dk2>
+        <a:srgbClr val="44546A"/>
+      </a:dk2>
+      <a:lt2>
+        <a:srgbClr val="E7E6E6"/>
+      </a:lt2>
+      <a:accent1>
+        <a:srgbClr val="4472C4"/>
+      </a:accent1>
+      <a:accent2>
+        <a:srgbClr val="ED7D31"/>
+      </a:accent2>
+      <a:accent3>
+        <a:srgbClr val="A5A5A5"/>
+      </a:accent3>
+      <a:accent4>
+        <a:srgbClr val="FFC000"/>
+      </a:accent4>
+      <a:accent5>
+        <a:srgbClr val="5B9BD5"/>
+      </a:accent5>
+      <a:accent6>
+        <a:srgbClr val="70AD47"/>
+      </a:accent6>
+      <a:hlink>
+        <a:srgbClr val="0563C1"/>
+      </a:hlink>
+      <a:folHlink>
+        <a:srgbClr val="954F72"/>
+      </a:folHlink>
+    </a:clrScheme>
+    <a:fontScheme name="Office">
+      <a:majorFont>
+        <a:latin typeface="Calibri Light" panose="020F0302020204030204"/>
+        <a:ea typeface=""/>
+        <a:cs typeface=""/>
+        <a:font script="Jpan" typeface="游ゴシック Light"/>
+        <a:font script="Hang" typeface="맑은 고딕"/>
+        <a:font script="Hans" typeface="等线 Light"/>
+        <a:font script="Hant" typeface="新細明體"/>
+        <a:font script="Arab" typeface="Times New Roman"/>
+        <a:font script="Hebr" typeface="Times New Roman"/>
+        <a:font script="Thai" typeface="Angsana New"/>
+        <a:font script="Ethi" typeface="Nyala"/>
+        <a:font script="Beng" typeface="Vrinda"/>
+        <a:font script="Gujr" typeface="Shruti"/>
+        <a:font script="Khmr" typeface="MoolBoran"/>
+        <a:font script="Knda" typeface="Tunga"/>
+        <a:font script="Guru" typeface="Raavi"/>
+        <a:font script="Cans" typeface="Euphemia"/>
+        <a:font script="Cher" typeface="Plantagenet Cherokee"/>
+        <a:font script="Yiii" typeface="Microsoft Yi Baiti"/>
+        <a:font script="Tibt" typeface="Microsoft Himalaya"/>
+        <a:font script="Thaa" typeface="MV Boli"/>
+        <a:font script="Deva" typeface="Mangal"/>
+        <a:font script="Telu" typeface="Gautami"/>
+        <a:font script="Taml" typeface="Latha"/>
+        <a:font script="Syrc" typeface="Estrangelo Edessa"/>
+        <a:font script="Orya" typeface="Kalinga"/>
+        <a:font script="Mlym" typeface="Kartika"/>
+        <a:font script="Laoo" typeface="DokChampa"/>
+        <a:font script="Sinh" typeface="Iskoola Pota"/>
+        <a:font script="Mong" typeface="Mongolian Baiti"/>
+        <a:font script="Viet" typeface="Times New Roman"/>
+        <a:font script="Uigh" typeface="Microsoft Uighur"/>
+        <a:font script="Geor" typeface="Sylfaen"/>
+        <a:font script="Armn" typeface="Arial"/>
+        <a:font script="Bugi" typeface="Leelawadee UI"/>
+        <a:font script="Bopo" typeface="Microsoft JhengHei"/>
+        <a:font script="Java" typeface="Javanese Text"/>
+        <a:font script="Lisu" typeface="Segoe UI"/>
+        <a:font script="Mymr" typeface="Myanmar Text"/>
+        <a:font script="Nkoo" typeface="Ebrima"/>
+        <a:font script="Olck" typeface="Nirmala UI"/>
+        <a:font script="Osma" typeface="Ebrima"/>
+        <a:font script="Phag" typeface="Phagspa"/>
+        <a:font script="Syrn" typeface="Estrangelo Edessa"/>
+        <a:font script="Syrj" typeface="Estrangelo Edessa"/>
+        <a:font script="Syre" typeface="Estrangelo Edessa"/>
+        <a:font script="Sora" typeface="Nirmala UI"/>
+        <a:font script="Tale" typeface="Microsoft Tai Le"/>
+        <a:font script="Talu" typeface="Microsoft New Tai Lue"/>
+        <a:font script="Tfng" typeface="Ebrima"/>
+      </a:majorFont>
+      <a:minorFont>
+        <a:latin typeface="Calibri" panose="020F0502020204030204"/>
+        <a:ea typeface=""/>
+        <a:cs typeface=""/>
+        <a:font script="Jpan" typeface="游ゴシック"/>
+        <a:font script="Hang" typeface="맑은 고딕"/>
+        <a:font script="Hans" typeface="等线"/>
+        <a:font script="Hant" typeface="新細明體"/>
+        <a:font script="Arab" typeface="Arial"/>
+        <a:font script="Hebr" typeface="Arial"/>
+        <a:font script="Thai" typeface="Cordia New"/>
+        <a:font script="Ethi" typeface="Nyala"/>
+        <a:font script="Beng" typeface="Vrinda"/>
+        <a:font script="Gujr" typeface="Shruti"/>
+        <a:font script="Khmr" typeface="DaunPenh"/>
+        <a:font script="Knda" typeface="Tunga"/>
+        <a:font script="Guru" typeface="Raavi"/>
+        <a:font script="Cans" typeface="Euphemia"/>
+        <a:font script="Cher" typeface="Plantagenet Cherokee"/>
+        <a:font script="Yiii" typeface="Microsoft Yi Baiti"/>
+        <a:font script="Tibt" typeface="Microsoft Himalaya"/>
+        <a:font script="Thaa" typeface="MV Boli"/>
+        <a:font script="Deva" typeface="Mangal"/>
+        <a:font script="Telu" typeface="Gautami"/>
+        <a:font script="Taml" typeface="Latha"/>
+        <a:font script="Syrc" typeface="Estrangelo Edessa"/>
+        <a:font script="Orya" typeface="Kalinga"/>
+        <a:font script="Mlym" typeface="Kartika"/>
+        <a:font script="Laoo" typeface="DokChampa"/>
+        <a:font script="Sinh" typeface="Iskoola Pota"/>
+        <a:font script="Mong" typeface="Mongolian Baiti"/>
+        <a:font script="Viet" typeface="Arial"/>
+        <a:font script="Uigh" typeface="Microsoft Uighur"/>
+        <a:font script="Geor" typeface="Sylfaen"/>
+        <a:font script="Armn" typeface="Arial"/>
+        <a:font script="Bugi" typeface="Leelawadee UI"/>
+        <a:font script="Bopo" typeface="Microsoft JhengHei"/>
+        <a:font script="Java" typeface="Javanese Text"/>
+        <a:font script="Lisu" typeface="Segoe UI"/>
+        <a:font script="Mymr" typeface="Myanmar Text"/>
+        <a:font script="Nkoo" typeface="Ebrima"/>
+        <a:font script="Olck" typeface="Nirmala UI"/>
+        <a:font script="Osma" typeface="Ebrima"/>
+        <a:font script="Phag" typeface="Phagspa"/>
+        <a:font script="Syrn" typeface="Estrangelo Edessa"/>
+        <a:font script="Syrj" typeface="Estrangelo Edessa"/>
+        <a:font script="Syre" typeface="Estrangelo Edessa"/>
+        <a:font script="Sora" typeface="Nirmala UI"/>
+        <a:font script="Tale" typeface="Microsoft Tai Le"/>
+        <a:font script="Talu" typeface="Microsoft New Tai Lue"/>
+        <a:font script="Tfng" typeface="Ebrima"/>
+      </a:minorFont>
+    </a:fontScheme>
+    <a:fmtScheme name="Office">
+      <a:fillStyleLst>
+        <a:solidFill>
+          <a:schemeClr val="phClr"/>
+        </a:solidFill>
+        <a:gradFill rotWithShape="1">
+          <a:gsLst>
+            <a:gs pos="0">
+              <a:schemeClr val="phClr">
+                <a:lumMod val="110000"/>
+                <a:satMod val="105000"/>
+                <a:tint val="67000"/>
+              </a:schemeClr>
+            </a:gs>
+            <a:gs pos="50000">
+              <a:schemeClr val="phClr">
+                <a:lumMod val="105000"/>
+                <a:satMod val="103000"/>
+                <a:tint val="73000"/>
+              </a:schemeClr>
+            </a:gs>
+            <a:gs pos="100000">
+              <a:schemeClr val="phClr">
+                <a:lumMod val="105000"/>
+                <a:satMod val="109000"/>
+                <a:tint val="81000"/>
+              </a:schemeClr>
+            </a:gs>
+          </a:gsLst>
+          <a:lin ang="5400000" scaled="0"/>
+        </a:gradFill>
+        <a:gradFill rotWithShape="1">
+          <a:gsLst>
+            <a:gs pos="0">
+              <a:schemeClr val="phClr">
+                <a:satMod val="103000"/>
+                <a:lumMod val="102000"/>
+                <a:tint val="94000"/>
+              </a:schemeClr>
+            </a:gs>
+            <a:gs pos="50000">
+              <a:schemeClr val="phClr">
+                <a:satMod val="110000"/>
+                <a:lumMod val="100000"/>
+                <a:shade val="100000"/>
+              </a:schemeClr>
+            </a:gs>
+            <a:gs pos="100000">
+              <a:schemeClr val="phClr">
+                <a:lumMod val="99000"/>
+                <a:satMod val="120000"/>
+                <a:shade val="78000"/>
+              </a:schemeClr>
+            </a:gs>
+          </a:gsLst>
+          <a:lin ang="5400000" scaled="0"/>
+        </a:gradFill>
+      </a:fillStyleLst>
+      <a:lnStyleLst>
+        <a:ln w="6350" cap="flat" cmpd="sng" algn="ctr">
+          <a:solidFill>
+            <a:schemeClr val="phClr"/>
+          </a:solidFill>
+          <a:prstDash val="solid"/>
+          <a:miter lim="800000"/>
+        </a:ln>
+        <a:ln w="12700" cap="flat" cmpd="sng" algn="ctr">
+          <a:solidFill>
+            <a:schemeClr val="phClr"/>
+          </a:solidFill>
+          <a:prstDash val="solid"/>
+          <a:miter lim="800000"/>
+        </a:ln>
+        <a:ln w="19050" cap="flat" cmpd="sng" algn="ctr">
+          <a:solidFill>
+            <a:schemeClr val="phClr"/>
+          </a:solidFill>
+          <a:prstDash val="solid"/>
+          <a:miter lim="800000"/>
+        </a:ln>
+      </a:lnStyleLst>
+      <a:effectStyleLst>
+        <a:effectStyle>
+          <a:effectLst/>
+        </a:effectStyle>
+        <a:effectStyle>
+          <a:effectLst/>
+        </a:effectStyle>
+        <a:effectStyle>
+          <a:effectLst>
+            <a:outerShdw blurRad="57150" dist="19050" dir="5400000" algn="ctr" rotWithShape="0">
+              <a:srgbClr val="000000">
+                <a:alpha val="63000"/>
+              </a:srgbClr>
+            </a:outerShdw>
+          </a:effectLst>
+        </a:effectStyle>
+      </a:effectStyleLst>
+      <a:bgFillStyleLst>
+        <a:solidFill>
+          <a:schemeClr val="phClr"/>
+        </a:solidFill>
+        <a:solidFill>
+          <a:schemeClr val="phClr">
+            <a:tint val="95000"/>
+            <a:satMod val="170000"/>
+          </a:schemeClr>
+        </a:solidFill>
+        <a:gradFill rotWithShape="1">
+          <a:gsLst>
+            <a:gs pos="0">
+              <a:schemeClr val="phClr">
+                <a:tint val="93000"/>
+                <a:satMod val="150000"/>
+                <a:shade val="98000"/>
+                <a:lumMod val="102000"/>
+              </a:schemeClr>
+            </a:gs>
+            <a:gs pos="50000">
+              <a:schemeClr val="phClr">
+                <a:tint val="98000"/>
+                <a:satMod val="130000"/>
+                <a:shade val="90000"/>
+                <a:lumMod val="103000"/>
+              </a:schemeClr>
+            </a:gs>
+            <a:gs pos="100000">
+              <a:schemeClr val="phClr">
+                <a:shade val="63000"/>
+                <a:satMod val="120000"/>
+              </a:schemeClr>
+            </a:gs>
+          </a:gsLst>
+          <a:lin ang="5400000" scaled="0"/>
+        </a:gradFill>
+      </a:bgFillStyleLst>
+    </a:fmtScheme>
+  </a:themeElements>
+  <a:objectDefaults/>
+  <a:extraClrSchemeLst/>
+  <a:extLst>
+    <a:ext uri="{05A4C25C-085E-4340-85A3-A5531E510DB2}">
+      <thm15:themeFamily xmlns:thm15="http://schemas.microsoft.com/office/thememl/2012/main" name="Office Theme" id="{62F939B6-93AF-4DB8-9C6B-D6C7DFDC589F}" vid="{4A3C46E8-61CC-4603-A589-7422A47A8E4A}"/>
+    </a:ext>
+  </a:extLst>
+</a:theme>
 </file>
--- a/votes/2000/Predicting 2000 Presidential Election Results.pptx
+++ b/votes/2000/Predicting 2000 Presidential Election Results.pptx
@@ -5,7 +5,7 @@
     <p:sldMasterId id="2147483648" r:id="rId1"/>
   </p:sldMasterIdLst>
   <p:notesMasterIdLst>
-    <p:notesMasterId r:id="rId41"/>
+    <p:notesMasterId r:id="rId42"/>
   </p:notesMasterIdLst>
   <p:sldIdLst>
     <p:sldId id="256" r:id="rId2"/>
@@ -17,36 +17,37 @@
     <p:sldId id="259" r:id="rId8"/>
     <p:sldId id="291" r:id="rId9"/>
     <p:sldId id="292" r:id="rId10"/>
-    <p:sldId id="260" r:id="rId11"/>
-    <p:sldId id="296" r:id="rId12"/>
-    <p:sldId id="295" r:id="rId13"/>
-    <p:sldId id="297" r:id="rId14"/>
-    <p:sldId id="298" r:id="rId15"/>
-    <p:sldId id="299" r:id="rId16"/>
-    <p:sldId id="300" r:id="rId17"/>
-    <p:sldId id="301" r:id="rId18"/>
-    <p:sldId id="302" r:id="rId19"/>
-    <p:sldId id="273" r:id="rId20"/>
-    <p:sldId id="303" r:id="rId21"/>
-    <p:sldId id="272" r:id="rId22"/>
-    <p:sldId id="325" r:id="rId23"/>
-    <p:sldId id="305" r:id="rId24"/>
-    <p:sldId id="326" r:id="rId25"/>
-    <p:sldId id="306" r:id="rId26"/>
-    <p:sldId id="307" r:id="rId27"/>
-    <p:sldId id="309" r:id="rId28"/>
-    <p:sldId id="311" r:id="rId29"/>
-    <p:sldId id="310" r:id="rId30"/>
-    <p:sldId id="274" r:id="rId31"/>
-    <p:sldId id="319" r:id="rId32"/>
-    <p:sldId id="320" r:id="rId33"/>
-    <p:sldId id="321" r:id="rId34"/>
-    <p:sldId id="312" r:id="rId35"/>
-    <p:sldId id="313" r:id="rId36"/>
-    <p:sldId id="314" r:id="rId37"/>
-    <p:sldId id="317" r:id="rId38"/>
-    <p:sldId id="318" r:id="rId39"/>
-    <p:sldId id="322" r:id="rId40"/>
+    <p:sldId id="331" r:id="rId11"/>
+    <p:sldId id="330" r:id="rId12"/>
+    <p:sldId id="296" r:id="rId13"/>
+    <p:sldId id="295" r:id="rId14"/>
+    <p:sldId id="297" r:id="rId15"/>
+    <p:sldId id="298" r:id="rId16"/>
+    <p:sldId id="299" r:id="rId17"/>
+    <p:sldId id="300" r:id="rId18"/>
+    <p:sldId id="301" r:id="rId19"/>
+    <p:sldId id="302" r:id="rId20"/>
+    <p:sldId id="273" r:id="rId21"/>
+    <p:sldId id="303" r:id="rId22"/>
+    <p:sldId id="272" r:id="rId23"/>
+    <p:sldId id="325" r:id="rId24"/>
+    <p:sldId id="305" r:id="rId25"/>
+    <p:sldId id="326" r:id="rId26"/>
+    <p:sldId id="306" r:id="rId27"/>
+    <p:sldId id="307" r:id="rId28"/>
+    <p:sldId id="309" r:id="rId29"/>
+    <p:sldId id="311" r:id="rId30"/>
+    <p:sldId id="310" r:id="rId31"/>
+    <p:sldId id="327" r:id="rId32"/>
+    <p:sldId id="332" r:id="rId33"/>
+    <p:sldId id="333" r:id="rId34"/>
+    <p:sldId id="334" r:id="rId35"/>
+    <p:sldId id="312" r:id="rId36"/>
+    <p:sldId id="313" r:id="rId37"/>
+    <p:sldId id="314" r:id="rId38"/>
+    <p:sldId id="317" r:id="rId39"/>
+    <p:sldId id="318" r:id="rId40"/>
+    <p:sldId id="322" r:id="rId41"/>
   </p:sldIdLst>
   <p:sldSz cx="12192000" cy="6858000"/>
   <p:notesSz cx="6858000" cy="9144000"/>
@@ -3893,14 +3894,14 @@
           <p:nvPr>
             <p:extLst>
               <p:ext uri="{D42A27DB-BD31-4B8C-83A1-F6EECF244321}">
-                <p14:modId xmlns:p14="http://schemas.microsoft.com/office/powerpoint/2010/main" val="757872207"/>
+                <p14:modId xmlns:p14="http://schemas.microsoft.com/office/powerpoint/2010/main" val="2125592071"/>
               </p:ext>
             </p:extLst>
           </p:nvPr>
         </p:nvGraphicFramePr>
         <p:xfrm>
           <a:off x="248574" y="248574"/>
-          <a:ext cx="11756996" cy="6428944"/>
+          <a:ext cx="11756996" cy="6352744"/>
         </p:xfrm>
         <a:graphic>
           <a:graphicData uri="http://schemas.openxmlformats.org/drawingml/2006/table">
@@ -3923,14 +3924,14 @@
                     </a:ext>
                   </a:extLst>
                 </a:gridCol>
-                <a:gridCol w="2041864">
+                <a:gridCol w="2139519">
                   <a:extLst>
                     <a:ext uri="{9D8B030D-6E8A-4147-A177-3AD203B41FA5}">
                       <a16:colId xmlns:a16="http://schemas.microsoft.com/office/drawing/2014/main" val="4114155411"/>
                     </a:ext>
                   </a:extLst>
                 </a:gridCol>
-                <a:gridCol w="3545151">
+                <a:gridCol w="3447496">
                   <a:extLst>
                     <a:ext uri="{9D8B030D-6E8A-4147-A177-3AD203B41FA5}">
                       <a16:colId xmlns:a16="http://schemas.microsoft.com/office/drawing/2014/main" val="3461743944"/>
@@ -4087,7 +4088,10 @@
                     <a:bodyPr/>
                     <a:lstStyle/>
                     <a:p>
-                      <a:endParaRPr lang="en-US" sz="1300" b="1" dirty="0">
+                      <a:endParaRPr lang="en-US" sz="1300" b="1" i="1" dirty="0">
+                        <a:solidFill>
+                          <a:schemeClr val="bg1"/>
+                        </a:solidFill>
                         <a:latin typeface="Gill Sans MT" panose="020B0502020104020203" pitchFamily="34" charset="0"/>
                       </a:endParaRPr>
                     </a:p>
@@ -4099,7 +4103,12 @@
                     <a:bodyPr/>
                     <a:lstStyle/>
                     <a:p>
-                      <a:endParaRPr lang="en-US" dirty="0"/>
+                      <a:endParaRPr lang="en-US" sz="1300" b="1" i="1" dirty="0">
+                        <a:solidFill>
+                          <a:schemeClr val="bg1"/>
+                        </a:solidFill>
+                        <a:latin typeface="Gill Sans MT" panose="020B0502020104020203" pitchFamily="34" charset="0"/>
+                      </a:endParaRPr>
                     </a:p>
                   </a:txBody>
                   <a:tcPr marL="95898" marR="95898" marT="47949" marB="47949" anchor="ctr"/>
@@ -6132,7 +6141,7 @@
     </p:spTree>
     <p:extLst>
       <p:ext uri="{BB962C8B-B14F-4D97-AF65-F5344CB8AC3E}">
-        <p14:creationId xmlns:p14="http://schemas.microsoft.com/office/powerpoint/2010/main" val="2939324316"/>
+        <p14:creationId xmlns:p14="http://schemas.microsoft.com/office/powerpoint/2010/main" val="3358016377"/>
       </p:ext>
     </p:extLst>
   </p:cSld>
@@ -6159,6 +6168,2309 @@
           <a:chExt cx="0" cy="0"/>
         </a:xfrm>
       </p:grpSpPr>
+      <p:graphicFrame>
+        <p:nvGraphicFramePr>
+          <p:cNvPr id="6" name="Table 5">
+            <a:extLst>
+              <a:ext uri="{FF2B5EF4-FFF2-40B4-BE49-F238E27FC236}">
+                <a16:creationId xmlns:a16="http://schemas.microsoft.com/office/drawing/2014/main" id="{8393485F-14D3-4B13-BC4F-CCF10B11B2B6}"/>
+              </a:ext>
+            </a:extLst>
+          </p:cNvPr>
+          <p:cNvGraphicFramePr>
+            <a:graphicFrameLocks noGrp="1"/>
+          </p:cNvGraphicFramePr>
+          <p:nvPr>
+            <p:extLst>
+              <p:ext uri="{D42A27DB-BD31-4B8C-83A1-F6EECF244321}">
+                <p14:modId xmlns:p14="http://schemas.microsoft.com/office/powerpoint/2010/main" val="3468828746"/>
+              </p:ext>
+            </p:extLst>
+          </p:nvPr>
+        </p:nvGraphicFramePr>
+        <p:xfrm>
+          <a:off x="248574" y="248574"/>
+          <a:ext cx="11756996" cy="6352744"/>
+        </p:xfrm>
+        <a:graphic>
+          <a:graphicData uri="http://schemas.openxmlformats.org/drawingml/2006/table">
+            <a:tbl>
+              <a:tblPr firstRow="1" bandRow="1">
+                <a:tableStyleId>{073A0DAA-6AF3-43AB-8588-CEC1D06C72B9}</a:tableStyleId>
+              </a:tblPr>
+              <a:tblGrid>
+                <a:gridCol w="1566648">
+                  <a:extLst>
+                    <a:ext uri="{9D8B030D-6E8A-4147-A177-3AD203B41FA5}">
+                      <a16:colId xmlns:a16="http://schemas.microsoft.com/office/drawing/2014/main" val="2498457518"/>
+                    </a:ext>
+                  </a:extLst>
+                </a:gridCol>
+                <a:gridCol w="4603333">
+                  <a:extLst>
+                    <a:ext uri="{9D8B030D-6E8A-4147-A177-3AD203B41FA5}">
+                      <a16:colId xmlns:a16="http://schemas.microsoft.com/office/drawing/2014/main" val="2958733128"/>
+                    </a:ext>
+                  </a:extLst>
+                </a:gridCol>
+                <a:gridCol w="2139519">
+                  <a:extLst>
+                    <a:ext uri="{9D8B030D-6E8A-4147-A177-3AD203B41FA5}">
+                      <a16:colId xmlns:a16="http://schemas.microsoft.com/office/drawing/2014/main" val="4114155411"/>
+                    </a:ext>
+                  </a:extLst>
+                </a:gridCol>
+                <a:gridCol w="3447496">
+                  <a:extLst>
+                    <a:ext uri="{9D8B030D-6E8A-4147-A177-3AD203B41FA5}">
+                      <a16:colId xmlns:a16="http://schemas.microsoft.com/office/drawing/2014/main" val="3461743944"/>
+                    </a:ext>
+                  </a:extLst>
+                </a:gridCol>
+              </a:tblGrid>
+              <a:tr h="263832">
+                <a:tc>
+                  <a:txBody>
+                    <a:bodyPr/>
+                    <a:lstStyle/>
+                    <a:p>
+                      <a:pPr>
+                        <a:lnSpc>
+                          <a:spcPct val="100000"/>
+                        </a:lnSpc>
+                      </a:pPr>
+                      <a:r>
+                        <a:rPr lang="en-US" sz="1300" dirty="0">
+                          <a:latin typeface="Gill Sans MT" panose="020B0502020104020203" pitchFamily="34" charset="0"/>
+                        </a:rPr>
+                        <a:t>Variable</a:t>
+                      </a:r>
+                    </a:p>
+                  </a:txBody>
+                  <a:tcPr marL="76143" marR="76143" marT="38072" marB="38072" anchor="ctr"/>
+                </a:tc>
+                <a:tc>
+                  <a:txBody>
+                    <a:bodyPr/>
+                    <a:lstStyle/>
+                    <a:p>
+                      <a:pPr>
+                        <a:lnSpc>
+                          <a:spcPct val="100000"/>
+                        </a:lnSpc>
+                      </a:pPr>
+                      <a:r>
+                        <a:rPr lang="en-US" sz="1300" dirty="0">
+                          <a:latin typeface="Gill Sans MT" panose="020B0502020104020203" pitchFamily="34" charset="0"/>
+                        </a:rPr>
+                        <a:t>Description</a:t>
+                      </a:r>
+                    </a:p>
+                  </a:txBody>
+                  <a:tcPr marL="76143" marR="76143" marT="38072" marB="38072" anchor="ctr"/>
+                </a:tc>
+                <a:tc>
+                  <a:txBody>
+                    <a:bodyPr/>
+                    <a:lstStyle/>
+                    <a:p>
+                      <a:pPr>
+                        <a:lnSpc>
+                          <a:spcPct val="100000"/>
+                        </a:lnSpc>
+                      </a:pPr>
+                      <a:r>
+                        <a:rPr lang="en-US" sz="1300" dirty="0">
+                          <a:latin typeface="Gill Sans MT" panose="020B0502020104020203" pitchFamily="34" charset="0"/>
+                        </a:rPr>
+                        <a:t>Variable</a:t>
+                      </a:r>
+                    </a:p>
+                  </a:txBody>
+                  <a:tcPr marL="76143" marR="76143" marT="38072" marB="38072" anchor="ctr"/>
+                </a:tc>
+                <a:tc>
+                  <a:txBody>
+                    <a:bodyPr/>
+                    <a:lstStyle/>
+                    <a:p>
+                      <a:pPr>
+                        <a:lnSpc>
+                          <a:spcPct val="100000"/>
+                        </a:lnSpc>
+                      </a:pPr>
+                      <a:r>
+                        <a:rPr lang="en-US" sz="1300" dirty="0">
+                          <a:latin typeface="Gill Sans MT" panose="020B0502020104020203" pitchFamily="34" charset="0"/>
+                        </a:rPr>
+                        <a:t>Description</a:t>
+                      </a:r>
+                    </a:p>
+                  </a:txBody>
+                  <a:tcPr marL="76143" marR="76143" marT="38072" marB="38072" anchor="ctr"/>
+                </a:tc>
+                <a:extLst>
+                  <a:ext uri="{0D108BD9-81ED-4DB2-BD59-A6C34878D82A}">
+                    <a16:rowId xmlns:a16="http://schemas.microsoft.com/office/drawing/2014/main" val="4267446486"/>
+                  </a:ext>
+                </a:extLst>
+              </a:tr>
+              <a:tr h="282835">
+                <a:tc>
+                  <a:txBody>
+                    <a:bodyPr/>
+                    <a:lstStyle/>
+                    <a:p>
+                      <a:pPr algn="l">
+                        <a:lnSpc>
+                          <a:spcPct val="100000"/>
+                        </a:lnSpc>
+                      </a:pPr>
+                      <a:r>
+                        <a:rPr lang="en-US" sz="1300" b="1" dirty="0" err="1">
+                          <a:effectLst/>
+                          <a:latin typeface="Gill Sans MT" panose="020B0502020104020203" pitchFamily="34" charset="0"/>
+                        </a:rPr>
+                        <a:t>rpct</a:t>
+                      </a:r>
+                      <a:endParaRPr lang="en-US" sz="1300" b="1" dirty="0">
+                        <a:solidFill>
+                          <a:schemeClr val="tx1"/>
+                        </a:solidFill>
+                        <a:effectLst/>
+                        <a:latin typeface="Gill Sans MT" panose="020B0502020104020203" pitchFamily="34" charset="0"/>
+                      </a:endParaRPr>
+                    </a:p>
+                  </a:txBody>
+                  <a:tcPr marL="95898" marR="95898" marT="47949" marB="47949" anchor="ctr"/>
+                </a:tc>
+                <a:tc>
+                  <a:txBody>
+                    <a:bodyPr/>
+                    <a:lstStyle/>
+                    <a:p>
+                      <a:pPr algn="l">
+                        <a:lnSpc>
+                          <a:spcPct val="100000"/>
+                        </a:lnSpc>
+                      </a:pPr>
+                      <a:r>
+                        <a:rPr lang="en-US" sz="1300" b="1" dirty="0">
+                          <a:effectLst/>
+                          <a:latin typeface="Gill Sans MT" panose="020B0502020104020203" pitchFamily="34" charset="0"/>
+                        </a:rPr>
+                        <a:t>% (of voters in county) that voted for Bush in 2000</a:t>
+                      </a:r>
+                      <a:endParaRPr lang="en-US" sz="1300" b="1" dirty="0">
+                        <a:solidFill>
+                          <a:schemeClr val="tx1"/>
+                        </a:solidFill>
+                        <a:effectLst/>
+                        <a:latin typeface="Gill Sans MT" panose="020B0502020104020203" pitchFamily="34" charset="0"/>
+                      </a:endParaRPr>
+                    </a:p>
+                  </a:txBody>
+                  <a:tcPr marL="95898" marR="95898" marT="47949" marB="47949" anchor="ctr"/>
+                </a:tc>
+                <a:tc>
+                  <a:txBody>
+                    <a:bodyPr/>
+                    <a:lstStyle/>
+                    <a:p>
+                      <a:r>
+                        <a:rPr lang="en-US" sz="1300" b="1" i="1" dirty="0">
+                          <a:solidFill>
+                            <a:schemeClr val="bg1"/>
+                          </a:solidFill>
+                          <a:latin typeface="Gill Sans MT" panose="020B0502020104020203" pitchFamily="34" charset="0"/>
+                        </a:rPr>
+                        <a:t>Which do you think will be</a:t>
+                      </a:r>
+                    </a:p>
+                  </a:txBody>
+                  <a:tcPr marL="95898" marR="95898" marT="47949" marB="47949" anchor="ctr">
+                    <a:solidFill>
+                      <a:schemeClr val="accent2"/>
+                    </a:solidFill>
+                  </a:tcPr>
+                </a:tc>
+                <a:tc>
+                  <a:txBody>
+                    <a:bodyPr/>
+                    <a:lstStyle/>
+                    <a:p>
+                      <a:r>
+                        <a:rPr lang="en-US" sz="1300" b="1" i="1" dirty="0">
+                          <a:solidFill>
+                            <a:schemeClr val="bg1"/>
+                          </a:solidFill>
+                          <a:latin typeface="Gill Sans MT" panose="020B0502020104020203" pitchFamily="34" charset="0"/>
+                        </a:rPr>
+                        <a:t>most predictive?</a:t>
+                      </a:r>
+                    </a:p>
+                  </a:txBody>
+                  <a:tcPr marL="95898" marR="95898" marT="47949" marB="47949" anchor="ctr">
+                    <a:solidFill>
+                      <a:schemeClr val="accent2"/>
+                    </a:solidFill>
+                  </a:tcPr>
+                </a:tc>
+                <a:extLst>
+                  <a:ext uri="{0D108BD9-81ED-4DB2-BD59-A6C34878D82A}">
+                    <a16:rowId xmlns:a16="http://schemas.microsoft.com/office/drawing/2014/main" val="4106156025"/>
+                  </a:ext>
+                </a:extLst>
+              </a:tr>
+              <a:tr h="282835">
+                <a:tc>
+                  <a:txBody>
+                    <a:bodyPr/>
+                    <a:lstStyle/>
+                    <a:p>
+                      <a:pPr algn="l">
+                        <a:lnSpc>
+                          <a:spcPct val="100000"/>
+                        </a:lnSpc>
+                      </a:pPr>
+                      <a:r>
+                        <a:rPr lang="en-US" sz="1300" dirty="0">
+                          <a:effectLst/>
+                          <a:latin typeface="Gill Sans MT" panose="020B0502020104020203" pitchFamily="34" charset="0"/>
+                        </a:rPr>
+                        <a:t>1 </a:t>
+                      </a:r>
+                      <a:r>
+                        <a:rPr lang="en-US" sz="1300" dirty="0" err="1">
+                          <a:effectLst/>
+                          <a:latin typeface="Gill Sans MT" panose="020B0502020104020203" pitchFamily="34" charset="0"/>
+                        </a:rPr>
+                        <a:t>hs</a:t>
+                      </a:r>
+                      <a:endParaRPr lang="en-US" sz="1300" dirty="0">
+                        <a:effectLst/>
+                        <a:latin typeface="Gill Sans MT" panose="020B0502020104020203" pitchFamily="34" charset="0"/>
+                      </a:endParaRPr>
+                    </a:p>
+                  </a:txBody>
+                  <a:tcPr marL="95898" marR="95898" marT="47949" marB="47949" anchor="ctr"/>
+                </a:tc>
+                <a:tc>
+                  <a:txBody>
+                    <a:bodyPr/>
+                    <a:lstStyle/>
+                    <a:p>
+                      <a:pPr algn="l">
+                        <a:lnSpc>
+                          <a:spcPct val="100000"/>
+                        </a:lnSpc>
+                      </a:pPr>
+                      <a:r>
+                        <a:rPr lang="en-US" sz="1300" dirty="0">
+                          <a:effectLst/>
+                          <a:latin typeface="Gill Sans MT" panose="020B0502020104020203" pitchFamily="34" charset="0"/>
+                        </a:rPr>
+                        <a:t>% (of county) with HS diploma</a:t>
+                      </a:r>
+                    </a:p>
+                  </a:txBody>
+                  <a:tcPr marL="95898" marR="95898" marT="47949" marB="47949" anchor="ctr"/>
+                </a:tc>
+                <a:tc>
+                  <a:txBody>
+                    <a:bodyPr/>
+                    <a:lstStyle/>
+                    <a:p>
+                      <a:pPr algn="l">
+                        <a:lnSpc>
+                          <a:spcPct val="100000"/>
+                        </a:lnSpc>
+                      </a:pPr>
+                      <a:r>
+                        <a:rPr lang="en-US" sz="1300" dirty="0">
+                          <a:effectLst/>
+                          <a:latin typeface="Gill Sans MT" panose="020B0502020104020203" pitchFamily="34" charset="0"/>
+                        </a:rPr>
+                        <a:t>20 age35_54</a:t>
+                      </a:r>
+                    </a:p>
+                  </a:txBody>
+                  <a:tcPr marL="95898" marR="95898" marT="47949" marB="47949" anchor="ctr"/>
+                </a:tc>
+                <a:tc>
+                  <a:txBody>
+                    <a:bodyPr/>
+                    <a:lstStyle/>
+                    <a:p>
+                      <a:pPr algn="l">
+                        <a:lnSpc>
+                          <a:spcPct val="100000"/>
+                        </a:lnSpc>
+                      </a:pPr>
+                      <a:r>
+                        <a:rPr lang="en-US" sz="1300" dirty="0">
+                          <a:effectLst/>
+                          <a:latin typeface="Gill Sans MT" panose="020B0502020104020203" pitchFamily="34" charset="0"/>
+                        </a:rPr>
+                        <a:t>% aged 35-54</a:t>
+                      </a:r>
+                    </a:p>
+                  </a:txBody>
+                  <a:tcPr marL="95898" marR="95898" marT="47949" marB="47949" anchor="ctr"/>
+                </a:tc>
+                <a:extLst>
+                  <a:ext uri="{0D108BD9-81ED-4DB2-BD59-A6C34878D82A}">
+                    <a16:rowId xmlns:a16="http://schemas.microsoft.com/office/drawing/2014/main" val="2005537230"/>
+                  </a:ext>
+                </a:extLst>
+              </a:tr>
+              <a:tr h="282835">
+                <a:tc>
+                  <a:txBody>
+                    <a:bodyPr/>
+                    <a:lstStyle/>
+                    <a:p>
+                      <a:pPr algn="l">
+                        <a:lnSpc>
+                          <a:spcPct val="100000"/>
+                        </a:lnSpc>
+                      </a:pPr>
+                      <a:r>
+                        <a:rPr lang="en-US" sz="1300" dirty="0">
+                          <a:effectLst/>
+                          <a:latin typeface="Gill Sans MT" panose="020B0502020104020203" pitchFamily="34" charset="0"/>
+                        </a:rPr>
+                        <a:t>2 </a:t>
+                      </a:r>
+                      <a:r>
+                        <a:rPr lang="en-US" sz="1300" dirty="0" err="1">
+                          <a:effectLst/>
+                          <a:latin typeface="Gill Sans MT" panose="020B0502020104020203" pitchFamily="34" charset="0"/>
+                        </a:rPr>
+                        <a:t>nohealthinsurance</a:t>
+                      </a:r>
+                      <a:endParaRPr lang="en-US" sz="1300" dirty="0">
+                        <a:effectLst/>
+                        <a:latin typeface="Gill Sans MT" panose="020B0502020104020203" pitchFamily="34" charset="0"/>
+                      </a:endParaRPr>
+                    </a:p>
+                  </a:txBody>
+                  <a:tcPr marL="95898" marR="95898" marT="47949" marB="47949" anchor="ctr"/>
+                </a:tc>
+                <a:tc>
+                  <a:txBody>
+                    <a:bodyPr/>
+                    <a:lstStyle/>
+                    <a:p>
+                      <a:pPr algn="l">
+                        <a:lnSpc>
+                          <a:spcPct val="100000"/>
+                        </a:lnSpc>
+                      </a:pPr>
+                      <a:r>
+                        <a:rPr lang="en-US" sz="1300" dirty="0">
+                          <a:effectLst/>
+                          <a:latin typeface="Gill Sans MT" panose="020B0502020104020203" pitchFamily="34" charset="0"/>
+                        </a:rPr>
+                        <a:t>% without health insurance</a:t>
+                      </a:r>
+                    </a:p>
+                  </a:txBody>
+                  <a:tcPr marL="95898" marR="95898" marT="47949" marB="47949" anchor="ctr"/>
+                </a:tc>
+                <a:tc>
+                  <a:txBody>
+                    <a:bodyPr/>
+                    <a:lstStyle/>
+                    <a:p>
+                      <a:pPr algn="l">
+                        <a:lnSpc>
+                          <a:spcPct val="100000"/>
+                        </a:lnSpc>
+                      </a:pPr>
+                      <a:r>
+                        <a:rPr lang="en-US" sz="1300" dirty="0">
+                          <a:effectLst/>
+                          <a:latin typeface="Gill Sans MT" panose="020B0502020104020203" pitchFamily="34" charset="0"/>
+                        </a:rPr>
+                        <a:t>21 age55_ov</a:t>
+                      </a:r>
+                    </a:p>
+                  </a:txBody>
+                  <a:tcPr marL="95898" marR="95898" marT="47949" marB="47949" anchor="ctr"/>
+                </a:tc>
+                <a:tc>
+                  <a:txBody>
+                    <a:bodyPr/>
+                    <a:lstStyle/>
+                    <a:p>
+                      <a:pPr algn="l">
+                        <a:lnSpc>
+                          <a:spcPct val="100000"/>
+                        </a:lnSpc>
+                      </a:pPr>
+                      <a:r>
+                        <a:rPr lang="en-US" sz="1300" dirty="0">
+                          <a:effectLst/>
+                          <a:latin typeface="Gill Sans MT" panose="020B0502020104020203" pitchFamily="34" charset="0"/>
+                        </a:rPr>
+                        <a:t>% aged 55+</a:t>
+                      </a:r>
+                    </a:p>
+                  </a:txBody>
+                  <a:tcPr marL="95898" marR="95898" marT="47949" marB="47949" anchor="ctr"/>
+                </a:tc>
+                <a:extLst>
+                  <a:ext uri="{0D108BD9-81ED-4DB2-BD59-A6C34878D82A}">
+                    <a16:rowId xmlns:a16="http://schemas.microsoft.com/office/drawing/2014/main" val="1710791634"/>
+                  </a:ext>
+                </a:extLst>
+              </a:tr>
+              <a:tr h="282835">
+                <a:tc>
+                  <a:txBody>
+                    <a:bodyPr/>
+                    <a:lstStyle/>
+                    <a:p>
+                      <a:pPr algn="l">
+                        <a:lnSpc>
+                          <a:spcPct val="100000"/>
+                        </a:lnSpc>
+                      </a:pPr>
+                      <a:r>
+                        <a:rPr lang="en-US" sz="1300" dirty="0">
+                          <a:effectLst/>
+                          <a:latin typeface="Gill Sans MT" panose="020B0502020104020203" pitchFamily="34" charset="0"/>
+                        </a:rPr>
+                        <a:t>3 </a:t>
+                      </a:r>
+                      <a:r>
+                        <a:rPr lang="en-US" sz="1300" dirty="0" err="1">
+                          <a:effectLst/>
+                          <a:latin typeface="Gill Sans MT" panose="020B0502020104020203" pitchFamily="34" charset="0"/>
+                        </a:rPr>
+                        <a:t>vehperhouse</a:t>
+                      </a:r>
+                      <a:endParaRPr lang="en-US" sz="1300" dirty="0">
+                        <a:effectLst/>
+                        <a:latin typeface="Gill Sans MT" panose="020B0502020104020203" pitchFamily="34" charset="0"/>
+                      </a:endParaRPr>
+                    </a:p>
+                  </a:txBody>
+                  <a:tcPr marL="95898" marR="95898" marT="47949" marB="47949" anchor="ctr"/>
+                </a:tc>
+                <a:tc>
+                  <a:txBody>
+                    <a:bodyPr/>
+                    <a:lstStyle/>
+                    <a:p>
+                      <a:pPr algn="l">
+                        <a:lnSpc>
+                          <a:spcPct val="100000"/>
+                        </a:lnSpc>
+                      </a:pPr>
+                      <a:r>
+                        <a:rPr lang="en-US" sz="1300" dirty="0">
+                          <a:effectLst/>
+                          <a:latin typeface="Gill Sans MT" panose="020B0502020104020203" pitchFamily="34" charset="0"/>
+                        </a:rPr>
+                        <a:t>avg. # vehicles per house</a:t>
+                      </a:r>
+                    </a:p>
+                  </a:txBody>
+                  <a:tcPr marL="95898" marR="95898" marT="47949" marB="47949" anchor="ctr"/>
+                </a:tc>
+                <a:tc>
+                  <a:txBody>
+                    <a:bodyPr/>
+                    <a:lstStyle/>
+                    <a:p>
+                      <a:pPr algn="l">
+                        <a:lnSpc>
+                          <a:spcPct val="100000"/>
+                        </a:lnSpc>
+                      </a:pPr>
+                      <a:r>
+                        <a:rPr lang="en-US" sz="1300" dirty="0">
+                          <a:effectLst/>
+                          <a:latin typeface="Gill Sans MT" panose="020B0502020104020203" pitchFamily="34" charset="0"/>
+                        </a:rPr>
+                        <a:t>22 </a:t>
+                      </a:r>
+                      <a:r>
+                        <a:rPr lang="en-US" sz="1300" dirty="0" err="1">
+                          <a:effectLst/>
+                          <a:latin typeface="Gill Sans MT" panose="020B0502020104020203" pitchFamily="34" charset="0"/>
+                        </a:rPr>
+                        <a:t>vcperpop</a:t>
+                      </a:r>
+                      <a:endParaRPr lang="en-US" sz="1300" dirty="0">
+                        <a:effectLst/>
+                        <a:latin typeface="Gill Sans MT" panose="020B0502020104020203" pitchFamily="34" charset="0"/>
+                      </a:endParaRPr>
+                    </a:p>
+                  </a:txBody>
+                  <a:tcPr marL="95898" marR="95898" marT="47949" marB="47949" anchor="ctr"/>
+                </a:tc>
+                <a:tc>
+                  <a:txBody>
+                    <a:bodyPr/>
+                    <a:lstStyle/>
+                    <a:p>
+                      <a:pPr algn="l">
+                        <a:lnSpc>
+                          <a:spcPct val="100000"/>
+                        </a:lnSpc>
+                      </a:pPr>
+                      <a:r>
+                        <a:rPr lang="en-US" sz="1300" dirty="0">
+                          <a:effectLst/>
+                          <a:latin typeface="Gill Sans MT" panose="020B0502020104020203" pitchFamily="34" charset="0"/>
+                        </a:rPr>
+                        <a:t># known violent crimes per population</a:t>
+                      </a:r>
+                    </a:p>
+                  </a:txBody>
+                  <a:tcPr marL="95898" marR="95898" marT="47949" marB="47949" anchor="ctr"/>
+                </a:tc>
+                <a:extLst>
+                  <a:ext uri="{0D108BD9-81ED-4DB2-BD59-A6C34878D82A}">
+                    <a16:rowId xmlns:a16="http://schemas.microsoft.com/office/drawing/2014/main" val="4210709471"/>
+                  </a:ext>
+                </a:extLst>
+              </a:tr>
+              <a:tr h="282835">
+                <a:tc>
+                  <a:txBody>
+                    <a:bodyPr/>
+                    <a:lstStyle/>
+                    <a:p>
+                      <a:pPr algn="l">
+                        <a:lnSpc>
+                          <a:spcPct val="100000"/>
+                        </a:lnSpc>
+                      </a:pPr>
+                      <a:r>
+                        <a:rPr lang="en-US" sz="1300" dirty="0">
+                          <a:effectLst/>
+                          <a:latin typeface="Gill Sans MT" panose="020B0502020104020203" pitchFamily="34" charset="0"/>
+                        </a:rPr>
+                        <a:t>4 poverty</a:t>
+                      </a:r>
+                    </a:p>
+                  </a:txBody>
+                  <a:tcPr marL="95898" marR="95898" marT="47949" marB="47949" anchor="ctr"/>
+                </a:tc>
+                <a:tc>
+                  <a:txBody>
+                    <a:bodyPr/>
+                    <a:lstStyle/>
+                    <a:p>
+                      <a:pPr algn="l">
+                        <a:lnSpc>
+                          <a:spcPct val="100000"/>
+                        </a:lnSpc>
+                      </a:pPr>
+                      <a:r>
+                        <a:rPr lang="en-US" sz="1300" dirty="0">
+                          <a:effectLst/>
+                          <a:latin typeface="Gill Sans MT" panose="020B0502020104020203" pitchFamily="34" charset="0"/>
+                        </a:rPr>
+                        <a:t>% below poverty line</a:t>
+                      </a:r>
+                    </a:p>
+                  </a:txBody>
+                  <a:tcPr marL="95898" marR="95898" marT="47949" marB="47949" anchor="ctr"/>
+                </a:tc>
+                <a:tc>
+                  <a:txBody>
+                    <a:bodyPr/>
+                    <a:lstStyle/>
+                    <a:p>
+                      <a:pPr algn="l">
+                        <a:lnSpc>
+                          <a:spcPct val="100000"/>
+                        </a:lnSpc>
+                      </a:pPr>
+                      <a:r>
+                        <a:rPr lang="en-US" sz="1300" dirty="0">
+                          <a:effectLst/>
+                          <a:latin typeface="Gill Sans MT" panose="020B0502020104020203" pitchFamily="34" charset="0"/>
+                        </a:rPr>
+                        <a:t>23 </a:t>
+                      </a:r>
+                      <a:r>
+                        <a:rPr lang="en-US" sz="1300" dirty="0" err="1">
+                          <a:effectLst/>
+                          <a:latin typeface="Gill Sans MT" panose="020B0502020104020203" pitchFamily="34" charset="0"/>
+                        </a:rPr>
+                        <a:t>homeaffordability</a:t>
+                      </a:r>
+                      <a:endParaRPr lang="en-US" sz="1300" dirty="0">
+                        <a:effectLst/>
+                        <a:latin typeface="Gill Sans MT" panose="020B0502020104020203" pitchFamily="34" charset="0"/>
+                      </a:endParaRPr>
+                    </a:p>
+                  </a:txBody>
+                  <a:tcPr marL="95898" marR="95898" marT="47949" marB="47949" anchor="ctr"/>
+                </a:tc>
+                <a:tc>
+                  <a:txBody>
+                    <a:bodyPr/>
+                    <a:lstStyle/>
+                    <a:p>
+                      <a:pPr algn="l">
+                        <a:lnSpc>
+                          <a:spcPct val="100000"/>
+                        </a:lnSpc>
+                      </a:pPr>
+                      <a:r>
+                        <a:rPr lang="en-US" sz="1300" dirty="0">
+                          <a:effectLst/>
+                          <a:latin typeface="Gill Sans MT" panose="020B0502020104020203" pitchFamily="34" charset="0"/>
+                        </a:rPr>
+                        <a:t>per capita income / median home value</a:t>
+                      </a:r>
+                    </a:p>
+                  </a:txBody>
+                  <a:tcPr marL="95898" marR="95898" marT="47949" marB="47949" anchor="ctr"/>
+                </a:tc>
+                <a:extLst>
+                  <a:ext uri="{0D108BD9-81ED-4DB2-BD59-A6C34878D82A}">
+                    <a16:rowId xmlns:a16="http://schemas.microsoft.com/office/drawing/2014/main" val="1210329703"/>
+                  </a:ext>
+                </a:extLst>
+              </a:tr>
+              <a:tr h="282835">
+                <a:tc>
+                  <a:txBody>
+                    <a:bodyPr/>
+                    <a:lstStyle/>
+                    <a:p>
+                      <a:pPr algn="l">
+                        <a:lnSpc>
+                          <a:spcPct val="100000"/>
+                        </a:lnSpc>
+                      </a:pPr>
+                      <a:r>
+                        <a:rPr lang="en-US" sz="1300" dirty="0">
+                          <a:effectLst/>
+                          <a:latin typeface="Gill Sans MT" panose="020B0502020104020203" pitchFamily="34" charset="0"/>
+                        </a:rPr>
+                        <a:t>5 </a:t>
+                      </a:r>
+                      <a:r>
+                        <a:rPr lang="en-US" sz="1300" dirty="0" err="1">
+                          <a:effectLst/>
+                          <a:latin typeface="Gill Sans MT" panose="020B0502020104020203" pitchFamily="34" charset="0"/>
+                        </a:rPr>
+                        <a:t>bluecollaroccs</a:t>
+                      </a:r>
+                      <a:endParaRPr lang="en-US" sz="1300" dirty="0">
+                        <a:effectLst/>
+                        <a:latin typeface="Gill Sans MT" panose="020B0502020104020203" pitchFamily="34" charset="0"/>
+                      </a:endParaRPr>
+                    </a:p>
+                  </a:txBody>
+                  <a:tcPr marL="95898" marR="95898" marT="47949" marB="47949" anchor="ctr"/>
+                </a:tc>
+                <a:tc>
+                  <a:txBody>
+                    <a:bodyPr/>
+                    <a:lstStyle/>
+                    <a:p>
+                      <a:pPr algn="l">
+                        <a:lnSpc>
+                          <a:spcPct val="100000"/>
+                        </a:lnSpc>
+                      </a:pPr>
+                      <a:r>
+                        <a:rPr lang="en-US" sz="1300" dirty="0">
+                          <a:effectLst/>
+                          <a:latin typeface="Gill Sans MT" panose="020B0502020104020203" pitchFamily="34" charset="0"/>
+                        </a:rPr>
+                        <a:t>% farming, fishing, forestry, construction, maintenance, production, transportation, extraction occupations</a:t>
+                      </a:r>
+                    </a:p>
+                  </a:txBody>
+                  <a:tcPr marL="95898" marR="95898" marT="47949" marB="47949" anchor="ctr"/>
+                </a:tc>
+                <a:tc>
+                  <a:txBody>
+                    <a:bodyPr/>
+                    <a:lstStyle/>
+                    <a:p>
+                      <a:pPr algn="l">
+                        <a:lnSpc>
+                          <a:spcPct val="100000"/>
+                        </a:lnSpc>
+                      </a:pPr>
+                      <a:r>
+                        <a:rPr lang="en-US" sz="1300" dirty="0">
+                          <a:effectLst/>
+                          <a:latin typeface="Gill Sans MT" panose="020B0502020104020203" pitchFamily="34" charset="0"/>
+                        </a:rPr>
+                        <a:t>24 urban</a:t>
+                      </a:r>
+                    </a:p>
+                  </a:txBody>
+                  <a:tcPr marL="95898" marR="95898" marT="47949" marB="47949" anchor="ctr"/>
+                </a:tc>
+                <a:tc>
+                  <a:txBody>
+                    <a:bodyPr/>
+                    <a:lstStyle/>
+                    <a:p>
+                      <a:pPr algn="l">
+                        <a:lnSpc>
+                          <a:spcPct val="100000"/>
+                        </a:lnSpc>
+                      </a:pPr>
+                      <a:r>
+                        <a:rPr lang="en-US" sz="1300" dirty="0">
+                          <a:effectLst/>
+                          <a:latin typeface="Gill Sans MT" panose="020B0502020104020203" pitchFamily="34" charset="0"/>
+                        </a:rPr>
+                        <a:t>% living in urban areas</a:t>
+                      </a:r>
+                    </a:p>
+                  </a:txBody>
+                  <a:tcPr marL="95898" marR="95898" marT="47949" marB="47949" anchor="ctr"/>
+                </a:tc>
+                <a:extLst>
+                  <a:ext uri="{0D108BD9-81ED-4DB2-BD59-A6C34878D82A}">
+                    <a16:rowId xmlns:a16="http://schemas.microsoft.com/office/drawing/2014/main" val="1441851646"/>
+                  </a:ext>
+                </a:extLst>
+              </a:tr>
+              <a:tr h="282835">
+                <a:tc>
+                  <a:txBody>
+                    <a:bodyPr/>
+                    <a:lstStyle/>
+                    <a:p>
+                      <a:pPr algn="l">
+                        <a:lnSpc>
+                          <a:spcPct val="100000"/>
+                        </a:lnSpc>
+                      </a:pPr>
+                      <a:r>
+                        <a:rPr lang="en-US" sz="1300" dirty="0">
+                          <a:effectLst/>
+                          <a:latin typeface="Gill Sans MT" panose="020B0502020104020203" pitchFamily="34" charset="0"/>
+                        </a:rPr>
+                        <a:t>6 flow10yr</a:t>
+                      </a:r>
+                    </a:p>
+                  </a:txBody>
+                  <a:tcPr marL="95898" marR="95898" marT="47949" marB="47949" anchor="ctr"/>
+                </a:tc>
+                <a:tc>
+                  <a:txBody>
+                    <a:bodyPr/>
+                    <a:lstStyle/>
+                    <a:p>
+                      <a:pPr algn="l">
+                        <a:lnSpc>
+                          <a:spcPct val="100000"/>
+                        </a:lnSpc>
+                      </a:pPr>
+                      <a:r>
+                        <a:rPr lang="en-US" sz="1300" dirty="0">
+                          <a:effectLst/>
+                          <a:latin typeface="Gill Sans MT" panose="020B0502020104020203" pitchFamily="34" charset="0"/>
+                        </a:rPr>
+                        <a:t>% population change 1990-2000</a:t>
+                      </a:r>
+                    </a:p>
+                  </a:txBody>
+                  <a:tcPr marL="95898" marR="95898" marT="47949" marB="47949" anchor="ctr"/>
+                </a:tc>
+                <a:tc>
+                  <a:txBody>
+                    <a:bodyPr/>
+                    <a:lstStyle/>
+                    <a:p>
+                      <a:pPr algn="l">
+                        <a:lnSpc>
+                          <a:spcPct val="100000"/>
+                        </a:lnSpc>
+                      </a:pPr>
+                      <a:r>
+                        <a:rPr lang="en-US" sz="1300" dirty="0">
+                          <a:effectLst/>
+                          <a:latin typeface="Gill Sans MT" panose="020B0502020104020203" pitchFamily="34" charset="0"/>
+                        </a:rPr>
+                        <a:t>25 farm</a:t>
+                      </a:r>
+                    </a:p>
+                  </a:txBody>
+                  <a:tcPr marL="95898" marR="95898" marT="47949" marB="47949" anchor="ctr"/>
+                </a:tc>
+                <a:tc>
+                  <a:txBody>
+                    <a:bodyPr/>
+                    <a:lstStyle/>
+                    <a:p>
+                      <a:pPr algn="l">
+                        <a:lnSpc>
+                          <a:spcPct val="100000"/>
+                        </a:lnSpc>
+                      </a:pPr>
+                      <a:r>
+                        <a:rPr lang="en-US" sz="1300">
+                          <a:effectLst/>
+                          <a:latin typeface="Gill Sans MT" panose="020B0502020104020203" pitchFamily="34" charset="0"/>
+                        </a:rPr>
+                        <a:t>% living in rural farm areas</a:t>
+                      </a:r>
+                    </a:p>
+                  </a:txBody>
+                  <a:tcPr marL="95898" marR="95898" marT="47949" marB="47949" anchor="ctr"/>
+                </a:tc>
+                <a:extLst>
+                  <a:ext uri="{0D108BD9-81ED-4DB2-BD59-A6C34878D82A}">
+                    <a16:rowId xmlns:a16="http://schemas.microsoft.com/office/drawing/2014/main" val="4243662225"/>
+                  </a:ext>
+                </a:extLst>
+              </a:tr>
+              <a:tr h="282835">
+                <a:tc>
+                  <a:txBody>
+                    <a:bodyPr/>
+                    <a:lstStyle/>
+                    <a:p>
+                      <a:pPr algn="l">
+                        <a:lnSpc>
+                          <a:spcPct val="100000"/>
+                        </a:lnSpc>
+                      </a:pPr>
+                      <a:r>
+                        <a:rPr lang="en-US" sz="1300" dirty="0">
+                          <a:effectLst/>
+                          <a:latin typeface="Gill Sans MT" panose="020B0502020104020203" pitchFamily="34" charset="0"/>
+                        </a:rPr>
+                        <a:t>7 white1nh</a:t>
+                      </a:r>
+                    </a:p>
+                  </a:txBody>
+                  <a:tcPr marL="95898" marR="95898" marT="47949" marB="47949" anchor="ctr"/>
+                </a:tc>
+                <a:tc>
+                  <a:txBody>
+                    <a:bodyPr/>
+                    <a:lstStyle/>
+                    <a:p>
+                      <a:pPr algn="l">
+                        <a:lnSpc>
+                          <a:spcPct val="100000"/>
+                        </a:lnSpc>
+                      </a:pPr>
+                      <a:r>
+                        <a:rPr lang="en-US" sz="1300" dirty="0">
+                          <a:effectLst/>
+                          <a:latin typeface="Gill Sans MT" panose="020B0502020104020203" pitchFamily="34" charset="0"/>
+                        </a:rPr>
+                        <a:t>% white only and non-Hispanic</a:t>
+                      </a:r>
+                    </a:p>
+                  </a:txBody>
+                  <a:tcPr marL="95898" marR="95898" marT="47949" marB="47949" anchor="ctr"/>
+                </a:tc>
+                <a:tc>
+                  <a:txBody>
+                    <a:bodyPr/>
+                    <a:lstStyle/>
+                    <a:p>
+                      <a:pPr algn="l">
+                        <a:lnSpc>
+                          <a:spcPct val="100000"/>
+                        </a:lnSpc>
+                      </a:pPr>
+                      <a:r>
+                        <a:rPr lang="en-US" sz="1300" dirty="0">
+                          <a:effectLst/>
+                          <a:latin typeface="Gill Sans MT" panose="020B0502020104020203" pitchFamily="34" charset="0"/>
+                        </a:rPr>
+                        <a:t>26 </a:t>
+                      </a:r>
+                      <a:r>
+                        <a:rPr lang="en-US" sz="1300" dirty="0" err="1">
+                          <a:effectLst/>
+                          <a:latin typeface="Gill Sans MT" panose="020B0502020104020203" pitchFamily="34" charset="0"/>
+                        </a:rPr>
+                        <a:t>voterparticip</a:t>
+                      </a:r>
+                      <a:endParaRPr lang="en-US" sz="1300" dirty="0">
+                        <a:effectLst/>
+                        <a:latin typeface="Gill Sans MT" panose="020B0502020104020203" pitchFamily="34" charset="0"/>
+                      </a:endParaRPr>
+                    </a:p>
+                  </a:txBody>
+                  <a:tcPr marL="95898" marR="95898" marT="47949" marB="47949" anchor="ctr"/>
+                </a:tc>
+                <a:tc>
+                  <a:txBody>
+                    <a:bodyPr/>
+                    <a:lstStyle/>
+                    <a:p>
+                      <a:pPr algn="l">
+                        <a:lnSpc>
+                          <a:spcPct val="100000"/>
+                        </a:lnSpc>
+                      </a:pPr>
+                      <a:r>
+                        <a:rPr lang="en-US" sz="1300" dirty="0">
+                          <a:effectLst/>
+                          <a:latin typeface="Gill Sans MT" panose="020B0502020104020203" pitchFamily="34" charset="0"/>
+                        </a:rPr>
+                        <a:t>voter participation rate</a:t>
+                      </a:r>
+                    </a:p>
+                  </a:txBody>
+                  <a:tcPr marL="95898" marR="95898" marT="47949" marB="47949" anchor="ctr"/>
+                </a:tc>
+                <a:extLst>
+                  <a:ext uri="{0D108BD9-81ED-4DB2-BD59-A6C34878D82A}">
+                    <a16:rowId xmlns:a16="http://schemas.microsoft.com/office/drawing/2014/main" val="422392402"/>
+                  </a:ext>
+                </a:extLst>
+              </a:tr>
+              <a:tr h="282835">
+                <a:tc>
+                  <a:txBody>
+                    <a:bodyPr/>
+                    <a:lstStyle/>
+                    <a:p>
+                      <a:pPr algn="l">
+                        <a:lnSpc>
+                          <a:spcPct val="100000"/>
+                        </a:lnSpc>
+                      </a:pPr>
+                      <a:r>
+                        <a:rPr lang="en-US" sz="1300" dirty="0">
+                          <a:effectLst/>
+                          <a:latin typeface="Gill Sans MT" panose="020B0502020104020203" pitchFamily="34" charset="0"/>
+                        </a:rPr>
+                        <a:t>8 asian1</a:t>
+                      </a:r>
+                    </a:p>
+                  </a:txBody>
+                  <a:tcPr marL="95898" marR="95898" marT="47949" marB="47949" anchor="ctr"/>
+                </a:tc>
+                <a:tc>
+                  <a:txBody>
+                    <a:bodyPr/>
+                    <a:lstStyle/>
+                    <a:p>
+                      <a:pPr algn="l">
+                        <a:lnSpc>
+                          <a:spcPct val="100000"/>
+                        </a:lnSpc>
+                      </a:pPr>
+                      <a:r>
+                        <a:rPr lang="en-US" sz="1300" dirty="0">
+                          <a:effectLst/>
+                          <a:latin typeface="Gill Sans MT" panose="020B0502020104020203" pitchFamily="34" charset="0"/>
+                        </a:rPr>
+                        <a:t>% Asian only</a:t>
+                      </a:r>
+                    </a:p>
+                  </a:txBody>
+                  <a:tcPr marL="95898" marR="95898" marT="47949" marB="47949" anchor="ctr"/>
+                </a:tc>
+                <a:tc>
+                  <a:txBody>
+                    <a:bodyPr/>
+                    <a:lstStyle/>
+                    <a:p>
+                      <a:pPr algn="l">
+                        <a:lnSpc>
+                          <a:spcPct val="100000"/>
+                        </a:lnSpc>
+                      </a:pPr>
+                      <a:r>
+                        <a:rPr lang="en-US" sz="1300" dirty="0">
+                          <a:effectLst/>
+                          <a:latin typeface="Gill Sans MT" panose="020B0502020104020203" pitchFamily="34" charset="0"/>
+                        </a:rPr>
+                        <a:t>27 </a:t>
+                      </a:r>
+                      <a:r>
+                        <a:rPr lang="en-US" sz="1300" dirty="0" err="1">
+                          <a:effectLst/>
+                          <a:latin typeface="Gill Sans MT" panose="020B0502020104020203" pitchFamily="34" charset="0"/>
+                        </a:rPr>
+                        <a:t>houseperpop</a:t>
+                      </a:r>
+                      <a:endParaRPr lang="en-US" sz="1300" dirty="0">
+                        <a:effectLst/>
+                        <a:latin typeface="Gill Sans MT" panose="020B0502020104020203" pitchFamily="34" charset="0"/>
+                      </a:endParaRPr>
+                    </a:p>
+                  </a:txBody>
+                  <a:tcPr marL="95898" marR="95898" marT="47949" marB="47949" anchor="ctr"/>
+                </a:tc>
+                <a:tc>
+                  <a:txBody>
+                    <a:bodyPr/>
+                    <a:lstStyle/>
+                    <a:p>
+                      <a:pPr algn="l">
+                        <a:lnSpc>
+                          <a:spcPct val="100000"/>
+                        </a:lnSpc>
+                      </a:pPr>
+                      <a:r>
+                        <a:rPr lang="en-US" sz="1300" dirty="0">
+                          <a:effectLst/>
+                          <a:latin typeface="Gill Sans MT" panose="020B0502020104020203" pitchFamily="34" charset="0"/>
+                        </a:rPr>
+                        <a:t># houses per population</a:t>
+                      </a:r>
+                    </a:p>
+                  </a:txBody>
+                  <a:tcPr marL="95898" marR="95898" marT="47949" marB="47949" anchor="ctr"/>
+                </a:tc>
+                <a:extLst>
+                  <a:ext uri="{0D108BD9-81ED-4DB2-BD59-A6C34878D82A}">
+                    <a16:rowId xmlns:a16="http://schemas.microsoft.com/office/drawing/2014/main" val="387462693"/>
+                  </a:ext>
+                </a:extLst>
+              </a:tr>
+              <a:tr h="282835">
+                <a:tc>
+                  <a:txBody>
+                    <a:bodyPr/>
+                    <a:lstStyle/>
+                    <a:p>
+                      <a:pPr algn="l">
+                        <a:lnSpc>
+                          <a:spcPct val="100000"/>
+                        </a:lnSpc>
+                      </a:pPr>
+                      <a:r>
+                        <a:rPr lang="en-US" sz="1300" dirty="0">
+                          <a:effectLst/>
+                          <a:latin typeface="Gill Sans MT" panose="020B0502020104020203" pitchFamily="34" charset="0"/>
+                        </a:rPr>
+                        <a:t>9 other1</a:t>
+                      </a:r>
+                    </a:p>
+                  </a:txBody>
+                  <a:tcPr marL="95898" marR="95898" marT="47949" marB="47949" anchor="ctr"/>
+                </a:tc>
+                <a:tc>
+                  <a:txBody>
+                    <a:bodyPr/>
+                    <a:lstStyle/>
+                    <a:p>
+                      <a:pPr algn="l">
+                        <a:lnSpc>
+                          <a:spcPct val="100000"/>
+                        </a:lnSpc>
+                      </a:pPr>
+                      <a:r>
+                        <a:rPr lang="en-US" sz="1300" dirty="0">
+                          <a:effectLst/>
+                          <a:latin typeface="Gill Sans MT" panose="020B0502020104020203" pitchFamily="34" charset="0"/>
+                        </a:rPr>
+                        <a:t>% other race</a:t>
+                      </a:r>
+                    </a:p>
+                  </a:txBody>
+                  <a:tcPr marL="95898" marR="95898" marT="47949" marB="47949" anchor="ctr"/>
+                </a:tc>
+                <a:tc>
+                  <a:txBody>
+                    <a:bodyPr/>
+                    <a:lstStyle/>
+                    <a:p>
+                      <a:pPr algn="l">
+                        <a:lnSpc>
+                          <a:spcPct val="100000"/>
+                        </a:lnSpc>
+                      </a:pPr>
+                      <a:r>
+                        <a:rPr lang="en-US" sz="1300" dirty="0">
+                          <a:effectLst/>
+                          <a:latin typeface="Gill Sans MT" panose="020B0502020104020203" pitchFamily="34" charset="0"/>
+                        </a:rPr>
+                        <a:t>28 </a:t>
+                      </a:r>
+                      <a:r>
+                        <a:rPr lang="en-US" sz="1300" dirty="0" err="1">
+                          <a:effectLst/>
+                          <a:latin typeface="Gill Sans MT" panose="020B0502020104020203" pitchFamily="34" charset="0"/>
+                        </a:rPr>
+                        <a:t>logincollege</a:t>
+                      </a:r>
+                      <a:endParaRPr lang="en-US" sz="1300" dirty="0">
+                        <a:effectLst/>
+                        <a:latin typeface="Gill Sans MT" panose="020B0502020104020203" pitchFamily="34" charset="0"/>
+                      </a:endParaRPr>
+                    </a:p>
+                  </a:txBody>
+                  <a:tcPr marL="95898" marR="95898" marT="47949" marB="47949" anchor="ctr"/>
+                </a:tc>
+                <a:tc>
+                  <a:txBody>
+                    <a:bodyPr/>
+                    <a:lstStyle/>
+                    <a:p>
+                      <a:pPr algn="l">
+                        <a:lnSpc>
+                          <a:spcPct val="100000"/>
+                        </a:lnSpc>
+                      </a:pPr>
+                      <a:r>
+                        <a:rPr lang="en-US" sz="1300" dirty="0">
+                          <a:effectLst/>
+                          <a:latin typeface="Gill Sans MT" panose="020B0502020104020203" pitchFamily="34" charset="0"/>
+                        </a:rPr>
+                        <a:t>log(% of county in college)</a:t>
+                      </a:r>
+                    </a:p>
+                  </a:txBody>
+                  <a:tcPr marL="95898" marR="95898" marT="47949" marB="47949" anchor="ctr"/>
+                </a:tc>
+                <a:extLst>
+                  <a:ext uri="{0D108BD9-81ED-4DB2-BD59-A6C34878D82A}">
+                    <a16:rowId xmlns:a16="http://schemas.microsoft.com/office/drawing/2014/main" val="132505253"/>
+                  </a:ext>
+                </a:extLst>
+              </a:tr>
+              <a:tr h="282835">
+                <a:tc>
+                  <a:txBody>
+                    <a:bodyPr/>
+                    <a:lstStyle/>
+                    <a:p>
+                      <a:pPr algn="l">
+                        <a:lnSpc>
+                          <a:spcPct val="100000"/>
+                        </a:lnSpc>
+                      </a:pPr>
+                      <a:r>
+                        <a:rPr lang="en-US" sz="1300" dirty="0">
+                          <a:effectLst/>
+                          <a:latin typeface="Gill Sans MT" panose="020B0502020104020203" pitchFamily="34" charset="0"/>
+                        </a:rPr>
+                        <a:t>10 </a:t>
+                      </a:r>
+                      <a:r>
+                        <a:rPr lang="en-US" sz="1300" dirty="0" err="1">
+                          <a:effectLst/>
+                          <a:latin typeface="Gill Sans MT" panose="020B0502020104020203" pitchFamily="34" charset="0"/>
+                        </a:rPr>
+                        <a:t>multirace</a:t>
+                      </a:r>
+                      <a:endParaRPr lang="en-US" sz="1300" dirty="0">
+                        <a:effectLst/>
+                        <a:latin typeface="Gill Sans MT" panose="020B0502020104020203" pitchFamily="34" charset="0"/>
+                      </a:endParaRPr>
+                    </a:p>
+                  </a:txBody>
+                  <a:tcPr marL="95898" marR="95898" marT="47949" marB="47949" anchor="ctr"/>
+                </a:tc>
+                <a:tc>
+                  <a:txBody>
+                    <a:bodyPr/>
+                    <a:lstStyle/>
+                    <a:p>
+                      <a:pPr algn="l">
+                        <a:lnSpc>
+                          <a:spcPct val="100000"/>
+                        </a:lnSpc>
+                      </a:pPr>
+                      <a:r>
+                        <a:rPr lang="en-US" sz="1300" dirty="0">
+                          <a:effectLst/>
+                          <a:latin typeface="Gill Sans MT" panose="020B0502020104020203" pitchFamily="34" charset="0"/>
+                        </a:rPr>
+                        <a:t>% multiracial</a:t>
+                      </a:r>
+                    </a:p>
+                  </a:txBody>
+                  <a:tcPr marL="95898" marR="95898" marT="47949" marB="47949" anchor="ctr"/>
+                </a:tc>
+                <a:tc>
+                  <a:txBody>
+                    <a:bodyPr/>
+                    <a:lstStyle/>
+                    <a:p>
+                      <a:pPr algn="l">
+                        <a:lnSpc>
+                          <a:spcPct val="100000"/>
+                        </a:lnSpc>
+                      </a:pPr>
+                      <a:r>
+                        <a:rPr lang="en-US" sz="1300" dirty="0">
+                          <a:effectLst/>
+                          <a:latin typeface="Gill Sans MT" panose="020B0502020104020203" pitchFamily="34" charset="0"/>
+                        </a:rPr>
+                        <a:t>29 </a:t>
+                      </a:r>
+                      <a:r>
+                        <a:rPr lang="en-US" sz="1300" dirty="0" err="1">
+                          <a:effectLst/>
+                          <a:latin typeface="Gill Sans MT" panose="020B0502020104020203" pitchFamily="34" charset="0"/>
+                        </a:rPr>
+                        <a:t>logba</a:t>
+                      </a:r>
+                      <a:endParaRPr lang="en-US" sz="1300" dirty="0">
+                        <a:effectLst/>
+                        <a:latin typeface="Gill Sans MT" panose="020B0502020104020203" pitchFamily="34" charset="0"/>
+                      </a:endParaRPr>
+                    </a:p>
+                  </a:txBody>
+                  <a:tcPr marL="95898" marR="95898" marT="47949" marB="47949" anchor="ctr"/>
+                </a:tc>
+                <a:tc>
+                  <a:txBody>
+                    <a:bodyPr/>
+                    <a:lstStyle/>
+                    <a:p>
+                      <a:pPr algn="l">
+                        <a:lnSpc>
+                          <a:spcPct val="100000"/>
+                        </a:lnSpc>
+                      </a:pPr>
+                      <a:r>
+                        <a:rPr lang="en-US" sz="1300" dirty="0">
+                          <a:effectLst/>
+                          <a:latin typeface="Gill Sans MT" panose="020B0502020104020203" pitchFamily="34" charset="0"/>
+                        </a:rPr>
+                        <a:t>log(% of county with Bachelor's degree)</a:t>
+                      </a:r>
+                    </a:p>
+                  </a:txBody>
+                  <a:tcPr marL="95898" marR="95898" marT="47949" marB="47949" anchor="ctr"/>
+                </a:tc>
+                <a:extLst>
+                  <a:ext uri="{0D108BD9-81ED-4DB2-BD59-A6C34878D82A}">
+                    <a16:rowId xmlns:a16="http://schemas.microsoft.com/office/drawing/2014/main" val="288806742"/>
+                  </a:ext>
+                </a:extLst>
+              </a:tr>
+              <a:tr h="282835">
+                <a:tc>
+                  <a:txBody>
+                    <a:bodyPr/>
+                    <a:lstStyle/>
+                    <a:p>
+                      <a:pPr algn="l">
+                        <a:lnSpc>
+                          <a:spcPct val="100000"/>
+                        </a:lnSpc>
+                      </a:pPr>
+                      <a:r>
+                        <a:rPr lang="en-US" sz="1300" dirty="0">
+                          <a:effectLst/>
+                          <a:latin typeface="Gill Sans MT" panose="020B0502020104020203" pitchFamily="34" charset="0"/>
+                        </a:rPr>
+                        <a:t>11 </a:t>
+                      </a:r>
+                      <a:r>
+                        <a:rPr lang="en-US" sz="1300" dirty="0" err="1">
+                          <a:effectLst/>
+                          <a:latin typeface="Gill Sans MT" panose="020B0502020104020203" pitchFamily="34" charset="0"/>
+                        </a:rPr>
+                        <a:t>hispanic</a:t>
+                      </a:r>
+                      <a:endParaRPr lang="en-US" sz="1300" dirty="0">
+                        <a:effectLst/>
+                        <a:latin typeface="Gill Sans MT" panose="020B0502020104020203" pitchFamily="34" charset="0"/>
+                      </a:endParaRPr>
+                    </a:p>
+                  </a:txBody>
+                  <a:tcPr marL="95898" marR="95898" marT="47949" marB="47949" anchor="ctr"/>
+                </a:tc>
+                <a:tc>
+                  <a:txBody>
+                    <a:bodyPr/>
+                    <a:lstStyle/>
+                    <a:p>
+                      <a:pPr algn="l">
+                        <a:lnSpc>
+                          <a:spcPct val="100000"/>
+                        </a:lnSpc>
+                      </a:pPr>
+                      <a:r>
+                        <a:rPr lang="en-US" sz="1300" dirty="0">
+                          <a:effectLst/>
+                          <a:latin typeface="Gill Sans MT" panose="020B0502020104020203" pitchFamily="34" charset="0"/>
+                        </a:rPr>
+                        <a:t>% Hispanic of any race</a:t>
+                      </a:r>
+                    </a:p>
+                  </a:txBody>
+                  <a:tcPr marL="95898" marR="95898" marT="47949" marB="47949" anchor="ctr"/>
+                </a:tc>
+                <a:tc>
+                  <a:txBody>
+                    <a:bodyPr/>
+                    <a:lstStyle/>
+                    <a:p>
+                      <a:pPr algn="l">
+                        <a:lnSpc>
+                          <a:spcPct val="100000"/>
+                        </a:lnSpc>
+                      </a:pPr>
+                      <a:r>
+                        <a:rPr lang="en-US" sz="1300" dirty="0">
+                          <a:effectLst/>
+                          <a:latin typeface="Gill Sans MT" panose="020B0502020104020203" pitchFamily="34" charset="0"/>
+                        </a:rPr>
+                        <a:t>30 </a:t>
+                      </a:r>
+                      <a:r>
+                        <a:rPr lang="en-US" sz="1300" dirty="0" err="1">
+                          <a:effectLst/>
+                          <a:latin typeface="Gill Sans MT" panose="020B0502020104020203" pitchFamily="34" charset="0"/>
+                        </a:rPr>
+                        <a:t>logpctmultiunitdwelling</a:t>
+                      </a:r>
+                      <a:endParaRPr lang="en-US" sz="1300" dirty="0">
+                        <a:effectLst/>
+                        <a:latin typeface="Gill Sans MT" panose="020B0502020104020203" pitchFamily="34" charset="0"/>
+                      </a:endParaRPr>
+                    </a:p>
+                  </a:txBody>
+                  <a:tcPr marL="95898" marR="95898" marT="47949" marB="47949" anchor="ctr"/>
+                </a:tc>
+                <a:tc>
+                  <a:txBody>
+                    <a:bodyPr/>
+                    <a:lstStyle/>
+                    <a:p>
+                      <a:pPr algn="l">
+                        <a:lnSpc>
+                          <a:spcPct val="100000"/>
+                        </a:lnSpc>
+                      </a:pPr>
+                      <a:r>
+                        <a:rPr lang="en-US" sz="1300" dirty="0">
+                          <a:effectLst/>
+                          <a:latin typeface="Gill Sans MT" panose="020B0502020104020203" pitchFamily="34" charset="0"/>
+                        </a:rPr>
+                        <a:t>log(% of houses w/2+ units)</a:t>
+                      </a:r>
+                    </a:p>
+                  </a:txBody>
+                  <a:tcPr marL="95898" marR="95898" marT="47949" marB="47949" anchor="ctr"/>
+                </a:tc>
+                <a:extLst>
+                  <a:ext uri="{0D108BD9-81ED-4DB2-BD59-A6C34878D82A}">
+                    <a16:rowId xmlns:a16="http://schemas.microsoft.com/office/drawing/2014/main" val="977395040"/>
+                  </a:ext>
+                </a:extLst>
+              </a:tr>
+              <a:tr h="282835">
+                <a:tc>
+                  <a:txBody>
+                    <a:bodyPr/>
+                    <a:lstStyle/>
+                    <a:p>
+                      <a:pPr algn="l">
+                        <a:lnSpc>
+                          <a:spcPct val="100000"/>
+                        </a:lnSpc>
+                      </a:pPr>
+                      <a:r>
+                        <a:rPr lang="en-US" sz="1300" dirty="0">
+                          <a:effectLst/>
+                          <a:latin typeface="Gill Sans MT" panose="020B0502020104020203" pitchFamily="34" charset="0"/>
+                        </a:rPr>
+                        <a:t>12 </a:t>
+                      </a:r>
+                      <a:r>
+                        <a:rPr lang="en-US" sz="1300" dirty="0" err="1">
+                          <a:effectLst/>
+                          <a:latin typeface="Gill Sans MT" panose="020B0502020104020203" pitchFamily="34" charset="0"/>
+                        </a:rPr>
+                        <a:t>lat</a:t>
+                      </a:r>
+                      <a:endParaRPr lang="en-US" sz="1300" dirty="0">
+                        <a:effectLst/>
+                        <a:latin typeface="Gill Sans MT" panose="020B0502020104020203" pitchFamily="34" charset="0"/>
+                      </a:endParaRPr>
+                    </a:p>
+                  </a:txBody>
+                  <a:tcPr marL="95898" marR="95898" marT="47949" marB="47949" anchor="ctr"/>
+                </a:tc>
+                <a:tc>
+                  <a:txBody>
+                    <a:bodyPr/>
+                    <a:lstStyle/>
+                    <a:p>
+                      <a:pPr algn="l">
+                        <a:lnSpc>
+                          <a:spcPct val="100000"/>
+                        </a:lnSpc>
+                      </a:pPr>
+                      <a:r>
+                        <a:rPr lang="en-US" sz="1300" dirty="0">
+                          <a:effectLst/>
+                          <a:latin typeface="Gill Sans MT" panose="020B0502020104020203" pitchFamily="34" charset="0"/>
+                        </a:rPr>
+                        <a:t>latitude of county centroid</a:t>
+                      </a:r>
+                    </a:p>
+                  </a:txBody>
+                  <a:tcPr marL="95898" marR="95898" marT="47949" marB="47949" anchor="ctr"/>
+                </a:tc>
+                <a:tc>
+                  <a:txBody>
+                    <a:bodyPr/>
+                    <a:lstStyle/>
+                    <a:p>
+                      <a:pPr algn="l">
+                        <a:lnSpc>
+                          <a:spcPct val="100000"/>
+                        </a:lnSpc>
+                      </a:pPr>
+                      <a:r>
+                        <a:rPr lang="en-US" sz="1300" dirty="0">
+                          <a:effectLst/>
+                          <a:latin typeface="Gill Sans MT" panose="020B0502020104020203" pitchFamily="34" charset="0"/>
+                        </a:rPr>
+                        <a:t>31 </a:t>
+                      </a:r>
+                      <a:r>
+                        <a:rPr lang="en-US" sz="1300" dirty="0" err="1">
+                          <a:effectLst/>
+                          <a:latin typeface="Gill Sans MT" panose="020B0502020104020203" pitchFamily="34" charset="0"/>
+                        </a:rPr>
+                        <a:t>logmedianhvalue</a:t>
+                      </a:r>
+                      <a:endParaRPr lang="en-US" sz="1300" dirty="0">
+                        <a:effectLst/>
+                        <a:latin typeface="Gill Sans MT" panose="020B0502020104020203" pitchFamily="34" charset="0"/>
+                      </a:endParaRPr>
+                    </a:p>
+                  </a:txBody>
+                  <a:tcPr marL="95898" marR="95898" marT="47949" marB="47949" anchor="ctr"/>
+                </a:tc>
+                <a:tc>
+                  <a:txBody>
+                    <a:bodyPr/>
+                    <a:lstStyle/>
+                    <a:p>
+                      <a:pPr algn="l">
+                        <a:lnSpc>
+                          <a:spcPct val="100000"/>
+                        </a:lnSpc>
+                      </a:pPr>
+                      <a:r>
+                        <a:rPr lang="en-US" sz="1300" dirty="0">
+                          <a:effectLst/>
+                          <a:latin typeface="Gill Sans MT" panose="020B0502020104020203" pitchFamily="34" charset="0"/>
+                        </a:rPr>
+                        <a:t>log(median home value)</a:t>
+                      </a:r>
+                    </a:p>
+                  </a:txBody>
+                  <a:tcPr marL="95898" marR="95898" marT="47949" marB="47949" anchor="ctr"/>
+                </a:tc>
+                <a:extLst>
+                  <a:ext uri="{0D108BD9-81ED-4DB2-BD59-A6C34878D82A}">
+                    <a16:rowId xmlns:a16="http://schemas.microsoft.com/office/drawing/2014/main" val="3417407704"/>
+                  </a:ext>
+                </a:extLst>
+              </a:tr>
+              <a:tr h="282835">
+                <a:tc>
+                  <a:txBody>
+                    <a:bodyPr/>
+                    <a:lstStyle/>
+                    <a:p>
+                      <a:pPr algn="l">
+                        <a:lnSpc>
+                          <a:spcPct val="100000"/>
+                        </a:lnSpc>
+                      </a:pPr>
+                      <a:r>
+                        <a:rPr lang="en-US" sz="1300" dirty="0">
+                          <a:effectLst/>
+                          <a:latin typeface="Gill Sans MT" panose="020B0502020104020203" pitchFamily="34" charset="0"/>
+                        </a:rPr>
+                        <a:t>13 long</a:t>
+                      </a:r>
+                    </a:p>
+                  </a:txBody>
+                  <a:tcPr marL="95898" marR="95898" marT="47949" marB="47949" anchor="ctr"/>
+                </a:tc>
+                <a:tc>
+                  <a:txBody>
+                    <a:bodyPr/>
+                    <a:lstStyle/>
+                    <a:p>
+                      <a:pPr algn="l">
+                        <a:lnSpc>
+                          <a:spcPct val="100000"/>
+                        </a:lnSpc>
+                      </a:pPr>
+                      <a:r>
+                        <a:rPr lang="en-US" sz="1300" dirty="0">
+                          <a:effectLst/>
+                          <a:latin typeface="Gill Sans MT" panose="020B0502020104020203" pitchFamily="34" charset="0"/>
+                        </a:rPr>
+                        <a:t>longitude of county centroid</a:t>
+                      </a:r>
+                    </a:p>
+                  </a:txBody>
+                  <a:tcPr marL="95898" marR="95898" marT="47949" marB="47949" anchor="ctr"/>
+                </a:tc>
+                <a:tc>
+                  <a:txBody>
+                    <a:bodyPr/>
+                    <a:lstStyle/>
+                    <a:p>
+                      <a:pPr algn="l">
+                        <a:lnSpc>
+                          <a:spcPct val="100000"/>
+                        </a:lnSpc>
+                      </a:pPr>
+                      <a:r>
+                        <a:rPr lang="en-US" sz="1300" dirty="0">
+                          <a:effectLst/>
+                          <a:latin typeface="Gill Sans MT" panose="020B0502020104020203" pitchFamily="34" charset="0"/>
+                        </a:rPr>
+                        <a:t>32 </a:t>
+                      </a:r>
+                      <a:r>
+                        <a:rPr lang="en-US" sz="1300" dirty="0" err="1">
+                          <a:effectLst/>
+                          <a:latin typeface="Gill Sans MT" panose="020B0502020104020203" pitchFamily="34" charset="0"/>
+                        </a:rPr>
+                        <a:t>logmediangrossrent</a:t>
+                      </a:r>
+                      <a:endParaRPr lang="en-US" sz="1300" dirty="0">
+                        <a:effectLst/>
+                        <a:latin typeface="Gill Sans MT" panose="020B0502020104020203" pitchFamily="34" charset="0"/>
+                      </a:endParaRPr>
+                    </a:p>
+                  </a:txBody>
+                  <a:tcPr marL="95898" marR="95898" marT="47949" marB="47949" anchor="ctr"/>
+                </a:tc>
+                <a:tc>
+                  <a:txBody>
+                    <a:bodyPr/>
+                    <a:lstStyle/>
+                    <a:p>
+                      <a:pPr algn="l">
+                        <a:lnSpc>
+                          <a:spcPct val="100000"/>
+                        </a:lnSpc>
+                      </a:pPr>
+                      <a:r>
+                        <a:rPr lang="en-US" sz="1300" dirty="0">
+                          <a:effectLst/>
+                          <a:latin typeface="Gill Sans MT" panose="020B0502020104020203" pitchFamily="34" charset="0"/>
+                        </a:rPr>
+                        <a:t>log(median gross rent)</a:t>
+                      </a:r>
+                    </a:p>
+                  </a:txBody>
+                  <a:tcPr marL="95898" marR="95898" marT="47949" marB="47949" anchor="ctr"/>
+                </a:tc>
+                <a:extLst>
+                  <a:ext uri="{0D108BD9-81ED-4DB2-BD59-A6C34878D82A}">
+                    <a16:rowId xmlns:a16="http://schemas.microsoft.com/office/drawing/2014/main" val="4007656893"/>
+                  </a:ext>
+                </a:extLst>
+              </a:tr>
+              <a:tr h="282835">
+                <a:tc>
+                  <a:txBody>
+                    <a:bodyPr/>
+                    <a:lstStyle/>
+                    <a:p>
+                      <a:pPr algn="l">
+                        <a:lnSpc>
+                          <a:spcPct val="100000"/>
+                        </a:lnSpc>
+                      </a:pPr>
+                      <a:r>
+                        <a:rPr lang="en-US" sz="1300" dirty="0">
+                          <a:effectLst/>
+                          <a:latin typeface="Gill Sans MT" panose="020B0502020104020203" pitchFamily="34" charset="0"/>
+                        </a:rPr>
+                        <a:t>14 </a:t>
+                      </a:r>
+                      <a:r>
+                        <a:rPr lang="en-US" sz="1300" dirty="0" err="1">
+                          <a:effectLst/>
+                          <a:latin typeface="Gill Sans MT" panose="020B0502020104020203" pitchFamily="34" charset="0"/>
+                        </a:rPr>
+                        <a:t>nevermarried</a:t>
+                      </a:r>
+                      <a:endParaRPr lang="en-US" sz="1300" dirty="0">
+                        <a:effectLst/>
+                        <a:latin typeface="Gill Sans MT" panose="020B0502020104020203" pitchFamily="34" charset="0"/>
+                      </a:endParaRPr>
+                    </a:p>
+                  </a:txBody>
+                  <a:tcPr marL="95898" marR="95898" marT="47949" marB="47949" anchor="ctr"/>
+                </a:tc>
+                <a:tc>
+                  <a:txBody>
+                    <a:bodyPr/>
+                    <a:lstStyle/>
+                    <a:p>
+                      <a:pPr algn="l">
+                        <a:lnSpc>
+                          <a:spcPct val="100000"/>
+                        </a:lnSpc>
+                      </a:pPr>
+                      <a:r>
+                        <a:rPr lang="en-US" sz="1300" dirty="0">
+                          <a:effectLst/>
+                          <a:latin typeface="Gill Sans MT" panose="020B0502020104020203" pitchFamily="34" charset="0"/>
+                        </a:rPr>
+                        <a:t>% never married</a:t>
+                      </a:r>
+                    </a:p>
+                  </a:txBody>
+                  <a:tcPr marL="95898" marR="95898" marT="47949" marB="47949" anchor="ctr"/>
+                </a:tc>
+                <a:tc>
+                  <a:txBody>
+                    <a:bodyPr/>
+                    <a:lstStyle/>
+                    <a:p>
+                      <a:pPr algn="l">
+                        <a:lnSpc>
+                          <a:spcPct val="100000"/>
+                        </a:lnSpc>
+                      </a:pPr>
+                      <a:r>
+                        <a:rPr lang="en-US" sz="1300" dirty="0">
+                          <a:effectLst/>
+                          <a:latin typeface="Gill Sans MT" panose="020B0502020104020203" pitchFamily="34" charset="0"/>
+                        </a:rPr>
+                        <a:t>33 </a:t>
+                      </a:r>
+                      <a:r>
+                        <a:rPr lang="en-US" sz="1300" dirty="0" err="1">
+                          <a:effectLst/>
+                          <a:latin typeface="Gill Sans MT" panose="020B0502020104020203" pitchFamily="34" charset="0"/>
+                        </a:rPr>
+                        <a:t>logunemployed</a:t>
+                      </a:r>
+                      <a:endParaRPr lang="en-US" sz="1300" dirty="0">
+                        <a:effectLst/>
+                        <a:latin typeface="Gill Sans MT" panose="020B0502020104020203" pitchFamily="34" charset="0"/>
+                      </a:endParaRPr>
+                    </a:p>
+                  </a:txBody>
+                  <a:tcPr marL="95898" marR="95898" marT="47949" marB="47949" anchor="ctr"/>
+                </a:tc>
+                <a:tc>
+                  <a:txBody>
+                    <a:bodyPr/>
+                    <a:lstStyle/>
+                    <a:p>
+                      <a:pPr algn="l">
+                        <a:lnSpc>
+                          <a:spcPct val="100000"/>
+                        </a:lnSpc>
+                      </a:pPr>
+                      <a:r>
+                        <a:rPr lang="en-US" sz="1300" dirty="0">
+                          <a:effectLst/>
+                          <a:latin typeface="Gill Sans MT" panose="020B0502020104020203" pitchFamily="34" charset="0"/>
+                        </a:rPr>
+                        <a:t>log(% of civilian labor force unemployed)</a:t>
+                      </a:r>
+                    </a:p>
+                  </a:txBody>
+                  <a:tcPr marL="95898" marR="95898" marT="47949" marB="47949" anchor="ctr"/>
+                </a:tc>
+                <a:extLst>
+                  <a:ext uri="{0D108BD9-81ED-4DB2-BD59-A6C34878D82A}">
+                    <a16:rowId xmlns:a16="http://schemas.microsoft.com/office/drawing/2014/main" val="1381776514"/>
+                  </a:ext>
+                </a:extLst>
+              </a:tr>
+              <a:tr h="282835">
+                <a:tc>
+                  <a:txBody>
+                    <a:bodyPr/>
+                    <a:lstStyle/>
+                    <a:p>
+                      <a:pPr algn="l">
+                        <a:lnSpc>
+                          <a:spcPct val="100000"/>
+                        </a:lnSpc>
+                      </a:pPr>
+                      <a:r>
+                        <a:rPr lang="en-US" sz="1300" dirty="0">
+                          <a:effectLst/>
+                          <a:latin typeface="Gill Sans MT" panose="020B0502020104020203" pitchFamily="34" charset="0"/>
+                        </a:rPr>
+                        <a:t>15 married</a:t>
+                      </a:r>
+                    </a:p>
+                  </a:txBody>
+                  <a:tcPr marL="95898" marR="95898" marT="47949" marB="47949" anchor="ctr"/>
+                </a:tc>
+                <a:tc>
+                  <a:txBody>
+                    <a:bodyPr/>
+                    <a:lstStyle/>
+                    <a:p>
+                      <a:pPr algn="l">
+                        <a:lnSpc>
+                          <a:spcPct val="100000"/>
+                        </a:lnSpc>
+                      </a:pPr>
+                      <a:r>
+                        <a:rPr lang="en-US" sz="1300" dirty="0">
+                          <a:effectLst/>
+                          <a:latin typeface="Gill Sans MT" panose="020B0502020104020203" pitchFamily="34" charset="0"/>
+                        </a:rPr>
+                        <a:t>% currently married</a:t>
+                      </a:r>
+                    </a:p>
+                  </a:txBody>
+                  <a:tcPr marL="95898" marR="95898" marT="47949" marB="47949" anchor="ctr"/>
+                </a:tc>
+                <a:tc>
+                  <a:txBody>
+                    <a:bodyPr/>
+                    <a:lstStyle/>
+                    <a:p>
+                      <a:pPr algn="l">
+                        <a:lnSpc>
+                          <a:spcPct val="100000"/>
+                        </a:lnSpc>
+                      </a:pPr>
+                      <a:r>
+                        <a:rPr lang="en-US" sz="1300" dirty="0">
+                          <a:effectLst/>
+                          <a:latin typeface="Gill Sans MT" panose="020B0502020104020203" pitchFamily="34" charset="0"/>
+                        </a:rPr>
+                        <a:t>34 </a:t>
+                      </a:r>
+                      <a:r>
+                        <a:rPr lang="en-US" sz="1300" dirty="0" err="1">
+                          <a:effectLst/>
+                          <a:latin typeface="Gill Sans MT" panose="020B0502020104020203" pitchFamily="34" charset="0"/>
+                        </a:rPr>
+                        <a:t>logpci</a:t>
+                      </a:r>
+                      <a:endParaRPr lang="en-US" sz="1300" dirty="0">
+                        <a:effectLst/>
+                        <a:latin typeface="Gill Sans MT" panose="020B0502020104020203" pitchFamily="34" charset="0"/>
+                      </a:endParaRPr>
+                    </a:p>
+                  </a:txBody>
+                  <a:tcPr marL="95898" marR="95898" marT="47949" marB="47949" anchor="ctr"/>
+                </a:tc>
+                <a:tc>
+                  <a:txBody>
+                    <a:bodyPr/>
+                    <a:lstStyle/>
+                    <a:p>
+                      <a:pPr algn="l">
+                        <a:lnSpc>
+                          <a:spcPct val="100000"/>
+                        </a:lnSpc>
+                      </a:pPr>
+                      <a:r>
+                        <a:rPr lang="en-US" sz="1300" dirty="0">
+                          <a:effectLst/>
+                          <a:latin typeface="Gill Sans MT" panose="020B0502020104020203" pitchFamily="34" charset="0"/>
+                        </a:rPr>
+                        <a:t>log(per capita income)</a:t>
+                      </a:r>
+                    </a:p>
+                  </a:txBody>
+                  <a:tcPr marL="95898" marR="95898" marT="47949" marB="47949" anchor="ctr"/>
+                </a:tc>
+                <a:extLst>
+                  <a:ext uri="{0D108BD9-81ED-4DB2-BD59-A6C34878D82A}">
+                    <a16:rowId xmlns:a16="http://schemas.microsoft.com/office/drawing/2014/main" val="3402961404"/>
+                  </a:ext>
+                </a:extLst>
+              </a:tr>
+              <a:tr h="282835">
+                <a:tc>
+                  <a:txBody>
+                    <a:bodyPr/>
+                    <a:lstStyle/>
+                    <a:p>
+                      <a:pPr algn="l">
+                        <a:lnSpc>
+                          <a:spcPct val="100000"/>
+                        </a:lnSpc>
+                      </a:pPr>
+                      <a:r>
+                        <a:rPr lang="en-US" sz="1300" dirty="0">
+                          <a:effectLst/>
+                          <a:latin typeface="Gill Sans MT" panose="020B0502020104020203" pitchFamily="34" charset="0"/>
+                        </a:rPr>
+                        <a:t>16 </a:t>
+                      </a:r>
+                      <a:r>
+                        <a:rPr lang="en-US" sz="1300" dirty="0" err="1">
+                          <a:effectLst/>
+                          <a:latin typeface="Gill Sans MT" panose="020B0502020104020203" pitchFamily="34" charset="0"/>
+                        </a:rPr>
+                        <a:t>sepdiv</a:t>
+                      </a:r>
+                      <a:endParaRPr lang="en-US" sz="1300" dirty="0">
+                        <a:effectLst/>
+                        <a:latin typeface="Gill Sans MT" panose="020B0502020104020203" pitchFamily="34" charset="0"/>
+                      </a:endParaRPr>
+                    </a:p>
+                  </a:txBody>
+                  <a:tcPr marL="95898" marR="95898" marT="47949" marB="47949" anchor="ctr"/>
+                </a:tc>
+                <a:tc>
+                  <a:txBody>
+                    <a:bodyPr/>
+                    <a:lstStyle/>
+                    <a:p>
+                      <a:pPr algn="l">
+                        <a:lnSpc>
+                          <a:spcPct val="100000"/>
+                        </a:lnSpc>
+                      </a:pPr>
+                      <a:r>
+                        <a:rPr lang="en-US" sz="1300" dirty="0">
+                          <a:effectLst/>
+                          <a:latin typeface="Gill Sans MT" panose="020B0502020104020203" pitchFamily="34" charset="0"/>
+                        </a:rPr>
+                        <a:t>% separated or divorced</a:t>
+                      </a:r>
+                    </a:p>
+                  </a:txBody>
+                  <a:tcPr marL="95898" marR="95898" marT="47949" marB="47949" anchor="ctr"/>
+                </a:tc>
+                <a:tc>
+                  <a:txBody>
+                    <a:bodyPr/>
+                    <a:lstStyle/>
+                    <a:p>
+                      <a:pPr algn="l">
+                        <a:lnSpc>
+                          <a:spcPct val="100000"/>
+                        </a:lnSpc>
+                      </a:pPr>
+                      <a:r>
+                        <a:rPr lang="en-US" sz="1300" dirty="0">
+                          <a:effectLst/>
+                          <a:latin typeface="Gill Sans MT" panose="020B0502020104020203" pitchFamily="34" charset="0"/>
+                        </a:rPr>
+                        <a:t>35 </a:t>
+                      </a:r>
+                      <a:r>
+                        <a:rPr lang="en-US" sz="1300" dirty="0" err="1">
+                          <a:effectLst/>
+                          <a:latin typeface="Gill Sans MT" panose="020B0502020104020203" pitchFamily="34" charset="0"/>
+                        </a:rPr>
+                        <a:t>logforeignborn</a:t>
+                      </a:r>
+                      <a:endParaRPr lang="en-US" sz="1300" dirty="0">
+                        <a:effectLst/>
+                        <a:latin typeface="Gill Sans MT" panose="020B0502020104020203" pitchFamily="34" charset="0"/>
+                      </a:endParaRPr>
+                    </a:p>
+                  </a:txBody>
+                  <a:tcPr marL="95898" marR="95898" marT="47949" marB="47949" anchor="ctr"/>
+                </a:tc>
+                <a:tc>
+                  <a:txBody>
+                    <a:bodyPr/>
+                    <a:lstStyle/>
+                    <a:p>
+                      <a:pPr algn="l">
+                        <a:lnSpc>
+                          <a:spcPct val="100000"/>
+                        </a:lnSpc>
+                      </a:pPr>
+                      <a:r>
+                        <a:rPr lang="en-US" sz="1300" dirty="0">
+                          <a:effectLst/>
+                          <a:latin typeface="Gill Sans MT" panose="020B0502020104020203" pitchFamily="34" charset="0"/>
+                        </a:rPr>
+                        <a:t>log(% of county born outside US)</a:t>
+                      </a:r>
+                    </a:p>
+                  </a:txBody>
+                  <a:tcPr marL="95898" marR="95898" marT="47949" marB="47949" anchor="ctr"/>
+                </a:tc>
+                <a:extLst>
+                  <a:ext uri="{0D108BD9-81ED-4DB2-BD59-A6C34878D82A}">
+                    <a16:rowId xmlns:a16="http://schemas.microsoft.com/office/drawing/2014/main" val="1690968264"/>
+                  </a:ext>
+                </a:extLst>
+              </a:tr>
+              <a:tr h="282835">
+                <a:tc>
+                  <a:txBody>
+                    <a:bodyPr/>
+                    <a:lstStyle/>
+                    <a:p>
+                      <a:pPr algn="l">
+                        <a:lnSpc>
+                          <a:spcPct val="100000"/>
+                        </a:lnSpc>
+                      </a:pPr>
+                      <a:r>
+                        <a:rPr lang="en-US" sz="1300" dirty="0">
+                          <a:effectLst/>
+                          <a:latin typeface="Gill Sans MT" panose="020B0502020104020203" pitchFamily="34" charset="0"/>
+                        </a:rPr>
+                        <a:t>17 </a:t>
+                      </a:r>
+                      <a:r>
+                        <a:rPr lang="en-US" sz="1300" dirty="0" err="1">
+                          <a:effectLst/>
+                          <a:latin typeface="Gill Sans MT" panose="020B0502020104020203" pitchFamily="34" charset="0"/>
+                        </a:rPr>
+                        <a:t>logpop</a:t>
+                      </a:r>
+                      <a:endParaRPr lang="en-US" sz="1300" dirty="0">
+                        <a:effectLst/>
+                        <a:latin typeface="Gill Sans MT" panose="020B0502020104020203" pitchFamily="34" charset="0"/>
+                      </a:endParaRPr>
+                    </a:p>
+                  </a:txBody>
+                  <a:tcPr marL="95898" marR="95898" marT="47949" marB="47949" anchor="ctr"/>
+                </a:tc>
+                <a:tc>
+                  <a:txBody>
+                    <a:bodyPr/>
+                    <a:lstStyle/>
+                    <a:p>
+                      <a:pPr algn="l">
+                        <a:lnSpc>
+                          <a:spcPct val="100000"/>
+                        </a:lnSpc>
+                      </a:pPr>
+                      <a:r>
+                        <a:rPr lang="en-US" sz="1300" dirty="0">
+                          <a:effectLst/>
+                          <a:latin typeface="Gill Sans MT" panose="020B0502020104020203" pitchFamily="34" charset="0"/>
+                        </a:rPr>
+                        <a:t>log(population in 2000)</a:t>
+                      </a:r>
+                    </a:p>
+                  </a:txBody>
+                  <a:tcPr marL="95898" marR="95898" marT="47949" marB="47949" anchor="ctr"/>
+                </a:tc>
+                <a:tc>
+                  <a:txBody>
+                    <a:bodyPr/>
+                    <a:lstStyle/>
+                    <a:p>
+                      <a:pPr algn="l">
+                        <a:lnSpc>
+                          <a:spcPct val="100000"/>
+                        </a:lnSpc>
+                      </a:pPr>
+                      <a:r>
+                        <a:rPr lang="en-US" sz="1300" dirty="0">
+                          <a:effectLst/>
+                          <a:latin typeface="Gill Sans MT" panose="020B0502020104020203" pitchFamily="34" charset="0"/>
+                        </a:rPr>
+                        <a:t>36 </a:t>
+                      </a:r>
+                      <a:r>
+                        <a:rPr lang="en-US" sz="1300" dirty="0" err="1">
+                          <a:effectLst/>
+                          <a:latin typeface="Gill Sans MT" panose="020B0502020104020203" pitchFamily="34" charset="0"/>
+                        </a:rPr>
+                        <a:t>lognonenglish</a:t>
+                      </a:r>
+                      <a:endParaRPr lang="en-US" sz="1300" dirty="0">
+                        <a:effectLst/>
+                        <a:latin typeface="Gill Sans MT" panose="020B0502020104020203" pitchFamily="34" charset="0"/>
+                      </a:endParaRPr>
+                    </a:p>
+                  </a:txBody>
+                  <a:tcPr marL="95898" marR="95898" marT="47949" marB="47949" anchor="ctr"/>
+                </a:tc>
+                <a:tc>
+                  <a:txBody>
+                    <a:bodyPr/>
+                    <a:lstStyle/>
+                    <a:p>
+                      <a:pPr algn="l">
+                        <a:lnSpc>
+                          <a:spcPct val="100000"/>
+                        </a:lnSpc>
+                      </a:pPr>
+                      <a:r>
+                        <a:rPr lang="en-US" sz="1300" dirty="0">
+                          <a:effectLst/>
+                          <a:latin typeface="Gill Sans MT" panose="020B0502020104020203" pitchFamily="34" charset="0"/>
+                        </a:rPr>
+                        <a:t>log(% speaking non-English language at home)</a:t>
+                      </a:r>
+                    </a:p>
+                  </a:txBody>
+                  <a:tcPr marL="95898" marR="95898" marT="47949" marB="47949" anchor="ctr"/>
+                </a:tc>
+                <a:extLst>
+                  <a:ext uri="{0D108BD9-81ED-4DB2-BD59-A6C34878D82A}">
+                    <a16:rowId xmlns:a16="http://schemas.microsoft.com/office/drawing/2014/main" val="1376261874"/>
+                  </a:ext>
+                </a:extLst>
+              </a:tr>
+              <a:tr h="282835">
+                <a:tc>
+                  <a:txBody>
+                    <a:bodyPr/>
+                    <a:lstStyle/>
+                    <a:p>
+                      <a:pPr algn="l">
+                        <a:lnSpc>
+                          <a:spcPct val="100000"/>
+                        </a:lnSpc>
+                      </a:pPr>
+                      <a:r>
+                        <a:rPr lang="en-US" sz="1300" dirty="0">
+                          <a:effectLst/>
+                          <a:latin typeface="Gill Sans MT" panose="020B0502020104020203" pitchFamily="34" charset="0"/>
+                        </a:rPr>
+                        <a:t>18 </a:t>
+                      </a:r>
+                      <a:r>
+                        <a:rPr lang="en-US" sz="1300" dirty="0" err="1">
+                          <a:effectLst/>
+                          <a:latin typeface="Gill Sans MT" panose="020B0502020104020203" pitchFamily="34" charset="0"/>
+                        </a:rPr>
+                        <a:t>logpoppersqmi</a:t>
+                      </a:r>
+                      <a:endParaRPr lang="en-US" sz="1300" dirty="0">
+                        <a:effectLst/>
+                        <a:latin typeface="Gill Sans MT" panose="020B0502020104020203" pitchFamily="34" charset="0"/>
+                      </a:endParaRPr>
+                    </a:p>
+                  </a:txBody>
+                  <a:tcPr marL="95898" marR="95898" marT="47949" marB="47949" anchor="ctr"/>
+                </a:tc>
+                <a:tc>
+                  <a:txBody>
+                    <a:bodyPr/>
+                    <a:lstStyle/>
+                    <a:p>
+                      <a:pPr algn="l">
+                        <a:lnSpc>
+                          <a:spcPct val="100000"/>
+                        </a:lnSpc>
+                      </a:pPr>
+                      <a:r>
+                        <a:rPr lang="en-US" sz="1300" dirty="0">
+                          <a:effectLst/>
+                          <a:latin typeface="Gill Sans MT" panose="020B0502020104020203" pitchFamily="34" charset="0"/>
+                        </a:rPr>
+                        <a:t>log(population density in 2000)</a:t>
+                      </a:r>
+                    </a:p>
+                  </a:txBody>
+                  <a:tcPr marL="95898" marR="95898" marT="47949" marB="47949" anchor="ctr"/>
+                </a:tc>
+                <a:tc>
+                  <a:txBody>
+                    <a:bodyPr/>
+                    <a:lstStyle/>
+                    <a:p>
+                      <a:pPr algn="l">
+                        <a:lnSpc>
+                          <a:spcPct val="100000"/>
+                        </a:lnSpc>
+                      </a:pPr>
+                      <a:r>
+                        <a:rPr lang="en-US" sz="1300" dirty="0">
+                          <a:effectLst/>
+                          <a:latin typeface="Gill Sans MT" panose="020B0502020104020203" pitchFamily="34" charset="0"/>
+                        </a:rPr>
+                        <a:t>37 </a:t>
+                      </a:r>
+                      <a:r>
+                        <a:rPr lang="en-US" sz="1300" dirty="0" err="1">
+                          <a:effectLst/>
+                          <a:latin typeface="Gill Sans MT" panose="020B0502020104020203" pitchFamily="34" charset="0"/>
+                        </a:rPr>
+                        <a:t>loglandsqmi</a:t>
+                      </a:r>
+                      <a:endParaRPr lang="en-US" sz="1300" dirty="0">
+                        <a:effectLst/>
+                        <a:latin typeface="Gill Sans MT" panose="020B0502020104020203" pitchFamily="34" charset="0"/>
+                      </a:endParaRPr>
+                    </a:p>
+                  </a:txBody>
+                  <a:tcPr marL="95898" marR="95898" marT="47949" marB="47949" anchor="ctr"/>
+                </a:tc>
+                <a:tc>
+                  <a:txBody>
+                    <a:bodyPr/>
+                    <a:lstStyle/>
+                    <a:p>
+                      <a:pPr algn="l">
+                        <a:lnSpc>
+                          <a:spcPct val="100000"/>
+                        </a:lnSpc>
+                      </a:pPr>
+                      <a:r>
+                        <a:rPr lang="en-US" sz="1300" dirty="0">
+                          <a:effectLst/>
+                          <a:latin typeface="Gill Sans MT" panose="020B0502020104020203" pitchFamily="34" charset="0"/>
+                        </a:rPr>
+                        <a:t>log(land area in square miles)</a:t>
+                      </a:r>
+                    </a:p>
+                  </a:txBody>
+                  <a:tcPr marL="95898" marR="95898" marT="47949" marB="47949" anchor="ctr"/>
+                </a:tc>
+                <a:extLst>
+                  <a:ext uri="{0D108BD9-81ED-4DB2-BD59-A6C34878D82A}">
+                    <a16:rowId xmlns:a16="http://schemas.microsoft.com/office/drawing/2014/main" val="3187651711"/>
+                  </a:ext>
+                </a:extLst>
+              </a:tr>
+              <a:tr h="282835">
+                <a:tc>
+                  <a:txBody>
+                    <a:bodyPr/>
+                    <a:lstStyle/>
+                    <a:p>
+                      <a:pPr algn="l">
+                        <a:lnSpc>
+                          <a:spcPct val="100000"/>
+                        </a:lnSpc>
+                      </a:pPr>
+                      <a:r>
+                        <a:rPr lang="en-US" sz="1300" dirty="0">
+                          <a:effectLst/>
+                          <a:latin typeface="Gill Sans MT" panose="020B0502020104020203" pitchFamily="34" charset="0"/>
+                        </a:rPr>
+                        <a:t>19 age20_34</a:t>
+                      </a:r>
+                    </a:p>
+                  </a:txBody>
+                  <a:tcPr marL="95898" marR="95898" marT="47949" marB="47949" anchor="ctr"/>
+                </a:tc>
+                <a:tc>
+                  <a:txBody>
+                    <a:bodyPr/>
+                    <a:lstStyle/>
+                    <a:p>
+                      <a:pPr algn="l">
+                        <a:lnSpc>
+                          <a:spcPct val="100000"/>
+                        </a:lnSpc>
+                      </a:pPr>
+                      <a:r>
+                        <a:rPr lang="en-US" sz="1300" dirty="0">
+                          <a:effectLst/>
+                          <a:latin typeface="Gill Sans MT" panose="020B0502020104020203" pitchFamily="34" charset="0"/>
+                        </a:rPr>
+                        <a:t>% aged 20-34</a:t>
+                      </a:r>
+                    </a:p>
+                  </a:txBody>
+                  <a:tcPr marL="95898" marR="95898" marT="47949" marB="47949" anchor="ctr"/>
+                </a:tc>
+                <a:tc>
+                  <a:txBody>
+                    <a:bodyPr/>
+                    <a:lstStyle/>
+                    <a:p>
+                      <a:pPr algn="l">
+                        <a:lnSpc>
+                          <a:spcPct val="100000"/>
+                        </a:lnSpc>
+                      </a:pPr>
+                      <a:r>
+                        <a:rPr lang="en-US" sz="1300" dirty="0">
+                          <a:effectLst/>
+                          <a:latin typeface="Gill Sans MT" panose="020B0502020104020203" pitchFamily="34" charset="0"/>
+                        </a:rPr>
+                        <a:t>38 </a:t>
+                      </a:r>
+                      <a:r>
+                        <a:rPr lang="en-US" sz="1300" dirty="0" err="1">
+                          <a:effectLst/>
+                          <a:latin typeface="Gill Sans MT" panose="020B0502020104020203" pitchFamily="34" charset="0"/>
+                        </a:rPr>
+                        <a:t>loghomeless</a:t>
+                      </a:r>
+                      <a:endParaRPr lang="en-US" sz="1300" dirty="0">
+                        <a:effectLst/>
+                        <a:latin typeface="Gill Sans MT" panose="020B0502020104020203" pitchFamily="34" charset="0"/>
+                      </a:endParaRPr>
+                    </a:p>
+                  </a:txBody>
+                  <a:tcPr marL="95898" marR="95898" marT="47949" marB="47949" anchor="ctr"/>
+                </a:tc>
+                <a:tc>
+                  <a:txBody>
+                    <a:bodyPr/>
+                    <a:lstStyle/>
+                    <a:p>
+                      <a:pPr algn="l">
+                        <a:lnSpc>
+                          <a:spcPct val="100000"/>
+                        </a:lnSpc>
+                      </a:pPr>
+                      <a:r>
+                        <a:rPr lang="en-US" sz="1300" dirty="0">
+                          <a:effectLst/>
+                          <a:latin typeface="Gill Sans MT" panose="020B0502020104020203" pitchFamily="34" charset="0"/>
+                        </a:rPr>
+                        <a:t>log(% homeless in county)</a:t>
+                      </a:r>
+                    </a:p>
+                  </a:txBody>
+                  <a:tcPr marL="95898" marR="95898" marT="47949" marB="47949" anchor="ctr"/>
+                </a:tc>
+                <a:extLst>
+                  <a:ext uri="{0D108BD9-81ED-4DB2-BD59-A6C34878D82A}">
+                    <a16:rowId xmlns:a16="http://schemas.microsoft.com/office/drawing/2014/main" val="2502580862"/>
+                  </a:ext>
+                </a:extLst>
+              </a:tr>
+            </a:tbl>
+          </a:graphicData>
+        </a:graphic>
+      </p:graphicFrame>
+    </p:spTree>
+    <p:extLst>
+      <p:ext uri="{BB962C8B-B14F-4D97-AF65-F5344CB8AC3E}">
+        <p14:creationId xmlns:p14="http://schemas.microsoft.com/office/powerpoint/2010/main" val="3380838365"/>
+      </p:ext>
+    </p:extLst>
+  </p:cSld>
+  <p:clrMapOvr>
+    <a:masterClrMapping/>
+  </p:clrMapOvr>
+</p:sld>
+</file>
+
+<file path=ppt/slides/slide12.xml><?xml version="1.0" encoding="utf-8"?>
+<p:sld xmlns:a="http://schemas.openxmlformats.org/drawingml/2006/main" xmlns:r="http://schemas.openxmlformats.org/officeDocument/2006/relationships" xmlns:p="http://schemas.openxmlformats.org/presentationml/2006/main">
+  <p:cSld>
+    <p:spTree>
+      <p:nvGrpSpPr>
+        <p:cNvPr id="1" name=""/>
+        <p:cNvGrpSpPr/>
+        <p:nvPr/>
+      </p:nvGrpSpPr>
+      <p:grpSpPr>
+        <a:xfrm>
+          <a:off x="0" y="0"/>
+          <a:ext cx="0" cy="0"/>
+          <a:chOff x="0" y="0"/>
+          <a:chExt cx="0" cy="0"/>
+        </a:xfrm>
+      </p:grpSpPr>
       <p:pic>
         <p:nvPicPr>
           <p:cNvPr id="3" name="Picture 2">
@@ -6199,80 +8511,6 @@
     <p:extLst>
       <p:ext uri="{BB962C8B-B14F-4D97-AF65-F5344CB8AC3E}">
         <p14:creationId xmlns:p14="http://schemas.microsoft.com/office/powerpoint/2010/main" val="951306570"/>
-      </p:ext>
-    </p:extLst>
-  </p:cSld>
-  <p:clrMapOvr>
-    <a:masterClrMapping/>
-  </p:clrMapOvr>
-</p:sld>
-</file>
-
-<file path=ppt/slides/slide12.xml><?xml version="1.0" encoding="utf-8"?>
-<p:sld xmlns:a="http://schemas.openxmlformats.org/drawingml/2006/main" xmlns:r="http://schemas.openxmlformats.org/officeDocument/2006/relationships" xmlns:p="http://schemas.openxmlformats.org/presentationml/2006/main">
-  <p:cSld>
-    <p:bg>
-      <p:bgPr>
-        <a:solidFill>
-          <a:schemeClr val="bg1"/>
-        </a:solidFill>
-        <a:effectLst/>
-      </p:bgPr>
-    </p:bg>
-    <p:spTree>
-      <p:nvGrpSpPr>
-        <p:cNvPr id="1" name=""/>
-        <p:cNvGrpSpPr/>
-        <p:nvPr/>
-      </p:nvGrpSpPr>
-      <p:grpSpPr>
-        <a:xfrm>
-          <a:off x="0" y="0"/>
-          <a:ext cx="0" cy="0"/>
-          <a:chOff x="0" y="0"/>
-          <a:chExt cx="0" cy="0"/>
-        </a:xfrm>
-      </p:grpSpPr>
-      <p:pic>
-        <p:nvPicPr>
-          <p:cNvPr id="5" name="Picture 4">
-            <a:extLst>
-              <a:ext uri="{FF2B5EF4-FFF2-40B4-BE49-F238E27FC236}">
-                <a16:creationId xmlns:a16="http://schemas.microsoft.com/office/drawing/2014/main" id="{B33721A9-806B-4861-843A-F4AC04548184}"/>
-              </a:ext>
-            </a:extLst>
-          </p:cNvPr>
-          <p:cNvPicPr>
-            <a:picLocks noChangeAspect="1"/>
-          </p:cNvPicPr>
-          <p:nvPr/>
-        </p:nvPicPr>
-        <p:blipFill>
-          <a:blip r:embed="rId2">
-            <a:extLst>
-              <a:ext uri="{28A0092B-C50C-407E-A947-70E740481C1C}">
-                <a14:useLocalDpi xmlns:a14="http://schemas.microsoft.com/office/drawing/2010/main" val="0"/>
-              </a:ext>
-            </a:extLst>
-          </a:blip>
-          <a:stretch>
-            <a:fillRect/>
-          </a:stretch>
-        </p:blipFill>
-        <p:spPr>
-          <a:xfrm>
-            <a:off x="0" y="0"/>
-            <a:ext cx="12192000" cy="6858000"/>
-          </a:xfrm>
-          <a:prstGeom prst="rect">
-            <a:avLst/>
-          </a:prstGeom>
-        </p:spPr>
-      </p:pic>
-    </p:spTree>
-    <p:extLst>
-      <p:ext uri="{BB962C8B-B14F-4D97-AF65-F5344CB8AC3E}">
-        <p14:creationId xmlns:p14="http://schemas.microsoft.com/office/powerpoint/2010/main" val="4123095882"/>
       </p:ext>
     </p:extLst>
   </p:cSld>
@@ -6309,6 +8547,80 @@
       </p:grpSpPr>
       <p:pic>
         <p:nvPicPr>
+          <p:cNvPr id="5" name="Picture 4">
+            <a:extLst>
+              <a:ext uri="{FF2B5EF4-FFF2-40B4-BE49-F238E27FC236}">
+                <a16:creationId xmlns:a16="http://schemas.microsoft.com/office/drawing/2014/main" id="{B33721A9-806B-4861-843A-F4AC04548184}"/>
+              </a:ext>
+            </a:extLst>
+          </p:cNvPr>
+          <p:cNvPicPr>
+            <a:picLocks noChangeAspect="1"/>
+          </p:cNvPicPr>
+          <p:nvPr/>
+        </p:nvPicPr>
+        <p:blipFill>
+          <a:blip r:embed="rId2">
+            <a:extLst>
+              <a:ext uri="{28A0092B-C50C-407E-A947-70E740481C1C}">
+                <a14:useLocalDpi xmlns:a14="http://schemas.microsoft.com/office/drawing/2010/main" val="0"/>
+              </a:ext>
+            </a:extLst>
+          </a:blip>
+          <a:stretch>
+            <a:fillRect/>
+          </a:stretch>
+        </p:blipFill>
+        <p:spPr>
+          <a:xfrm>
+            <a:off x="0" y="0"/>
+            <a:ext cx="12192000" cy="6858000"/>
+          </a:xfrm>
+          <a:prstGeom prst="rect">
+            <a:avLst/>
+          </a:prstGeom>
+        </p:spPr>
+      </p:pic>
+    </p:spTree>
+    <p:extLst>
+      <p:ext uri="{BB962C8B-B14F-4D97-AF65-F5344CB8AC3E}">
+        <p14:creationId xmlns:p14="http://schemas.microsoft.com/office/powerpoint/2010/main" val="4123095882"/>
+      </p:ext>
+    </p:extLst>
+  </p:cSld>
+  <p:clrMapOvr>
+    <a:masterClrMapping/>
+  </p:clrMapOvr>
+</p:sld>
+</file>
+
+<file path=ppt/slides/slide14.xml><?xml version="1.0" encoding="utf-8"?>
+<p:sld xmlns:a="http://schemas.openxmlformats.org/drawingml/2006/main" xmlns:r="http://schemas.openxmlformats.org/officeDocument/2006/relationships" xmlns:p="http://schemas.openxmlformats.org/presentationml/2006/main">
+  <p:cSld>
+    <p:bg>
+      <p:bgPr>
+        <a:solidFill>
+          <a:schemeClr val="bg1"/>
+        </a:solidFill>
+        <a:effectLst/>
+      </p:bgPr>
+    </p:bg>
+    <p:spTree>
+      <p:nvGrpSpPr>
+        <p:cNvPr id="1" name=""/>
+        <p:cNvGrpSpPr/>
+        <p:nvPr/>
+      </p:nvGrpSpPr>
+      <p:grpSpPr>
+        <a:xfrm>
+          <a:off x="0" y="0"/>
+          <a:ext cx="0" cy="0"/>
+          <a:chOff x="0" y="0"/>
+          <a:chExt cx="0" cy="0"/>
+        </a:xfrm>
+      </p:grpSpPr>
+      <p:pic>
+        <p:nvPicPr>
           <p:cNvPr id="3" name="Picture 2">
             <a:extLst>
               <a:ext uri="{FF2B5EF4-FFF2-40B4-BE49-F238E27FC236}">
@@ -6355,7 +8667,7 @@
 </p:sld>
 </file>
 
-<file path=ppt/slides/slide14.xml><?xml version="1.0" encoding="utf-8"?>
+<file path=ppt/slides/slide15.xml><?xml version="1.0" encoding="utf-8"?>
 <p:sld xmlns:a="http://schemas.openxmlformats.org/drawingml/2006/main" xmlns:r="http://schemas.openxmlformats.org/officeDocument/2006/relationships" xmlns:p="http://schemas.openxmlformats.org/presentationml/2006/main">
   <p:cSld>
     <p:spTree>
@@ -6421,7 +8733,7 @@
 </p:sld>
 </file>
 
-<file path=ppt/slides/slide15.xml><?xml version="1.0" encoding="utf-8"?>
+<file path=ppt/slides/slide16.xml><?xml version="1.0" encoding="utf-8"?>
 <p:sld xmlns:a="http://schemas.openxmlformats.org/drawingml/2006/main" xmlns:r="http://schemas.openxmlformats.org/officeDocument/2006/relationships" xmlns:p="http://schemas.openxmlformats.org/presentationml/2006/main">
   <p:cSld>
     <p:bg>
@@ -6711,7 +9023,7 @@
 </p:sld>
 </file>
 
-<file path=ppt/slides/slide16.xml><?xml version="1.0" encoding="utf-8"?>
+<file path=ppt/slides/slide17.xml><?xml version="1.0" encoding="utf-8"?>
 <p:sld xmlns:a="http://schemas.openxmlformats.org/drawingml/2006/main" xmlns:r="http://schemas.openxmlformats.org/officeDocument/2006/relationships" xmlns:p="http://schemas.openxmlformats.org/presentationml/2006/main">
   <p:cSld>
     <p:bg>
@@ -7001,7 +9313,7 @@
 </p:sld>
 </file>
 
-<file path=ppt/slides/slide17.xml><?xml version="1.0" encoding="utf-8"?>
+<file path=ppt/slides/slide18.xml><?xml version="1.0" encoding="utf-8"?>
 <p:sld xmlns:a="http://schemas.openxmlformats.org/drawingml/2006/main" xmlns:r="http://schemas.openxmlformats.org/officeDocument/2006/relationships" xmlns:p="http://schemas.openxmlformats.org/presentationml/2006/main">
   <p:cSld>
     <p:bg>
@@ -7291,7 +9603,7 @@
 </p:sld>
 </file>
 
-<file path=ppt/slides/slide18.xml><?xml version="1.0" encoding="utf-8"?>
+<file path=ppt/slides/slide19.xml><?xml version="1.0" encoding="utf-8"?>
 <p:sld xmlns:a="http://schemas.openxmlformats.org/drawingml/2006/main" xmlns:r="http://schemas.openxmlformats.org/officeDocument/2006/relationships" xmlns:p="http://schemas.openxmlformats.org/presentationml/2006/main">
   <p:cSld>
     <p:spTree>
@@ -7358,10 +9670,10 @@
       </p:sp>
       <p:pic>
         <p:nvPicPr>
-          <p:cNvPr id="11" name="Picture 10">
+          <p:cNvPr id="13" name="Picture 12">
             <a:extLst>
               <a:ext uri="{FF2B5EF4-FFF2-40B4-BE49-F238E27FC236}">
-                <a16:creationId xmlns:a16="http://schemas.microsoft.com/office/drawing/2014/main" id="{3A318107-6C80-4543-80B6-65B3E3578E19}"/>
+                <a16:creationId xmlns:a16="http://schemas.microsoft.com/office/drawing/2014/main" id="{607A8E30-BCB0-46D4-A44E-68F6A2CCF725}"/>
               </a:ext>
             </a:extLst>
           </p:cNvPr>
@@ -7384,8 +9696,8 @@
         </p:blipFill>
         <p:spPr>
           <a:xfrm>
-            <a:off x="3960644" y="0"/>
-            <a:ext cx="7622142" cy="6931756"/>
+            <a:off x="4046369" y="0"/>
+            <a:ext cx="7559071" cy="6858000"/>
           </a:xfrm>
           <a:prstGeom prst="rect">
             <a:avLst/>
@@ -7396,110 +9708,6 @@
     <p:extLst>
       <p:ext uri="{BB962C8B-B14F-4D97-AF65-F5344CB8AC3E}">
         <p14:creationId xmlns:p14="http://schemas.microsoft.com/office/powerpoint/2010/main" val="3165324731"/>
-      </p:ext>
-    </p:extLst>
-  </p:cSld>
-  <p:clrMapOvr>
-    <a:masterClrMapping/>
-  </p:clrMapOvr>
-</p:sld>
-</file>
-
-<file path=ppt/slides/slide19.xml><?xml version="1.0" encoding="utf-8"?>
-<p:sld xmlns:a="http://schemas.openxmlformats.org/drawingml/2006/main" xmlns:r="http://schemas.openxmlformats.org/officeDocument/2006/relationships" xmlns:p="http://schemas.openxmlformats.org/presentationml/2006/main">
-  <p:cSld>
-    <p:spTree>
-      <p:nvGrpSpPr>
-        <p:cNvPr id="1" name=""/>
-        <p:cNvGrpSpPr/>
-        <p:nvPr/>
-      </p:nvGrpSpPr>
-      <p:grpSpPr>
-        <a:xfrm>
-          <a:off x="0" y="0"/>
-          <a:ext cx="0" cy="0"/>
-          <a:chOff x="0" y="0"/>
-          <a:chExt cx="0" cy="0"/>
-        </a:xfrm>
-      </p:grpSpPr>
-      <p:sp>
-        <p:nvSpPr>
-          <p:cNvPr id="2" name="Title 1">
-            <a:extLst>
-              <a:ext uri="{FF2B5EF4-FFF2-40B4-BE49-F238E27FC236}">
-                <a16:creationId xmlns:a16="http://schemas.microsoft.com/office/drawing/2014/main" id="{44FE9C8F-CBB8-456F-94A0-AE421065C015}"/>
-              </a:ext>
-            </a:extLst>
-          </p:cNvPr>
-          <p:cNvSpPr>
-            <a:spLocks noGrp="1"/>
-          </p:cNvSpPr>
-          <p:nvPr>
-            <p:ph type="title"/>
-          </p:nvPr>
-        </p:nvSpPr>
-        <p:spPr/>
-        <p:txBody>
-          <a:bodyPr/>
-          <a:lstStyle/>
-          <a:p>
-            <a:r>
-              <a:rPr lang="en-US" dirty="0">
-                <a:latin typeface="Gill Sans MT" panose="020B0502020104020203" pitchFamily="34" charset="0"/>
-              </a:rPr>
-              <a:t>Predicting election results: Model selection</a:t>
-            </a:r>
-            <a:endParaRPr lang="en-US" dirty="0"/>
-          </a:p>
-        </p:txBody>
-      </p:sp>
-      <p:sp>
-        <p:nvSpPr>
-          <p:cNvPr id="3" name="Content Placeholder 2">
-            <a:extLst>
-              <a:ext uri="{FF2B5EF4-FFF2-40B4-BE49-F238E27FC236}">
-                <a16:creationId xmlns:a16="http://schemas.microsoft.com/office/drawing/2014/main" id="{B8240842-7C4B-4A44-B36C-7B30FA7B2494}"/>
-              </a:ext>
-            </a:extLst>
-          </p:cNvPr>
-          <p:cNvSpPr>
-            <a:spLocks noGrp="1"/>
-          </p:cNvSpPr>
-          <p:nvPr>
-            <p:ph idx="1"/>
-          </p:nvPr>
-        </p:nvSpPr>
-        <p:spPr/>
-        <p:txBody>
-          <a:bodyPr/>
-          <a:lstStyle/>
-          <a:p>
-            <a:pPr lvl="1"/>
-            <a:endParaRPr lang="en-US" dirty="0">
-              <a:latin typeface="Gill Sans MT" panose="020B0502020104020203" pitchFamily="34" charset="0"/>
-            </a:endParaRPr>
-          </a:p>
-          <a:p>
-            <a:pPr lvl="1"/>
-            <a:r>
-              <a:rPr lang="en-US" dirty="0">
-                <a:latin typeface="Gill Sans MT" panose="020B0502020104020203" pitchFamily="34" charset="0"/>
-              </a:rPr>
-              <a:t>Chose algorithmically from several candidate models</a:t>
-            </a:r>
-          </a:p>
-          <a:p>
-            <a:pPr lvl="1"/>
-            <a:endParaRPr lang="en-US" dirty="0">
-              <a:latin typeface="Gill Sans MT" panose="020B0502020104020203" pitchFamily="34" charset="0"/>
-            </a:endParaRPr>
-          </a:p>
-        </p:txBody>
-      </p:sp>
-    </p:spTree>
-    <p:extLst>
-      <p:ext uri="{BB962C8B-B14F-4D97-AF65-F5344CB8AC3E}">
-        <p14:creationId xmlns:p14="http://schemas.microsoft.com/office/powerpoint/2010/main" val="4162485765"/>
       </p:ext>
     </p:extLst>
   </p:cSld>
@@ -7712,93 +9920,21 @@
               <a:rPr lang="en-US" dirty="0">
                 <a:latin typeface="Gill Sans MT" panose="020B0502020104020203" pitchFamily="34" charset="0"/>
               </a:rPr>
-              <a:t>Chose algorithmically from several candidate models.</a:t>
+              <a:t>Chose algorithmically from several candidate models</a:t>
             </a:r>
           </a:p>
           <a:p>
             <a:pPr lvl="1"/>
-            <a:r>
-              <a:rPr lang="en-US" dirty="0">
-                <a:latin typeface="Gill Sans MT" panose="020B0502020104020203" pitchFamily="34" charset="0"/>
-              </a:rPr>
-              <a:t>Goodness of fit measure:</a:t>
-            </a:r>
-          </a:p>
-          <a:p>
-            <a:pPr marL="914400" lvl="2" indent="0">
-              <a:buNone/>
-            </a:pPr>
-            <a:r>
-              <a:rPr lang="en-US" dirty="0">
-                <a:latin typeface="Gill Sans MT" panose="020B0502020104020203" pitchFamily="34" charset="0"/>
-              </a:rPr>
-              <a:t>		     </a:t>
-            </a:r>
-          </a:p>
-          <a:p>
-            <a:pPr marL="914400" lvl="2" indent="0">
-              <a:buNone/>
-            </a:pPr>
-            <a:r>
-              <a:rPr lang="en-US" i="1" dirty="0">
-                <a:latin typeface="Gill Sans MT" panose="020B0502020104020203" pitchFamily="34" charset="0"/>
-              </a:rPr>
-              <a:t>		     R² </a:t>
-            </a:r>
-            <a:r>
-              <a:rPr lang="en-US" dirty="0">
-                <a:latin typeface="Gill Sans MT" panose="020B0502020104020203" pitchFamily="34" charset="0"/>
-              </a:rPr>
-              <a:t>= </a:t>
-            </a:r>
-            <a:r>
-              <a:rPr lang="en-US" sz="2200" dirty="0">
-                <a:latin typeface="Gill Sans MT" panose="020B0502020104020203" pitchFamily="34" charset="0"/>
-              </a:rPr>
-              <a:t>correlation(</a:t>
-            </a:r>
-            <a:r>
-              <a:rPr lang="en-US" sz="2200" b="1" dirty="0" err="1">
-                <a:latin typeface="Gill Sans MT" panose="020B0502020104020203" pitchFamily="34" charset="0"/>
-              </a:rPr>
-              <a:t>rpct</a:t>
-            </a:r>
-            <a:r>
-              <a:rPr lang="en-US" sz="2200" dirty="0">
-                <a:latin typeface="Gill Sans MT" panose="020B0502020104020203" pitchFamily="34" charset="0"/>
-              </a:rPr>
-              <a:t>, </a:t>
-            </a:r>
-            <a:r>
-              <a:rPr lang="en-US" sz="2200" b="1" dirty="0">
-                <a:latin typeface="Gill Sans MT" panose="020B0502020104020203" pitchFamily="34" charset="0"/>
-              </a:rPr>
-              <a:t>prediction</a:t>
-            </a:r>
-            <a:r>
-              <a:rPr lang="en-US" sz="2200" dirty="0">
-                <a:latin typeface="Gill Sans MT" panose="020B0502020104020203" pitchFamily="34" charset="0"/>
-              </a:rPr>
-              <a:t>)²</a:t>
-            </a:r>
-          </a:p>
-          <a:p>
-            <a:pPr marL="914400" lvl="2" indent="0">
-              <a:buNone/>
-            </a:pPr>
-            <a:r>
-              <a:rPr lang="en-US" sz="2200" dirty="0">
-                <a:latin typeface="Gill Sans MT" panose="020B0502020104020203" pitchFamily="34" charset="0"/>
-              </a:rPr>
-              <a:t>		       </a:t>
-            </a:r>
+            <a:endParaRPr lang="en-US" dirty="0">
+              <a:latin typeface="Gill Sans MT" panose="020B0502020104020203" pitchFamily="34" charset="0"/>
+            </a:endParaRPr>
           </a:p>
         </p:txBody>
       </p:sp>
     </p:spTree>
     <p:extLst>
       <p:ext uri="{BB962C8B-B14F-4D97-AF65-F5344CB8AC3E}">
-        <p14:creationId xmlns:p14="http://schemas.microsoft.com/office/powerpoint/2010/main" val="656128699"/>
+        <p14:creationId xmlns:p14="http://schemas.microsoft.com/office/powerpoint/2010/main" val="4162485765"/>
       </p:ext>
     </p:extLst>
   </p:cSld>
@@ -7830,7 +9966,7 @@
           <p:cNvPr id="2" name="Title 1">
             <a:extLst>
               <a:ext uri="{FF2B5EF4-FFF2-40B4-BE49-F238E27FC236}">
-                <a16:creationId xmlns:a16="http://schemas.microsoft.com/office/drawing/2014/main" id="{7FCCC659-94D9-4DA4-A45B-7F1250CD4907}"/>
+                <a16:creationId xmlns:a16="http://schemas.microsoft.com/office/drawing/2014/main" id="{44FE9C8F-CBB8-456F-94A0-AE421065C015}"/>
               </a:ext>
             </a:extLst>
           </p:cNvPr>
@@ -7841,12 +9977,7 @@
             <p:ph type="title"/>
           </p:nvPr>
         </p:nvSpPr>
-        <p:spPr>
-          <a:xfrm>
-            <a:off x="847724" y="498476"/>
-            <a:ext cx="10458449" cy="1044574"/>
-          </a:xfrm>
-        </p:spPr>
+        <p:spPr/>
         <p:txBody>
           <a:bodyPr/>
           <a:lstStyle/>
@@ -7857,63 +9988,129 @@
               </a:rPr>
               <a:t>Predicting election results: Model selection</a:t>
             </a:r>
+            <a:endParaRPr lang="en-US" dirty="0"/>
           </a:p>
         </p:txBody>
       </p:sp>
       <p:sp>
         <p:nvSpPr>
-          <p:cNvPr id="10" name="TextBox 9">
+          <p:cNvPr id="3" name="Content Placeholder 2">
             <a:extLst>
               <a:ext uri="{FF2B5EF4-FFF2-40B4-BE49-F238E27FC236}">
-                <a16:creationId xmlns:a16="http://schemas.microsoft.com/office/drawing/2014/main" id="{F4702C9B-096C-4AF3-B21F-14C319B3E3D5}"/>
+                <a16:creationId xmlns:a16="http://schemas.microsoft.com/office/drawing/2014/main" id="{B8240842-7C4B-4A44-B36C-7B30FA7B2494}"/>
               </a:ext>
             </a:extLst>
           </p:cNvPr>
-          <p:cNvSpPr txBox="1"/>
-          <p:nvPr/>
+          <p:cNvSpPr>
+            <a:spLocks noGrp="1"/>
+          </p:cNvSpPr>
+          <p:nvPr>
+            <p:ph idx="1"/>
+          </p:nvPr>
         </p:nvSpPr>
-        <p:spPr>
-          <a:xfrm>
-            <a:off x="1032396" y="1834997"/>
-            <a:ext cx="10089104" cy="1015663"/>
-          </a:xfrm>
-          <a:prstGeom prst="rect">
-            <a:avLst/>
-          </a:prstGeom>
-          <a:noFill/>
-        </p:spPr>
+        <p:spPr/>
         <p:txBody>
-          <a:bodyPr wrap="square" rtlCol="0">
-            <a:spAutoFit/>
-          </a:bodyPr>
+          <a:bodyPr/>
           <a:lstStyle/>
           <a:p>
-            <a:r>
-              <a:rPr lang="en-US" sz="2000" b="1" i="1" dirty="0">
-                <a:latin typeface="Gill Sans MT" panose="020B0502020104020203" pitchFamily="34" charset="0"/>
-              </a:rPr>
-              <a:t>10-fold cross validation</a:t>
-            </a:r>
-          </a:p>
-          <a:p>
-            <a:endParaRPr lang="en-US" sz="2000" i="1" dirty="0">
+            <a:pPr lvl="1"/>
+            <a:endParaRPr lang="en-US" dirty="0">
               <a:latin typeface="Gill Sans MT" panose="020B0502020104020203" pitchFamily="34" charset="0"/>
             </a:endParaRPr>
           </a:p>
           <a:p>
-            <a:pPr marL="457200" indent="-457200">
-              <a:buAutoNum type="arabicPeriod"/>
+            <a:pPr lvl="1"/>
+            <a:r>
+              <a:rPr lang="en-US" dirty="0">
+                <a:latin typeface="Gill Sans MT" panose="020B0502020104020203" pitchFamily="34" charset="0"/>
+              </a:rPr>
+              <a:t>Chose algorithmically from several candidate models.</a:t>
+            </a:r>
+          </a:p>
+          <a:p>
+            <a:pPr lvl="1"/>
+            <a:r>
+              <a:rPr lang="en-US" dirty="0">
+                <a:latin typeface="Gill Sans MT" panose="020B0502020104020203" pitchFamily="34" charset="0"/>
+              </a:rPr>
+              <a:t>Goodness of fit measure:</a:t>
+            </a:r>
+          </a:p>
+          <a:p>
+            <a:pPr marL="914400" lvl="2" indent="0">
+              <a:buNone/>
             </a:pPr>
-            <a:endParaRPr lang="en-US" sz="2000" dirty="0">
-              <a:latin typeface="Gill Sans MT" panose="020B0502020104020203" pitchFamily="34" charset="0"/>
-            </a:endParaRPr>
+            <a:r>
+              <a:rPr lang="en-US" dirty="0">
+                <a:latin typeface="Gill Sans MT" panose="020B0502020104020203" pitchFamily="34" charset="0"/>
+              </a:rPr>
+              <a:t>		     </a:t>
+            </a:r>
+          </a:p>
+          <a:p>
+            <a:pPr marL="914400" lvl="2" indent="0">
+              <a:buNone/>
+            </a:pPr>
+            <a:r>
+              <a:rPr lang="en-US" i="1" dirty="0">
+                <a:latin typeface="Gill Sans MT" panose="020B0502020104020203" pitchFamily="34" charset="0"/>
+              </a:rPr>
+              <a:t>		     R² </a:t>
+            </a:r>
+            <a:r>
+              <a:rPr lang="en-US" dirty="0">
+                <a:latin typeface="Gill Sans MT" panose="020B0502020104020203" pitchFamily="34" charset="0"/>
+              </a:rPr>
+              <a:t>= </a:t>
+            </a:r>
+            <a:r>
+              <a:rPr lang="en-US" sz="2200" dirty="0">
+                <a:latin typeface="Gill Sans MT" panose="020B0502020104020203" pitchFamily="34" charset="0"/>
+              </a:rPr>
+              <a:t>correlation(</a:t>
+            </a:r>
+            <a:r>
+              <a:rPr lang="en-US" sz="2200" b="1" dirty="0" err="1">
+                <a:latin typeface="Gill Sans MT" panose="020B0502020104020203" pitchFamily="34" charset="0"/>
+              </a:rPr>
+              <a:t>rpct</a:t>
+            </a:r>
+            <a:r>
+              <a:rPr lang="en-US" sz="2200" dirty="0">
+                <a:latin typeface="Gill Sans MT" panose="020B0502020104020203" pitchFamily="34" charset="0"/>
+              </a:rPr>
+              <a:t>, </a:t>
+            </a:r>
+            <a:r>
+              <a:rPr lang="en-US" sz="2200" b="1" dirty="0">
+                <a:latin typeface="Gill Sans MT" panose="020B0502020104020203" pitchFamily="34" charset="0"/>
+              </a:rPr>
+              <a:t>prediction</a:t>
+            </a:r>
+            <a:r>
+              <a:rPr lang="en-US" sz="2200" dirty="0">
+                <a:latin typeface="Gill Sans MT" panose="020B0502020104020203" pitchFamily="34" charset="0"/>
+              </a:rPr>
+              <a:t>)²</a:t>
+            </a:r>
+          </a:p>
+          <a:p>
+            <a:pPr marL="914400" lvl="2" indent="0">
+              <a:buNone/>
+            </a:pPr>
+            <a:r>
+              <a:rPr lang="en-US" sz="2200" dirty="0">
+                <a:latin typeface="Gill Sans MT" panose="020B0502020104020203" pitchFamily="34" charset="0"/>
+              </a:rPr>
+              <a:t>		       </a:t>
+            </a:r>
           </a:p>
         </p:txBody>
       </p:sp>
     </p:spTree>
     <p:extLst>
       <p:ext uri="{BB962C8B-B14F-4D97-AF65-F5344CB8AC3E}">
-        <p14:creationId xmlns:p14="http://schemas.microsoft.com/office/powerpoint/2010/main" val="904890492"/>
+        <p14:creationId xmlns:p14="http://schemas.microsoft.com/office/powerpoint/2010/main" val="656128699"/>
       </p:ext>
     </p:extLst>
   </p:cSld>
@@ -7990,7 +10187,7 @@
         <p:spPr>
           <a:xfrm>
             <a:off x="1032396" y="1834997"/>
-            <a:ext cx="10089104" cy="1323439"/>
+            <a:ext cx="10089104" cy="1015663"/>
           </a:xfrm>
           <a:prstGeom prst="rect">
             <a:avLst/>
@@ -8016,23 +10213,6 @@
             </a:endParaRPr>
           </a:p>
           <a:p>
-            <a:pPr marL="342900" indent="-342900">
-              <a:buAutoNum type="arabicPeriod"/>
-            </a:pPr>
-            <a:r>
-              <a:rPr lang="en-US" sz="2000" dirty="0">
-                <a:latin typeface="Gill Sans MT" panose="020B0502020104020203" pitchFamily="34" charset="0"/>
-              </a:rPr>
-              <a:t>Randomly divide set of all counties into 10 equally sized groups</a:t>
-            </a:r>
-            <a:r>
-              <a:rPr lang="en-US" sz="2000" i="1" dirty="0">
-                <a:latin typeface="Gill Sans MT" panose="020B0502020104020203" pitchFamily="34" charset="0"/>
-              </a:rPr>
-              <a:t>.</a:t>
-            </a:r>
-          </a:p>
-          <a:p>
             <a:pPr marL="457200" indent="-457200">
               <a:buAutoNum type="arabicPeriod"/>
             </a:pPr>
@@ -8045,7 +10225,7 @@
     </p:spTree>
     <p:extLst>
       <p:ext uri="{BB962C8B-B14F-4D97-AF65-F5344CB8AC3E}">
-        <p14:creationId xmlns:p14="http://schemas.microsoft.com/office/powerpoint/2010/main" val="1519103636"/>
+        <p14:creationId xmlns:p14="http://schemas.microsoft.com/office/powerpoint/2010/main" val="904890492"/>
       </p:ext>
     </p:extLst>
   </p:cSld>
@@ -8122,7 +10302,7 @@
         <p:spPr>
           <a:xfrm>
             <a:off x="1032396" y="1834997"/>
-            <a:ext cx="10089104" cy="2554545"/>
+            <a:ext cx="10089104" cy="1323439"/>
           </a:xfrm>
           <a:prstGeom prst="rect">
             <a:avLst/>
@@ -8165,55 +10345,6 @@
             </a:r>
           </a:p>
           <a:p>
-            <a:pPr marL="342900" indent="-342900">
-              <a:buFontTx/>
-              <a:buAutoNum type="arabicPeriod"/>
-            </a:pPr>
-            <a:r>
-              <a:rPr lang="en-US" sz="2000" dirty="0">
-                <a:latin typeface="Gill Sans MT" panose="020B0502020104020203" pitchFamily="34" charset="0"/>
-              </a:rPr>
-              <a:t>For each candidate model </a:t>
-            </a:r>
-            <a:r>
-              <a:rPr lang="en-US" sz="2000" i="1" dirty="0">
-                <a:latin typeface="Gill Sans MT" panose="020B0502020104020203" pitchFamily="34" charset="0"/>
-              </a:rPr>
-              <a:t>m</a:t>
-            </a:r>
-            <a:r>
-              <a:rPr lang="en-US" sz="2000" dirty="0">
-                <a:latin typeface="Gill Sans MT" panose="020B0502020104020203" pitchFamily="34" charset="0"/>
-              </a:rPr>
-              <a:t>, </a:t>
-            </a:r>
-          </a:p>
-          <a:p>
-            <a:pPr marL="914400" lvl="1" indent="-457200">
-              <a:buAutoNum type="alphaLcPeriod"/>
-            </a:pPr>
-            <a:endParaRPr lang="en-US" sz="2000" dirty="0">
-              <a:latin typeface="Gill Sans MT" panose="020B0502020104020203" pitchFamily="34" charset="0"/>
-            </a:endParaRPr>
-          </a:p>
-          <a:p>
-            <a:pPr marL="342900" indent="-342900">
-              <a:buFontTx/>
-              <a:buAutoNum type="arabicPeriod"/>
-            </a:pPr>
-            <a:endParaRPr lang="en-US" sz="2000" dirty="0">
-              <a:latin typeface="Gill Sans MT" panose="020B0502020104020203" pitchFamily="34" charset="0"/>
-            </a:endParaRPr>
-          </a:p>
-          <a:p>
-            <a:pPr marL="342900" indent="-342900">
-              <a:buAutoNum type="arabicPeriod"/>
-            </a:pPr>
-            <a:endParaRPr lang="en-US" sz="2000" i="1" dirty="0">
-              <a:latin typeface="Gill Sans MT" panose="020B0502020104020203" pitchFamily="34" charset="0"/>
-            </a:endParaRPr>
-          </a:p>
-          <a:p>
             <a:pPr marL="457200" indent="-457200">
               <a:buAutoNum type="arabicPeriod"/>
             </a:pPr>
@@ -8226,7 +10357,7 @@
     </p:spTree>
     <p:extLst>
       <p:ext uri="{BB962C8B-B14F-4D97-AF65-F5344CB8AC3E}">
-        <p14:creationId xmlns:p14="http://schemas.microsoft.com/office/powerpoint/2010/main" val="3073206380"/>
+        <p14:creationId xmlns:p14="http://schemas.microsoft.com/office/powerpoint/2010/main" val="1519103636"/>
       </p:ext>
     </p:extLst>
   </p:cSld>
@@ -8303,7 +10434,7 @@
         <p:spPr>
           <a:xfrm>
             <a:off x="1032396" y="1834997"/>
-            <a:ext cx="10089104" cy="2862322"/>
+            <a:ext cx="10089104" cy="2554545"/>
           </a:xfrm>
           <a:prstGeom prst="rect">
             <a:avLst/>
@@ -8373,29 +10504,6 @@
             <a:pPr marL="914400" lvl="1" indent="-457200">
               <a:buAutoNum type="alphaLcPeriod"/>
             </a:pPr>
-            <a:r>
-              <a:rPr lang="en-US" sz="2000" dirty="0">
-                <a:latin typeface="Gill Sans MT" panose="020B0502020104020203" pitchFamily="34" charset="0"/>
-              </a:rPr>
-              <a:t>For each group of counties </a:t>
-            </a:r>
-            <a:r>
-              <a:rPr lang="en-US" sz="2000" i="1" dirty="0">
-                <a:latin typeface="Gill Sans MT" panose="020B0502020104020203" pitchFamily="34" charset="0"/>
-              </a:rPr>
-              <a:t>g</a:t>
-            </a:r>
-            <a:r>
-              <a:rPr lang="en-US" sz="2000" dirty="0">
-                <a:latin typeface="Gill Sans MT" panose="020B0502020104020203" pitchFamily="34" charset="0"/>
-              </a:rPr>
-              <a:t>,</a:t>
-            </a:r>
-          </a:p>
-          <a:p>
-            <a:pPr marL="914400" lvl="1" indent="-457200">
-              <a:buAutoNum type="alphaLcPeriod"/>
-            </a:pPr>
             <a:endParaRPr lang="en-US" sz="2000" dirty="0">
               <a:latin typeface="Gill Sans MT" panose="020B0502020104020203" pitchFamily="34" charset="0"/>
             </a:endParaRPr>
@@ -8430,7 +10538,7 @@
     </p:spTree>
     <p:extLst>
       <p:ext uri="{BB962C8B-B14F-4D97-AF65-F5344CB8AC3E}">
-        <p14:creationId xmlns:p14="http://schemas.microsoft.com/office/powerpoint/2010/main" val="4036163877"/>
+        <p14:creationId xmlns:p14="http://schemas.microsoft.com/office/powerpoint/2010/main" val="3073206380"/>
       </p:ext>
     </p:extLst>
   </p:cSld>
@@ -8507,7 +10615,7 @@
         <p:spPr>
           <a:xfrm>
             <a:off x="1032396" y="1834997"/>
-            <a:ext cx="10089104" cy="3785652"/>
+            <a:ext cx="10089104" cy="2862322"/>
           </a:xfrm>
           <a:prstGeom prst="rect">
             <a:avLst/>
@@ -8597,59 +10705,6 @@
             </a:r>
           </a:p>
           <a:p>
-            <a:pPr lvl="1"/>
-            <a:r>
-              <a:rPr lang="en-US" sz="2000" dirty="0">
-                <a:latin typeface="Gill Sans MT" panose="020B0502020104020203" pitchFamily="34" charset="0"/>
-              </a:rPr>
-              <a:t>	</a:t>
-            </a:r>
-            <a:r>
-              <a:rPr lang="en-US" sz="2000" dirty="0" err="1">
-                <a:latin typeface="Gill Sans MT" panose="020B0502020104020203" pitchFamily="34" charset="0"/>
-              </a:rPr>
-              <a:t>i</a:t>
-            </a:r>
-            <a:r>
-              <a:rPr lang="en-US" sz="2000" dirty="0">
-                <a:latin typeface="Gill Sans MT" panose="020B0502020104020203" pitchFamily="34" charset="0"/>
-              </a:rPr>
-              <a:t>.      “Train” an instance of </a:t>
-            </a:r>
-            <a:r>
-              <a:rPr lang="en-US" sz="2000" i="1" dirty="0">
-                <a:latin typeface="Gill Sans MT" panose="020B0502020104020203" pitchFamily="34" charset="0"/>
-              </a:rPr>
-              <a:t>m </a:t>
-            </a:r>
-            <a:r>
-              <a:rPr lang="en-US" sz="2000" dirty="0">
-                <a:latin typeface="Gill Sans MT" panose="020B0502020104020203" pitchFamily="34" charset="0"/>
-              </a:rPr>
-              <a:t>by observing relationships between census data and vote split in the other 9 groups, setting</a:t>
-            </a:r>
-            <a:r>
-              <a:rPr lang="en-US" sz="2000" i="1" dirty="0">
-                <a:latin typeface="Gill Sans MT" panose="020B0502020104020203" pitchFamily="34" charset="0"/>
-              </a:rPr>
-              <a:t> g </a:t>
-            </a:r>
-            <a:r>
-              <a:rPr lang="en-US" sz="2000" dirty="0">
-                <a:latin typeface="Gill Sans MT" panose="020B0502020104020203" pitchFamily="34" charset="0"/>
-              </a:rPr>
-              <a:t>aside.</a:t>
-            </a:r>
-          </a:p>
-          <a:p>
-            <a:pPr marL="914400" lvl="1" indent="-457200">
-              <a:buAutoNum type="alphaLcPeriod"/>
-            </a:pPr>
-            <a:endParaRPr lang="en-US" sz="2000" dirty="0">
-              <a:latin typeface="Gill Sans MT" panose="020B0502020104020203" pitchFamily="34" charset="0"/>
-            </a:endParaRPr>
-          </a:p>
-          <a:p>
             <a:pPr marL="914400" lvl="1" indent="-457200">
               <a:buAutoNum type="alphaLcPeriod"/>
             </a:pPr>
@@ -8687,7 +10742,7 @@
     </p:spTree>
     <p:extLst>
       <p:ext uri="{BB962C8B-B14F-4D97-AF65-F5344CB8AC3E}">
-        <p14:creationId xmlns:p14="http://schemas.microsoft.com/office/powerpoint/2010/main" val="3791912680"/>
+        <p14:creationId xmlns:p14="http://schemas.microsoft.com/office/powerpoint/2010/main" val="4036163877"/>
       </p:ext>
     </p:extLst>
   </p:cSld>
@@ -8764,7 +10819,7 @@
         <p:spPr>
           <a:xfrm>
             <a:off x="1032396" y="1834997"/>
-            <a:ext cx="10089104" cy="4401205"/>
+            <a:ext cx="10089104" cy="3785652"/>
           </a:xfrm>
           <a:prstGeom prst="rect">
             <a:avLst/>
@@ -8899,39 +10954,6 @@
             </a:r>
           </a:p>
           <a:p>
-            <a:pPr lvl="1"/>
-            <a:r>
-              <a:rPr lang="en-US" sz="2000" dirty="0">
-                <a:latin typeface="Gill Sans MT" panose="020B0502020104020203" pitchFamily="34" charset="0"/>
-              </a:rPr>
-              <a:t>	ii.     Use this trained instance of </a:t>
-            </a:r>
-            <a:r>
-              <a:rPr lang="en-US" sz="2000" i="1" dirty="0">
-                <a:latin typeface="Gill Sans MT" panose="020B0502020104020203" pitchFamily="34" charset="0"/>
-              </a:rPr>
-              <a:t>m </a:t>
-            </a:r>
-            <a:r>
-              <a:rPr lang="en-US" sz="2000" dirty="0">
-                <a:latin typeface="Gill Sans MT" panose="020B0502020104020203" pitchFamily="34" charset="0"/>
-              </a:rPr>
-              <a:t>to predict county vote for each county in group </a:t>
-            </a:r>
-            <a:r>
-              <a:rPr lang="en-US" sz="2000" i="1" dirty="0">
-                <a:latin typeface="Gill Sans MT" panose="020B0502020104020203" pitchFamily="34" charset="0"/>
-              </a:rPr>
-              <a:t>g.</a:t>
-            </a:r>
-          </a:p>
-          <a:p>
-            <a:pPr lvl="1"/>
-            <a:endParaRPr lang="en-US" sz="2000" dirty="0">
-              <a:latin typeface="Gill Sans MT" panose="020B0502020104020203" pitchFamily="34" charset="0"/>
-            </a:endParaRPr>
-          </a:p>
-          <a:p>
             <a:pPr marL="914400" lvl="1" indent="-457200">
               <a:buAutoNum type="alphaLcPeriod"/>
             </a:pPr>
@@ -8977,7 +10999,7 @@
     </p:spTree>
     <p:extLst>
       <p:ext uri="{BB962C8B-B14F-4D97-AF65-F5344CB8AC3E}">
-        <p14:creationId xmlns:p14="http://schemas.microsoft.com/office/powerpoint/2010/main" val="3458626707"/>
+        <p14:creationId xmlns:p14="http://schemas.microsoft.com/office/powerpoint/2010/main" val="3791912680"/>
       </p:ext>
     </p:extLst>
   </p:cSld>
@@ -9054,7 +11076,7 @@
         <p:spPr>
           <a:xfrm>
             <a:off x="1032396" y="1834997"/>
-            <a:ext cx="10089104" cy="5016758"/>
+            <a:ext cx="10089104" cy="4401205"/>
           </a:xfrm>
           <a:prstGeom prst="rect">
             <a:avLst/>
@@ -9217,45 +11239,6 @@
           </a:p>
           <a:p>
             <a:pPr lvl="1"/>
-            <a:r>
-              <a:rPr lang="en-US" sz="2000" dirty="0">
-                <a:latin typeface="Gill Sans MT" panose="020B0502020104020203" pitchFamily="34" charset="0"/>
-              </a:rPr>
-              <a:t>	iii.    Record the goodness of fit of candidate model </a:t>
-            </a:r>
-            <a:r>
-              <a:rPr lang="en-US" sz="2000" i="1" dirty="0">
-                <a:latin typeface="Gill Sans MT" panose="020B0502020104020203" pitchFamily="34" charset="0"/>
-              </a:rPr>
-              <a:t>m</a:t>
-            </a:r>
-            <a:r>
-              <a:rPr lang="en-US" sz="2000" dirty="0">
-                <a:latin typeface="Gill Sans MT" panose="020B0502020104020203" pitchFamily="34" charset="0"/>
-              </a:rPr>
-              <a:t> on the counties in </a:t>
-            </a:r>
-            <a:r>
-              <a:rPr lang="en-US" sz="2000" i="1" dirty="0">
-                <a:latin typeface="Gill Sans MT" panose="020B0502020104020203" pitchFamily="34" charset="0"/>
-              </a:rPr>
-              <a:t>g</a:t>
-            </a:r>
-            <a:r>
-              <a:rPr lang="en-US" sz="2000" dirty="0">
-                <a:latin typeface="Gill Sans MT" panose="020B0502020104020203" pitchFamily="34" charset="0"/>
-              </a:rPr>
-              <a:t>.</a:t>
-            </a:r>
-          </a:p>
-          <a:p>
-            <a:pPr lvl="1"/>
-            <a:endParaRPr lang="en-US" sz="2000" i="1" dirty="0">
-              <a:latin typeface="Gill Sans MT" panose="020B0502020104020203" pitchFamily="34" charset="0"/>
-            </a:endParaRPr>
-          </a:p>
-          <a:p>
-            <a:pPr lvl="1"/>
             <a:endParaRPr lang="en-US" sz="2000" dirty="0">
               <a:latin typeface="Gill Sans MT" panose="020B0502020104020203" pitchFamily="34" charset="0"/>
             </a:endParaRPr>
@@ -9306,7 +11289,7 @@
     </p:spTree>
     <p:extLst>
       <p:ext uri="{BB962C8B-B14F-4D97-AF65-F5344CB8AC3E}">
-        <p14:creationId xmlns:p14="http://schemas.microsoft.com/office/powerpoint/2010/main" val="1777767053"/>
+        <p14:creationId xmlns:p14="http://schemas.microsoft.com/office/powerpoint/2010/main" val="3458626707"/>
       </p:ext>
     </p:extLst>
   </p:cSld>
@@ -9383,7 +11366,7 @@
         <p:spPr>
           <a:xfrm>
             <a:off x="1032396" y="1834997"/>
-            <a:ext cx="10089104" cy="3170099"/>
+            <a:ext cx="10089104" cy="5016758"/>
           </a:xfrm>
           <a:prstGeom prst="rect">
             <a:avLst/>
@@ -9579,43 +11562,63 @@
           </a:p>
           <a:p>
             <a:pPr lvl="1"/>
-            <a:r>
-              <a:rPr lang="en-US" sz="2000" dirty="0">
-                <a:latin typeface="Gill Sans MT" panose="020B0502020104020203" pitchFamily="34" charset="0"/>
-              </a:rPr>
-              <a:t>b. 	Take the average goodness of fit of the candidate model </a:t>
-            </a:r>
-            <a:r>
-              <a:rPr lang="en-US" sz="2000" i="1" dirty="0">
-                <a:latin typeface="Gill Sans MT" panose="020B0502020104020203" pitchFamily="34" charset="0"/>
-              </a:rPr>
-              <a:t>m </a:t>
-            </a:r>
-            <a:r>
-              <a:rPr lang="en-US" sz="2000" dirty="0">
-                <a:latin typeface="Gill Sans MT" panose="020B0502020104020203" pitchFamily="34" charset="0"/>
-              </a:rPr>
-              <a:t>across all groups </a:t>
-            </a:r>
-            <a:r>
-              <a:rPr lang="en-US" sz="2000" i="1" dirty="0">
-                <a:latin typeface="Gill Sans MT" panose="020B0502020104020203" pitchFamily="34" charset="0"/>
-              </a:rPr>
-              <a:t>g</a:t>
-            </a:r>
-            <a:r>
-              <a:rPr lang="en-US" sz="2000" dirty="0">
-                <a:latin typeface="Gill Sans MT" panose="020B0502020104020203" pitchFamily="34" charset="0"/>
-              </a:rPr>
-              <a:t>.</a:t>
-            </a:r>
+            <a:endParaRPr lang="en-US" sz="2000" i="1" dirty="0">
+              <a:latin typeface="Gill Sans MT" panose="020B0502020104020203" pitchFamily="34" charset="0"/>
+            </a:endParaRPr>
+          </a:p>
+          <a:p>
+            <a:pPr lvl="1"/>
+            <a:endParaRPr lang="en-US" sz="2000" dirty="0">
+              <a:latin typeface="Gill Sans MT" panose="020B0502020104020203" pitchFamily="34" charset="0"/>
+            </a:endParaRPr>
+          </a:p>
+          <a:p>
+            <a:pPr marL="914400" lvl="1" indent="-457200">
+              <a:buAutoNum type="alphaLcPeriod"/>
+            </a:pPr>
+            <a:endParaRPr lang="en-US" sz="2000" dirty="0">
+              <a:latin typeface="Gill Sans MT" panose="020B0502020104020203" pitchFamily="34" charset="0"/>
+            </a:endParaRPr>
+          </a:p>
+          <a:p>
+            <a:pPr marL="914400" lvl="1" indent="-457200">
+              <a:buAutoNum type="alphaLcPeriod"/>
+            </a:pPr>
+            <a:endParaRPr lang="en-US" sz="2000" dirty="0">
+              <a:latin typeface="Gill Sans MT" panose="020B0502020104020203" pitchFamily="34" charset="0"/>
+            </a:endParaRPr>
+          </a:p>
+          <a:p>
+            <a:pPr marL="342900" indent="-342900">
+              <a:buFontTx/>
+              <a:buAutoNum type="arabicPeriod"/>
+            </a:pPr>
+            <a:endParaRPr lang="en-US" sz="2000" dirty="0">
+              <a:latin typeface="Gill Sans MT" panose="020B0502020104020203" pitchFamily="34" charset="0"/>
+            </a:endParaRPr>
+          </a:p>
+          <a:p>
+            <a:pPr marL="342900" indent="-342900">
+              <a:buAutoNum type="arabicPeriod"/>
+            </a:pPr>
+            <a:endParaRPr lang="en-US" sz="2000" i="1" dirty="0">
+              <a:latin typeface="Gill Sans MT" panose="020B0502020104020203" pitchFamily="34" charset="0"/>
+            </a:endParaRPr>
+          </a:p>
+          <a:p>
+            <a:pPr marL="457200" indent="-457200">
+              <a:buAutoNum type="arabicPeriod"/>
+            </a:pPr>
+            <a:endParaRPr lang="en-US" sz="2000" dirty="0">
+              <a:latin typeface="Gill Sans MT" panose="020B0502020104020203" pitchFamily="34" charset="0"/>
+            </a:endParaRPr>
           </a:p>
         </p:txBody>
       </p:sp>
     </p:spTree>
     <p:extLst>
       <p:ext uri="{BB962C8B-B14F-4D97-AF65-F5344CB8AC3E}">
-        <p14:creationId xmlns:p14="http://schemas.microsoft.com/office/powerpoint/2010/main" val="2891610988"/>
+        <p14:creationId xmlns:p14="http://schemas.microsoft.com/office/powerpoint/2010/main" val="1777767053"/>
       </p:ext>
     </p:extLst>
   </p:cSld>
@@ -9692,7 +11695,7 @@
         <p:spPr>
           <a:xfrm>
             <a:off x="1032396" y="1834997"/>
-            <a:ext cx="10089104" cy="3477875"/>
+            <a:ext cx="10089104" cy="3170099"/>
           </a:xfrm>
           <a:prstGeom prst="rect">
             <a:avLst/>
@@ -9887,14 +11890,12 @@
             </a:r>
           </a:p>
           <a:p>
-            <a:pPr marL="914400" lvl="1" indent="-457200">
-              <a:buAutoNum type="alphaLcPeriod" startAt="2"/>
-            </a:pPr>
+            <a:pPr lvl="1"/>
             <a:r>
               <a:rPr lang="en-US" sz="2000" dirty="0">
                 <a:latin typeface="Gill Sans MT" panose="020B0502020104020203" pitchFamily="34" charset="0"/>
               </a:rPr>
-              <a:t>Take the average goodness of fit of the candidate model </a:t>
+              <a:t>b. 	Take the average goodness of fit of the candidate model </a:t>
             </a:r>
             <a:r>
               <a:rPr lang="en-US" sz="2000" i="1" dirty="0">
@@ -9919,18 +11920,6 @@
                 <a:latin typeface="Gill Sans MT" panose="020B0502020104020203" pitchFamily="34" charset="0"/>
               </a:rPr>
               <a:t>.</a:t>
-            </a:r>
-          </a:p>
-          <a:p>
-            <a:pPr marL="457200" indent="-457200">
-              <a:buFontTx/>
-              <a:buAutoNum type="arabicPeriod"/>
-            </a:pPr>
-            <a:r>
-              <a:rPr lang="en-US" sz="2000" dirty="0">
-                <a:latin typeface="Gill Sans MT" panose="020B0502020104020203" pitchFamily="34" charset="0"/>
-              </a:rPr>
-              <a:t>Choose the best-performing candidate model.</a:t>
             </a:r>
           </a:p>
         </p:txBody>
@@ -9938,7 +11927,7 @@
     </p:spTree>
     <p:extLst>
       <p:ext uri="{BB962C8B-B14F-4D97-AF65-F5344CB8AC3E}">
-        <p14:creationId xmlns:p14="http://schemas.microsoft.com/office/powerpoint/2010/main" val="548956867"/>
+        <p14:creationId xmlns:p14="http://schemas.microsoft.com/office/powerpoint/2010/main" val="2891610988"/>
       </p:ext>
     </p:extLst>
   </p:cSld>
@@ -10117,7 +12106,7 @@
           <p:cNvPr id="2" name="Title 1">
             <a:extLst>
               <a:ext uri="{FF2B5EF4-FFF2-40B4-BE49-F238E27FC236}">
-                <a16:creationId xmlns:a16="http://schemas.microsoft.com/office/drawing/2014/main" id="{C099A040-0ED6-4CB9-94FF-0815BF475F02}"/>
+                <a16:creationId xmlns:a16="http://schemas.microsoft.com/office/drawing/2014/main" id="{7FCCC659-94D9-4DA4-A45B-7F1250CD4907}"/>
               </a:ext>
             </a:extLst>
           </p:cNvPr>
@@ -10128,7 +12117,12 @@
             <p:ph type="title"/>
           </p:nvPr>
         </p:nvSpPr>
-        <p:spPr/>
+        <p:spPr>
+          <a:xfrm>
+            <a:off x="847724" y="498476"/>
+            <a:ext cx="10458449" cy="1044574"/>
+          </a:xfrm>
+        </p:spPr>
         <p:txBody>
           <a:bodyPr/>
           <a:lstStyle/>
@@ -10137,283 +12131,273 @@
               <a:rPr lang="en-US" dirty="0">
                 <a:latin typeface="Gill Sans MT" panose="020B0502020104020203" pitchFamily="34" charset="0"/>
               </a:rPr>
-              <a:t>Most predictive variables</a:t>
+              <a:t>Predicting election results: Model selection</a:t>
             </a:r>
           </a:p>
         </p:txBody>
       </p:sp>
-      <p:graphicFrame>
-        <p:nvGraphicFramePr>
-          <p:cNvPr id="4" name="Table 3">
+      <p:sp>
+        <p:nvSpPr>
+          <p:cNvPr id="10" name="TextBox 9">
             <a:extLst>
               <a:ext uri="{FF2B5EF4-FFF2-40B4-BE49-F238E27FC236}">
-                <a16:creationId xmlns:a16="http://schemas.microsoft.com/office/drawing/2014/main" id="{DAC20F89-340C-44A6-8BF4-3821B6D6B743}"/>
+                <a16:creationId xmlns:a16="http://schemas.microsoft.com/office/drawing/2014/main" id="{F4702C9B-096C-4AF3-B21F-14C319B3E3D5}"/>
               </a:ext>
             </a:extLst>
           </p:cNvPr>
-          <p:cNvGraphicFramePr>
-            <a:graphicFrameLocks noGrp="1"/>
-          </p:cNvGraphicFramePr>
-          <p:nvPr>
-            <p:extLst>
-              <p:ext uri="{D42A27DB-BD31-4B8C-83A1-F6EECF244321}">
-                <p14:modId xmlns:p14="http://schemas.microsoft.com/office/powerpoint/2010/main" val="1353779396"/>
-              </p:ext>
-            </p:extLst>
-          </p:nvPr>
-        </p:nvGraphicFramePr>
-        <p:xfrm>
-          <a:off x="1176106" y="1783302"/>
-          <a:ext cx="9401175" cy="3545799"/>
-        </p:xfrm>
-        <a:graphic>
-          <a:graphicData uri="http://schemas.openxmlformats.org/drawingml/2006/table">
-            <a:tbl>
-              <a:tblPr firstRow="1" bandRow="1">
-                <a:tableStyleId>{073A0DAA-6AF3-43AB-8588-CEC1D06C72B9}</a:tableStyleId>
-              </a:tblPr>
-              <a:tblGrid>
-                <a:gridCol w="2277307">
-                  <a:extLst>
-                    <a:ext uri="{9D8B030D-6E8A-4147-A177-3AD203B41FA5}">
-                      <a16:colId xmlns:a16="http://schemas.microsoft.com/office/drawing/2014/main" val="3347781496"/>
-                    </a:ext>
-                  </a:extLst>
-                </a:gridCol>
-                <a:gridCol w="2068498">
-                  <a:extLst>
-                    <a:ext uri="{9D8B030D-6E8A-4147-A177-3AD203B41FA5}">
-                      <a16:colId xmlns:a16="http://schemas.microsoft.com/office/drawing/2014/main" val="392291638"/>
-                    </a:ext>
-                  </a:extLst>
-                </a:gridCol>
-                <a:gridCol w="2672178">
-                  <a:extLst>
-                    <a:ext uri="{9D8B030D-6E8A-4147-A177-3AD203B41FA5}">
-                      <a16:colId xmlns:a16="http://schemas.microsoft.com/office/drawing/2014/main" val="899575352"/>
-                    </a:ext>
-                  </a:extLst>
-                </a:gridCol>
-                <a:gridCol w="2383192">
-                  <a:extLst>
-                    <a:ext uri="{9D8B030D-6E8A-4147-A177-3AD203B41FA5}">
-                      <a16:colId xmlns:a16="http://schemas.microsoft.com/office/drawing/2014/main" val="847904471"/>
-                    </a:ext>
-                  </a:extLst>
-                </a:gridCol>
-              </a:tblGrid>
-              <a:tr h="388652">
-                <a:tc>
-                  <a:txBody>
-                    <a:bodyPr/>
-                    <a:lstStyle/>
-                    <a:p>
-                      <a:pPr algn="ctr"/>
-                      <a:r>
-                        <a:rPr lang="en-US" i="1" u="none" dirty="0">
-                          <a:latin typeface="Gill Sans MT" panose="020B0502020104020203" pitchFamily="34" charset="0"/>
-                        </a:rPr>
-                        <a:t>Metric   \    Model</a:t>
-                      </a:r>
-                    </a:p>
-                  </a:txBody>
-                  <a:tcPr/>
-                </a:tc>
-                <a:tc>
-                  <a:txBody>
-                    <a:bodyPr/>
-                    <a:lstStyle/>
-                    <a:p>
-                      <a:pPr algn="ctr"/>
-                      <a:r>
-                        <a:rPr lang="en-US" i="1" dirty="0">
-                          <a:latin typeface="Gill Sans MT" panose="020B0502020104020203" pitchFamily="34" charset="0"/>
-                        </a:rPr>
-                        <a:t>Generalized linear</a:t>
-                      </a:r>
-                    </a:p>
-                  </a:txBody>
-                  <a:tcPr/>
-                </a:tc>
-                <a:tc>
-                  <a:txBody>
-                    <a:bodyPr/>
-                    <a:lstStyle/>
-                    <a:p>
-                      <a:pPr algn="ctr"/>
-                      <a:r>
-                        <a:rPr lang="en-US" i="1" dirty="0">
-                          <a:latin typeface="Gill Sans MT" panose="020B0502020104020203" pitchFamily="34" charset="0"/>
-                        </a:rPr>
-                        <a:t>Stochastic gradient boosting (best fit model)</a:t>
-                      </a:r>
-                    </a:p>
-                  </a:txBody>
-                  <a:tcPr/>
-                </a:tc>
-                <a:tc>
-                  <a:txBody>
-                    <a:bodyPr/>
-                    <a:lstStyle/>
-                    <a:p>
-                      <a:pPr algn="ctr"/>
-                      <a:r>
-                        <a:rPr lang="en-US" i="1" dirty="0">
-                          <a:latin typeface="Gill Sans MT" panose="020B0502020104020203" pitchFamily="34" charset="0"/>
-                        </a:rPr>
-                        <a:t>Classification models</a:t>
-                      </a:r>
-                    </a:p>
-                    <a:p>
-                      <a:pPr algn="ctr"/>
-                      <a:r>
-                        <a:rPr lang="en-US" i="1" dirty="0">
-                          <a:latin typeface="Gill Sans MT" panose="020B0502020104020203" pitchFamily="34" charset="0"/>
-                        </a:rPr>
-                        <a:t>(i.e. winner-take-all)</a:t>
-                      </a:r>
-                    </a:p>
-                  </a:txBody>
-                  <a:tcPr/>
-                </a:tc>
-                <a:extLst>
-                  <a:ext uri="{0D108BD9-81ED-4DB2-BD59-A6C34878D82A}">
-                    <a16:rowId xmlns:a16="http://schemas.microsoft.com/office/drawing/2014/main" val="2738229843"/>
-                  </a:ext>
-                </a:extLst>
-              </a:tr>
-              <a:tr h="446959">
-                <a:tc>
-                  <a:txBody>
-                    <a:bodyPr/>
-                    <a:lstStyle/>
-                    <a:p>
-                      <a:pPr algn="ctr"/>
-                      <a:r>
-                        <a:rPr lang="en-US" dirty="0">
-                          <a:latin typeface="Gill Sans MT" panose="020B0502020104020203" pitchFamily="34" charset="0"/>
-                        </a:rPr>
-                        <a:t>Goodness of fit</a:t>
-                      </a:r>
-                    </a:p>
-                  </a:txBody>
-                  <a:tcPr/>
-                </a:tc>
-                <a:tc>
-                  <a:txBody>
-                    <a:bodyPr/>
-                    <a:lstStyle/>
-                    <a:p>
-                      <a:endParaRPr lang="en-US"/>
-                    </a:p>
-                  </a:txBody>
-                  <a:tcPr/>
-                </a:tc>
-                <a:tc>
-                  <a:txBody>
-                    <a:bodyPr/>
-                    <a:lstStyle/>
-                    <a:p>
-                      <a:endParaRPr lang="en-US"/>
-                    </a:p>
-                  </a:txBody>
-                  <a:tcPr/>
-                </a:tc>
-                <a:tc>
-                  <a:txBody>
-                    <a:bodyPr/>
-                    <a:lstStyle/>
-                    <a:p>
-                      <a:endParaRPr lang="en-US"/>
-                    </a:p>
-                  </a:txBody>
-                  <a:tcPr/>
-                </a:tc>
-                <a:extLst>
-                  <a:ext uri="{0D108BD9-81ED-4DB2-BD59-A6C34878D82A}">
-                    <a16:rowId xmlns:a16="http://schemas.microsoft.com/office/drawing/2014/main" val="3675872715"/>
-                  </a:ext>
-                </a:extLst>
-              </a:tr>
-              <a:tr h="2458760">
-                <a:tc>
-                  <a:txBody>
-                    <a:bodyPr/>
-                    <a:lstStyle/>
-                    <a:p>
-                      <a:pPr algn="ctr"/>
-                      <a:r>
-                        <a:rPr lang="en-US" dirty="0">
-                          <a:latin typeface="Gill Sans MT" panose="020B0502020104020203" pitchFamily="34" charset="0"/>
-                        </a:rPr>
-                        <a:t>Most predictive/</a:t>
-                      </a:r>
-                    </a:p>
-                    <a:p>
-                      <a:pPr algn="ctr"/>
-                      <a:r>
-                        <a:rPr lang="en-US" dirty="0">
-                          <a:latin typeface="Gill Sans MT" panose="020B0502020104020203" pitchFamily="34" charset="0"/>
-                        </a:rPr>
-                        <a:t>important variables, in descending order of importance</a:t>
-                      </a:r>
-                    </a:p>
-                    <a:p>
-                      <a:pPr algn="ctr"/>
-                      <a:r>
-                        <a:rPr lang="en-US" dirty="0">
-                          <a:latin typeface="Gill Sans MT" panose="020B0502020104020203" pitchFamily="34" charset="0"/>
-                        </a:rPr>
-                        <a:t>(model-dependent)</a:t>
-                      </a:r>
-                    </a:p>
-                  </a:txBody>
-                  <a:tcPr/>
-                </a:tc>
-                <a:tc>
-                  <a:txBody>
-                    <a:bodyPr/>
-                    <a:lstStyle/>
-                    <a:p>
-                      <a:endParaRPr lang="en-US"/>
-                    </a:p>
-                  </a:txBody>
-                  <a:tcPr/>
-                </a:tc>
-                <a:tc>
-                  <a:txBody>
-                    <a:bodyPr/>
-                    <a:lstStyle/>
-                    <a:p>
-                      <a:endParaRPr lang="en-US"/>
-                    </a:p>
-                  </a:txBody>
-                  <a:tcPr/>
-                </a:tc>
-                <a:tc>
-                  <a:txBody>
-                    <a:bodyPr/>
-                    <a:lstStyle/>
-                    <a:p>
-                      <a:endParaRPr lang="en-US" dirty="0"/>
-                    </a:p>
-                  </a:txBody>
-                  <a:tcPr/>
-                </a:tc>
-                <a:extLst>
-                  <a:ext uri="{0D108BD9-81ED-4DB2-BD59-A6C34878D82A}">
-                    <a16:rowId xmlns:a16="http://schemas.microsoft.com/office/drawing/2014/main" val="4176736732"/>
-                  </a:ext>
-                </a:extLst>
-              </a:tr>
-            </a:tbl>
-          </a:graphicData>
-        </a:graphic>
-      </p:graphicFrame>
+          <p:cNvSpPr txBox="1"/>
+          <p:nvPr/>
+        </p:nvSpPr>
+        <p:spPr>
+          <a:xfrm>
+            <a:off x="1032396" y="1834997"/>
+            <a:ext cx="10089104" cy="3477875"/>
+          </a:xfrm>
+          <a:prstGeom prst="rect">
+            <a:avLst/>
+          </a:prstGeom>
+          <a:noFill/>
+        </p:spPr>
+        <p:txBody>
+          <a:bodyPr wrap="square" rtlCol="0">
+            <a:spAutoFit/>
+          </a:bodyPr>
+          <a:lstStyle/>
+          <a:p>
+            <a:r>
+              <a:rPr lang="en-US" sz="2000" b="1" i="1" dirty="0">
+                <a:latin typeface="Gill Sans MT" panose="020B0502020104020203" pitchFamily="34" charset="0"/>
+              </a:rPr>
+              <a:t>10-fold cross validation</a:t>
+            </a:r>
+          </a:p>
+          <a:p>
+            <a:endParaRPr lang="en-US" sz="2000" i="1" dirty="0">
+              <a:latin typeface="Gill Sans MT" panose="020B0502020104020203" pitchFamily="34" charset="0"/>
+            </a:endParaRPr>
+          </a:p>
+          <a:p>
+            <a:pPr marL="342900" indent="-342900">
+              <a:buAutoNum type="arabicPeriod"/>
+            </a:pPr>
+            <a:r>
+              <a:rPr lang="en-US" sz="2000" dirty="0">
+                <a:latin typeface="Gill Sans MT" panose="020B0502020104020203" pitchFamily="34" charset="0"/>
+              </a:rPr>
+              <a:t>Randomly divide set of all counties into 10 equally sized groups</a:t>
+            </a:r>
+            <a:r>
+              <a:rPr lang="en-US" sz="2000" i="1" dirty="0">
+                <a:latin typeface="Gill Sans MT" panose="020B0502020104020203" pitchFamily="34" charset="0"/>
+              </a:rPr>
+              <a:t>.</a:t>
+            </a:r>
+          </a:p>
+          <a:p>
+            <a:pPr marL="342900" indent="-342900">
+              <a:buFontTx/>
+              <a:buAutoNum type="arabicPeriod"/>
+            </a:pPr>
+            <a:r>
+              <a:rPr lang="en-US" sz="2000" dirty="0">
+                <a:latin typeface="Gill Sans MT" panose="020B0502020104020203" pitchFamily="34" charset="0"/>
+              </a:rPr>
+              <a:t>For each candidate model </a:t>
+            </a:r>
+            <a:r>
+              <a:rPr lang="en-US" sz="2000" i="1" dirty="0">
+                <a:latin typeface="Gill Sans MT" panose="020B0502020104020203" pitchFamily="34" charset="0"/>
+              </a:rPr>
+              <a:t>m</a:t>
+            </a:r>
+            <a:r>
+              <a:rPr lang="en-US" sz="2000" dirty="0">
+                <a:latin typeface="Gill Sans MT" panose="020B0502020104020203" pitchFamily="34" charset="0"/>
+              </a:rPr>
+              <a:t>, </a:t>
+            </a:r>
+          </a:p>
+          <a:p>
+            <a:pPr marL="914400" lvl="1" indent="-457200">
+              <a:buAutoNum type="alphaLcPeriod"/>
+            </a:pPr>
+            <a:r>
+              <a:rPr lang="en-US" sz="2000" dirty="0">
+                <a:latin typeface="Gill Sans MT" panose="020B0502020104020203" pitchFamily="34" charset="0"/>
+              </a:rPr>
+              <a:t>For each group of counties </a:t>
+            </a:r>
+            <a:r>
+              <a:rPr lang="en-US" sz="2000" i="1" dirty="0">
+                <a:latin typeface="Gill Sans MT" panose="020B0502020104020203" pitchFamily="34" charset="0"/>
+              </a:rPr>
+              <a:t>g</a:t>
+            </a:r>
+            <a:r>
+              <a:rPr lang="en-US" sz="2000" dirty="0">
+                <a:latin typeface="Gill Sans MT" panose="020B0502020104020203" pitchFamily="34" charset="0"/>
+              </a:rPr>
+              <a:t>,</a:t>
+            </a:r>
+          </a:p>
+          <a:p>
+            <a:pPr lvl="1"/>
+            <a:r>
+              <a:rPr lang="en-US" sz="2000" dirty="0">
+                <a:latin typeface="Gill Sans MT" panose="020B0502020104020203" pitchFamily="34" charset="0"/>
+              </a:rPr>
+              <a:t>	</a:t>
+            </a:r>
+            <a:r>
+              <a:rPr lang="en-US" sz="2000" dirty="0" err="1">
+                <a:latin typeface="Gill Sans MT" panose="020B0502020104020203" pitchFamily="34" charset="0"/>
+              </a:rPr>
+              <a:t>i</a:t>
+            </a:r>
+            <a:r>
+              <a:rPr lang="en-US" sz="2000" dirty="0">
+                <a:latin typeface="Gill Sans MT" panose="020B0502020104020203" pitchFamily="34" charset="0"/>
+              </a:rPr>
+              <a:t>.      “Train” an instance of </a:t>
+            </a:r>
+            <a:r>
+              <a:rPr lang="en-US" sz="2000" i="1" dirty="0">
+                <a:latin typeface="Gill Sans MT" panose="020B0502020104020203" pitchFamily="34" charset="0"/>
+              </a:rPr>
+              <a:t>m </a:t>
+            </a:r>
+            <a:r>
+              <a:rPr lang="en-US" sz="2000" dirty="0">
+                <a:latin typeface="Gill Sans MT" panose="020B0502020104020203" pitchFamily="34" charset="0"/>
+              </a:rPr>
+              <a:t>by observing relationships between census data and vote split in the other 9 groups, setting</a:t>
+            </a:r>
+            <a:r>
+              <a:rPr lang="en-US" sz="2000" i="1" dirty="0">
+                <a:latin typeface="Gill Sans MT" panose="020B0502020104020203" pitchFamily="34" charset="0"/>
+              </a:rPr>
+              <a:t> g </a:t>
+            </a:r>
+            <a:r>
+              <a:rPr lang="en-US" sz="2000" dirty="0">
+                <a:latin typeface="Gill Sans MT" panose="020B0502020104020203" pitchFamily="34" charset="0"/>
+              </a:rPr>
+              <a:t>aside.</a:t>
+            </a:r>
+          </a:p>
+          <a:p>
+            <a:pPr lvl="1"/>
+            <a:r>
+              <a:rPr lang="en-US" sz="2000" dirty="0">
+                <a:latin typeface="Gill Sans MT" panose="020B0502020104020203" pitchFamily="34" charset="0"/>
+              </a:rPr>
+              <a:t>	ii.     Use this trained instance of </a:t>
+            </a:r>
+            <a:r>
+              <a:rPr lang="en-US" sz="2000" i="1" dirty="0">
+                <a:latin typeface="Gill Sans MT" panose="020B0502020104020203" pitchFamily="34" charset="0"/>
+              </a:rPr>
+              <a:t>m </a:t>
+            </a:r>
+            <a:r>
+              <a:rPr lang="en-US" sz="2000" dirty="0">
+                <a:latin typeface="Gill Sans MT" panose="020B0502020104020203" pitchFamily="34" charset="0"/>
+              </a:rPr>
+              <a:t>to predict county vote for each county in group </a:t>
+            </a:r>
+            <a:r>
+              <a:rPr lang="en-US" sz="2000" i="1" dirty="0">
+                <a:latin typeface="Gill Sans MT" panose="020B0502020104020203" pitchFamily="34" charset="0"/>
+              </a:rPr>
+              <a:t>g.</a:t>
+            </a:r>
+          </a:p>
+          <a:p>
+            <a:pPr lvl="1"/>
+            <a:r>
+              <a:rPr lang="en-US" sz="2000" dirty="0">
+                <a:latin typeface="Gill Sans MT" panose="020B0502020104020203" pitchFamily="34" charset="0"/>
+              </a:rPr>
+              <a:t>	iii.    Record the goodness of fit of candidate model </a:t>
+            </a:r>
+            <a:r>
+              <a:rPr lang="en-US" sz="2000" i="1" dirty="0">
+                <a:latin typeface="Gill Sans MT" panose="020B0502020104020203" pitchFamily="34" charset="0"/>
+              </a:rPr>
+              <a:t>m</a:t>
+            </a:r>
+            <a:r>
+              <a:rPr lang="en-US" sz="2000" dirty="0">
+                <a:latin typeface="Gill Sans MT" panose="020B0502020104020203" pitchFamily="34" charset="0"/>
+              </a:rPr>
+              <a:t> on the counties in </a:t>
+            </a:r>
+            <a:r>
+              <a:rPr lang="en-US" sz="2000" i="1" dirty="0">
+                <a:latin typeface="Gill Sans MT" panose="020B0502020104020203" pitchFamily="34" charset="0"/>
+              </a:rPr>
+              <a:t>g</a:t>
+            </a:r>
+            <a:r>
+              <a:rPr lang="en-US" sz="2000" dirty="0">
+                <a:latin typeface="Gill Sans MT" panose="020B0502020104020203" pitchFamily="34" charset="0"/>
+              </a:rPr>
+              <a:t>.</a:t>
+            </a:r>
+          </a:p>
+          <a:p>
+            <a:pPr marL="914400" lvl="1" indent="-457200">
+              <a:buAutoNum type="alphaLcPeriod" startAt="2"/>
+            </a:pPr>
+            <a:r>
+              <a:rPr lang="en-US" sz="2000" dirty="0">
+                <a:latin typeface="Gill Sans MT" panose="020B0502020104020203" pitchFamily="34" charset="0"/>
+              </a:rPr>
+              <a:t>Take the average goodness of fit of the candidate model </a:t>
+            </a:r>
+            <a:r>
+              <a:rPr lang="en-US" sz="2000" i="1" dirty="0">
+                <a:latin typeface="Gill Sans MT" panose="020B0502020104020203" pitchFamily="34" charset="0"/>
+              </a:rPr>
+              <a:t>m </a:t>
+            </a:r>
+            <a:r>
+              <a:rPr lang="en-US" sz="2000" dirty="0">
+                <a:latin typeface="Gill Sans MT" panose="020B0502020104020203" pitchFamily="34" charset="0"/>
+              </a:rPr>
+              <a:t>across all groups </a:t>
+            </a:r>
+            <a:r>
+              <a:rPr lang="en-US" sz="2000" i="1" dirty="0">
+                <a:latin typeface="Gill Sans MT" panose="020B0502020104020203" pitchFamily="34" charset="0"/>
+              </a:rPr>
+              <a:t>g</a:t>
+            </a:r>
+            <a:r>
+              <a:rPr lang="en-US" sz="2000" dirty="0">
+                <a:latin typeface="Gill Sans MT" panose="020B0502020104020203" pitchFamily="34" charset="0"/>
+              </a:rPr>
+              <a:t>.</a:t>
+            </a:r>
+          </a:p>
+          <a:p>
+            <a:pPr marL="457200" indent="-457200">
+              <a:buFontTx/>
+              <a:buAutoNum type="arabicPeriod"/>
+            </a:pPr>
+            <a:r>
+              <a:rPr lang="en-US" sz="2000" dirty="0">
+                <a:latin typeface="Gill Sans MT" panose="020B0502020104020203" pitchFamily="34" charset="0"/>
+              </a:rPr>
+              <a:t>Choose the best-performing candidate model.</a:t>
+            </a:r>
+          </a:p>
+        </p:txBody>
+      </p:sp>
     </p:spTree>
     <p:extLst>
       <p:ext uri="{BB962C8B-B14F-4D97-AF65-F5344CB8AC3E}">
-        <p14:creationId xmlns:p14="http://schemas.microsoft.com/office/powerpoint/2010/main" val="1498697810"/>
+        <p14:creationId xmlns:p14="http://schemas.microsoft.com/office/powerpoint/2010/main" val="548956867"/>
       </p:ext>
     </p:extLst>
   </p:cSld>
@@ -10445,7 +12429,7 @@
           <p:cNvPr id="2" name="Title 1">
             <a:extLst>
               <a:ext uri="{FF2B5EF4-FFF2-40B4-BE49-F238E27FC236}">
-                <a16:creationId xmlns:a16="http://schemas.microsoft.com/office/drawing/2014/main" id="{C099A040-0ED6-4CB9-94FF-0815BF475F02}"/>
+                <a16:creationId xmlns:a16="http://schemas.microsoft.com/office/drawing/2014/main" id="{92151FC2-4488-45CD-AC62-ADBBE30B09FF}"/>
               </a:ext>
             </a:extLst>
           </p:cNvPr>
@@ -10456,7 +12440,12 @@
             <p:ph type="title"/>
           </p:nvPr>
         </p:nvSpPr>
-        <p:spPr/>
+        <p:spPr>
+          <a:xfrm>
+            <a:off x="847725" y="355600"/>
+            <a:ext cx="10515600" cy="1325563"/>
+          </a:xfrm>
+        </p:spPr>
         <p:txBody>
           <a:bodyPr/>
           <a:lstStyle/>
@@ -10465,17 +12454,17 @@
               <a:rPr lang="en-US" dirty="0">
                 <a:latin typeface="Gill Sans MT" panose="020B0502020104020203" pitchFamily="34" charset="0"/>
               </a:rPr>
-              <a:t>Most predictive variables</a:t>
+              <a:t>Predicting election results: Model selection</a:t>
             </a:r>
           </a:p>
         </p:txBody>
       </p:sp>
       <p:graphicFrame>
         <p:nvGraphicFramePr>
-          <p:cNvPr id="4" name="Table 3">
+          <p:cNvPr id="4" name="Content Placeholder 3">
             <a:extLst>
               <a:ext uri="{FF2B5EF4-FFF2-40B4-BE49-F238E27FC236}">
-                <a16:creationId xmlns:a16="http://schemas.microsoft.com/office/drawing/2014/main" id="{DAC20F89-340C-44A6-8BF4-3821B6D6B743}"/>
+                <a16:creationId xmlns:a16="http://schemas.microsoft.com/office/drawing/2014/main" id="{07371707-8FB8-4CC7-A206-97FD3DF68D73}"/>
               </a:ext>
             </a:extLst>
           </p:cNvPr>
@@ -10483,16 +12472,17 @@
             <a:graphicFrameLocks noGrp="1"/>
           </p:cNvGraphicFramePr>
           <p:nvPr>
+            <p:ph idx="1"/>
             <p:extLst>
               <p:ext uri="{D42A27DB-BD31-4B8C-83A1-F6EECF244321}">
-                <p14:modId xmlns:p14="http://schemas.microsoft.com/office/powerpoint/2010/main" val="351298695"/>
+                <p14:modId xmlns:p14="http://schemas.microsoft.com/office/powerpoint/2010/main" val="2754211636"/>
               </p:ext>
             </p:extLst>
           </p:nvPr>
         </p:nvGraphicFramePr>
         <p:xfrm>
-          <a:off x="1176106" y="1783302"/>
-          <a:ext cx="9401175" cy="3545799"/>
+          <a:off x="2085512" y="2277924"/>
+          <a:ext cx="8020975" cy="2595880"/>
         </p:xfrm>
         <a:graphic>
           <a:graphicData uri="http://schemas.openxmlformats.org/drawingml/2006/table">
@@ -10501,47 +12491,30 @@
                 <a:tableStyleId>{073A0DAA-6AF3-43AB-8588-CEC1D06C72B9}</a:tableStyleId>
               </a:tblPr>
               <a:tblGrid>
-                <a:gridCol w="2277307">
+                <a:gridCol w="4137735">
                   <a:extLst>
                     <a:ext uri="{9D8B030D-6E8A-4147-A177-3AD203B41FA5}">
-                      <a16:colId xmlns:a16="http://schemas.microsoft.com/office/drawing/2014/main" val="3347781496"/>
+                      <a16:colId xmlns:a16="http://schemas.microsoft.com/office/drawing/2014/main" val="3348360950"/>
                     </a:ext>
                   </a:extLst>
                 </a:gridCol>
-                <a:gridCol w="2068498">
+                <a:gridCol w="3883240">
                   <a:extLst>
                     <a:ext uri="{9D8B030D-6E8A-4147-A177-3AD203B41FA5}">
-                      <a16:colId xmlns:a16="http://schemas.microsoft.com/office/drawing/2014/main" val="392291638"/>
-                    </a:ext>
-                  </a:extLst>
-                </a:gridCol>
-                <a:gridCol w="2672178">
-                  <a:extLst>
-                    <a:ext uri="{9D8B030D-6E8A-4147-A177-3AD203B41FA5}">
-                      <a16:colId xmlns:a16="http://schemas.microsoft.com/office/drawing/2014/main" val="899575352"/>
-                    </a:ext>
-                  </a:extLst>
-                </a:gridCol>
-                <a:gridCol w="2383192">
-                  <a:extLst>
-                    <a:ext uri="{9D8B030D-6E8A-4147-A177-3AD203B41FA5}">
-                      <a16:colId xmlns:a16="http://schemas.microsoft.com/office/drawing/2014/main" val="847904471"/>
+                      <a16:colId xmlns:a16="http://schemas.microsoft.com/office/drawing/2014/main" val="489470158"/>
                     </a:ext>
                   </a:extLst>
                 </a:gridCol>
               </a:tblGrid>
-              <a:tr h="388652">
-                <a:tc>
-                  <a:txBody>
-                    <a:bodyPr/>
-                    <a:lstStyle/>
-                    <a:p>
-                      <a:pPr algn="ctr"/>
-                      <a:r>
-                        <a:rPr lang="en-US" i="1" u="none" dirty="0">
-                          <a:latin typeface="Gill Sans MT" panose="020B0502020104020203" pitchFamily="34" charset="0"/>
-                        </a:rPr>
-                        <a:t>Metric   \    Model</a:t>
+              <a:tr h="370840">
+                <a:tc>
+                  <a:txBody>
+                    <a:bodyPr/>
+                    <a:lstStyle/>
+                    <a:p>
+                      <a:r>
+                        <a:rPr lang="en-US" dirty="0"/>
+                        <a:t>Candidate model</a:t>
                       </a:r>
                     </a:p>
                   </a:txBody>
@@ -10552,53 +12525,9 @@
                     <a:bodyPr/>
                     <a:lstStyle/>
                     <a:p>
-                      <a:pPr algn="ctr"/>
-                      <a:r>
-                        <a:rPr lang="en-US" i="1" dirty="0">
-                          <a:latin typeface="Gill Sans MT" panose="020B0502020104020203" pitchFamily="34" charset="0"/>
-                        </a:rPr>
-                        <a:t>Generalized linear</a:t>
-                      </a:r>
-                    </a:p>
-                  </a:txBody>
-                  <a:tcPr/>
-                </a:tc>
-                <a:tc>
-                  <a:txBody>
-                    <a:bodyPr/>
-                    <a:lstStyle/>
-                    <a:p>
-                      <a:pPr algn="ctr"/>
-                      <a:r>
-                        <a:rPr lang="en-US" i="1" dirty="0">
-                          <a:latin typeface="Gill Sans MT" panose="020B0502020104020203" pitchFamily="34" charset="0"/>
-                        </a:rPr>
-                        <a:t>Stochastic gradient boosting (best fit model)</a:t>
-                      </a:r>
-                    </a:p>
-                  </a:txBody>
-                  <a:tcPr/>
-                </a:tc>
-                <a:tc>
-                  <a:txBody>
-                    <a:bodyPr/>
-                    <a:lstStyle/>
-                    <a:p>
-                      <a:pPr algn="ctr"/>
-                      <a:r>
-                        <a:rPr lang="en-US" i="1" dirty="0">
-                          <a:latin typeface="Gill Sans MT" panose="020B0502020104020203" pitchFamily="34" charset="0"/>
-                        </a:rPr>
-                        <a:t>Classification models</a:t>
-                      </a:r>
-                    </a:p>
-                    <a:p>
-                      <a:pPr algn="ctr"/>
-                      <a:r>
-                        <a:rPr lang="en-US" i="1" dirty="0">
-                          <a:latin typeface="Gill Sans MT" panose="020B0502020104020203" pitchFamily="34" charset="0"/>
-                        </a:rPr>
-                        <a:t>(i.e. winner-take-all)</a:t>
+                      <a:r>
+                        <a:rPr lang="en-US" i="0" dirty="0"/>
+                        <a:t>Average goodness of fit</a:t>
                       </a:r>
                     </a:p>
                   </a:txBody>
@@ -10606,11 +12535,24 @@
                 </a:tc>
                 <a:extLst>
                   <a:ext uri="{0D108BD9-81ED-4DB2-BD59-A6C34878D82A}">
-                    <a16:rowId xmlns:a16="http://schemas.microsoft.com/office/drawing/2014/main" val="2738229843"/>
+                    <a16:rowId xmlns:a16="http://schemas.microsoft.com/office/drawing/2014/main" val="3698027174"/>
                   </a:ext>
                 </a:extLst>
               </a:tr>
-              <a:tr h="446959">
+              <a:tr h="370840">
+                <a:tc>
+                  <a:txBody>
+                    <a:bodyPr/>
+                    <a:lstStyle/>
+                    <a:p>
+                      <a:r>
+                        <a:rPr lang="en-US" dirty="0"/>
+                        <a:t>Generalized linear model</a:t>
+                      </a:r>
+                    </a:p>
+                  </a:txBody>
+                  <a:tcPr/>
+                </a:tc>
                 <a:tc>
                   <a:txBody>
                     <a:bodyPr/>
@@ -10619,60 +12561,35 @@
                       <a:pPr algn="ctr"/>
                       <a:r>
                         <a:rPr lang="en-US" dirty="0">
-                          <a:latin typeface="Gill Sans MT" panose="020B0502020104020203" pitchFamily="34" charset="0"/>
-                        </a:rPr>
-                        <a:t>Goodness of fit</a:t>
-                      </a:r>
-                    </a:p>
-                  </a:txBody>
-                  <a:tcPr/>
-                </a:tc>
-                <a:tc>
-                  <a:txBody>
-                    <a:bodyPr/>
-                    <a:lstStyle/>
-                    <a:p>
-                      <a:pPr algn="ctr"/>
-                      <a:r>
-                        <a:rPr lang="en-US" dirty="0">
-                          <a:effectLst/>
-                        </a:rPr>
-                        <a:t>0.631</a:t>
-                      </a:r>
-                      <a:endParaRPr lang="en-US" dirty="0">
-                        <a:latin typeface="Gill Sans MT" panose="020B0502020104020203" pitchFamily="34" charset="0"/>
-                      </a:endParaRPr>
-                    </a:p>
-                  </a:txBody>
-                  <a:tcPr/>
-                </a:tc>
-                <a:tc>
-                  <a:txBody>
-                    <a:bodyPr/>
-                    <a:lstStyle/>
-                    <a:p>
-                      <a:endParaRPr lang="en-US"/>
-                    </a:p>
-                  </a:txBody>
-                  <a:tcPr/>
-                </a:tc>
-                <a:tc>
-                  <a:txBody>
-                    <a:bodyPr/>
-                    <a:lstStyle/>
-                    <a:p>
-                      <a:endParaRPr lang="en-US"/>
+                          <a:effectLst/>
+                        </a:rPr>
+                        <a:t>0.6222</a:t>
+                      </a:r>
+                      <a:endParaRPr lang="en-US" dirty="0"/>
                     </a:p>
                   </a:txBody>
                   <a:tcPr/>
                 </a:tc>
                 <a:extLst>
                   <a:ext uri="{0D108BD9-81ED-4DB2-BD59-A6C34878D82A}">
-                    <a16:rowId xmlns:a16="http://schemas.microsoft.com/office/drawing/2014/main" val="3675872715"/>
+                    <a16:rowId xmlns:a16="http://schemas.microsoft.com/office/drawing/2014/main" val="3733600024"/>
                   </a:ext>
                 </a:extLst>
               </a:tr>
-              <a:tr h="2458760">
+              <a:tr h="370840">
+                <a:tc>
+                  <a:txBody>
+                    <a:bodyPr/>
+                    <a:lstStyle/>
+                    <a:p>
+                      <a:r>
+                        <a:rPr lang="en-US" dirty="0"/>
+                        <a:t>Support vector machine (linear kernel)</a:t>
+                      </a:r>
+                    </a:p>
+                  </a:txBody>
+                  <a:tcPr/>
+                </a:tc>
                 <a:tc>
                   <a:txBody>
                     <a:bodyPr/>
@@ -10681,223 +12598,10 @@
                       <a:pPr algn="ctr"/>
                       <a:r>
                         <a:rPr lang="en-US" dirty="0">
-                          <a:latin typeface="Gill Sans MT" panose="020B0502020104020203" pitchFamily="34" charset="0"/>
-                        </a:rPr>
-                        <a:t>Most predictive/</a:t>
-                      </a:r>
-                    </a:p>
-                    <a:p>
-                      <a:pPr algn="ctr"/>
-                      <a:r>
-                        <a:rPr lang="en-US" dirty="0">
-                          <a:latin typeface="Gill Sans MT" panose="020B0502020104020203" pitchFamily="34" charset="0"/>
-                        </a:rPr>
-                        <a:t>important variables, in descending order of importance</a:t>
-                      </a:r>
-                    </a:p>
-                    <a:p>
-                      <a:pPr algn="ctr"/>
-                      <a:r>
-                        <a:rPr lang="en-US" dirty="0">
-                          <a:latin typeface="Gill Sans MT" panose="020B0502020104020203" pitchFamily="34" charset="0"/>
-                        </a:rPr>
-                        <a:t>(model-dependent)</a:t>
-                      </a:r>
-                    </a:p>
-                  </a:txBody>
-                  <a:tcPr/>
-                </a:tc>
-                <a:tc>
-                  <a:txBody>
-                    <a:bodyPr/>
-                    <a:lstStyle/>
-                    <a:p>
-                      <a:pPr algn="ctr"/>
-                      <a:r>
-                        <a:rPr lang="en-US" dirty="0">
-                          <a:solidFill>
-                            <a:srgbClr val="C00000"/>
-                          </a:solidFill>
-                          <a:effectLst/>
-                          <a:latin typeface="Gill Sans MT" panose="020B0502020104020203" pitchFamily="34" charset="0"/>
-                        </a:rPr>
-                        <a:t>white1nh</a:t>
-                      </a:r>
-                    </a:p>
-                    <a:p>
-                      <a:pPr algn="ctr"/>
-                      <a:r>
-                        <a:rPr lang="en-US" dirty="0" err="1">
-                          <a:solidFill>
-                            <a:srgbClr val="C00000"/>
-                          </a:solidFill>
-                          <a:effectLst/>
-                          <a:latin typeface="Gill Sans MT" panose="020B0502020104020203" pitchFamily="34" charset="0"/>
-                        </a:rPr>
-                        <a:t>vehperhouse</a:t>
-                      </a:r>
-                      <a:endParaRPr lang="en-US" dirty="0">
-                        <a:solidFill>
-                          <a:srgbClr val="C00000"/>
-                        </a:solidFill>
-                        <a:effectLst/>
-                        <a:latin typeface="Gill Sans MT" panose="020B0502020104020203" pitchFamily="34" charset="0"/>
-                      </a:endParaRPr>
-                    </a:p>
-                    <a:p>
-                      <a:pPr algn="ctr"/>
-                      <a:r>
-                        <a:rPr lang="en-US" dirty="0" err="1">
-                          <a:solidFill>
-                            <a:srgbClr val="0070C0"/>
-                          </a:solidFill>
-                          <a:effectLst/>
-                          <a:latin typeface="Gill Sans MT" panose="020B0502020104020203" pitchFamily="34" charset="0"/>
-                        </a:rPr>
-                        <a:t>lat</a:t>
-                      </a:r>
-                      <a:endParaRPr lang="en-US" dirty="0">
-                        <a:solidFill>
-                          <a:srgbClr val="0070C0"/>
-                        </a:solidFill>
-                        <a:effectLst/>
-                        <a:latin typeface="Gill Sans MT" panose="020B0502020104020203" pitchFamily="34" charset="0"/>
-                      </a:endParaRPr>
-                    </a:p>
-                    <a:p>
-                      <a:pPr algn="ctr"/>
-                      <a:r>
-                        <a:rPr lang="en-US" dirty="0" err="1">
-                          <a:solidFill>
-                            <a:srgbClr val="C00000"/>
-                          </a:solidFill>
-                          <a:effectLst/>
-                          <a:latin typeface="Gill Sans MT" panose="020B0502020104020203" pitchFamily="34" charset="0"/>
-                        </a:rPr>
-                        <a:t>nohealthinsurance</a:t>
-                      </a:r>
-                      <a:endParaRPr lang="en-US" dirty="0">
-                        <a:solidFill>
-                          <a:srgbClr val="C00000"/>
-                        </a:solidFill>
-                        <a:effectLst/>
-                        <a:latin typeface="Gill Sans MT" panose="020B0502020104020203" pitchFamily="34" charset="0"/>
-                      </a:endParaRPr>
-                    </a:p>
-                    <a:p>
-                      <a:pPr algn="ctr"/>
-                      <a:r>
-                        <a:rPr lang="en-US" dirty="0">
-                          <a:solidFill>
-                            <a:srgbClr val="C00000"/>
-                          </a:solidFill>
-                          <a:effectLst/>
-                          <a:latin typeface="Gill Sans MT" panose="020B0502020104020203" pitchFamily="34" charset="0"/>
-                        </a:rPr>
-                        <a:t>married</a:t>
-                      </a:r>
-                      <a:endParaRPr lang="en-US" dirty="0">
-                        <a:solidFill>
-                          <a:srgbClr val="0070C0"/>
-                        </a:solidFill>
-                        <a:effectLst/>
-                        <a:latin typeface="Gill Sans MT" panose="020B0502020104020203" pitchFamily="34" charset="0"/>
-                      </a:endParaRPr>
-                    </a:p>
-                    <a:p>
-                      <a:pPr marL="0" marR="0" lvl="0" indent="0" algn="ctr" defTabSz="914400" rtl="0" eaLnBrk="1" fontAlgn="auto" latinLnBrk="0" hangingPunct="1">
-                        <a:lnSpc>
-                          <a:spcPct val="100000"/>
-                        </a:lnSpc>
-                        <a:spcBef>
-                          <a:spcPts val="0"/>
-                        </a:spcBef>
-                        <a:spcAft>
-                          <a:spcPts val="0"/>
-                        </a:spcAft>
-                        <a:buClrTx/>
-                        <a:buSzTx/>
-                        <a:buFontTx/>
-                        <a:buNone/>
-                        <a:tabLst/>
-                        <a:defRPr/>
-                      </a:pPr>
-                      <a:r>
-                        <a:rPr lang="en-US" dirty="0">
-                          <a:solidFill>
-                            <a:schemeClr val="accent1"/>
-                          </a:solidFill>
-                          <a:effectLst/>
-                          <a:latin typeface="Gill Sans MT" panose="020B0502020104020203" pitchFamily="34" charset="0"/>
-                        </a:rPr>
-                        <a:t>age55_ov</a:t>
-                      </a:r>
-                      <a:endParaRPr lang="en-US" dirty="0">
-                        <a:solidFill>
-                          <a:srgbClr val="0070C0"/>
-                        </a:solidFill>
-                        <a:effectLst/>
-                        <a:latin typeface="Gill Sans MT" panose="020B0502020104020203" pitchFamily="34" charset="0"/>
-                      </a:endParaRPr>
-                    </a:p>
-                    <a:p>
-                      <a:pPr algn="ctr"/>
-                      <a:r>
-                        <a:rPr lang="en-US" dirty="0" err="1">
-                          <a:solidFill>
-                            <a:srgbClr val="C00000"/>
-                          </a:solidFill>
-                          <a:effectLst/>
-                          <a:latin typeface="Gill Sans MT" panose="020B0502020104020203" pitchFamily="34" charset="0"/>
-                        </a:rPr>
-                        <a:t>logba</a:t>
-                      </a:r>
-                      <a:endParaRPr lang="en-US" dirty="0">
-                        <a:solidFill>
-                          <a:srgbClr val="C00000"/>
-                        </a:solidFill>
-                        <a:effectLst/>
-                        <a:latin typeface="Gill Sans MT" panose="020B0502020104020203" pitchFamily="34" charset="0"/>
-                      </a:endParaRPr>
-                    </a:p>
-                    <a:p>
-                      <a:pPr algn="ctr"/>
-                      <a:r>
-                        <a:rPr lang="en-US" dirty="0" err="1">
-                          <a:solidFill>
-                            <a:schemeClr val="accent1"/>
-                          </a:solidFill>
-                          <a:effectLst/>
-                          <a:latin typeface="Gill Sans MT" panose="020B0502020104020203" pitchFamily="34" charset="0"/>
-                        </a:rPr>
-                        <a:t>logpoppersqmi</a:t>
-                      </a:r>
-                      <a:endParaRPr lang="en-US" dirty="0">
-                        <a:solidFill>
-                          <a:schemeClr val="accent1"/>
-                        </a:solidFill>
-                        <a:effectLst/>
-                        <a:latin typeface="Gill Sans MT" panose="020B0502020104020203" pitchFamily="34" charset="0"/>
-                      </a:endParaRPr>
-                    </a:p>
-                  </a:txBody>
-                  <a:tcPr/>
-                </a:tc>
-                <a:tc>
-                  <a:txBody>
-                    <a:bodyPr/>
-                    <a:lstStyle/>
-                    <a:p>
-                      <a:endParaRPr lang="en-US"/>
-                    </a:p>
-                  </a:txBody>
-                  <a:tcPr/>
-                </a:tc>
-                <a:tc>
-                  <a:txBody>
-                    <a:bodyPr/>
-                    <a:lstStyle/>
-                    <a:p>
+                          <a:effectLst/>
+                        </a:rPr>
+                        <a:t>0.6258</a:t>
+                      </a:r>
                       <a:endParaRPr lang="en-US" dirty="0"/>
                     </a:p>
                   </a:txBody>
@@ -10905,7 +12609,151 @@
                 </a:tc>
                 <a:extLst>
                   <a:ext uri="{0D108BD9-81ED-4DB2-BD59-A6C34878D82A}">
-                    <a16:rowId xmlns:a16="http://schemas.microsoft.com/office/drawing/2014/main" val="4176736732"/>
+                    <a16:rowId xmlns:a16="http://schemas.microsoft.com/office/drawing/2014/main" val="4075928774"/>
+                  </a:ext>
+                </a:extLst>
+              </a:tr>
+              <a:tr h="370840">
+                <a:tc>
+                  <a:txBody>
+                    <a:bodyPr/>
+                    <a:lstStyle/>
+                    <a:p>
+                      <a:r>
+                        <a:rPr lang="en-US" i="1" dirty="0"/>
+                        <a:t>k</a:t>
+                      </a:r>
+                      <a:r>
+                        <a:rPr lang="en-US" i="0" dirty="0"/>
+                        <a:t>-nearest neighbors</a:t>
+                      </a:r>
+                      <a:endParaRPr lang="en-US" i="1" dirty="0"/>
+                    </a:p>
+                  </a:txBody>
+                  <a:tcPr/>
+                </a:tc>
+                <a:tc>
+                  <a:txBody>
+                    <a:bodyPr/>
+                    <a:lstStyle/>
+                    <a:p>
+                      <a:pPr algn="ctr"/>
+                      <a:r>
+                        <a:rPr lang="en-US" dirty="0">
+                          <a:effectLst/>
+                        </a:rPr>
+                        <a:t>0.6798</a:t>
+                      </a:r>
+                      <a:endParaRPr lang="en-US" dirty="0"/>
+                    </a:p>
+                  </a:txBody>
+                  <a:tcPr/>
+                </a:tc>
+                <a:extLst>
+                  <a:ext uri="{0D108BD9-81ED-4DB2-BD59-A6C34878D82A}">
+                    <a16:rowId xmlns:a16="http://schemas.microsoft.com/office/drawing/2014/main" val="922187925"/>
+                  </a:ext>
+                </a:extLst>
+              </a:tr>
+              <a:tr h="370840">
+                <a:tc>
+                  <a:txBody>
+                    <a:bodyPr/>
+                    <a:lstStyle/>
+                    <a:p>
+                      <a:r>
+                        <a:rPr lang="en-US" dirty="0"/>
+                        <a:t>Decision tree (CART)</a:t>
+                      </a:r>
+                    </a:p>
+                  </a:txBody>
+                  <a:tcPr/>
+                </a:tc>
+                <a:tc>
+                  <a:txBody>
+                    <a:bodyPr/>
+                    <a:lstStyle/>
+                    <a:p>
+                      <a:pPr algn="ctr"/>
+                      <a:r>
+                        <a:rPr lang="en-US" dirty="0">
+                          <a:effectLst/>
+                        </a:rPr>
+                        <a:t>0.3557</a:t>
+                      </a:r>
+                      <a:endParaRPr lang="en-US" dirty="0"/>
+                    </a:p>
+                  </a:txBody>
+                  <a:tcPr/>
+                </a:tc>
+                <a:extLst>
+                  <a:ext uri="{0D108BD9-81ED-4DB2-BD59-A6C34878D82A}">
+                    <a16:rowId xmlns:a16="http://schemas.microsoft.com/office/drawing/2014/main" val="827286882"/>
+                  </a:ext>
+                </a:extLst>
+              </a:tr>
+              <a:tr h="370840">
+                <a:tc>
+                  <a:txBody>
+                    <a:bodyPr/>
+                    <a:lstStyle/>
+                    <a:p>
+                      <a:r>
+                        <a:rPr lang="en-US" dirty="0"/>
+                        <a:t>Random forest</a:t>
+                      </a:r>
+                    </a:p>
+                  </a:txBody>
+                  <a:tcPr/>
+                </a:tc>
+                <a:tc>
+                  <a:txBody>
+                    <a:bodyPr/>
+                    <a:lstStyle/>
+                    <a:p>
+                      <a:pPr algn="ctr"/>
+                      <a:endParaRPr lang="en-US" dirty="0"/>
+                    </a:p>
+                  </a:txBody>
+                  <a:tcPr/>
+                </a:tc>
+                <a:extLst>
+                  <a:ext uri="{0D108BD9-81ED-4DB2-BD59-A6C34878D82A}">
+                    <a16:rowId xmlns:a16="http://schemas.microsoft.com/office/drawing/2014/main" val="1788914305"/>
+                  </a:ext>
+                </a:extLst>
+              </a:tr>
+              <a:tr h="370840">
+                <a:tc>
+                  <a:txBody>
+                    <a:bodyPr/>
+                    <a:lstStyle/>
+                    <a:p>
+                      <a:r>
+                        <a:rPr lang="en-US" dirty="0"/>
+                        <a:t>Stochastic gradient boosting</a:t>
+                      </a:r>
+                    </a:p>
+                  </a:txBody>
+                  <a:tcPr/>
+                </a:tc>
+                <a:tc>
+                  <a:txBody>
+                    <a:bodyPr/>
+                    <a:lstStyle/>
+                    <a:p>
+                      <a:pPr algn="ctr"/>
+                      <a:r>
+                        <a:rPr lang="en-US" dirty="0"/>
+                        <a:t>0.77</a:t>
+                      </a:r>
+                    </a:p>
+                  </a:txBody>
+                  <a:tcPr/>
+                </a:tc>
+                <a:extLst>
+                  <a:ext uri="{0D108BD9-81ED-4DB2-BD59-A6C34878D82A}">
+                    <a16:rowId xmlns:a16="http://schemas.microsoft.com/office/drawing/2014/main" val="3525823430"/>
                   </a:ext>
                 </a:extLst>
               </a:tr>
@@ -10916,7 +12764,7 @@
     </p:spTree>
     <p:extLst>
       <p:ext uri="{BB962C8B-B14F-4D97-AF65-F5344CB8AC3E}">
-        <p14:creationId xmlns:p14="http://schemas.microsoft.com/office/powerpoint/2010/main" val="3117514021"/>
+        <p14:creationId xmlns:p14="http://schemas.microsoft.com/office/powerpoint/2010/main" val="1945604741"/>
       </p:ext>
     </p:extLst>
   </p:cSld>
@@ -10988,14 +12836,14 @@
           <p:nvPr>
             <p:extLst>
               <p:ext uri="{D42A27DB-BD31-4B8C-83A1-F6EECF244321}">
-                <p14:modId xmlns:p14="http://schemas.microsoft.com/office/powerpoint/2010/main" val="3040321284"/>
+                <p14:modId xmlns:p14="http://schemas.microsoft.com/office/powerpoint/2010/main" val="835207722"/>
               </p:ext>
             </p:extLst>
           </p:nvPr>
         </p:nvGraphicFramePr>
         <p:xfrm>
-          <a:off x="1176106" y="1783302"/>
-          <a:ext cx="9401175" cy="3545799"/>
+          <a:off x="1046409" y="1996366"/>
+          <a:ext cx="9947387" cy="3294371"/>
         </p:xfrm>
         <a:graphic>
           <a:graphicData uri="http://schemas.openxmlformats.org/drawingml/2006/table">
@@ -11004,34 +12852,27 @@
                 <a:tableStyleId>{073A0DAA-6AF3-43AB-8588-CEC1D06C72B9}</a:tableStyleId>
               </a:tblPr>
               <a:tblGrid>
-                <a:gridCol w="2277307">
+                <a:gridCol w="2908269">
                   <a:extLst>
                     <a:ext uri="{9D8B030D-6E8A-4147-A177-3AD203B41FA5}">
                       <a16:colId xmlns:a16="http://schemas.microsoft.com/office/drawing/2014/main" val="3347781496"/>
                     </a:ext>
                   </a:extLst>
                 </a:gridCol>
-                <a:gridCol w="2068498">
+                <a:gridCol w="2531847">
                   <a:extLst>
                     <a:ext uri="{9D8B030D-6E8A-4147-A177-3AD203B41FA5}">
                       <a16:colId xmlns:a16="http://schemas.microsoft.com/office/drawing/2014/main" val="392291638"/>
                     </a:ext>
                   </a:extLst>
                 </a:gridCol>
-                <a:gridCol w="2672178">
+                <a:gridCol w="4507271">
                   <a:extLst>
                     <a:ext uri="{9D8B030D-6E8A-4147-A177-3AD203B41FA5}">
                       <a16:colId xmlns:a16="http://schemas.microsoft.com/office/drawing/2014/main" val="899575352"/>
                     </a:ext>
                   </a:extLst>
                 </a:gridCol>
-                <a:gridCol w="2383192">
-                  <a:extLst>
-                    <a:ext uri="{9D8B030D-6E8A-4147-A177-3AD203B41FA5}">
-                      <a16:colId xmlns:a16="http://schemas.microsoft.com/office/drawing/2014/main" val="847904471"/>
-                    </a:ext>
-                  </a:extLst>
-                </a:gridCol>
               </a:tblGrid>
               <a:tr h="388652">
                 <a:tc>
@@ -11076,32 +12917,7 @@
                         <a:rPr lang="en-US" i="1" dirty="0">
                           <a:latin typeface="Gill Sans MT" panose="020B0502020104020203" pitchFamily="34" charset="0"/>
                         </a:rPr>
-                        <a:t>Stochastic gradient boosting (best fit model)</a:t>
-                      </a:r>
-                    </a:p>
-                  </a:txBody>
-                  <a:tcPr/>
-                </a:tc>
-                <a:tc>
-                  <a:txBody>
-                    <a:bodyPr/>
-                    <a:lstStyle/>
-                    <a:p>
-                      <a:pPr algn="ctr"/>
-                      <a:r>
-                        <a:rPr lang="en-US" i="1" dirty="0">
-                          <a:latin typeface="Gill Sans MT" panose="020B0502020104020203" pitchFamily="34" charset="0"/>
-                        </a:rPr>
-                        <a:t>Classification models</a:t>
-                      </a:r>
-                    </a:p>
-                    <a:p>
-                      <a:pPr algn="ctr"/>
-                      <a:r>
-                        <a:rPr lang="en-US" i="1" dirty="0">
-                          <a:latin typeface="Gill Sans MT" panose="020B0502020104020203" pitchFamily="34" charset="0"/>
-                        </a:rPr>
-                        <a:t>(i.e. winner-take-all)</a:t>
+                        <a:t>Stochastic gradient boosting</a:t>
                       </a:r>
                     </a:p>
                   </a:txBody>
@@ -11136,12 +12952,6 @@
                     <a:lstStyle/>
                     <a:p>
                       <a:pPr algn="ctr"/>
-                      <a:r>
-                        <a:rPr lang="en-US" dirty="0">
-                          <a:effectLst/>
-                        </a:rPr>
-                        <a:t>0.631</a:t>
-                      </a:r>
                       <a:endParaRPr lang="en-US" dirty="0">
                         <a:latin typeface="Gill Sans MT" panose="020B0502020104020203" pitchFamily="34" charset="0"/>
                       </a:endParaRPr>
@@ -11155,26 +12965,9 @@
                     <a:lstStyle/>
                     <a:p>
                       <a:pPr algn="ctr"/>
-                      <a:r>
-                        <a:rPr lang="en-US" dirty="0">
-                          <a:effectLst/>
-                          <a:latin typeface="Gill Sans MT" panose="020B0502020104020203" pitchFamily="34" charset="0"/>
-                        </a:rPr>
-                        <a:t>0.772</a:t>
-                      </a:r>
                       <a:endParaRPr lang="en-US" dirty="0">
                         <a:latin typeface="Gill Sans MT" panose="020B0502020104020203" pitchFamily="34" charset="0"/>
                       </a:endParaRPr>
-                    </a:p>
-                  </a:txBody>
-                  <a:tcPr/>
-                </a:tc>
-                <a:tc>
-                  <a:txBody>
-                    <a:bodyPr/>
-                    <a:lstStyle/>
-                    <a:p>
-                      <a:endParaRPr lang="en-US"/>
                     </a:p>
                   </a:txBody>
                   <a:tcPr/>
@@ -11226,165 +13019,6 @@
                     <a:lstStyle/>
                     <a:p>
                       <a:pPr algn="ctr"/>
-                      <a:r>
-                        <a:rPr lang="en-US" dirty="0">
-                          <a:solidFill>
-                            <a:srgbClr val="C00000"/>
-                          </a:solidFill>
-                          <a:effectLst/>
-                          <a:latin typeface="Gill Sans MT" panose="020B0502020104020203" pitchFamily="34" charset="0"/>
-                        </a:rPr>
-                        <a:t>white1nh</a:t>
-                      </a:r>
-                    </a:p>
-                    <a:p>
-                      <a:pPr algn="ctr"/>
-                      <a:r>
-                        <a:rPr lang="en-US" dirty="0" err="1">
-                          <a:solidFill>
-                            <a:srgbClr val="C00000"/>
-                          </a:solidFill>
-                          <a:effectLst/>
-                          <a:latin typeface="Gill Sans MT" panose="020B0502020104020203" pitchFamily="34" charset="0"/>
-                        </a:rPr>
-                        <a:t>vehperhouse</a:t>
-                      </a:r>
-                      <a:endParaRPr lang="en-US" dirty="0">
-                        <a:solidFill>
-                          <a:srgbClr val="C00000"/>
-                        </a:solidFill>
-                        <a:effectLst/>
-                        <a:latin typeface="Gill Sans MT" panose="020B0502020104020203" pitchFamily="34" charset="0"/>
-                      </a:endParaRPr>
-                    </a:p>
-                    <a:p>
-                      <a:pPr algn="ctr"/>
-                      <a:r>
-                        <a:rPr lang="en-US" dirty="0" err="1">
-                          <a:solidFill>
-                            <a:srgbClr val="0070C0"/>
-                          </a:solidFill>
-                          <a:effectLst/>
-                          <a:latin typeface="Gill Sans MT" panose="020B0502020104020203" pitchFamily="34" charset="0"/>
-                        </a:rPr>
-                        <a:t>lat</a:t>
-                      </a:r>
-                      <a:endParaRPr lang="en-US" dirty="0">
-                        <a:solidFill>
-                          <a:srgbClr val="0070C0"/>
-                        </a:solidFill>
-                        <a:effectLst/>
-                        <a:latin typeface="Gill Sans MT" panose="020B0502020104020203" pitchFamily="34" charset="0"/>
-                      </a:endParaRPr>
-                    </a:p>
-                    <a:p>
-                      <a:pPr algn="ctr"/>
-                      <a:r>
-                        <a:rPr lang="en-US" dirty="0" err="1">
-                          <a:solidFill>
-                            <a:srgbClr val="C00000"/>
-                          </a:solidFill>
-                          <a:effectLst/>
-                          <a:latin typeface="Gill Sans MT" panose="020B0502020104020203" pitchFamily="34" charset="0"/>
-                        </a:rPr>
-                        <a:t>nohealthinsurance</a:t>
-                      </a:r>
-                      <a:endParaRPr lang="en-US" dirty="0">
-                        <a:solidFill>
-                          <a:srgbClr val="C00000"/>
-                        </a:solidFill>
-                        <a:effectLst/>
-                        <a:latin typeface="Gill Sans MT" panose="020B0502020104020203" pitchFamily="34" charset="0"/>
-                      </a:endParaRPr>
-                    </a:p>
-                    <a:p>
-                      <a:pPr algn="ctr"/>
-                      <a:r>
-                        <a:rPr lang="en-US" dirty="0">
-                          <a:solidFill>
-                            <a:srgbClr val="C00000"/>
-                          </a:solidFill>
-                          <a:effectLst/>
-                          <a:latin typeface="Gill Sans MT" panose="020B0502020104020203" pitchFamily="34" charset="0"/>
-                        </a:rPr>
-                        <a:t>married</a:t>
-                      </a:r>
-                      <a:endParaRPr lang="en-US" dirty="0">
-                        <a:solidFill>
-                          <a:srgbClr val="0070C0"/>
-                        </a:solidFill>
-                        <a:effectLst/>
-                        <a:latin typeface="Gill Sans MT" panose="020B0502020104020203" pitchFamily="34" charset="0"/>
-                      </a:endParaRPr>
-                    </a:p>
-                    <a:p>
-                      <a:pPr marL="0" marR="0" lvl="0" indent="0" algn="ctr" defTabSz="914400" rtl="0" eaLnBrk="1" fontAlgn="auto" latinLnBrk="0" hangingPunct="1">
-                        <a:lnSpc>
-                          <a:spcPct val="100000"/>
-                        </a:lnSpc>
-                        <a:spcBef>
-                          <a:spcPts val="0"/>
-                        </a:spcBef>
-                        <a:spcAft>
-                          <a:spcPts val="0"/>
-                        </a:spcAft>
-                        <a:buClrTx/>
-                        <a:buSzTx/>
-                        <a:buFontTx/>
-                        <a:buNone/>
-                        <a:tabLst/>
-                        <a:defRPr/>
-                      </a:pPr>
-                      <a:r>
-                        <a:rPr lang="en-US" dirty="0">
-                          <a:solidFill>
-                            <a:schemeClr val="accent1"/>
-                          </a:solidFill>
-                          <a:effectLst/>
-                          <a:latin typeface="Gill Sans MT" panose="020B0502020104020203" pitchFamily="34" charset="0"/>
-                        </a:rPr>
-                        <a:t>age55_ov</a:t>
-                      </a:r>
-                      <a:endParaRPr lang="en-US" dirty="0">
-                        <a:solidFill>
-                          <a:srgbClr val="0070C0"/>
-                        </a:solidFill>
-                        <a:effectLst/>
-                        <a:latin typeface="Gill Sans MT" panose="020B0502020104020203" pitchFamily="34" charset="0"/>
-                      </a:endParaRPr>
-                    </a:p>
-                    <a:p>
-                      <a:pPr algn="ctr"/>
-                      <a:r>
-                        <a:rPr lang="en-US" dirty="0" err="1">
-                          <a:solidFill>
-                            <a:srgbClr val="C00000"/>
-                          </a:solidFill>
-                          <a:effectLst/>
-                          <a:latin typeface="Gill Sans MT" panose="020B0502020104020203" pitchFamily="34" charset="0"/>
-                        </a:rPr>
-                        <a:t>logba</a:t>
-                      </a:r>
-                      <a:endParaRPr lang="en-US" dirty="0">
-                        <a:solidFill>
-                          <a:srgbClr val="C00000"/>
-                        </a:solidFill>
-                        <a:effectLst/>
-                        <a:latin typeface="Gill Sans MT" panose="020B0502020104020203" pitchFamily="34" charset="0"/>
-                      </a:endParaRPr>
-                    </a:p>
-                    <a:p>
-                      <a:pPr algn="ctr"/>
-                      <a:r>
-                        <a:rPr lang="en-US" dirty="0" err="1">
-                          <a:solidFill>
-                            <a:schemeClr val="accent1"/>
-                          </a:solidFill>
-                          <a:effectLst/>
-                          <a:latin typeface="Gill Sans MT" panose="020B0502020104020203" pitchFamily="34" charset="0"/>
-                        </a:rPr>
-                        <a:t>logpoppersqmi</a:t>
-                      </a:r>
                       <a:endParaRPr lang="en-US" dirty="0">
                         <a:solidFill>
                           <a:schemeClr val="accent1"/>
@@ -11402,114 +13036,9 @@
                     <a:lstStyle/>
                     <a:p>
                       <a:pPr algn="ctr"/>
-                      <a:r>
-                        <a:rPr lang="en-US" dirty="0" err="1">
-                          <a:effectLst/>
-                          <a:latin typeface="Gill Sans MT" panose="020B0502020104020203" pitchFamily="34" charset="0"/>
-                        </a:rPr>
-                        <a:t>nevermarried</a:t>
-                      </a:r>
-                      <a:r>
-                        <a:rPr lang="en-US" dirty="0">
-                          <a:effectLst/>
-                          <a:latin typeface="Gill Sans MT" panose="020B0502020104020203" pitchFamily="34" charset="0"/>
-                        </a:rPr>
-                        <a:t> </a:t>
-                      </a:r>
-                    </a:p>
-                    <a:p>
-                      <a:pPr algn="ctr"/>
-                      <a:r>
-                        <a:rPr lang="en-US" dirty="0">
-                          <a:effectLst/>
-                          <a:latin typeface="Gill Sans MT" panose="020B0502020104020203" pitchFamily="34" charset="0"/>
-                        </a:rPr>
-                        <a:t>long</a:t>
-                      </a:r>
-                    </a:p>
-                    <a:p>
-                      <a:pPr algn="ctr"/>
-                      <a:r>
-                        <a:rPr lang="en-US" dirty="0">
-                          <a:effectLst/>
-                          <a:latin typeface="Gill Sans MT" panose="020B0502020104020203" pitchFamily="34" charset="0"/>
-                        </a:rPr>
-                        <a:t>white1nh</a:t>
-                      </a:r>
-                    </a:p>
-                    <a:p>
-                      <a:pPr algn="ctr"/>
-                      <a:r>
-                        <a:rPr lang="en-US" dirty="0" err="1">
-                          <a:effectLst/>
-                          <a:latin typeface="Gill Sans MT" panose="020B0502020104020203" pitchFamily="34" charset="0"/>
-                        </a:rPr>
-                        <a:t>vehperhouse</a:t>
-                      </a:r>
-                      <a:endParaRPr lang="en-US" dirty="0">
-                        <a:effectLst/>
-                        <a:latin typeface="Gill Sans MT" panose="020B0502020104020203" pitchFamily="34" charset="0"/>
-                      </a:endParaRPr>
-                    </a:p>
-                    <a:p>
-                      <a:pPr algn="ctr"/>
-                      <a:r>
-                        <a:rPr lang="en-US" dirty="0" err="1">
-                          <a:effectLst/>
-                          <a:latin typeface="Gill Sans MT" panose="020B0502020104020203" pitchFamily="34" charset="0"/>
-                        </a:rPr>
-                        <a:t>lat</a:t>
-                      </a:r>
-                      <a:endParaRPr lang="en-US" dirty="0">
-                        <a:effectLst/>
-                        <a:latin typeface="Gill Sans MT" panose="020B0502020104020203" pitchFamily="34" charset="0"/>
-                      </a:endParaRPr>
-                    </a:p>
-                    <a:p>
-                      <a:pPr algn="ctr"/>
-                      <a:r>
-                        <a:rPr lang="en-US" dirty="0" err="1">
-                          <a:effectLst/>
-                          <a:latin typeface="Gill Sans MT" panose="020B0502020104020203" pitchFamily="34" charset="0"/>
-                        </a:rPr>
-                        <a:t>logpoppersqmi</a:t>
-                      </a:r>
-                      <a:endParaRPr lang="en-US" dirty="0">
-                        <a:effectLst/>
-                        <a:latin typeface="Gill Sans MT" panose="020B0502020104020203" pitchFamily="34" charset="0"/>
-                      </a:endParaRPr>
-                    </a:p>
-                    <a:p>
-                      <a:pPr algn="ctr"/>
-                      <a:r>
-                        <a:rPr lang="en-US" dirty="0">
-                          <a:effectLst/>
-                          <a:latin typeface="Gill Sans MT" panose="020B0502020104020203" pitchFamily="34" charset="0"/>
-                        </a:rPr>
-                        <a:t>married</a:t>
-                      </a:r>
-                    </a:p>
-                    <a:p>
-                      <a:pPr algn="ctr"/>
-                      <a:r>
-                        <a:rPr lang="en-US" dirty="0" err="1">
-                          <a:latin typeface="Gill Sans MT" panose="020B0502020104020203" pitchFamily="34" charset="0"/>
-                        </a:rPr>
-                        <a:t>sepdiv</a:t>
-                      </a:r>
                       <a:endParaRPr lang="en-US" dirty="0">
                         <a:latin typeface="Gill Sans MT" panose="020B0502020104020203" pitchFamily="34" charset="0"/>
                       </a:endParaRPr>
-                    </a:p>
-                  </a:txBody>
-                  <a:tcPr/>
-                </a:tc>
-                <a:tc>
-                  <a:txBody>
-                    <a:bodyPr/>
-                    <a:lstStyle/>
-                    <a:p>
-                      <a:endParaRPr lang="en-US" dirty="0"/>
                     </a:p>
                   </a:txBody>
                   <a:tcPr/>
@@ -11527,7 +13056,7 @@
     </p:spTree>
     <p:extLst>
       <p:ext uri="{BB962C8B-B14F-4D97-AF65-F5344CB8AC3E}">
-        <p14:creationId xmlns:p14="http://schemas.microsoft.com/office/powerpoint/2010/main" val="3703213079"/>
+        <p14:creationId xmlns:p14="http://schemas.microsoft.com/office/powerpoint/2010/main" val="2186071458"/>
       </p:ext>
     </p:extLst>
   </p:cSld>
@@ -11599,14 +13128,14 @@
           <p:nvPr>
             <p:extLst>
               <p:ext uri="{D42A27DB-BD31-4B8C-83A1-F6EECF244321}">
-                <p14:modId xmlns:p14="http://schemas.microsoft.com/office/powerpoint/2010/main" val="3734887003"/>
+                <p14:modId xmlns:p14="http://schemas.microsoft.com/office/powerpoint/2010/main" val="1982966614"/>
               </p:ext>
             </p:extLst>
           </p:nvPr>
         </p:nvGraphicFramePr>
         <p:xfrm>
-          <a:off x="1176106" y="1783302"/>
-          <a:ext cx="9401175" cy="3545799"/>
+          <a:off x="1046409" y="1996366"/>
+          <a:ext cx="9947387" cy="3294371"/>
         </p:xfrm>
         <a:graphic>
           <a:graphicData uri="http://schemas.openxmlformats.org/drawingml/2006/table">
@@ -11615,34 +13144,27 @@
                 <a:tableStyleId>{073A0DAA-6AF3-43AB-8588-CEC1D06C72B9}</a:tableStyleId>
               </a:tblPr>
               <a:tblGrid>
-                <a:gridCol w="2277307">
+                <a:gridCol w="2908269">
                   <a:extLst>
                     <a:ext uri="{9D8B030D-6E8A-4147-A177-3AD203B41FA5}">
                       <a16:colId xmlns:a16="http://schemas.microsoft.com/office/drawing/2014/main" val="3347781496"/>
                     </a:ext>
                   </a:extLst>
                 </a:gridCol>
-                <a:gridCol w="2068498">
+                <a:gridCol w="2531847">
                   <a:extLst>
                     <a:ext uri="{9D8B030D-6E8A-4147-A177-3AD203B41FA5}">
                       <a16:colId xmlns:a16="http://schemas.microsoft.com/office/drawing/2014/main" val="392291638"/>
                     </a:ext>
                   </a:extLst>
                 </a:gridCol>
-                <a:gridCol w="2672178">
+                <a:gridCol w="4507271">
                   <a:extLst>
                     <a:ext uri="{9D8B030D-6E8A-4147-A177-3AD203B41FA5}">
                       <a16:colId xmlns:a16="http://schemas.microsoft.com/office/drawing/2014/main" val="899575352"/>
                     </a:ext>
                   </a:extLst>
                 </a:gridCol>
-                <a:gridCol w="2383192">
-                  <a:extLst>
-                    <a:ext uri="{9D8B030D-6E8A-4147-A177-3AD203B41FA5}">
-                      <a16:colId xmlns:a16="http://schemas.microsoft.com/office/drawing/2014/main" val="847904471"/>
-                    </a:ext>
-                  </a:extLst>
-                </a:gridCol>
               </a:tblGrid>
               <a:tr h="388652">
                 <a:tc>
@@ -11687,32 +13209,7 @@
                         <a:rPr lang="en-US" i="1" dirty="0">
                           <a:latin typeface="Gill Sans MT" panose="020B0502020104020203" pitchFamily="34" charset="0"/>
                         </a:rPr>
-                        <a:t>Stochastic gradient boosting (best fit model)</a:t>
-                      </a:r>
-                    </a:p>
-                  </a:txBody>
-                  <a:tcPr/>
-                </a:tc>
-                <a:tc>
-                  <a:txBody>
-                    <a:bodyPr/>
-                    <a:lstStyle/>
-                    <a:p>
-                      <a:pPr algn="ctr"/>
-                      <a:r>
-                        <a:rPr lang="en-US" i="1" dirty="0">
-                          <a:latin typeface="Gill Sans MT" panose="020B0502020104020203" pitchFamily="34" charset="0"/>
-                        </a:rPr>
-                        <a:t>Classification models</a:t>
-                      </a:r>
-                    </a:p>
-                    <a:p>
-                      <a:pPr algn="ctr"/>
-                      <a:r>
-                        <a:rPr lang="en-US" i="1" dirty="0">
-                          <a:latin typeface="Gill Sans MT" panose="020B0502020104020203" pitchFamily="34" charset="0"/>
-                        </a:rPr>
-                        <a:t>(i.e. winner-take-all)</a:t>
+                        <a:t>Stochastic gradient boosting</a:t>
                       </a:r>
                     </a:p>
                   </a:txBody>
@@ -11766,32 +13263,9 @@
                     <a:lstStyle/>
                     <a:p>
                       <a:pPr algn="ctr"/>
-                      <a:r>
-                        <a:rPr lang="en-US" dirty="0">
-                          <a:effectLst/>
-                          <a:latin typeface="Gill Sans MT" panose="020B0502020104020203" pitchFamily="34" charset="0"/>
-                        </a:rPr>
-                        <a:t>0.772</a:t>
-                      </a:r>
                       <a:endParaRPr lang="en-US" dirty="0">
                         <a:latin typeface="Gill Sans MT" panose="020B0502020104020203" pitchFamily="34" charset="0"/>
                       </a:endParaRPr>
-                    </a:p>
-                  </a:txBody>
-                  <a:tcPr/>
-                </a:tc>
-                <a:tc>
-                  <a:txBody>
-                    <a:bodyPr/>
-                    <a:lstStyle/>
-                    <a:p>
-                      <a:pPr algn="ctr"/>
-                      <a:r>
-                        <a:rPr lang="en-US" dirty="0">
-                          <a:latin typeface="Gill Sans MT" panose="020B0502020104020203" pitchFamily="34" charset="0"/>
-                        </a:rPr>
-                        <a:t>~0.80</a:t>
-                      </a:r>
                     </a:p>
                   </a:txBody>
                   <a:tcPr/>
@@ -12019,198 +13493,6 @@
                     <a:lstStyle/>
                     <a:p>
                       <a:pPr algn="ctr"/>
-                      <a:r>
-                        <a:rPr lang="en-US" dirty="0" err="1">
-                          <a:effectLst/>
-                          <a:latin typeface="Gill Sans MT" panose="020B0502020104020203" pitchFamily="34" charset="0"/>
-                        </a:rPr>
-                        <a:t>nevermarried</a:t>
-                      </a:r>
-                      <a:r>
-                        <a:rPr lang="en-US" dirty="0">
-                          <a:effectLst/>
-                          <a:latin typeface="Gill Sans MT" panose="020B0502020104020203" pitchFamily="34" charset="0"/>
-                        </a:rPr>
-                        <a:t> </a:t>
-                      </a:r>
-                    </a:p>
-                    <a:p>
-                      <a:pPr algn="ctr"/>
-                      <a:r>
-                        <a:rPr lang="en-US" dirty="0">
-                          <a:effectLst/>
-                          <a:latin typeface="Gill Sans MT" panose="020B0502020104020203" pitchFamily="34" charset="0"/>
-                        </a:rPr>
-                        <a:t>long</a:t>
-                      </a:r>
-                    </a:p>
-                    <a:p>
-                      <a:pPr algn="ctr"/>
-                      <a:r>
-                        <a:rPr lang="en-US" dirty="0">
-                          <a:effectLst/>
-                          <a:latin typeface="Gill Sans MT" panose="020B0502020104020203" pitchFamily="34" charset="0"/>
-                        </a:rPr>
-                        <a:t>white1nh</a:t>
-                      </a:r>
-                    </a:p>
-                    <a:p>
-                      <a:pPr algn="ctr"/>
-                      <a:r>
-                        <a:rPr lang="en-US" dirty="0" err="1">
-                          <a:effectLst/>
-                          <a:latin typeface="Gill Sans MT" panose="020B0502020104020203" pitchFamily="34" charset="0"/>
-                        </a:rPr>
-                        <a:t>vehperhouse</a:t>
-                      </a:r>
-                      <a:endParaRPr lang="en-US" dirty="0">
-                        <a:effectLst/>
-                        <a:latin typeface="Gill Sans MT" panose="020B0502020104020203" pitchFamily="34" charset="0"/>
-                      </a:endParaRPr>
-                    </a:p>
-                    <a:p>
-                      <a:pPr algn="ctr"/>
-                      <a:r>
-                        <a:rPr lang="en-US" dirty="0" err="1">
-                          <a:effectLst/>
-                          <a:latin typeface="Gill Sans MT" panose="020B0502020104020203" pitchFamily="34" charset="0"/>
-                        </a:rPr>
-                        <a:t>lat</a:t>
-                      </a:r>
-                      <a:endParaRPr lang="en-US" dirty="0">
-                        <a:effectLst/>
-                        <a:latin typeface="Gill Sans MT" panose="020B0502020104020203" pitchFamily="34" charset="0"/>
-                      </a:endParaRPr>
-                    </a:p>
-                    <a:p>
-                      <a:pPr algn="ctr"/>
-                      <a:r>
-                        <a:rPr lang="en-US" dirty="0" err="1">
-                          <a:effectLst/>
-                          <a:latin typeface="Gill Sans MT" panose="020B0502020104020203" pitchFamily="34" charset="0"/>
-                        </a:rPr>
-                        <a:t>logpoppersqmi</a:t>
-                      </a:r>
-                      <a:endParaRPr lang="en-US" dirty="0">
-                        <a:effectLst/>
-                        <a:latin typeface="Gill Sans MT" panose="020B0502020104020203" pitchFamily="34" charset="0"/>
-                      </a:endParaRPr>
-                    </a:p>
-                    <a:p>
-                      <a:pPr algn="ctr"/>
-                      <a:r>
-                        <a:rPr lang="en-US" dirty="0">
-                          <a:effectLst/>
-                          <a:latin typeface="Gill Sans MT" panose="020B0502020104020203" pitchFamily="34" charset="0"/>
-                        </a:rPr>
-                        <a:t>married</a:t>
-                      </a:r>
-                    </a:p>
-                    <a:p>
-                      <a:pPr algn="ctr"/>
-                      <a:r>
-                        <a:rPr lang="en-US" dirty="0" err="1">
-                          <a:latin typeface="Gill Sans MT" panose="020B0502020104020203" pitchFamily="34" charset="0"/>
-                        </a:rPr>
-                        <a:t>sepdiv</a:t>
-                      </a:r>
-                      <a:endParaRPr lang="en-US" dirty="0">
-                        <a:latin typeface="Gill Sans MT" panose="020B0502020104020203" pitchFamily="34" charset="0"/>
-                      </a:endParaRPr>
-                    </a:p>
-                  </a:txBody>
-                  <a:tcPr/>
-                </a:tc>
-                <a:tc>
-                  <a:txBody>
-                    <a:bodyPr/>
-                    <a:lstStyle/>
-                    <a:p>
-                      <a:pPr algn="ctr"/>
-                      <a:r>
-                        <a:rPr lang="en-US" dirty="0" err="1">
-                          <a:latin typeface="Gill Sans MT" panose="020B0502020104020203" pitchFamily="34" charset="0"/>
-                        </a:rPr>
-                        <a:t>nevermarried</a:t>
-                      </a:r>
-                      <a:endParaRPr lang="en-US" dirty="0">
-                        <a:latin typeface="Gill Sans MT" panose="020B0502020104020203" pitchFamily="34" charset="0"/>
-                      </a:endParaRPr>
-                    </a:p>
-                    <a:p>
-                      <a:pPr algn="ctr"/>
-                      <a:r>
-                        <a:rPr lang="en-US" dirty="0">
-                          <a:latin typeface="Gill Sans MT" panose="020B0502020104020203" pitchFamily="34" charset="0"/>
-                        </a:rPr>
-                        <a:t>married</a:t>
-                      </a:r>
-                    </a:p>
-                    <a:p>
-                      <a:pPr algn="ctr"/>
-                      <a:r>
-                        <a:rPr lang="en-US" dirty="0" err="1">
-                          <a:latin typeface="Gill Sans MT" panose="020B0502020104020203" pitchFamily="34" charset="0"/>
-                        </a:rPr>
-                        <a:t>vehperhouse</a:t>
-                      </a:r>
-                      <a:endParaRPr lang="en-US" dirty="0">
-                        <a:latin typeface="Gill Sans MT" panose="020B0502020104020203" pitchFamily="34" charset="0"/>
-                      </a:endParaRPr>
-                    </a:p>
-                    <a:p>
-                      <a:pPr algn="ctr"/>
-                      <a:r>
-                        <a:rPr lang="en-US" dirty="0">
-                          <a:latin typeface="Gill Sans MT" panose="020B0502020104020203" pitchFamily="34" charset="0"/>
-                        </a:rPr>
-                        <a:t>farm</a:t>
-                      </a:r>
-                    </a:p>
-                    <a:p>
-                      <a:pPr algn="ctr"/>
-                      <a:r>
-                        <a:rPr lang="en-US" dirty="0" err="1">
-                          <a:latin typeface="Gill Sans MT" panose="020B0502020104020203" pitchFamily="34" charset="0"/>
-                        </a:rPr>
-                        <a:t>logpctmultiunitdwelling</a:t>
-                      </a:r>
-                      <a:endParaRPr lang="en-US" dirty="0">
-                        <a:latin typeface="Gill Sans MT" panose="020B0502020104020203" pitchFamily="34" charset="0"/>
-                      </a:endParaRPr>
-                    </a:p>
-                    <a:p>
-                      <a:pPr algn="ctr"/>
-                      <a:r>
-                        <a:rPr lang="en-US" dirty="0" err="1">
-                          <a:latin typeface="Gill Sans MT" panose="020B0502020104020203" pitchFamily="34" charset="0"/>
-                        </a:rPr>
-                        <a:t>logincollege</a:t>
-                      </a:r>
-                      <a:endParaRPr lang="en-US" dirty="0">
-                        <a:latin typeface="Gill Sans MT" panose="020B0502020104020203" pitchFamily="34" charset="0"/>
-                      </a:endParaRPr>
-                    </a:p>
-                    <a:p>
-                      <a:pPr algn="ctr"/>
-                      <a:r>
-                        <a:rPr lang="en-US" dirty="0" err="1">
-                          <a:latin typeface="Gill Sans MT" panose="020B0502020104020203" pitchFamily="34" charset="0"/>
-                        </a:rPr>
-                        <a:t>logunemployed</a:t>
-                      </a:r>
-                      <a:endParaRPr lang="en-US" dirty="0">
-                        <a:latin typeface="Gill Sans MT" panose="020B0502020104020203" pitchFamily="34" charset="0"/>
-                      </a:endParaRPr>
-                    </a:p>
-                    <a:p>
-                      <a:pPr algn="ctr"/>
-                      <a:r>
-                        <a:rPr lang="en-US" dirty="0" err="1">
-                          <a:latin typeface="Gill Sans MT" panose="020B0502020104020203" pitchFamily="34" charset="0"/>
-                        </a:rPr>
-                        <a:t>logpoppersqmi</a:t>
-                      </a:r>
                       <a:endParaRPr lang="en-US" dirty="0">
                         <a:latin typeface="Gill Sans MT" panose="020B0502020104020203" pitchFamily="34" charset="0"/>
                       </a:endParaRPr>
@@ -12231,7 +13513,7 @@
     </p:spTree>
     <p:extLst>
       <p:ext uri="{BB962C8B-B14F-4D97-AF65-F5344CB8AC3E}">
-        <p14:creationId xmlns:p14="http://schemas.microsoft.com/office/powerpoint/2010/main" val="1541347070"/>
+        <p14:creationId xmlns:p14="http://schemas.microsoft.com/office/powerpoint/2010/main" val="3488415387"/>
       </p:ext>
     </p:extLst>
   </p:cSld>
@@ -12242,6 +13524,559 @@
 </file>
 
 <file path=ppt/slides/slide34.xml><?xml version="1.0" encoding="utf-8"?>
+<p:sld xmlns:a="http://schemas.openxmlformats.org/drawingml/2006/main" xmlns:r="http://schemas.openxmlformats.org/officeDocument/2006/relationships" xmlns:p="http://schemas.openxmlformats.org/presentationml/2006/main">
+  <p:cSld>
+    <p:spTree>
+      <p:nvGrpSpPr>
+        <p:cNvPr id="1" name=""/>
+        <p:cNvGrpSpPr/>
+        <p:nvPr/>
+      </p:nvGrpSpPr>
+      <p:grpSpPr>
+        <a:xfrm>
+          <a:off x="0" y="0"/>
+          <a:ext cx="0" cy="0"/>
+          <a:chOff x="0" y="0"/>
+          <a:chExt cx="0" cy="0"/>
+        </a:xfrm>
+      </p:grpSpPr>
+      <p:sp>
+        <p:nvSpPr>
+          <p:cNvPr id="2" name="Title 1">
+            <a:extLst>
+              <a:ext uri="{FF2B5EF4-FFF2-40B4-BE49-F238E27FC236}">
+                <a16:creationId xmlns:a16="http://schemas.microsoft.com/office/drawing/2014/main" id="{C099A040-0ED6-4CB9-94FF-0815BF475F02}"/>
+              </a:ext>
+            </a:extLst>
+          </p:cNvPr>
+          <p:cNvSpPr>
+            <a:spLocks noGrp="1"/>
+          </p:cNvSpPr>
+          <p:nvPr>
+            <p:ph type="title"/>
+          </p:nvPr>
+        </p:nvSpPr>
+        <p:spPr/>
+        <p:txBody>
+          <a:bodyPr/>
+          <a:lstStyle/>
+          <a:p>
+            <a:r>
+              <a:rPr lang="en-US" dirty="0">
+                <a:latin typeface="Gill Sans MT" panose="020B0502020104020203" pitchFamily="34" charset="0"/>
+              </a:rPr>
+              <a:t>Most predictive variables</a:t>
+            </a:r>
+          </a:p>
+        </p:txBody>
+      </p:sp>
+      <p:graphicFrame>
+        <p:nvGraphicFramePr>
+          <p:cNvPr id="4" name="Table 3">
+            <a:extLst>
+              <a:ext uri="{FF2B5EF4-FFF2-40B4-BE49-F238E27FC236}">
+                <a16:creationId xmlns:a16="http://schemas.microsoft.com/office/drawing/2014/main" id="{DAC20F89-340C-44A6-8BF4-3821B6D6B743}"/>
+              </a:ext>
+            </a:extLst>
+          </p:cNvPr>
+          <p:cNvGraphicFramePr>
+            <a:graphicFrameLocks noGrp="1"/>
+          </p:cNvGraphicFramePr>
+          <p:nvPr/>
+        </p:nvGraphicFramePr>
+        <p:xfrm>
+          <a:off x="1046409" y="1996366"/>
+          <a:ext cx="9947387" cy="3294371"/>
+        </p:xfrm>
+        <a:graphic>
+          <a:graphicData uri="http://schemas.openxmlformats.org/drawingml/2006/table">
+            <a:tbl>
+              <a:tblPr firstRow="1" bandRow="1">
+                <a:tableStyleId>{073A0DAA-6AF3-43AB-8588-CEC1D06C72B9}</a:tableStyleId>
+              </a:tblPr>
+              <a:tblGrid>
+                <a:gridCol w="2908269">
+                  <a:extLst>
+                    <a:ext uri="{9D8B030D-6E8A-4147-A177-3AD203B41FA5}">
+                      <a16:colId xmlns:a16="http://schemas.microsoft.com/office/drawing/2014/main" val="3347781496"/>
+                    </a:ext>
+                  </a:extLst>
+                </a:gridCol>
+                <a:gridCol w="2531847">
+                  <a:extLst>
+                    <a:ext uri="{9D8B030D-6E8A-4147-A177-3AD203B41FA5}">
+                      <a16:colId xmlns:a16="http://schemas.microsoft.com/office/drawing/2014/main" val="392291638"/>
+                    </a:ext>
+                  </a:extLst>
+                </a:gridCol>
+                <a:gridCol w="4507271">
+                  <a:extLst>
+                    <a:ext uri="{9D8B030D-6E8A-4147-A177-3AD203B41FA5}">
+                      <a16:colId xmlns:a16="http://schemas.microsoft.com/office/drawing/2014/main" val="899575352"/>
+                    </a:ext>
+                  </a:extLst>
+                </a:gridCol>
+              </a:tblGrid>
+              <a:tr h="388652">
+                <a:tc>
+                  <a:txBody>
+                    <a:bodyPr/>
+                    <a:lstStyle/>
+                    <a:p>
+                      <a:pPr algn="ctr"/>
+                      <a:r>
+                        <a:rPr lang="en-US" i="1" u="none" dirty="0">
+                          <a:latin typeface="Gill Sans MT" panose="020B0502020104020203" pitchFamily="34" charset="0"/>
+                        </a:rPr>
+                        <a:t>Metric   \    Model</a:t>
+                      </a:r>
+                    </a:p>
+                  </a:txBody>
+                  <a:tcPr/>
+                </a:tc>
+                <a:tc>
+                  <a:txBody>
+                    <a:bodyPr/>
+                    <a:lstStyle/>
+                    <a:p>
+                      <a:pPr algn="ctr"/>
+                      <a:r>
+                        <a:rPr lang="en-US" i="1" dirty="0">
+                          <a:latin typeface="Gill Sans MT" panose="020B0502020104020203" pitchFamily="34" charset="0"/>
+                        </a:rPr>
+                        <a:t>Generalized linear</a:t>
+                      </a:r>
+                    </a:p>
+                  </a:txBody>
+                  <a:tcPr/>
+                </a:tc>
+                <a:tc>
+                  <a:txBody>
+                    <a:bodyPr/>
+                    <a:lstStyle/>
+                    <a:p>
+                      <a:pPr algn="ctr"/>
+                      <a:r>
+                        <a:rPr lang="en-US" i="1" dirty="0">
+                          <a:latin typeface="Gill Sans MT" panose="020B0502020104020203" pitchFamily="34" charset="0"/>
+                        </a:rPr>
+                        <a:t>Stochastic gradient boosting</a:t>
+                      </a:r>
+                    </a:p>
+                  </a:txBody>
+                  <a:tcPr/>
+                </a:tc>
+                <a:extLst>
+                  <a:ext uri="{0D108BD9-81ED-4DB2-BD59-A6C34878D82A}">
+                    <a16:rowId xmlns:a16="http://schemas.microsoft.com/office/drawing/2014/main" val="2738229843"/>
+                  </a:ext>
+                </a:extLst>
+              </a:tr>
+              <a:tr h="446959">
+                <a:tc>
+                  <a:txBody>
+                    <a:bodyPr/>
+                    <a:lstStyle/>
+                    <a:p>
+                      <a:pPr algn="ctr"/>
+                      <a:r>
+                        <a:rPr lang="en-US" dirty="0">
+                          <a:latin typeface="Gill Sans MT" panose="020B0502020104020203" pitchFamily="34" charset="0"/>
+                        </a:rPr>
+                        <a:t>Goodness of fit</a:t>
+                      </a:r>
+                    </a:p>
+                  </a:txBody>
+                  <a:tcPr/>
+                </a:tc>
+                <a:tc>
+                  <a:txBody>
+                    <a:bodyPr/>
+                    <a:lstStyle/>
+                    <a:p>
+                      <a:pPr algn="ctr"/>
+                      <a:r>
+                        <a:rPr lang="en-US">
+                          <a:effectLst/>
+                        </a:rPr>
+                        <a:t>0.631</a:t>
+                      </a:r>
+                      <a:endParaRPr lang="en-US" dirty="0">
+                        <a:latin typeface="Gill Sans MT" panose="020B0502020104020203" pitchFamily="34" charset="0"/>
+                      </a:endParaRPr>
+                    </a:p>
+                  </a:txBody>
+                  <a:tcPr/>
+                </a:tc>
+                <a:tc>
+                  <a:txBody>
+                    <a:bodyPr/>
+                    <a:lstStyle/>
+                    <a:p>
+                      <a:pPr algn="ctr"/>
+                      <a:r>
+                        <a:rPr lang="en-US" dirty="0">
+                          <a:effectLst/>
+                          <a:latin typeface="Gill Sans MT" panose="020B0502020104020203" pitchFamily="34" charset="0"/>
+                        </a:rPr>
+                        <a:t>0.772</a:t>
+                      </a:r>
+                      <a:endParaRPr lang="en-US" dirty="0">
+                        <a:latin typeface="Gill Sans MT" panose="020B0502020104020203" pitchFamily="34" charset="0"/>
+                      </a:endParaRPr>
+                    </a:p>
+                  </a:txBody>
+                  <a:tcPr/>
+                </a:tc>
+                <a:extLst>
+                  <a:ext uri="{0D108BD9-81ED-4DB2-BD59-A6C34878D82A}">
+                    <a16:rowId xmlns:a16="http://schemas.microsoft.com/office/drawing/2014/main" val="3675872715"/>
+                  </a:ext>
+                </a:extLst>
+              </a:tr>
+              <a:tr h="2458760">
+                <a:tc>
+                  <a:txBody>
+                    <a:bodyPr/>
+                    <a:lstStyle/>
+                    <a:p>
+                      <a:pPr algn="ctr"/>
+                      <a:r>
+                        <a:rPr lang="en-US" dirty="0">
+                          <a:latin typeface="Gill Sans MT" panose="020B0502020104020203" pitchFamily="34" charset="0"/>
+                        </a:rPr>
+                        <a:t>Most predictive/</a:t>
+                      </a:r>
+                    </a:p>
+                    <a:p>
+                      <a:pPr algn="ctr"/>
+                      <a:r>
+                        <a:rPr lang="en-US" dirty="0">
+                          <a:latin typeface="Gill Sans MT" panose="020B0502020104020203" pitchFamily="34" charset="0"/>
+                        </a:rPr>
+                        <a:t>important variables, in descending order of importance</a:t>
+                      </a:r>
+                    </a:p>
+                    <a:p>
+                      <a:pPr algn="ctr"/>
+                      <a:r>
+                        <a:rPr lang="en-US" dirty="0">
+                          <a:latin typeface="Gill Sans MT" panose="020B0502020104020203" pitchFamily="34" charset="0"/>
+                        </a:rPr>
+                        <a:t>(model-dependent)</a:t>
+                      </a:r>
+                    </a:p>
+                  </a:txBody>
+                  <a:tcPr/>
+                </a:tc>
+                <a:tc>
+                  <a:txBody>
+                    <a:bodyPr/>
+                    <a:lstStyle/>
+                    <a:p>
+                      <a:pPr algn="ctr"/>
+                      <a:r>
+                        <a:rPr lang="en-US" dirty="0">
+                          <a:solidFill>
+                            <a:srgbClr val="C00000"/>
+                          </a:solidFill>
+                          <a:effectLst/>
+                          <a:latin typeface="Gill Sans MT" panose="020B0502020104020203" pitchFamily="34" charset="0"/>
+                        </a:rPr>
+                        <a:t>white1nh</a:t>
+                      </a:r>
+                    </a:p>
+                    <a:p>
+                      <a:pPr algn="ctr"/>
+                      <a:r>
+                        <a:rPr lang="en-US" dirty="0" err="1">
+                          <a:solidFill>
+                            <a:srgbClr val="C00000"/>
+                          </a:solidFill>
+                          <a:effectLst/>
+                          <a:latin typeface="Gill Sans MT" panose="020B0502020104020203" pitchFamily="34" charset="0"/>
+                        </a:rPr>
+                        <a:t>vehperhouse</a:t>
+                      </a:r>
+                      <a:endParaRPr lang="en-US" dirty="0">
+                        <a:solidFill>
+                          <a:srgbClr val="C00000"/>
+                        </a:solidFill>
+                        <a:effectLst/>
+                        <a:latin typeface="Gill Sans MT" panose="020B0502020104020203" pitchFamily="34" charset="0"/>
+                      </a:endParaRPr>
+                    </a:p>
+                    <a:p>
+                      <a:pPr algn="ctr"/>
+                      <a:r>
+                        <a:rPr lang="en-US" dirty="0" err="1">
+                          <a:solidFill>
+                            <a:srgbClr val="0070C0"/>
+                          </a:solidFill>
+                          <a:effectLst/>
+                          <a:latin typeface="Gill Sans MT" panose="020B0502020104020203" pitchFamily="34" charset="0"/>
+                        </a:rPr>
+                        <a:t>lat</a:t>
+                      </a:r>
+                      <a:endParaRPr lang="en-US" dirty="0">
+                        <a:solidFill>
+                          <a:srgbClr val="0070C0"/>
+                        </a:solidFill>
+                        <a:effectLst/>
+                        <a:latin typeface="Gill Sans MT" panose="020B0502020104020203" pitchFamily="34" charset="0"/>
+                      </a:endParaRPr>
+                    </a:p>
+                    <a:p>
+                      <a:pPr algn="ctr"/>
+                      <a:r>
+                        <a:rPr lang="en-US" dirty="0" err="1">
+                          <a:solidFill>
+                            <a:srgbClr val="C00000"/>
+                          </a:solidFill>
+                          <a:effectLst/>
+                          <a:latin typeface="Gill Sans MT" panose="020B0502020104020203" pitchFamily="34" charset="0"/>
+                        </a:rPr>
+                        <a:t>nohealthinsurance</a:t>
+                      </a:r>
+                      <a:endParaRPr lang="en-US" dirty="0">
+                        <a:solidFill>
+                          <a:srgbClr val="C00000"/>
+                        </a:solidFill>
+                        <a:effectLst/>
+                        <a:latin typeface="Gill Sans MT" panose="020B0502020104020203" pitchFamily="34" charset="0"/>
+                      </a:endParaRPr>
+                    </a:p>
+                    <a:p>
+                      <a:pPr algn="ctr"/>
+                      <a:r>
+                        <a:rPr lang="en-US" dirty="0">
+                          <a:solidFill>
+                            <a:srgbClr val="C00000"/>
+                          </a:solidFill>
+                          <a:effectLst/>
+                          <a:latin typeface="Gill Sans MT" panose="020B0502020104020203" pitchFamily="34" charset="0"/>
+                        </a:rPr>
+                        <a:t>married</a:t>
+                      </a:r>
+                      <a:endParaRPr lang="en-US" dirty="0">
+                        <a:solidFill>
+                          <a:srgbClr val="0070C0"/>
+                        </a:solidFill>
+                        <a:effectLst/>
+                        <a:latin typeface="Gill Sans MT" panose="020B0502020104020203" pitchFamily="34" charset="0"/>
+                      </a:endParaRPr>
+                    </a:p>
+                    <a:p>
+                      <a:pPr marL="0" marR="0" lvl="0" indent="0" algn="ctr" defTabSz="914400" rtl="0" eaLnBrk="1" fontAlgn="auto" latinLnBrk="0" hangingPunct="1">
+                        <a:lnSpc>
+                          <a:spcPct val="100000"/>
+                        </a:lnSpc>
+                        <a:spcBef>
+                          <a:spcPts val="0"/>
+                        </a:spcBef>
+                        <a:spcAft>
+                          <a:spcPts val="0"/>
+                        </a:spcAft>
+                        <a:buClrTx/>
+                        <a:buSzTx/>
+                        <a:buFontTx/>
+                        <a:buNone/>
+                        <a:tabLst/>
+                        <a:defRPr/>
+                      </a:pPr>
+                      <a:r>
+                        <a:rPr lang="en-US" dirty="0">
+                          <a:solidFill>
+                            <a:schemeClr val="accent1"/>
+                          </a:solidFill>
+                          <a:effectLst/>
+                          <a:latin typeface="Gill Sans MT" panose="020B0502020104020203" pitchFamily="34" charset="0"/>
+                        </a:rPr>
+                        <a:t>age55_ov</a:t>
+                      </a:r>
+                      <a:endParaRPr lang="en-US" dirty="0">
+                        <a:solidFill>
+                          <a:srgbClr val="0070C0"/>
+                        </a:solidFill>
+                        <a:effectLst/>
+                        <a:latin typeface="Gill Sans MT" panose="020B0502020104020203" pitchFamily="34" charset="0"/>
+                      </a:endParaRPr>
+                    </a:p>
+                    <a:p>
+                      <a:pPr algn="ctr"/>
+                      <a:r>
+                        <a:rPr lang="en-US" dirty="0" err="1">
+                          <a:solidFill>
+                            <a:srgbClr val="C00000"/>
+                          </a:solidFill>
+                          <a:effectLst/>
+                          <a:latin typeface="Gill Sans MT" panose="020B0502020104020203" pitchFamily="34" charset="0"/>
+                        </a:rPr>
+                        <a:t>logba</a:t>
+                      </a:r>
+                      <a:endParaRPr lang="en-US" dirty="0">
+                        <a:solidFill>
+                          <a:srgbClr val="C00000"/>
+                        </a:solidFill>
+                        <a:effectLst/>
+                        <a:latin typeface="Gill Sans MT" panose="020B0502020104020203" pitchFamily="34" charset="0"/>
+                      </a:endParaRPr>
+                    </a:p>
+                    <a:p>
+                      <a:pPr algn="ctr"/>
+                      <a:r>
+                        <a:rPr lang="en-US" dirty="0" err="1">
+                          <a:solidFill>
+                            <a:schemeClr val="accent1"/>
+                          </a:solidFill>
+                          <a:effectLst/>
+                          <a:latin typeface="Gill Sans MT" panose="020B0502020104020203" pitchFamily="34" charset="0"/>
+                        </a:rPr>
+                        <a:t>logpoppersqmi</a:t>
+                      </a:r>
+                      <a:endParaRPr lang="en-US" dirty="0">
+                        <a:solidFill>
+                          <a:schemeClr val="accent1"/>
+                        </a:solidFill>
+                        <a:effectLst/>
+                        <a:latin typeface="Gill Sans MT" panose="020B0502020104020203" pitchFamily="34" charset="0"/>
+                      </a:endParaRPr>
+                    </a:p>
+                  </a:txBody>
+                  <a:tcPr/>
+                </a:tc>
+                <a:tc>
+                  <a:txBody>
+                    <a:bodyPr/>
+                    <a:lstStyle/>
+                    <a:p>
+                      <a:pPr algn="ctr"/>
+                      <a:r>
+                        <a:rPr lang="en-US" dirty="0" err="1">
+                          <a:effectLst/>
+                          <a:latin typeface="Gill Sans MT" panose="020B0502020104020203" pitchFamily="34" charset="0"/>
+                        </a:rPr>
+                        <a:t>nevermarried</a:t>
+                      </a:r>
+                      <a:r>
+                        <a:rPr lang="en-US" dirty="0">
+                          <a:effectLst/>
+                          <a:latin typeface="Gill Sans MT" panose="020B0502020104020203" pitchFamily="34" charset="0"/>
+                        </a:rPr>
+                        <a:t> </a:t>
+                      </a:r>
+                    </a:p>
+                    <a:p>
+                      <a:pPr algn="ctr"/>
+                      <a:r>
+                        <a:rPr lang="en-US" dirty="0">
+                          <a:effectLst/>
+                          <a:latin typeface="Gill Sans MT" panose="020B0502020104020203" pitchFamily="34" charset="0"/>
+                        </a:rPr>
+                        <a:t>long</a:t>
+                      </a:r>
+                    </a:p>
+                    <a:p>
+                      <a:pPr algn="ctr"/>
+                      <a:r>
+                        <a:rPr lang="en-US" dirty="0">
+                          <a:effectLst/>
+                          <a:latin typeface="Gill Sans MT" panose="020B0502020104020203" pitchFamily="34" charset="0"/>
+                        </a:rPr>
+                        <a:t>white1nh</a:t>
+                      </a:r>
+                    </a:p>
+                    <a:p>
+                      <a:pPr algn="ctr"/>
+                      <a:r>
+                        <a:rPr lang="en-US" dirty="0" err="1">
+                          <a:effectLst/>
+                          <a:latin typeface="Gill Sans MT" panose="020B0502020104020203" pitchFamily="34" charset="0"/>
+                        </a:rPr>
+                        <a:t>vehperhouse</a:t>
+                      </a:r>
+                      <a:endParaRPr lang="en-US" dirty="0">
+                        <a:effectLst/>
+                        <a:latin typeface="Gill Sans MT" panose="020B0502020104020203" pitchFamily="34" charset="0"/>
+                      </a:endParaRPr>
+                    </a:p>
+                    <a:p>
+                      <a:pPr algn="ctr"/>
+                      <a:r>
+                        <a:rPr lang="en-US" dirty="0" err="1">
+                          <a:effectLst/>
+                          <a:latin typeface="Gill Sans MT" panose="020B0502020104020203" pitchFamily="34" charset="0"/>
+                        </a:rPr>
+                        <a:t>lat</a:t>
+                      </a:r>
+                      <a:endParaRPr lang="en-US" dirty="0">
+                        <a:effectLst/>
+                        <a:latin typeface="Gill Sans MT" panose="020B0502020104020203" pitchFamily="34" charset="0"/>
+                      </a:endParaRPr>
+                    </a:p>
+                    <a:p>
+                      <a:pPr algn="ctr"/>
+                      <a:r>
+                        <a:rPr lang="en-US" dirty="0" err="1">
+                          <a:effectLst/>
+                          <a:latin typeface="Gill Sans MT" panose="020B0502020104020203" pitchFamily="34" charset="0"/>
+                        </a:rPr>
+                        <a:t>logpoppersqmi</a:t>
+                      </a:r>
+                      <a:endParaRPr lang="en-US" dirty="0">
+                        <a:effectLst/>
+                        <a:latin typeface="Gill Sans MT" panose="020B0502020104020203" pitchFamily="34" charset="0"/>
+                      </a:endParaRPr>
+                    </a:p>
+                    <a:p>
+                      <a:pPr algn="ctr"/>
+                      <a:r>
+                        <a:rPr lang="en-US" dirty="0">
+                          <a:effectLst/>
+                          <a:latin typeface="Gill Sans MT" panose="020B0502020104020203" pitchFamily="34" charset="0"/>
+                        </a:rPr>
+                        <a:t>married</a:t>
+                      </a:r>
+                    </a:p>
+                    <a:p>
+                      <a:pPr algn="ctr"/>
+                      <a:r>
+                        <a:rPr lang="en-US" dirty="0" err="1">
+                          <a:latin typeface="Gill Sans MT" panose="020B0502020104020203" pitchFamily="34" charset="0"/>
+                        </a:rPr>
+                        <a:t>sepdiv</a:t>
+                      </a:r>
+                      <a:endParaRPr lang="en-US" dirty="0">
+                        <a:latin typeface="Gill Sans MT" panose="020B0502020104020203" pitchFamily="34" charset="0"/>
+                      </a:endParaRPr>
+                    </a:p>
+                  </a:txBody>
+                  <a:tcPr/>
+                </a:tc>
+                <a:extLst>
+                  <a:ext uri="{0D108BD9-81ED-4DB2-BD59-A6C34878D82A}">
+                    <a16:rowId xmlns:a16="http://schemas.microsoft.com/office/drawing/2014/main" val="4176736732"/>
+                  </a:ext>
+                </a:extLst>
+              </a:tr>
+            </a:tbl>
+          </a:graphicData>
+        </a:graphic>
+      </p:graphicFrame>
+    </p:spTree>
+    <p:extLst>
+      <p:ext uri="{BB962C8B-B14F-4D97-AF65-F5344CB8AC3E}">
+        <p14:creationId xmlns:p14="http://schemas.microsoft.com/office/powerpoint/2010/main" val="3846703178"/>
+      </p:ext>
+    </p:extLst>
+  </p:cSld>
+  <p:clrMapOvr>
+    <a:masterClrMapping/>
+  </p:clrMapOvr>
+</p:sld>
+</file>
+
+<file path=ppt/slides/slide35.xml><?xml version="1.0" encoding="utf-8"?>
 <p:sld xmlns:a="http://schemas.openxmlformats.org/drawingml/2006/main" xmlns:r="http://schemas.openxmlformats.org/officeDocument/2006/relationships" xmlns:p="http://schemas.openxmlformats.org/presentationml/2006/main">
   <p:cSld>
     <p:bg>
@@ -12406,7 +14241,7 @@
 </p:sld>
 </file>
 
-<file path=ppt/slides/slide35.xml><?xml version="1.0" encoding="utf-8"?>
+<file path=ppt/slides/slide36.xml><?xml version="1.0" encoding="utf-8"?>
 <p:sld xmlns:a="http://schemas.openxmlformats.org/drawingml/2006/main" xmlns:r="http://schemas.openxmlformats.org/officeDocument/2006/relationships" xmlns:p="http://schemas.openxmlformats.org/presentationml/2006/main">
   <p:cSld>
     <p:bg>
@@ -12559,7 +14394,7 @@
 </p:sld>
 </file>
 
-<file path=ppt/slides/slide36.xml><?xml version="1.0" encoding="utf-8"?>
+<file path=ppt/slides/slide37.xml><?xml version="1.0" encoding="utf-8"?>
 <p:sld xmlns:a="http://schemas.openxmlformats.org/drawingml/2006/main" xmlns:r="http://schemas.openxmlformats.org/officeDocument/2006/relationships" xmlns:p="http://schemas.openxmlformats.org/presentationml/2006/main">
   <p:cSld>
     <p:bg>
@@ -12888,190 +14723,6 @@
 </p:sld>
 </file>
 
-<file path=ppt/slides/slide37.xml><?xml version="1.0" encoding="utf-8"?>
-<p:sld xmlns:a="http://schemas.openxmlformats.org/drawingml/2006/main" xmlns:r="http://schemas.openxmlformats.org/officeDocument/2006/relationships" xmlns:p="http://schemas.openxmlformats.org/presentationml/2006/main">
-  <p:cSld>
-    <p:bg>
-      <p:bgPr>
-        <a:solidFill>
-          <a:schemeClr val="bg1"/>
-        </a:solidFill>
-        <a:effectLst/>
-      </p:bgPr>
-    </p:bg>
-    <p:spTree>
-      <p:nvGrpSpPr>
-        <p:cNvPr id="1" name=""/>
-        <p:cNvGrpSpPr/>
-        <p:nvPr/>
-      </p:nvGrpSpPr>
-      <p:grpSpPr>
-        <a:xfrm>
-          <a:off x="0" y="0"/>
-          <a:ext cx="0" cy="0"/>
-          <a:chOff x="0" y="0"/>
-          <a:chExt cx="0" cy="0"/>
-        </a:xfrm>
-      </p:grpSpPr>
-      <p:pic>
-        <p:nvPicPr>
-          <p:cNvPr id="9" name="Picture 8">
-            <a:extLst>
-              <a:ext uri="{FF2B5EF4-FFF2-40B4-BE49-F238E27FC236}">
-                <a16:creationId xmlns:a16="http://schemas.microsoft.com/office/drawing/2014/main" id="{ECC216AB-64E3-4B24-8B07-04B241ED32F3}"/>
-              </a:ext>
-            </a:extLst>
-          </p:cNvPr>
-          <p:cNvPicPr>
-            <a:picLocks noChangeAspect="1"/>
-          </p:cNvPicPr>
-          <p:nvPr/>
-        </p:nvPicPr>
-        <p:blipFill>
-          <a:blip r:embed="rId2">
-            <a:extLst>
-              <a:ext uri="{28A0092B-C50C-407E-A947-70E740481C1C}">
-                <a14:useLocalDpi xmlns:a14="http://schemas.microsoft.com/office/drawing/2010/main" val="0"/>
-              </a:ext>
-            </a:extLst>
-          </a:blip>
-          <a:stretch>
-            <a:fillRect/>
-          </a:stretch>
-        </p:blipFill>
-        <p:spPr>
-          <a:xfrm>
-            <a:off x="6215592" y="773641"/>
-            <a:ext cx="5291666" cy="5291666"/>
-          </a:xfrm>
-          <a:prstGeom prst="rect">
-            <a:avLst/>
-          </a:prstGeom>
-        </p:spPr>
-      </p:pic>
-      <p:pic>
-        <p:nvPicPr>
-          <p:cNvPr id="7" name="Picture 6">
-            <a:extLst>
-              <a:ext uri="{FF2B5EF4-FFF2-40B4-BE49-F238E27FC236}">
-                <a16:creationId xmlns:a16="http://schemas.microsoft.com/office/drawing/2014/main" id="{EA2EA76F-A406-418B-8162-8DE3D86BFDCA}"/>
-              </a:ext>
-            </a:extLst>
-          </p:cNvPr>
-          <p:cNvPicPr>
-            <a:picLocks noChangeAspect="1"/>
-          </p:cNvPicPr>
-          <p:nvPr/>
-        </p:nvPicPr>
-        <p:blipFill>
-          <a:blip r:embed="rId3">
-            <a:extLst>
-              <a:ext uri="{28A0092B-C50C-407E-A947-70E740481C1C}">
-                <a14:useLocalDpi xmlns:a14="http://schemas.microsoft.com/office/drawing/2010/main" val="0"/>
-              </a:ext>
-            </a:extLst>
-          </a:blip>
-          <a:stretch>
-            <a:fillRect/>
-          </a:stretch>
-        </p:blipFill>
-        <p:spPr>
-          <a:xfrm>
-            <a:off x="694265" y="773641"/>
-            <a:ext cx="5291667" cy="5291667"/>
-          </a:xfrm>
-          <a:prstGeom prst="rect">
-            <a:avLst/>
-          </a:prstGeom>
-        </p:spPr>
-      </p:pic>
-      <p:sp>
-        <p:nvSpPr>
-          <p:cNvPr id="13" name="TextBox 12">
-            <a:extLst>
-              <a:ext uri="{FF2B5EF4-FFF2-40B4-BE49-F238E27FC236}">
-                <a16:creationId xmlns:a16="http://schemas.microsoft.com/office/drawing/2014/main" id="{A18D3E7E-D4BF-47CE-AA2D-2D7FCA203384}"/>
-              </a:ext>
-            </a:extLst>
-          </p:cNvPr>
-          <p:cNvSpPr txBox="1"/>
-          <p:nvPr/>
-        </p:nvSpPr>
-        <p:spPr>
-          <a:xfrm>
-            <a:off x="727971" y="281940"/>
-            <a:ext cx="4124325" cy="369332"/>
-          </a:xfrm>
-          <a:prstGeom prst="rect">
-            <a:avLst/>
-          </a:prstGeom>
-          <a:noFill/>
-        </p:spPr>
-        <p:txBody>
-          <a:bodyPr wrap="square" rtlCol="0">
-            <a:spAutoFit/>
-          </a:bodyPr>
-          <a:lstStyle/>
-          <a:p>
-            <a:r>
-              <a:rPr lang="en-US" dirty="0">
-                <a:latin typeface="Gill Sans MT" panose="020B0502020104020203" pitchFamily="34" charset="0"/>
-              </a:rPr>
-              <a:t>Actual vote, 2000</a:t>
-            </a:r>
-          </a:p>
-        </p:txBody>
-      </p:sp>
-      <p:sp>
-        <p:nvSpPr>
-          <p:cNvPr id="15" name="TextBox 14">
-            <a:extLst>
-              <a:ext uri="{FF2B5EF4-FFF2-40B4-BE49-F238E27FC236}">
-                <a16:creationId xmlns:a16="http://schemas.microsoft.com/office/drawing/2014/main" id="{A87C0BD6-9631-422C-8EC6-3E5121D37005}"/>
-              </a:ext>
-            </a:extLst>
-          </p:cNvPr>
-          <p:cNvSpPr txBox="1"/>
-          <p:nvPr/>
-        </p:nvSpPr>
-        <p:spPr>
-          <a:xfrm>
-            <a:off x="6248105" y="281940"/>
-            <a:ext cx="5650934" cy="369332"/>
-          </a:xfrm>
-          <a:prstGeom prst="rect">
-            <a:avLst/>
-          </a:prstGeom>
-          <a:noFill/>
-        </p:spPr>
-        <p:txBody>
-          <a:bodyPr wrap="square" rtlCol="0">
-            <a:spAutoFit/>
-          </a:bodyPr>
-          <a:lstStyle/>
-          <a:p>
-            <a:r>
-              <a:rPr lang="en-US" dirty="0">
-                <a:latin typeface="Gill Sans MT" panose="020B0502020104020203" pitchFamily="34" charset="0"/>
-              </a:rPr>
-              <a:t>Vote predicted from non-Florida county patterns, 2000</a:t>
-            </a:r>
-          </a:p>
-        </p:txBody>
-      </p:sp>
-    </p:spTree>
-    <p:extLst>
-      <p:ext uri="{BB962C8B-B14F-4D97-AF65-F5344CB8AC3E}">
-        <p14:creationId xmlns:p14="http://schemas.microsoft.com/office/powerpoint/2010/main" val="1015787481"/>
-      </p:ext>
-    </p:extLst>
-  </p:cSld>
-  <p:clrMapOvr>
-    <a:masterClrMapping/>
-  </p:clrMapOvr>
-</p:sld>
-</file>
-
 <file path=ppt/slides/slide38.xml><?xml version="1.0" encoding="utf-8"?>
 <p:sld xmlns:a="http://schemas.openxmlformats.org/drawingml/2006/main" xmlns:r="http://schemas.openxmlformats.org/officeDocument/2006/relationships" xmlns:p="http://schemas.openxmlformats.org/presentationml/2006/main">
   <p:cSld>
@@ -13243,53 +14894,10 @@
           </a:p>
         </p:txBody>
       </p:sp>
-      <p:sp>
-        <p:nvSpPr>
-          <p:cNvPr id="6" name="TextBox 5">
-            <a:extLst>
-              <a:ext uri="{FF2B5EF4-FFF2-40B4-BE49-F238E27FC236}">
-                <a16:creationId xmlns:a16="http://schemas.microsoft.com/office/drawing/2014/main" id="{C0A6582B-08E8-4B6C-B00D-5D47D8EF1F29}"/>
-              </a:ext>
-            </a:extLst>
-          </p:cNvPr>
-          <p:cNvSpPr txBox="1"/>
-          <p:nvPr/>
-        </p:nvSpPr>
-        <p:spPr>
-          <a:xfrm>
-            <a:off x="7137646" y="4172504"/>
-            <a:ext cx="1171854" cy="369332"/>
-          </a:xfrm>
-          <a:prstGeom prst="rect">
-            <a:avLst/>
-          </a:prstGeom>
-          <a:noFill/>
-        </p:spPr>
-        <p:txBody>
-          <a:bodyPr wrap="square" rtlCol="0">
-            <a:spAutoFit/>
-          </a:bodyPr>
-          <a:lstStyle/>
-          <a:p>
-            <a:r>
-              <a:rPr lang="en-US" i="1" dirty="0">
-                <a:latin typeface="Gill Sans MT" panose="020B0502020104020203" pitchFamily="34" charset="0"/>
-              </a:rPr>
-              <a:t>R²</a:t>
-            </a:r>
-            <a:r>
-              <a:rPr lang="en-US" dirty="0">
-                <a:latin typeface="Gill Sans MT" panose="020B0502020104020203" pitchFamily="34" charset="0"/>
-              </a:rPr>
-              <a:t> = 0.196</a:t>
-            </a:r>
-          </a:p>
-        </p:txBody>
-      </p:sp>
     </p:spTree>
     <p:extLst>
       <p:ext uri="{BB962C8B-B14F-4D97-AF65-F5344CB8AC3E}">
-        <p14:creationId xmlns:p14="http://schemas.microsoft.com/office/powerpoint/2010/main" val="1403423724"/>
+        <p14:creationId xmlns:p14="http://schemas.microsoft.com/office/powerpoint/2010/main" val="1015787481"/>
       </p:ext>
     </p:extLst>
   </p:cSld>
@@ -13326,10 +14934,10 @@
       </p:grpSpPr>
       <p:pic>
         <p:nvPicPr>
-          <p:cNvPr id="11" name="Picture 10">
+          <p:cNvPr id="9" name="Picture 8">
             <a:extLst>
               <a:ext uri="{FF2B5EF4-FFF2-40B4-BE49-F238E27FC236}">
-                <a16:creationId xmlns:a16="http://schemas.microsoft.com/office/drawing/2014/main" id="{4040C1A2-671E-494C-884B-39035A73419D}"/>
+                <a16:creationId xmlns:a16="http://schemas.microsoft.com/office/drawing/2014/main" id="{ECC216AB-64E3-4B24-8B07-04B241ED32F3}"/>
               </a:ext>
             </a:extLst>
           </p:cNvPr>
@@ -13338,7 +14946,7 @@
           </p:cNvPicPr>
           <p:nvPr/>
         </p:nvPicPr>
-        <p:blipFill rotWithShape="1">
+        <p:blipFill>
           <a:blip r:embed="rId2">
             <a:extLst>
               <a:ext uri="{28A0092B-C50C-407E-A947-70E740481C1C}">
@@ -13346,13 +14954,50 @@
               </a:ext>
             </a:extLst>
           </a:blip>
-          <a:srcRect t="10000"/>
-          <a:stretch/>
+          <a:stretch>
+            <a:fillRect/>
+          </a:stretch>
         </p:blipFill>
         <p:spPr>
           <a:xfrm>
-            <a:off x="20" y="10"/>
-            <a:ext cx="12191980" cy="6857990"/>
+            <a:off x="6215592" y="773641"/>
+            <a:ext cx="5291666" cy="5291666"/>
+          </a:xfrm>
+          <a:prstGeom prst="rect">
+            <a:avLst/>
+          </a:prstGeom>
+        </p:spPr>
+      </p:pic>
+      <p:pic>
+        <p:nvPicPr>
+          <p:cNvPr id="7" name="Picture 6">
+            <a:extLst>
+              <a:ext uri="{FF2B5EF4-FFF2-40B4-BE49-F238E27FC236}">
+                <a16:creationId xmlns:a16="http://schemas.microsoft.com/office/drawing/2014/main" id="{EA2EA76F-A406-418B-8162-8DE3D86BFDCA}"/>
+              </a:ext>
+            </a:extLst>
+          </p:cNvPr>
+          <p:cNvPicPr>
+            <a:picLocks noChangeAspect="1"/>
+          </p:cNvPicPr>
+          <p:nvPr/>
+        </p:nvPicPr>
+        <p:blipFill>
+          <a:blip r:embed="rId3">
+            <a:extLst>
+              <a:ext uri="{28A0092B-C50C-407E-A947-70E740481C1C}">
+                <a14:useLocalDpi xmlns:a14="http://schemas.microsoft.com/office/drawing/2010/main" val="0"/>
+              </a:ext>
+            </a:extLst>
+          </a:blip>
+          <a:stretch>
+            <a:fillRect/>
+          </a:stretch>
+        </p:blipFill>
+        <p:spPr>
+          <a:xfrm>
+            <a:off x="694265" y="773641"/>
+            <a:ext cx="5291667" cy="5291667"/>
           </a:xfrm>
           <a:prstGeom prst="rect">
             <a:avLst/>
@@ -13361,10 +15006,10 @@
       </p:pic>
       <p:sp>
         <p:nvSpPr>
-          <p:cNvPr id="12" name="TextBox 11">
+          <p:cNvPr id="13" name="TextBox 12">
             <a:extLst>
               <a:ext uri="{FF2B5EF4-FFF2-40B4-BE49-F238E27FC236}">
-                <a16:creationId xmlns:a16="http://schemas.microsoft.com/office/drawing/2014/main" id="{11F9AF47-A00D-4BFD-BBE3-308D836A5DCA}"/>
+                <a16:creationId xmlns:a16="http://schemas.microsoft.com/office/drawing/2014/main" id="{A18D3E7E-D4BF-47CE-AA2D-2D7FCA203384}"/>
               </a:ext>
             </a:extLst>
           </p:cNvPr>
@@ -13373,50 +15018,105 @@
         </p:nvSpPr>
         <p:spPr>
           <a:xfrm>
-            <a:off x="144780" y="4248150"/>
-            <a:ext cx="2425290" cy="2387330"/>
+            <a:off x="727971" y="281940"/>
+            <a:ext cx="4124325" cy="369332"/>
           </a:xfrm>
-          <a:prstGeom prst="ellipse">
+          <a:prstGeom prst="rect">
             <a:avLst/>
           </a:prstGeom>
-          <a:solidFill>
-            <a:srgbClr val="FFFFFF">
-              <a:alpha val="75000"/>
-            </a:srgbClr>
-          </a:solidFill>
-          <a:ln w="174625" cmpd="thinThick">
-            <a:solidFill>
-              <a:srgbClr val="FFFFFF"/>
-            </a:solidFill>
-          </a:ln>
+          <a:noFill/>
         </p:spPr>
         <p:txBody>
-          <a:bodyPr vert="horz" lIns="91440" tIns="45720" rIns="91440" bIns="45720" rtlCol="0" anchor="ctr">
-            <a:normAutofit/>
+          <a:bodyPr wrap="square" rtlCol="0">
+            <a:spAutoFit/>
           </a:bodyPr>
           <a:lstStyle/>
           <a:p>
-            <a:pPr algn="ctr">
-              <a:lnSpc>
-                <a:spcPct val="90000"/>
-              </a:lnSpc>
-              <a:spcBef>
-                <a:spcPct val="0"/>
-              </a:spcBef>
-              <a:spcAft>
-                <a:spcPts val="600"/>
-              </a:spcAft>
-            </a:pPr>
-            <a:r>
-              <a:rPr lang="en-US" sz="2800" dirty="0">
-                <a:solidFill>
-                  <a:srgbClr val="262626"/>
-                </a:solidFill>
-                <a:latin typeface="Gill Sans MT" panose="020B0502020104020203" pitchFamily="34" charset="0"/>
-                <a:ea typeface="+mj-ea"/>
-                <a:cs typeface="+mj-cs"/>
-              </a:rPr>
-              <a:t>Thank you for listening!</a:t>
+            <a:r>
+              <a:rPr lang="en-US" dirty="0">
+                <a:latin typeface="Gill Sans MT" panose="020B0502020104020203" pitchFamily="34" charset="0"/>
+              </a:rPr>
+              <a:t>Actual vote, 2000</a:t>
+            </a:r>
+          </a:p>
+        </p:txBody>
+      </p:sp>
+      <p:sp>
+        <p:nvSpPr>
+          <p:cNvPr id="15" name="TextBox 14">
+            <a:extLst>
+              <a:ext uri="{FF2B5EF4-FFF2-40B4-BE49-F238E27FC236}">
+                <a16:creationId xmlns:a16="http://schemas.microsoft.com/office/drawing/2014/main" id="{A87C0BD6-9631-422C-8EC6-3E5121D37005}"/>
+              </a:ext>
+            </a:extLst>
+          </p:cNvPr>
+          <p:cNvSpPr txBox="1"/>
+          <p:nvPr/>
+        </p:nvSpPr>
+        <p:spPr>
+          <a:xfrm>
+            <a:off x="6248105" y="281940"/>
+            <a:ext cx="5650934" cy="369332"/>
+          </a:xfrm>
+          <a:prstGeom prst="rect">
+            <a:avLst/>
+          </a:prstGeom>
+          <a:noFill/>
+        </p:spPr>
+        <p:txBody>
+          <a:bodyPr wrap="square" rtlCol="0">
+            <a:spAutoFit/>
+          </a:bodyPr>
+          <a:lstStyle/>
+          <a:p>
+            <a:r>
+              <a:rPr lang="en-US" dirty="0">
+                <a:latin typeface="Gill Sans MT" panose="020B0502020104020203" pitchFamily="34" charset="0"/>
+              </a:rPr>
+              <a:t>Vote predicted from non-Florida county patterns, 2000</a:t>
+            </a:r>
+          </a:p>
+        </p:txBody>
+      </p:sp>
+      <p:sp>
+        <p:nvSpPr>
+          <p:cNvPr id="6" name="TextBox 5">
+            <a:extLst>
+              <a:ext uri="{FF2B5EF4-FFF2-40B4-BE49-F238E27FC236}">
+                <a16:creationId xmlns:a16="http://schemas.microsoft.com/office/drawing/2014/main" id="{C0A6582B-08E8-4B6C-B00D-5D47D8EF1F29}"/>
+              </a:ext>
+            </a:extLst>
+          </p:cNvPr>
+          <p:cNvSpPr txBox="1"/>
+          <p:nvPr/>
+        </p:nvSpPr>
+        <p:spPr>
+          <a:xfrm>
+            <a:off x="7137646" y="4172504"/>
+            <a:ext cx="1171854" cy="369332"/>
+          </a:xfrm>
+          <a:prstGeom prst="rect">
+            <a:avLst/>
+          </a:prstGeom>
+          <a:noFill/>
+        </p:spPr>
+        <p:txBody>
+          <a:bodyPr wrap="square" rtlCol="0">
+            <a:spAutoFit/>
+          </a:bodyPr>
+          <a:lstStyle/>
+          <a:p>
+            <a:r>
+              <a:rPr lang="en-US" i="1" dirty="0">
+                <a:latin typeface="Gill Sans MT" panose="020B0502020104020203" pitchFamily="34" charset="0"/>
+              </a:rPr>
+              <a:t>R²</a:t>
+            </a:r>
+            <a:r>
+              <a:rPr lang="en-US" dirty="0">
+                <a:latin typeface="Gill Sans MT" panose="020B0502020104020203" pitchFamily="34" charset="0"/>
+              </a:rPr>
+              <a:t> = 0.196</a:t>
             </a:r>
           </a:p>
         </p:txBody>
@@ -13424,7 +15124,7 @@
     </p:spTree>
     <p:extLst>
       <p:ext uri="{BB962C8B-B14F-4D97-AF65-F5344CB8AC3E}">
-        <p14:creationId xmlns:p14="http://schemas.microsoft.com/office/powerpoint/2010/main" val="539297342"/>
+        <p14:creationId xmlns:p14="http://schemas.microsoft.com/office/powerpoint/2010/main" val="1403423724"/>
       </p:ext>
     </p:extLst>
   </p:cSld>
@@ -13605,6 +15305,141 @@
     <p:extLst>
       <p:ext uri="{BB962C8B-B14F-4D97-AF65-F5344CB8AC3E}">
         <p14:creationId xmlns:p14="http://schemas.microsoft.com/office/powerpoint/2010/main" val="159331708"/>
+      </p:ext>
+    </p:extLst>
+  </p:cSld>
+  <p:clrMapOvr>
+    <a:masterClrMapping/>
+  </p:clrMapOvr>
+</p:sld>
+</file>
+
+<file path=ppt/slides/slide40.xml><?xml version="1.0" encoding="utf-8"?>
+<p:sld xmlns:a="http://schemas.openxmlformats.org/drawingml/2006/main" xmlns:r="http://schemas.openxmlformats.org/officeDocument/2006/relationships" xmlns:p="http://schemas.openxmlformats.org/presentationml/2006/main">
+  <p:cSld>
+    <p:bg>
+      <p:bgPr>
+        <a:solidFill>
+          <a:schemeClr val="bg1"/>
+        </a:solidFill>
+        <a:effectLst/>
+      </p:bgPr>
+    </p:bg>
+    <p:spTree>
+      <p:nvGrpSpPr>
+        <p:cNvPr id="1" name=""/>
+        <p:cNvGrpSpPr/>
+        <p:nvPr/>
+      </p:nvGrpSpPr>
+      <p:grpSpPr>
+        <a:xfrm>
+          <a:off x="0" y="0"/>
+          <a:ext cx="0" cy="0"/>
+          <a:chOff x="0" y="0"/>
+          <a:chExt cx="0" cy="0"/>
+        </a:xfrm>
+      </p:grpSpPr>
+      <p:pic>
+        <p:nvPicPr>
+          <p:cNvPr id="11" name="Picture 10">
+            <a:extLst>
+              <a:ext uri="{FF2B5EF4-FFF2-40B4-BE49-F238E27FC236}">
+                <a16:creationId xmlns:a16="http://schemas.microsoft.com/office/drawing/2014/main" id="{4040C1A2-671E-494C-884B-39035A73419D}"/>
+              </a:ext>
+            </a:extLst>
+          </p:cNvPr>
+          <p:cNvPicPr>
+            <a:picLocks noChangeAspect="1"/>
+          </p:cNvPicPr>
+          <p:nvPr/>
+        </p:nvPicPr>
+        <p:blipFill rotWithShape="1">
+          <a:blip r:embed="rId2">
+            <a:extLst>
+              <a:ext uri="{28A0092B-C50C-407E-A947-70E740481C1C}">
+                <a14:useLocalDpi xmlns:a14="http://schemas.microsoft.com/office/drawing/2010/main" val="0"/>
+              </a:ext>
+            </a:extLst>
+          </a:blip>
+          <a:srcRect t="10000"/>
+          <a:stretch/>
+        </p:blipFill>
+        <p:spPr>
+          <a:xfrm>
+            <a:off x="20" y="10"/>
+            <a:ext cx="12191980" cy="6857990"/>
+          </a:xfrm>
+          <a:prstGeom prst="rect">
+            <a:avLst/>
+          </a:prstGeom>
+        </p:spPr>
+      </p:pic>
+      <p:sp>
+        <p:nvSpPr>
+          <p:cNvPr id="12" name="TextBox 11">
+            <a:extLst>
+              <a:ext uri="{FF2B5EF4-FFF2-40B4-BE49-F238E27FC236}">
+                <a16:creationId xmlns:a16="http://schemas.microsoft.com/office/drawing/2014/main" id="{11F9AF47-A00D-4BFD-BBE3-308D836A5DCA}"/>
+              </a:ext>
+            </a:extLst>
+          </p:cNvPr>
+          <p:cNvSpPr txBox="1"/>
+          <p:nvPr/>
+        </p:nvSpPr>
+        <p:spPr>
+          <a:xfrm>
+            <a:off x="144780" y="4248150"/>
+            <a:ext cx="2425290" cy="2387330"/>
+          </a:xfrm>
+          <a:prstGeom prst="ellipse">
+            <a:avLst/>
+          </a:prstGeom>
+          <a:solidFill>
+            <a:srgbClr val="FFFFFF">
+              <a:alpha val="75000"/>
+            </a:srgbClr>
+          </a:solidFill>
+          <a:ln w="174625" cmpd="thinThick">
+            <a:solidFill>
+              <a:srgbClr val="FFFFFF"/>
+            </a:solidFill>
+          </a:ln>
+        </p:spPr>
+        <p:txBody>
+          <a:bodyPr vert="horz" lIns="91440" tIns="45720" rIns="91440" bIns="45720" rtlCol="0" anchor="ctr">
+            <a:normAutofit/>
+          </a:bodyPr>
+          <a:lstStyle/>
+          <a:p>
+            <a:pPr algn="ctr">
+              <a:lnSpc>
+                <a:spcPct val="90000"/>
+              </a:lnSpc>
+              <a:spcBef>
+                <a:spcPct val="0"/>
+              </a:spcBef>
+              <a:spcAft>
+                <a:spcPts val="600"/>
+              </a:spcAft>
+            </a:pPr>
+            <a:r>
+              <a:rPr lang="en-US" sz="2800" dirty="0">
+                <a:solidFill>
+                  <a:srgbClr val="262626"/>
+                </a:solidFill>
+                <a:latin typeface="Gill Sans MT" panose="020B0502020104020203" pitchFamily="34" charset="0"/>
+                <a:ea typeface="+mj-ea"/>
+                <a:cs typeface="+mj-cs"/>
+              </a:rPr>
+              <a:t>Thank you for listening!</a:t>
+            </a:r>
+          </a:p>
+        </p:txBody>
+      </p:sp>
+    </p:spTree>
+    <p:extLst>
+      <p:ext uri="{BB962C8B-B14F-4D97-AF65-F5344CB8AC3E}">
+        <p14:creationId xmlns:p14="http://schemas.microsoft.com/office/powerpoint/2010/main" val="539297342"/>
       </p:ext>
     </p:extLst>
   </p:cSld>
@@ -14017,7 +15852,7 @@
               <a:rPr lang="en-US" sz="2400" dirty="0">
                 <a:latin typeface="Gill Sans MT" panose="020B0502020104020203" pitchFamily="34" charset="0"/>
               </a:rPr>
-              <a:t>After cleaning data, </a:t>
+              <a:t>After cleaning data, there are </a:t>
             </a:r>
             <a:r>
               <a:rPr lang="en-US" sz="2400" b="1" dirty="0">
@@ -14126,7 +15961,7 @@
               <a:rPr lang="en-US" sz="2400" dirty="0">
                 <a:latin typeface="Gill Sans MT" panose="020B0502020104020203" pitchFamily="34" charset="0"/>
               </a:rPr>
-              <a:t>After cleaning data, </a:t>
+              <a:t>After cleaning data, there are </a:t>
             </a:r>
             <a:r>
               <a:rPr lang="en-US" sz="2400" b="1" dirty="0">
@@ -14280,7 +16115,7 @@
               <a:rPr lang="en-US" sz="2400" dirty="0">
                 <a:latin typeface="Gill Sans MT" panose="020B0502020104020203" pitchFamily="34" charset="0"/>
               </a:rPr>
-              <a:t>After cleaning data, </a:t>
+              <a:t>After cleaning data, there are </a:t>
             </a:r>
             <a:r>
               <a:rPr lang="en-US" sz="2400" b="1" dirty="0">

--- a/votes/2000/Predicting 2000 Presidential Election Results.pptx
+++ b/votes/2000/Predicting 2000 Presidential Election Results.pptx
@@ -146,7 +146,16 @@
       </a:defRPr>
     </a:lvl9pPr>
   </p:defaultTextStyle>
+  <p:extLst>
+    <p:ext uri="{EFAFB233-063F-42B5-8137-9DF3F51BA10A}">
+      <p15:sldGuideLst xmlns:p15="http://schemas.microsoft.com/office/powerpoint/2012/main"/>
+    </p:ext>
+  </p:extLst>
 </p:presentation>
+</file>
+
+<file path=ppt/revisionInfo.xml><?xml version="1.0" encoding="utf-8"?>
+<p1510:revInfo xmlns:a="http://schemas.openxmlformats.org/drawingml/2006/main" xmlns:r="http://schemas.openxmlformats.org/officeDocument/2006/relationships" xmlns:p1510="http://schemas.microsoft.com/office/powerpoint/2015/10/main"/>
 </file>
 
 <file path=ppt/notesMasters/notesMaster1.xml><?xml version="1.0" encoding="utf-8"?>
@@ -231,7 +240,7 @@
           <a:p>
             <a:fld id="{48AC8493-5CCF-47E8-87D2-BB1CDFC1B7EC}" type="datetimeFigureOut">
               <a:rPr lang="en-US" smtClean="0"/>
-              <a:t>4/3/2018</a:t>
+              <a:t>4/4/2018</a:t>
             </a:fld>
             <a:endParaRPr lang="en-US"/>
           </a:p>
@@ -645,7 +654,7 @@
           <a:p>
             <a:fld id="{47E4CAE5-FC23-4A44-AD74-93805061EC92}" type="datetimeFigureOut">
               <a:rPr lang="en-US" smtClean="0"/>
-              <a:t>3/29/2018</a:t>
+              <a:t>4/4/2018</a:t>
             </a:fld>
             <a:endParaRPr lang="en-US"/>
           </a:p>
@@ -843,7 +852,7 @@
           <a:p>
             <a:fld id="{47E4CAE5-FC23-4A44-AD74-93805061EC92}" type="datetimeFigureOut">
               <a:rPr lang="en-US" smtClean="0"/>
-              <a:t>3/29/2018</a:t>
+              <a:t>4/4/2018</a:t>
             </a:fld>
             <a:endParaRPr lang="en-US"/>
           </a:p>
@@ -1051,7 +1060,7 @@
           <a:p>
             <a:fld id="{47E4CAE5-FC23-4A44-AD74-93805061EC92}" type="datetimeFigureOut">
               <a:rPr lang="en-US" smtClean="0"/>
-              <a:t>3/29/2018</a:t>
+              <a:t>4/4/2018</a:t>
             </a:fld>
             <a:endParaRPr lang="en-US"/>
           </a:p>
@@ -1249,7 +1258,7 @@
           <a:p>
             <a:fld id="{47E4CAE5-FC23-4A44-AD74-93805061EC92}" type="datetimeFigureOut">
               <a:rPr lang="en-US" smtClean="0"/>
-              <a:t>3/29/2018</a:t>
+              <a:t>4/4/2018</a:t>
             </a:fld>
             <a:endParaRPr lang="en-US"/>
           </a:p>
@@ -1524,7 +1533,7 @@
           <a:p>
             <a:fld id="{47E4CAE5-FC23-4A44-AD74-93805061EC92}" type="datetimeFigureOut">
               <a:rPr lang="en-US" smtClean="0"/>
-              <a:t>3/29/2018</a:t>
+              <a:t>4/4/2018</a:t>
             </a:fld>
             <a:endParaRPr lang="en-US"/>
           </a:p>
@@ -1789,7 +1798,7 @@
           <a:p>
             <a:fld id="{47E4CAE5-FC23-4A44-AD74-93805061EC92}" type="datetimeFigureOut">
               <a:rPr lang="en-US" smtClean="0"/>
-              <a:t>3/29/2018</a:t>
+              <a:t>4/4/2018</a:t>
             </a:fld>
             <a:endParaRPr lang="en-US"/>
           </a:p>
@@ -2201,7 +2210,7 @@
           <a:p>
             <a:fld id="{47E4CAE5-FC23-4A44-AD74-93805061EC92}" type="datetimeFigureOut">
               <a:rPr lang="en-US" smtClean="0"/>
-              <a:t>3/29/2018</a:t>
+              <a:t>4/4/2018</a:t>
             </a:fld>
             <a:endParaRPr lang="en-US"/>
           </a:p>
@@ -2342,7 +2351,7 @@
           <a:p>
             <a:fld id="{47E4CAE5-FC23-4A44-AD74-93805061EC92}" type="datetimeFigureOut">
               <a:rPr lang="en-US" smtClean="0"/>
-              <a:t>3/29/2018</a:t>
+              <a:t>4/4/2018</a:t>
             </a:fld>
             <a:endParaRPr lang="en-US"/>
           </a:p>
@@ -2455,7 +2464,7 @@
           <a:p>
             <a:fld id="{47E4CAE5-FC23-4A44-AD74-93805061EC92}" type="datetimeFigureOut">
               <a:rPr lang="en-US" smtClean="0"/>
-              <a:t>3/29/2018</a:t>
+              <a:t>4/4/2018</a:t>
             </a:fld>
             <a:endParaRPr lang="en-US"/>
           </a:p>
@@ -2766,7 +2775,7 @@
           <a:p>
             <a:fld id="{47E4CAE5-FC23-4A44-AD74-93805061EC92}" type="datetimeFigureOut">
               <a:rPr lang="en-US" smtClean="0"/>
-              <a:t>3/29/2018</a:t>
+              <a:t>4/4/2018</a:t>
             </a:fld>
             <a:endParaRPr lang="en-US"/>
           </a:p>
@@ -3054,7 +3063,7 @@
           <a:p>
             <a:fld id="{47E4CAE5-FC23-4A44-AD74-93805061EC92}" type="datetimeFigureOut">
               <a:rPr lang="en-US" smtClean="0"/>
-              <a:t>3/29/2018</a:t>
+              <a:t>4/4/2018</a:t>
             </a:fld>
             <a:endParaRPr lang="en-US"/>
           </a:p>
@@ -3295,7 +3304,7 @@
           <a:p>
             <a:fld id="{47E4CAE5-FC23-4A44-AD74-93805061EC92}" type="datetimeFigureOut">
               <a:rPr lang="en-US" smtClean="0"/>
-              <a:t>3/29/2018</a:t>
+              <a:t>4/4/2018</a:t>
             </a:fld>
             <a:endParaRPr lang="en-US"/>
           </a:p>
@@ -10938,7 +10947,7 @@
               <a:rPr lang="en-US" sz="2000" dirty="0">
                 <a:latin typeface="Gill Sans MT" panose="020B0502020104020203" pitchFamily="34" charset="0"/>
               </a:rPr>
-              <a:t>by observing relationships between census data and vote split in the other 9 groups, setting</a:t>
+              <a:t>by observing relationships between census data and vote 	       split in the other 9 groups, setting</a:t>
             </a:r>
             <a:r>
               <a:rPr lang="en-US" sz="2000" i="1" dirty="0">
@@ -11195,7 +11204,7 @@
               <a:rPr lang="en-US" sz="2000" dirty="0">
                 <a:latin typeface="Gill Sans MT" panose="020B0502020104020203" pitchFamily="34" charset="0"/>
               </a:rPr>
-              <a:t>by observing relationships between census data and vote split in the other 9 groups, setting</a:t>
+              <a:t>by observing relationships between census data and vote 	       split in the other 9 groups, setting</a:t>
             </a:r>
             <a:r>
               <a:rPr lang="en-US" sz="2000" i="1" dirty="0">
@@ -11485,7 +11494,7 @@
               <a:rPr lang="en-US" sz="2000" dirty="0">
                 <a:latin typeface="Gill Sans MT" panose="020B0502020104020203" pitchFamily="34" charset="0"/>
               </a:rPr>
-              <a:t>by observing relationships between census data and vote split in the other 9 groups, setting</a:t>
+              <a:t>by observing relationships between census data and vote 	       split in the other 9 groups, setting</a:t>
             </a:r>
             <a:r>
               <a:rPr lang="en-US" sz="2000" i="1" dirty="0">
@@ -11814,7 +11823,7 @@
               <a:rPr lang="en-US" sz="2000" dirty="0">
                 <a:latin typeface="Gill Sans MT" panose="020B0502020104020203" pitchFamily="34" charset="0"/>
               </a:rPr>
-              <a:t>by observing relationships between census data and vote split in the other 9 groups, setting</a:t>
+              <a:t>by observing relationships between census data and vote 	       split in the other 9 groups, setting</a:t>
             </a:r>
             <a:r>
               <a:rPr lang="en-US" sz="2000" i="1" dirty="0">
@@ -12270,7 +12279,19 @@
               <a:rPr lang="en-US" sz="2000" dirty="0">
                 <a:latin typeface="Gill Sans MT" panose="020B0502020104020203" pitchFamily="34" charset="0"/>
               </a:rPr>
-              <a:t>by observing relationships between census data and vote split in the other 9 groups, setting</a:t>
+              <a:t>by observing relationships between census data and </a:t>
+            </a:r>
+            <a:r>
+              <a:rPr lang="en-US" sz="2000">
+                <a:latin typeface="Gill Sans MT" panose="020B0502020104020203" pitchFamily="34" charset="0"/>
+              </a:rPr>
+              <a:t>vote 	       split </a:t>
+            </a:r>
+            <a:r>
+              <a:rPr lang="en-US" sz="2000" dirty="0">
+                <a:latin typeface="Gill Sans MT" panose="020B0502020104020203" pitchFamily="34" charset="0"/>
+              </a:rPr>
+              <a:t>in the other 9 groups, setting</a:t>
             </a:r>
             <a:r>
               <a:rPr lang="en-US" sz="2000" i="1" dirty="0">
@@ -12475,7 +12496,7 @@
             <p:ph idx="1"/>
             <p:extLst>
               <p:ext uri="{D42A27DB-BD31-4B8C-83A1-F6EECF244321}">
-                <p14:modId xmlns:p14="http://schemas.microsoft.com/office/powerpoint/2010/main" val="2754211636"/>
+                <p14:modId xmlns:p14="http://schemas.microsoft.com/office/powerpoint/2010/main" val="3469523361"/>
               </p:ext>
             </p:extLst>
           </p:nvPr>
@@ -12712,6 +12733,12 @@
                     <a:lstStyle/>
                     <a:p>
                       <a:pPr algn="ctr"/>
+                      <a:r>
+                        <a:rPr lang="en-US" dirty="0">
+                          <a:effectLst/>
+                        </a:rPr>
+                        <a:t>0.7401</a:t>
+                      </a:r>
                       <a:endParaRPr lang="en-US" dirty="0"/>
                     </a:p>
                   </a:txBody>
@@ -12744,9 +12771,12 @@
                     <a:p>
                       <a:pPr algn="ctr"/>
                       <a:r>
-                        <a:rPr lang="en-US" dirty="0"/>
-                        <a:t>0.77</a:t>
-                      </a:r>
+                        <a:rPr lang="en-US" dirty="0">
+                          <a:effectLst/>
+                        </a:rPr>
+                        <a:t>0.7686</a:t>
+                      </a:r>
+                      <a:endParaRPr lang="en-US" dirty="0"/>
                     </a:p>
                   </a:txBody>
                   <a:tcPr/>
@@ -14376,7 +14406,7 @@
               <a:rPr lang="en-US" dirty="0">
                 <a:latin typeface="Gill Sans MT" panose="020B0502020104020203" pitchFamily="34" charset="0"/>
               </a:rPr>
-              <a:t> = 0.772</a:t>
+              <a:t> = 0.769</a:t>
             </a:r>
           </a:p>
         </p:txBody>
